--- a/Adobe PPT/Subho_Inception_talk.pptx
+++ b/Adobe PPT/Subho_Inception_talk.pptx
@@ -5,24 +5,27 @@
     <p:sldMasterId id="2147483656" r:id="rId1"/>
   </p:sldMasterIdLst>
   <p:notesMasterIdLst>
-    <p:notesMasterId r:id="rId9"/>
+    <p:notesMasterId r:id="rId12"/>
   </p:notesMasterIdLst>
   <p:handoutMasterIdLst>
-    <p:handoutMasterId r:id="rId10"/>
+    <p:handoutMasterId r:id="rId13"/>
   </p:handoutMasterIdLst>
   <p:sldIdLst>
     <p:sldId id="308" r:id="rId2"/>
     <p:sldId id="287" r:id="rId3"/>
-    <p:sldId id="311" r:id="rId4"/>
-    <p:sldId id="312" r:id="rId5"/>
-    <p:sldId id="309" r:id="rId6"/>
-    <p:sldId id="298" r:id="rId7"/>
-    <p:sldId id="283" r:id="rId8"/>
+    <p:sldId id="315" r:id="rId4"/>
+    <p:sldId id="317" r:id="rId5"/>
+    <p:sldId id="318" r:id="rId6"/>
+    <p:sldId id="312" r:id="rId7"/>
+    <p:sldId id="314" r:id="rId8"/>
+    <p:sldId id="309" r:id="rId9"/>
+    <p:sldId id="298" r:id="rId10"/>
+    <p:sldId id="283" r:id="rId11"/>
   </p:sldIdLst>
   <p:sldSz cx="12188825" cy="6858000"/>
   <p:notesSz cx="6858000" cy="9144000"/>
   <p:custDataLst>
-    <p:tags r:id="rId11"/>
+    <p:tags r:id="rId14"/>
   </p:custDataLst>
   <p:defaultTextStyle>
     <a:defPPr>
@@ -155,6 +158,6574 @@
     </p:ext>
   </p:extLst>
 </p:presentation>
+</file>
+
+<file path=ppt/diagrams/colors1.xml><?xml version="1.0" encoding="utf-8"?>
+<dgm:colorsDef xmlns:dgm="http://schemas.openxmlformats.org/drawingml/2006/diagram" xmlns:a="http://schemas.openxmlformats.org/drawingml/2006/main" uniqueId="urn:microsoft.com/office/officeart/2005/8/colors/accent1_2">
+  <dgm:title val=""/>
+  <dgm:desc val=""/>
+  <dgm:catLst>
+    <dgm:cat type="accent1" pri="11200"/>
+  </dgm:catLst>
+  <dgm:styleLbl name="node0">
+    <dgm:fillClrLst meth="repeat">
+      <a:schemeClr val="accent1"/>
+    </dgm:fillClrLst>
+    <dgm:linClrLst meth="repeat">
+      <a:schemeClr val="lt1"/>
+    </dgm:linClrLst>
+    <dgm:effectClrLst/>
+    <dgm:txLinClrLst/>
+    <dgm:txFillClrLst/>
+    <dgm:txEffectClrLst/>
+  </dgm:styleLbl>
+  <dgm:styleLbl name="alignNode1">
+    <dgm:fillClrLst meth="repeat">
+      <a:schemeClr val="accent1"/>
+    </dgm:fillClrLst>
+    <dgm:linClrLst meth="repeat">
+      <a:schemeClr val="accent1"/>
+    </dgm:linClrLst>
+    <dgm:effectClrLst/>
+    <dgm:txLinClrLst/>
+    <dgm:txFillClrLst/>
+    <dgm:txEffectClrLst/>
+  </dgm:styleLbl>
+  <dgm:styleLbl name="node1">
+    <dgm:fillClrLst meth="repeat">
+      <a:schemeClr val="accent1"/>
+    </dgm:fillClrLst>
+    <dgm:linClrLst meth="repeat">
+      <a:schemeClr val="lt1"/>
+    </dgm:linClrLst>
+    <dgm:effectClrLst/>
+    <dgm:txLinClrLst/>
+    <dgm:txFillClrLst/>
+    <dgm:txEffectClrLst/>
+  </dgm:styleLbl>
+  <dgm:styleLbl name="lnNode1">
+    <dgm:fillClrLst meth="repeat">
+      <a:schemeClr val="accent1"/>
+    </dgm:fillClrLst>
+    <dgm:linClrLst meth="repeat">
+      <a:schemeClr val="lt1"/>
+    </dgm:linClrLst>
+    <dgm:effectClrLst/>
+    <dgm:txLinClrLst/>
+    <dgm:txFillClrLst/>
+    <dgm:txEffectClrLst/>
+  </dgm:styleLbl>
+  <dgm:styleLbl name="vennNode1">
+    <dgm:fillClrLst meth="repeat">
+      <a:schemeClr val="accent1">
+        <a:alpha val="50000"/>
+      </a:schemeClr>
+    </dgm:fillClrLst>
+    <dgm:linClrLst meth="repeat">
+      <a:schemeClr val="lt1"/>
+    </dgm:linClrLst>
+    <dgm:effectClrLst/>
+    <dgm:txLinClrLst/>
+    <dgm:txFillClrLst/>
+    <dgm:txEffectClrLst/>
+  </dgm:styleLbl>
+  <dgm:styleLbl name="node2">
+    <dgm:fillClrLst meth="repeat">
+      <a:schemeClr val="accent1"/>
+    </dgm:fillClrLst>
+    <dgm:linClrLst meth="repeat">
+      <a:schemeClr val="lt1"/>
+    </dgm:linClrLst>
+    <dgm:effectClrLst/>
+    <dgm:txLinClrLst/>
+    <dgm:txFillClrLst/>
+    <dgm:txEffectClrLst/>
+  </dgm:styleLbl>
+  <dgm:styleLbl name="node3">
+    <dgm:fillClrLst meth="repeat">
+      <a:schemeClr val="accent1"/>
+    </dgm:fillClrLst>
+    <dgm:linClrLst meth="repeat">
+      <a:schemeClr val="lt1"/>
+    </dgm:linClrLst>
+    <dgm:effectClrLst/>
+    <dgm:txLinClrLst/>
+    <dgm:txFillClrLst/>
+    <dgm:txEffectClrLst/>
+  </dgm:styleLbl>
+  <dgm:styleLbl name="node4">
+    <dgm:fillClrLst meth="repeat">
+      <a:schemeClr val="accent1"/>
+    </dgm:fillClrLst>
+    <dgm:linClrLst meth="repeat">
+      <a:schemeClr val="lt1"/>
+    </dgm:linClrLst>
+    <dgm:effectClrLst/>
+    <dgm:txLinClrLst/>
+    <dgm:txFillClrLst/>
+    <dgm:txEffectClrLst/>
+  </dgm:styleLbl>
+  <dgm:styleLbl name="fgImgPlace1">
+    <dgm:fillClrLst meth="repeat">
+      <a:schemeClr val="accent1">
+        <a:tint val="50000"/>
+      </a:schemeClr>
+    </dgm:fillClrLst>
+    <dgm:linClrLst meth="repeat">
+      <a:schemeClr val="lt1"/>
+    </dgm:linClrLst>
+    <dgm:effectClrLst/>
+    <dgm:txLinClrLst/>
+    <dgm:txFillClrLst meth="repeat">
+      <a:schemeClr val="lt1"/>
+    </dgm:txFillClrLst>
+    <dgm:txEffectClrLst/>
+  </dgm:styleLbl>
+  <dgm:styleLbl name="alignImgPlace1">
+    <dgm:fillClrLst meth="repeat">
+      <a:schemeClr val="accent1">
+        <a:tint val="50000"/>
+      </a:schemeClr>
+    </dgm:fillClrLst>
+    <dgm:linClrLst meth="repeat">
+      <a:schemeClr val="lt1"/>
+    </dgm:linClrLst>
+    <dgm:effectClrLst/>
+    <dgm:txLinClrLst/>
+    <dgm:txFillClrLst meth="repeat">
+      <a:schemeClr val="lt1"/>
+    </dgm:txFillClrLst>
+    <dgm:txEffectClrLst/>
+  </dgm:styleLbl>
+  <dgm:styleLbl name="bgImgPlace1">
+    <dgm:fillClrLst meth="repeat">
+      <a:schemeClr val="accent1">
+        <a:tint val="50000"/>
+      </a:schemeClr>
+    </dgm:fillClrLst>
+    <dgm:linClrLst meth="repeat">
+      <a:schemeClr val="lt1"/>
+    </dgm:linClrLst>
+    <dgm:effectClrLst/>
+    <dgm:txLinClrLst/>
+    <dgm:txFillClrLst meth="repeat">
+      <a:schemeClr val="lt1"/>
+    </dgm:txFillClrLst>
+    <dgm:txEffectClrLst/>
+  </dgm:styleLbl>
+  <dgm:styleLbl name="sibTrans2D1">
+    <dgm:fillClrLst meth="repeat">
+      <a:schemeClr val="accent1">
+        <a:tint val="60000"/>
+      </a:schemeClr>
+    </dgm:fillClrLst>
+    <dgm:linClrLst meth="repeat">
+      <a:schemeClr val="accent1">
+        <a:tint val="60000"/>
+      </a:schemeClr>
+    </dgm:linClrLst>
+    <dgm:effectClrLst/>
+    <dgm:txLinClrLst/>
+    <dgm:txFillClrLst/>
+    <dgm:txEffectClrLst/>
+  </dgm:styleLbl>
+  <dgm:styleLbl name="fgSibTrans2D1">
+    <dgm:fillClrLst meth="repeat">
+      <a:schemeClr val="accent1">
+        <a:tint val="60000"/>
+      </a:schemeClr>
+    </dgm:fillClrLst>
+    <dgm:linClrLst meth="repeat">
+      <a:schemeClr val="accent1">
+        <a:tint val="60000"/>
+      </a:schemeClr>
+    </dgm:linClrLst>
+    <dgm:effectClrLst/>
+    <dgm:txLinClrLst/>
+    <dgm:txFillClrLst/>
+    <dgm:txEffectClrLst/>
+  </dgm:styleLbl>
+  <dgm:styleLbl name="bgSibTrans2D1">
+    <dgm:fillClrLst meth="repeat">
+      <a:schemeClr val="accent1">
+        <a:tint val="60000"/>
+      </a:schemeClr>
+    </dgm:fillClrLst>
+    <dgm:linClrLst meth="repeat">
+      <a:schemeClr val="accent1">
+        <a:tint val="60000"/>
+      </a:schemeClr>
+    </dgm:linClrLst>
+    <dgm:effectClrLst/>
+    <dgm:txLinClrLst/>
+    <dgm:txFillClrLst/>
+    <dgm:txEffectClrLst/>
+  </dgm:styleLbl>
+  <dgm:styleLbl name="sibTrans1D1">
+    <dgm:fillClrLst meth="repeat">
+      <a:schemeClr val="accent1"/>
+    </dgm:fillClrLst>
+    <dgm:linClrLst meth="repeat">
+      <a:schemeClr val="accent1"/>
+    </dgm:linClrLst>
+    <dgm:effectClrLst/>
+    <dgm:txLinClrLst/>
+    <dgm:txFillClrLst meth="repeat">
+      <a:schemeClr val="tx1"/>
+    </dgm:txFillClrLst>
+    <dgm:txEffectClrLst/>
+  </dgm:styleLbl>
+  <dgm:styleLbl name="callout">
+    <dgm:fillClrLst meth="repeat">
+      <a:schemeClr val="accent1"/>
+    </dgm:fillClrLst>
+    <dgm:linClrLst meth="repeat">
+      <a:schemeClr val="accent1">
+        <a:tint val="50000"/>
+      </a:schemeClr>
+    </dgm:linClrLst>
+    <dgm:effectClrLst/>
+    <dgm:txLinClrLst/>
+    <dgm:txFillClrLst meth="repeat">
+      <a:schemeClr val="tx1"/>
+    </dgm:txFillClrLst>
+    <dgm:txEffectClrLst/>
+  </dgm:styleLbl>
+  <dgm:styleLbl name="asst0">
+    <dgm:fillClrLst meth="repeat">
+      <a:schemeClr val="accent1"/>
+    </dgm:fillClrLst>
+    <dgm:linClrLst meth="repeat">
+      <a:schemeClr val="lt1"/>
+    </dgm:linClrLst>
+    <dgm:effectClrLst/>
+    <dgm:txLinClrLst/>
+    <dgm:txFillClrLst/>
+    <dgm:txEffectClrLst/>
+  </dgm:styleLbl>
+  <dgm:styleLbl name="asst1">
+    <dgm:fillClrLst meth="repeat">
+      <a:schemeClr val="accent1"/>
+    </dgm:fillClrLst>
+    <dgm:linClrLst meth="repeat">
+      <a:schemeClr val="lt1"/>
+    </dgm:linClrLst>
+    <dgm:effectClrLst/>
+    <dgm:txLinClrLst/>
+    <dgm:txFillClrLst/>
+    <dgm:txEffectClrLst/>
+  </dgm:styleLbl>
+  <dgm:styleLbl name="asst2">
+    <dgm:fillClrLst meth="repeat">
+      <a:schemeClr val="accent1"/>
+    </dgm:fillClrLst>
+    <dgm:linClrLst meth="repeat">
+      <a:schemeClr val="lt1"/>
+    </dgm:linClrLst>
+    <dgm:effectClrLst/>
+    <dgm:txLinClrLst/>
+    <dgm:txFillClrLst/>
+    <dgm:txEffectClrLst/>
+  </dgm:styleLbl>
+  <dgm:styleLbl name="asst3">
+    <dgm:fillClrLst meth="repeat">
+      <a:schemeClr val="accent1"/>
+    </dgm:fillClrLst>
+    <dgm:linClrLst meth="repeat">
+      <a:schemeClr val="lt1"/>
+    </dgm:linClrLst>
+    <dgm:effectClrLst/>
+    <dgm:txLinClrLst/>
+    <dgm:txFillClrLst/>
+    <dgm:txEffectClrLst/>
+  </dgm:styleLbl>
+  <dgm:styleLbl name="asst4">
+    <dgm:fillClrLst meth="repeat">
+      <a:schemeClr val="accent1"/>
+    </dgm:fillClrLst>
+    <dgm:linClrLst meth="repeat">
+      <a:schemeClr val="lt1"/>
+    </dgm:linClrLst>
+    <dgm:effectClrLst/>
+    <dgm:txLinClrLst/>
+    <dgm:txFillClrLst/>
+    <dgm:txEffectClrLst/>
+  </dgm:styleLbl>
+  <dgm:styleLbl name="parChTrans2D1">
+    <dgm:fillClrLst meth="repeat">
+      <a:schemeClr val="accent1">
+        <a:tint val="60000"/>
+      </a:schemeClr>
+    </dgm:fillClrLst>
+    <dgm:linClrLst meth="repeat">
+      <a:schemeClr val="accent1">
+        <a:tint val="60000"/>
+      </a:schemeClr>
+    </dgm:linClrLst>
+    <dgm:effectClrLst/>
+    <dgm:txLinClrLst/>
+    <dgm:txFillClrLst meth="repeat">
+      <a:schemeClr val="lt1"/>
+    </dgm:txFillClrLst>
+    <dgm:txEffectClrLst/>
+  </dgm:styleLbl>
+  <dgm:styleLbl name="parChTrans2D2">
+    <dgm:fillClrLst meth="repeat">
+      <a:schemeClr val="accent1"/>
+    </dgm:fillClrLst>
+    <dgm:linClrLst meth="repeat">
+      <a:schemeClr val="accent1"/>
+    </dgm:linClrLst>
+    <dgm:effectClrLst/>
+    <dgm:txLinClrLst/>
+    <dgm:txFillClrLst meth="repeat">
+      <a:schemeClr val="lt1"/>
+    </dgm:txFillClrLst>
+    <dgm:txEffectClrLst/>
+  </dgm:styleLbl>
+  <dgm:styleLbl name="parChTrans2D3">
+    <dgm:fillClrLst meth="repeat">
+      <a:schemeClr val="accent1"/>
+    </dgm:fillClrLst>
+    <dgm:linClrLst meth="repeat">
+      <a:schemeClr val="accent1"/>
+    </dgm:linClrLst>
+    <dgm:effectClrLst/>
+    <dgm:txLinClrLst/>
+    <dgm:txFillClrLst meth="repeat">
+      <a:schemeClr val="lt1"/>
+    </dgm:txFillClrLst>
+    <dgm:txEffectClrLst/>
+  </dgm:styleLbl>
+  <dgm:styleLbl name="parChTrans2D4">
+    <dgm:fillClrLst meth="repeat">
+      <a:schemeClr val="accent1"/>
+    </dgm:fillClrLst>
+    <dgm:linClrLst meth="repeat">
+      <a:schemeClr val="accent1"/>
+    </dgm:linClrLst>
+    <dgm:effectClrLst/>
+    <dgm:txLinClrLst/>
+    <dgm:txFillClrLst meth="repeat">
+      <a:schemeClr val="lt1"/>
+    </dgm:txFillClrLst>
+    <dgm:txEffectClrLst/>
+  </dgm:styleLbl>
+  <dgm:styleLbl name="parChTrans1D1">
+    <dgm:fillClrLst meth="repeat">
+      <a:schemeClr val="accent1"/>
+    </dgm:fillClrLst>
+    <dgm:linClrLst meth="repeat">
+      <a:schemeClr val="accent1">
+        <a:shade val="60000"/>
+      </a:schemeClr>
+    </dgm:linClrLst>
+    <dgm:effectClrLst/>
+    <dgm:txLinClrLst/>
+    <dgm:txFillClrLst meth="repeat">
+      <a:schemeClr val="tx1"/>
+    </dgm:txFillClrLst>
+    <dgm:txEffectClrLst/>
+  </dgm:styleLbl>
+  <dgm:styleLbl name="parChTrans1D2">
+    <dgm:fillClrLst meth="repeat">
+      <a:schemeClr val="accent1"/>
+    </dgm:fillClrLst>
+    <dgm:linClrLst meth="repeat">
+      <a:schemeClr val="accent1">
+        <a:shade val="60000"/>
+      </a:schemeClr>
+    </dgm:linClrLst>
+    <dgm:effectClrLst/>
+    <dgm:txLinClrLst/>
+    <dgm:txFillClrLst meth="repeat">
+      <a:schemeClr val="tx1"/>
+    </dgm:txFillClrLst>
+    <dgm:txEffectClrLst/>
+  </dgm:styleLbl>
+  <dgm:styleLbl name="parChTrans1D3">
+    <dgm:fillClrLst meth="repeat">
+      <a:schemeClr val="accent1"/>
+    </dgm:fillClrLst>
+    <dgm:linClrLst meth="repeat">
+      <a:schemeClr val="accent1">
+        <a:shade val="80000"/>
+      </a:schemeClr>
+    </dgm:linClrLst>
+    <dgm:effectClrLst/>
+    <dgm:txLinClrLst/>
+    <dgm:txFillClrLst meth="repeat">
+      <a:schemeClr val="tx1"/>
+    </dgm:txFillClrLst>
+    <dgm:txEffectClrLst/>
+  </dgm:styleLbl>
+  <dgm:styleLbl name="parChTrans1D4">
+    <dgm:fillClrLst meth="repeat">
+      <a:schemeClr val="accent1"/>
+    </dgm:fillClrLst>
+    <dgm:linClrLst meth="repeat">
+      <a:schemeClr val="accent1">
+        <a:shade val="80000"/>
+      </a:schemeClr>
+    </dgm:linClrLst>
+    <dgm:effectClrLst/>
+    <dgm:txLinClrLst/>
+    <dgm:txFillClrLst meth="repeat">
+      <a:schemeClr val="tx1"/>
+    </dgm:txFillClrLst>
+    <dgm:txEffectClrLst/>
+  </dgm:styleLbl>
+  <dgm:styleLbl name="fgAcc1">
+    <dgm:fillClrLst meth="repeat">
+      <a:schemeClr val="lt1">
+        <a:alpha val="90000"/>
+      </a:schemeClr>
+    </dgm:fillClrLst>
+    <dgm:linClrLst meth="repeat">
+      <a:schemeClr val="accent1"/>
+    </dgm:linClrLst>
+    <dgm:effectClrLst/>
+    <dgm:txLinClrLst/>
+    <dgm:txFillClrLst meth="repeat">
+      <a:schemeClr val="dk1"/>
+    </dgm:txFillClrLst>
+    <dgm:txEffectClrLst/>
+  </dgm:styleLbl>
+  <dgm:styleLbl name="conFgAcc1">
+    <dgm:fillClrLst meth="repeat">
+      <a:schemeClr val="lt1">
+        <a:alpha val="90000"/>
+      </a:schemeClr>
+    </dgm:fillClrLst>
+    <dgm:linClrLst meth="repeat">
+      <a:schemeClr val="accent1"/>
+    </dgm:linClrLst>
+    <dgm:effectClrLst/>
+    <dgm:txLinClrLst/>
+    <dgm:txFillClrLst meth="repeat">
+      <a:schemeClr val="dk1"/>
+    </dgm:txFillClrLst>
+    <dgm:txEffectClrLst/>
+  </dgm:styleLbl>
+  <dgm:styleLbl name="alignAcc1">
+    <dgm:fillClrLst meth="repeat">
+      <a:schemeClr val="lt1">
+        <a:alpha val="90000"/>
+      </a:schemeClr>
+    </dgm:fillClrLst>
+    <dgm:linClrLst meth="repeat">
+      <a:schemeClr val="accent1"/>
+    </dgm:linClrLst>
+    <dgm:effectClrLst/>
+    <dgm:txLinClrLst/>
+    <dgm:txFillClrLst meth="repeat">
+      <a:schemeClr val="dk1"/>
+    </dgm:txFillClrLst>
+    <dgm:txEffectClrLst/>
+  </dgm:styleLbl>
+  <dgm:styleLbl name="trAlignAcc1">
+    <dgm:fillClrLst meth="repeat">
+      <a:schemeClr val="lt1">
+        <a:alpha val="40000"/>
+      </a:schemeClr>
+    </dgm:fillClrLst>
+    <dgm:linClrLst meth="repeat">
+      <a:schemeClr val="accent1"/>
+    </dgm:linClrLst>
+    <dgm:effectClrLst/>
+    <dgm:txLinClrLst/>
+    <dgm:txFillClrLst meth="repeat">
+      <a:schemeClr val="dk1"/>
+    </dgm:txFillClrLst>
+    <dgm:txEffectClrLst/>
+  </dgm:styleLbl>
+  <dgm:styleLbl name="bgAcc1">
+    <dgm:fillClrLst meth="repeat">
+      <a:schemeClr val="lt1">
+        <a:alpha val="90000"/>
+      </a:schemeClr>
+    </dgm:fillClrLst>
+    <dgm:linClrLst meth="repeat">
+      <a:schemeClr val="accent1"/>
+    </dgm:linClrLst>
+    <dgm:effectClrLst/>
+    <dgm:txLinClrLst/>
+    <dgm:txFillClrLst meth="repeat">
+      <a:schemeClr val="dk1"/>
+    </dgm:txFillClrLst>
+    <dgm:txEffectClrLst/>
+  </dgm:styleLbl>
+  <dgm:styleLbl name="solidFgAcc1">
+    <dgm:fillClrLst meth="repeat">
+      <a:schemeClr val="lt1"/>
+    </dgm:fillClrLst>
+    <dgm:linClrLst meth="repeat">
+      <a:schemeClr val="accent1"/>
+    </dgm:linClrLst>
+    <dgm:effectClrLst/>
+    <dgm:txLinClrLst/>
+    <dgm:txFillClrLst meth="repeat">
+      <a:schemeClr val="dk1"/>
+    </dgm:txFillClrLst>
+    <dgm:txEffectClrLst/>
+  </dgm:styleLbl>
+  <dgm:styleLbl name="solidAlignAcc1">
+    <dgm:fillClrLst meth="repeat">
+      <a:schemeClr val="lt1"/>
+    </dgm:fillClrLst>
+    <dgm:linClrLst meth="repeat">
+      <a:schemeClr val="accent1"/>
+    </dgm:linClrLst>
+    <dgm:effectClrLst/>
+    <dgm:txLinClrLst/>
+    <dgm:txFillClrLst meth="repeat">
+      <a:schemeClr val="dk1"/>
+    </dgm:txFillClrLst>
+    <dgm:txEffectClrLst/>
+  </dgm:styleLbl>
+  <dgm:styleLbl name="solidBgAcc1">
+    <dgm:fillClrLst meth="repeat">
+      <a:schemeClr val="lt1"/>
+    </dgm:fillClrLst>
+    <dgm:linClrLst meth="repeat">
+      <a:schemeClr val="accent1"/>
+    </dgm:linClrLst>
+    <dgm:effectClrLst/>
+    <dgm:txLinClrLst/>
+    <dgm:txFillClrLst meth="repeat">
+      <a:schemeClr val="dk1"/>
+    </dgm:txFillClrLst>
+    <dgm:txEffectClrLst/>
+  </dgm:styleLbl>
+  <dgm:styleLbl name="fgAccFollowNode1">
+    <dgm:fillClrLst meth="repeat">
+      <a:schemeClr val="accent1">
+        <a:alpha val="90000"/>
+        <a:tint val="40000"/>
+      </a:schemeClr>
+    </dgm:fillClrLst>
+    <dgm:linClrLst meth="repeat">
+      <a:schemeClr val="accent1">
+        <a:alpha val="90000"/>
+        <a:tint val="40000"/>
+      </a:schemeClr>
+    </dgm:linClrLst>
+    <dgm:effectClrLst/>
+    <dgm:txLinClrLst/>
+    <dgm:txFillClrLst meth="repeat">
+      <a:schemeClr val="dk1"/>
+    </dgm:txFillClrLst>
+    <dgm:txEffectClrLst/>
+  </dgm:styleLbl>
+  <dgm:styleLbl name="alignAccFollowNode1">
+    <dgm:fillClrLst meth="repeat">
+      <a:schemeClr val="accent1">
+        <a:alpha val="90000"/>
+        <a:tint val="40000"/>
+      </a:schemeClr>
+    </dgm:fillClrLst>
+    <dgm:linClrLst meth="repeat">
+      <a:schemeClr val="accent1">
+        <a:alpha val="90000"/>
+        <a:tint val="40000"/>
+      </a:schemeClr>
+    </dgm:linClrLst>
+    <dgm:effectClrLst/>
+    <dgm:txLinClrLst/>
+    <dgm:txFillClrLst meth="repeat">
+      <a:schemeClr val="dk1"/>
+    </dgm:txFillClrLst>
+    <dgm:txEffectClrLst/>
+  </dgm:styleLbl>
+  <dgm:styleLbl name="bgAccFollowNode1">
+    <dgm:fillClrLst meth="repeat">
+      <a:schemeClr val="accent1">
+        <a:alpha val="90000"/>
+        <a:tint val="40000"/>
+      </a:schemeClr>
+    </dgm:fillClrLst>
+    <dgm:linClrLst meth="repeat">
+      <a:schemeClr val="accent1">
+        <a:alpha val="90000"/>
+        <a:tint val="40000"/>
+      </a:schemeClr>
+    </dgm:linClrLst>
+    <dgm:effectClrLst/>
+    <dgm:txLinClrLst/>
+    <dgm:txFillClrLst meth="repeat">
+      <a:schemeClr val="dk1"/>
+    </dgm:txFillClrLst>
+    <dgm:txEffectClrLst/>
+  </dgm:styleLbl>
+  <dgm:styleLbl name="fgAcc0">
+    <dgm:fillClrLst meth="repeat">
+      <a:schemeClr val="lt1">
+        <a:alpha val="90000"/>
+      </a:schemeClr>
+    </dgm:fillClrLst>
+    <dgm:linClrLst meth="repeat">
+      <a:schemeClr val="accent1"/>
+    </dgm:linClrLst>
+    <dgm:effectClrLst/>
+    <dgm:txLinClrLst/>
+    <dgm:txFillClrLst meth="repeat">
+      <a:schemeClr val="dk1"/>
+    </dgm:txFillClrLst>
+    <dgm:txEffectClrLst/>
+  </dgm:styleLbl>
+  <dgm:styleLbl name="fgAcc2">
+    <dgm:fillClrLst meth="repeat">
+      <a:schemeClr val="lt1">
+        <a:alpha val="90000"/>
+      </a:schemeClr>
+    </dgm:fillClrLst>
+    <dgm:linClrLst meth="repeat">
+      <a:schemeClr val="accent1"/>
+    </dgm:linClrLst>
+    <dgm:effectClrLst/>
+    <dgm:txLinClrLst/>
+    <dgm:txFillClrLst meth="repeat">
+      <a:schemeClr val="dk1"/>
+    </dgm:txFillClrLst>
+    <dgm:txEffectClrLst/>
+  </dgm:styleLbl>
+  <dgm:styleLbl name="fgAcc3">
+    <dgm:fillClrLst meth="repeat">
+      <a:schemeClr val="lt1">
+        <a:alpha val="90000"/>
+      </a:schemeClr>
+    </dgm:fillClrLst>
+    <dgm:linClrLst meth="repeat">
+      <a:schemeClr val="accent1"/>
+    </dgm:linClrLst>
+    <dgm:effectClrLst/>
+    <dgm:txLinClrLst/>
+    <dgm:txFillClrLst meth="repeat">
+      <a:schemeClr val="dk1"/>
+    </dgm:txFillClrLst>
+    <dgm:txEffectClrLst/>
+  </dgm:styleLbl>
+  <dgm:styleLbl name="fgAcc4">
+    <dgm:fillClrLst meth="repeat">
+      <a:schemeClr val="lt1">
+        <a:alpha val="90000"/>
+      </a:schemeClr>
+    </dgm:fillClrLst>
+    <dgm:linClrLst meth="repeat">
+      <a:schemeClr val="accent1"/>
+    </dgm:linClrLst>
+    <dgm:effectClrLst/>
+    <dgm:txLinClrLst/>
+    <dgm:txFillClrLst meth="repeat">
+      <a:schemeClr val="dk1"/>
+    </dgm:txFillClrLst>
+    <dgm:txEffectClrLst/>
+  </dgm:styleLbl>
+  <dgm:styleLbl name="bgShp">
+    <dgm:fillClrLst meth="repeat">
+      <a:schemeClr val="accent1">
+        <a:tint val="40000"/>
+      </a:schemeClr>
+    </dgm:fillClrLst>
+    <dgm:linClrLst meth="repeat">
+      <a:schemeClr val="accent1"/>
+    </dgm:linClrLst>
+    <dgm:effectClrLst/>
+    <dgm:txLinClrLst/>
+    <dgm:txFillClrLst meth="repeat">
+      <a:schemeClr val="dk1"/>
+    </dgm:txFillClrLst>
+    <dgm:txEffectClrLst/>
+  </dgm:styleLbl>
+  <dgm:styleLbl name="dkBgShp">
+    <dgm:fillClrLst meth="repeat">
+      <a:schemeClr val="accent1">
+        <a:shade val="80000"/>
+      </a:schemeClr>
+    </dgm:fillClrLst>
+    <dgm:linClrLst meth="repeat">
+      <a:schemeClr val="accent1"/>
+    </dgm:linClrLst>
+    <dgm:effectClrLst/>
+    <dgm:txLinClrLst/>
+    <dgm:txFillClrLst meth="repeat">
+      <a:schemeClr val="lt1"/>
+    </dgm:txFillClrLst>
+    <dgm:txEffectClrLst/>
+  </dgm:styleLbl>
+  <dgm:styleLbl name="trBgShp">
+    <dgm:fillClrLst meth="repeat">
+      <a:schemeClr val="accent1">
+        <a:tint val="50000"/>
+        <a:alpha val="40000"/>
+      </a:schemeClr>
+    </dgm:fillClrLst>
+    <dgm:linClrLst meth="repeat">
+      <a:schemeClr val="accent1"/>
+    </dgm:linClrLst>
+    <dgm:effectClrLst/>
+    <dgm:txLinClrLst/>
+    <dgm:txFillClrLst meth="repeat">
+      <a:schemeClr val="lt1"/>
+    </dgm:txFillClrLst>
+    <dgm:txEffectClrLst/>
+  </dgm:styleLbl>
+  <dgm:styleLbl name="fgShp">
+    <dgm:fillClrLst meth="repeat">
+      <a:schemeClr val="accent1">
+        <a:tint val="60000"/>
+      </a:schemeClr>
+    </dgm:fillClrLst>
+    <dgm:linClrLst meth="repeat">
+      <a:schemeClr val="lt1"/>
+    </dgm:linClrLst>
+    <dgm:effectClrLst/>
+    <dgm:txLinClrLst/>
+    <dgm:txFillClrLst meth="repeat">
+      <a:schemeClr val="dk1"/>
+    </dgm:txFillClrLst>
+    <dgm:txEffectClrLst/>
+  </dgm:styleLbl>
+  <dgm:styleLbl name="revTx">
+    <dgm:fillClrLst meth="repeat">
+      <a:schemeClr val="lt1">
+        <a:alpha val="0"/>
+      </a:schemeClr>
+    </dgm:fillClrLst>
+    <dgm:linClrLst meth="repeat">
+      <a:schemeClr val="dk1">
+        <a:alpha val="0"/>
+      </a:schemeClr>
+    </dgm:linClrLst>
+    <dgm:effectClrLst/>
+    <dgm:txLinClrLst/>
+    <dgm:txFillClrLst meth="repeat">
+      <a:schemeClr val="tx1"/>
+    </dgm:txFillClrLst>
+    <dgm:txEffectClrLst/>
+  </dgm:styleLbl>
+</dgm:colorsDef>
+</file>
+
+<file path=ppt/diagrams/colors2.xml><?xml version="1.0" encoding="utf-8"?>
+<dgm:colorsDef xmlns:dgm="http://schemas.openxmlformats.org/drawingml/2006/diagram" xmlns:a="http://schemas.openxmlformats.org/drawingml/2006/main" uniqueId="urn:microsoft.com/office/officeart/2005/8/colors/accent1_2">
+  <dgm:title val=""/>
+  <dgm:desc val=""/>
+  <dgm:catLst>
+    <dgm:cat type="accent1" pri="11200"/>
+  </dgm:catLst>
+  <dgm:styleLbl name="node0">
+    <dgm:fillClrLst meth="repeat">
+      <a:schemeClr val="accent1"/>
+    </dgm:fillClrLst>
+    <dgm:linClrLst meth="repeat">
+      <a:schemeClr val="lt1"/>
+    </dgm:linClrLst>
+    <dgm:effectClrLst/>
+    <dgm:txLinClrLst/>
+    <dgm:txFillClrLst/>
+    <dgm:txEffectClrLst/>
+  </dgm:styleLbl>
+  <dgm:styleLbl name="alignNode1">
+    <dgm:fillClrLst meth="repeat">
+      <a:schemeClr val="accent1"/>
+    </dgm:fillClrLst>
+    <dgm:linClrLst meth="repeat">
+      <a:schemeClr val="accent1"/>
+    </dgm:linClrLst>
+    <dgm:effectClrLst/>
+    <dgm:txLinClrLst/>
+    <dgm:txFillClrLst/>
+    <dgm:txEffectClrLst/>
+  </dgm:styleLbl>
+  <dgm:styleLbl name="node1">
+    <dgm:fillClrLst meth="repeat">
+      <a:schemeClr val="accent1"/>
+    </dgm:fillClrLst>
+    <dgm:linClrLst meth="repeat">
+      <a:schemeClr val="lt1"/>
+    </dgm:linClrLst>
+    <dgm:effectClrLst/>
+    <dgm:txLinClrLst/>
+    <dgm:txFillClrLst/>
+    <dgm:txEffectClrLst/>
+  </dgm:styleLbl>
+  <dgm:styleLbl name="lnNode1">
+    <dgm:fillClrLst meth="repeat">
+      <a:schemeClr val="accent1"/>
+    </dgm:fillClrLst>
+    <dgm:linClrLst meth="repeat">
+      <a:schemeClr val="lt1"/>
+    </dgm:linClrLst>
+    <dgm:effectClrLst/>
+    <dgm:txLinClrLst/>
+    <dgm:txFillClrLst/>
+    <dgm:txEffectClrLst/>
+  </dgm:styleLbl>
+  <dgm:styleLbl name="vennNode1">
+    <dgm:fillClrLst meth="repeat">
+      <a:schemeClr val="accent1">
+        <a:alpha val="50000"/>
+      </a:schemeClr>
+    </dgm:fillClrLst>
+    <dgm:linClrLst meth="repeat">
+      <a:schemeClr val="lt1"/>
+    </dgm:linClrLst>
+    <dgm:effectClrLst/>
+    <dgm:txLinClrLst/>
+    <dgm:txFillClrLst/>
+    <dgm:txEffectClrLst/>
+  </dgm:styleLbl>
+  <dgm:styleLbl name="node2">
+    <dgm:fillClrLst meth="repeat">
+      <a:schemeClr val="accent1"/>
+    </dgm:fillClrLst>
+    <dgm:linClrLst meth="repeat">
+      <a:schemeClr val="lt1"/>
+    </dgm:linClrLst>
+    <dgm:effectClrLst/>
+    <dgm:txLinClrLst/>
+    <dgm:txFillClrLst/>
+    <dgm:txEffectClrLst/>
+  </dgm:styleLbl>
+  <dgm:styleLbl name="node3">
+    <dgm:fillClrLst meth="repeat">
+      <a:schemeClr val="accent1"/>
+    </dgm:fillClrLst>
+    <dgm:linClrLst meth="repeat">
+      <a:schemeClr val="lt1"/>
+    </dgm:linClrLst>
+    <dgm:effectClrLst/>
+    <dgm:txLinClrLst/>
+    <dgm:txFillClrLst/>
+    <dgm:txEffectClrLst/>
+  </dgm:styleLbl>
+  <dgm:styleLbl name="node4">
+    <dgm:fillClrLst meth="repeat">
+      <a:schemeClr val="accent1"/>
+    </dgm:fillClrLst>
+    <dgm:linClrLst meth="repeat">
+      <a:schemeClr val="lt1"/>
+    </dgm:linClrLst>
+    <dgm:effectClrLst/>
+    <dgm:txLinClrLst/>
+    <dgm:txFillClrLst/>
+    <dgm:txEffectClrLst/>
+  </dgm:styleLbl>
+  <dgm:styleLbl name="fgImgPlace1">
+    <dgm:fillClrLst meth="repeat">
+      <a:schemeClr val="accent1">
+        <a:tint val="50000"/>
+      </a:schemeClr>
+    </dgm:fillClrLst>
+    <dgm:linClrLst meth="repeat">
+      <a:schemeClr val="lt1"/>
+    </dgm:linClrLst>
+    <dgm:effectClrLst/>
+    <dgm:txLinClrLst/>
+    <dgm:txFillClrLst meth="repeat">
+      <a:schemeClr val="lt1"/>
+    </dgm:txFillClrLst>
+    <dgm:txEffectClrLst/>
+  </dgm:styleLbl>
+  <dgm:styleLbl name="alignImgPlace1">
+    <dgm:fillClrLst meth="repeat">
+      <a:schemeClr val="accent1">
+        <a:tint val="50000"/>
+      </a:schemeClr>
+    </dgm:fillClrLst>
+    <dgm:linClrLst meth="repeat">
+      <a:schemeClr val="lt1"/>
+    </dgm:linClrLst>
+    <dgm:effectClrLst/>
+    <dgm:txLinClrLst/>
+    <dgm:txFillClrLst meth="repeat">
+      <a:schemeClr val="lt1"/>
+    </dgm:txFillClrLst>
+    <dgm:txEffectClrLst/>
+  </dgm:styleLbl>
+  <dgm:styleLbl name="bgImgPlace1">
+    <dgm:fillClrLst meth="repeat">
+      <a:schemeClr val="accent1">
+        <a:tint val="50000"/>
+      </a:schemeClr>
+    </dgm:fillClrLst>
+    <dgm:linClrLst meth="repeat">
+      <a:schemeClr val="lt1"/>
+    </dgm:linClrLst>
+    <dgm:effectClrLst/>
+    <dgm:txLinClrLst/>
+    <dgm:txFillClrLst meth="repeat">
+      <a:schemeClr val="lt1"/>
+    </dgm:txFillClrLst>
+    <dgm:txEffectClrLst/>
+  </dgm:styleLbl>
+  <dgm:styleLbl name="sibTrans2D1">
+    <dgm:fillClrLst meth="repeat">
+      <a:schemeClr val="accent1">
+        <a:tint val="60000"/>
+      </a:schemeClr>
+    </dgm:fillClrLst>
+    <dgm:linClrLst meth="repeat">
+      <a:schemeClr val="accent1">
+        <a:tint val="60000"/>
+      </a:schemeClr>
+    </dgm:linClrLst>
+    <dgm:effectClrLst/>
+    <dgm:txLinClrLst/>
+    <dgm:txFillClrLst/>
+    <dgm:txEffectClrLst/>
+  </dgm:styleLbl>
+  <dgm:styleLbl name="fgSibTrans2D1">
+    <dgm:fillClrLst meth="repeat">
+      <a:schemeClr val="accent1">
+        <a:tint val="60000"/>
+      </a:schemeClr>
+    </dgm:fillClrLst>
+    <dgm:linClrLst meth="repeat">
+      <a:schemeClr val="accent1">
+        <a:tint val="60000"/>
+      </a:schemeClr>
+    </dgm:linClrLst>
+    <dgm:effectClrLst/>
+    <dgm:txLinClrLst/>
+    <dgm:txFillClrLst/>
+    <dgm:txEffectClrLst/>
+  </dgm:styleLbl>
+  <dgm:styleLbl name="bgSibTrans2D1">
+    <dgm:fillClrLst meth="repeat">
+      <a:schemeClr val="accent1">
+        <a:tint val="60000"/>
+      </a:schemeClr>
+    </dgm:fillClrLst>
+    <dgm:linClrLst meth="repeat">
+      <a:schemeClr val="accent1">
+        <a:tint val="60000"/>
+      </a:schemeClr>
+    </dgm:linClrLst>
+    <dgm:effectClrLst/>
+    <dgm:txLinClrLst/>
+    <dgm:txFillClrLst/>
+    <dgm:txEffectClrLst/>
+  </dgm:styleLbl>
+  <dgm:styleLbl name="sibTrans1D1">
+    <dgm:fillClrLst meth="repeat">
+      <a:schemeClr val="accent1"/>
+    </dgm:fillClrLst>
+    <dgm:linClrLst meth="repeat">
+      <a:schemeClr val="accent1"/>
+    </dgm:linClrLst>
+    <dgm:effectClrLst/>
+    <dgm:txLinClrLst/>
+    <dgm:txFillClrLst meth="repeat">
+      <a:schemeClr val="tx1"/>
+    </dgm:txFillClrLst>
+    <dgm:txEffectClrLst/>
+  </dgm:styleLbl>
+  <dgm:styleLbl name="callout">
+    <dgm:fillClrLst meth="repeat">
+      <a:schemeClr val="accent1"/>
+    </dgm:fillClrLst>
+    <dgm:linClrLst meth="repeat">
+      <a:schemeClr val="accent1">
+        <a:tint val="50000"/>
+      </a:schemeClr>
+    </dgm:linClrLst>
+    <dgm:effectClrLst/>
+    <dgm:txLinClrLst/>
+    <dgm:txFillClrLst meth="repeat">
+      <a:schemeClr val="tx1"/>
+    </dgm:txFillClrLst>
+    <dgm:txEffectClrLst/>
+  </dgm:styleLbl>
+  <dgm:styleLbl name="asst0">
+    <dgm:fillClrLst meth="repeat">
+      <a:schemeClr val="accent1"/>
+    </dgm:fillClrLst>
+    <dgm:linClrLst meth="repeat">
+      <a:schemeClr val="lt1"/>
+    </dgm:linClrLst>
+    <dgm:effectClrLst/>
+    <dgm:txLinClrLst/>
+    <dgm:txFillClrLst/>
+    <dgm:txEffectClrLst/>
+  </dgm:styleLbl>
+  <dgm:styleLbl name="asst1">
+    <dgm:fillClrLst meth="repeat">
+      <a:schemeClr val="accent1"/>
+    </dgm:fillClrLst>
+    <dgm:linClrLst meth="repeat">
+      <a:schemeClr val="lt1"/>
+    </dgm:linClrLst>
+    <dgm:effectClrLst/>
+    <dgm:txLinClrLst/>
+    <dgm:txFillClrLst/>
+    <dgm:txEffectClrLst/>
+  </dgm:styleLbl>
+  <dgm:styleLbl name="asst2">
+    <dgm:fillClrLst meth="repeat">
+      <a:schemeClr val="accent1"/>
+    </dgm:fillClrLst>
+    <dgm:linClrLst meth="repeat">
+      <a:schemeClr val="lt1"/>
+    </dgm:linClrLst>
+    <dgm:effectClrLst/>
+    <dgm:txLinClrLst/>
+    <dgm:txFillClrLst/>
+    <dgm:txEffectClrLst/>
+  </dgm:styleLbl>
+  <dgm:styleLbl name="asst3">
+    <dgm:fillClrLst meth="repeat">
+      <a:schemeClr val="accent1"/>
+    </dgm:fillClrLst>
+    <dgm:linClrLst meth="repeat">
+      <a:schemeClr val="lt1"/>
+    </dgm:linClrLst>
+    <dgm:effectClrLst/>
+    <dgm:txLinClrLst/>
+    <dgm:txFillClrLst/>
+    <dgm:txEffectClrLst/>
+  </dgm:styleLbl>
+  <dgm:styleLbl name="asst4">
+    <dgm:fillClrLst meth="repeat">
+      <a:schemeClr val="accent1"/>
+    </dgm:fillClrLst>
+    <dgm:linClrLst meth="repeat">
+      <a:schemeClr val="lt1"/>
+    </dgm:linClrLst>
+    <dgm:effectClrLst/>
+    <dgm:txLinClrLst/>
+    <dgm:txFillClrLst/>
+    <dgm:txEffectClrLst/>
+  </dgm:styleLbl>
+  <dgm:styleLbl name="parChTrans2D1">
+    <dgm:fillClrLst meth="repeat">
+      <a:schemeClr val="accent1">
+        <a:tint val="60000"/>
+      </a:schemeClr>
+    </dgm:fillClrLst>
+    <dgm:linClrLst meth="repeat">
+      <a:schemeClr val="accent1">
+        <a:tint val="60000"/>
+      </a:schemeClr>
+    </dgm:linClrLst>
+    <dgm:effectClrLst/>
+    <dgm:txLinClrLst/>
+    <dgm:txFillClrLst meth="repeat">
+      <a:schemeClr val="lt1"/>
+    </dgm:txFillClrLst>
+    <dgm:txEffectClrLst/>
+  </dgm:styleLbl>
+  <dgm:styleLbl name="parChTrans2D2">
+    <dgm:fillClrLst meth="repeat">
+      <a:schemeClr val="accent1"/>
+    </dgm:fillClrLst>
+    <dgm:linClrLst meth="repeat">
+      <a:schemeClr val="accent1"/>
+    </dgm:linClrLst>
+    <dgm:effectClrLst/>
+    <dgm:txLinClrLst/>
+    <dgm:txFillClrLst meth="repeat">
+      <a:schemeClr val="lt1"/>
+    </dgm:txFillClrLst>
+    <dgm:txEffectClrLst/>
+  </dgm:styleLbl>
+  <dgm:styleLbl name="parChTrans2D3">
+    <dgm:fillClrLst meth="repeat">
+      <a:schemeClr val="accent1"/>
+    </dgm:fillClrLst>
+    <dgm:linClrLst meth="repeat">
+      <a:schemeClr val="accent1"/>
+    </dgm:linClrLst>
+    <dgm:effectClrLst/>
+    <dgm:txLinClrLst/>
+    <dgm:txFillClrLst meth="repeat">
+      <a:schemeClr val="lt1"/>
+    </dgm:txFillClrLst>
+    <dgm:txEffectClrLst/>
+  </dgm:styleLbl>
+  <dgm:styleLbl name="parChTrans2D4">
+    <dgm:fillClrLst meth="repeat">
+      <a:schemeClr val="accent1"/>
+    </dgm:fillClrLst>
+    <dgm:linClrLst meth="repeat">
+      <a:schemeClr val="accent1"/>
+    </dgm:linClrLst>
+    <dgm:effectClrLst/>
+    <dgm:txLinClrLst/>
+    <dgm:txFillClrLst meth="repeat">
+      <a:schemeClr val="lt1"/>
+    </dgm:txFillClrLst>
+    <dgm:txEffectClrLst/>
+  </dgm:styleLbl>
+  <dgm:styleLbl name="parChTrans1D1">
+    <dgm:fillClrLst meth="repeat">
+      <a:schemeClr val="accent1"/>
+    </dgm:fillClrLst>
+    <dgm:linClrLst meth="repeat">
+      <a:schemeClr val="accent1">
+        <a:shade val="60000"/>
+      </a:schemeClr>
+    </dgm:linClrLst>
+    <dgm:effectClrLst/>
+    <dgm:txLinClrLst/>
+    <dgm:txFillClrLst meth="repeat">
+      <a:schemeClr val="tx1"/>
+    </dgm:txFillClrLst>
+    <dgm:txEffectClrLst/>
+  </dgm:styleLbl>
+  <dgm:styleLbl name="parChTrans1D2">
+    <dgm:fillClrLst meth="repeat">
+      <a:schemeClr val="accent1"/>
+    </dgm:fillClrLst>
+    <dgm:linClrLst meth="repeat">
+      <a:schemeClr val="accent1">
+        <a:shade val="60000"/>
+      </a:schemeClr>
+    </dgm:linClrLst>
+    <dgm:effectClrLst/>
+    <dgm:txLinClrLst/>
+    <dgm:txFillClrLst meth="repeat">
+      <a:schemeClr val="tx1"/>
+    </dgm:txFillClrLst>
+    <dgm:txEffectClrLst/>
+  </dgm:styleLbl>
+  <dgm:styleLbl name="parChTrans1D3">
+    <dgm:fillClrLst meth="repeat">
+      <a:schemeClr val="accent1"/>
+    </dgm:fillClrLst>
+    <dgm:linClrLst meth="repeat">
+      <a:schemeClr val="accent1">
+        <a:shade val="80000"/>
+      </a:schemeClr>
+    </dgm:linClrLst>
+    <dgm:effectClrLst/>
+    <dgm:txLinClrLst/>
+    <dgm:txFillClrLst meth="repeat">
+      <a:schemeClr val="tx1"/>
+    </dgm:txFillClrLst>
+    <dgm:txEffectClrLst/>
+  </dgm:styleLbl>
+  <dgm:styleLbl name="parChTrans1D4">
+    <dgm:fillClrLst meth="repeat">
+      <a:schemeClr val="accent1"/>
+    </dgm:fillClrLst>
+    <dgm:linClrLst meth="repeat">
+      <a:schemeClr val="accent1">
+        <a:shade val="80000"/>
+      </a:schemeClr>
+    </dgm:linClrLst>
+    <dgm:effectClrLst/>
+    <dgm:txLinClrLst/>
+    <dgm:txFillClrLst meth="repeat">
+      <a:schemeClr val="tx1"/>
+    </dgm:txFillClrLst>
+    <dgm:txEffectClrLst/>
+  </dgm:styleLbl>
+  <dgm:styleLbl name="fgAcc1">
+    <dgm:fillClrLst meth="repeat">
+      <a:schemeClr val="lt1">
+        <a:alpha val="90000"/>
+      </a:schemeClr>
+    </dgm:fillClrLst>
+    <dgm:linClrLst meth="repeat">
+      <a:schemeClr val="accent1"/>
+    </dgm:linClrLst>
+    <dgm:effectClrLst/>
+    <dgm:txLinClrLst/>
+    <dgm:txFillClrLst meth="repeat">
+      <a:schemeClr val="dk1"/>
+    </dgm:txFillClrLst>
+    <dgm:txEffectClrLst/>
+  </dgm:styleLbl>
+  <dgm:styleLbl name="conFgAcc1">
+    <dgm:fillClrLst meth="repeat">
+      <a:schemeClr val="lt1">
+        <a:alpha val="90000"/>
+      </a:schemeClr>
+    </dgm:fillClrLst>
+    <dgm:linClrLst meth="repeat">
+      <a:schemeClr val="accent1"/>
+    </dgm:linClrLst>
+    <dgm:effectClrLst/>
+    <dgm:txLinClrLst/>
+    <dgm:txFillClrLst meth="repeat">
+      <a:schemeClr val="dk1"/>
+    </dgm:txFillClrLst>
+    <dgm:txEffectClrLst/>
+  </dgm:styleLbl>
+  <dgm:styleLbl name="alignAcc1">
+    <dgm:fillClrLst meth="repeat">
+      <a:schemeClr val="lt1">
+        <a:alpha val="90000"/>
+      </a:schemeClr>
+    </dgm:fillClrLst>
+    <dgm:linClrLst meth="repeat">
+      <a:schemeClr val="accent1"/>
+    </dgm:linClrLst>
+    <dgm:effectClrLst/>
+    <dgm:txLinClrLst/>
+    <dgm:txFillClrLst meth="repeat">
+      <a:schemeClr val="dk1"/>
+    </dgm:txFillClrLst>
+    <dgm:txEffectClrLst/>
+  </dgm:styleLbl>
+  <dgm:styleLbl name="trAlignAcc1">
+    <dgm:fillClrLst meth="repeat">
+      <a:schemeClr val="lt1">
+        <a:alpha val="40000"/>
+      </a:schemeClr>
+    </dgm:fillClrLst>
+    <dgm:linClrLst meth="repeat">
+      <a:schemeClr val="accent1"/>
+    </dgm:linClrLst>
+    <dgm:effectClrLst/>
+    <dgm:txLinClrLst/>
+    <dgm:txFillClrLst meth="repeat">
+      <a:schemeClr val="dk1"/>
+    </dgm:txFillClrLst>
+    <dgm:txEffectClrLst/>
+  </dgm:styleLbl>
+  <dgm:styleLbl name="bgAcc1">
+    <dgm:fillClrLst meth="repeat">
+      <a:schemeClr val="lt1">
+        <a:alpha val="90000"/>
+      </a:schemeClr>
+    </dgm:fillClrLst>
+    <dgm:linClrLst meth="repeat">
+      <a:schemeClr val="accent1"/>
+    </dgm:linClrLst>
+    <dgm:effectClrLst/>
+    <dgm:txLinClrLst/>
+    <dgm:txFillClrLst meth="repeat">
+      <a:schemeClr val="dk1"/>
+    </dgm:txFillClrLst>
+    <dgm:txEffectClrLst/>
+  </dgm:styleLbl>
+  <dgm:styleLbl name="solidFgAcc1">
+    <dgm:fillClrLst meth="repeat">
+      <a:schemeClr val="lt1"/>
+    </dgm:fillClrLst>
+    <dgm:linClrLst meth="repeat">
+      <a:schemeClr val="accent1"/>
+    </dgm:linClrLst>
+    <dgm:effectClrLst/>
+    <dgm:txLinClrLst/>
+    <dgm:txFillClrLst meth="repeat">
+      <a:schemeClr val="dk1"/>
+    </dgm:txFillClrLst>
+    <dgm:txEffectClrLst/>
+  </dgm:styleLbl>
+  <dgm:styleLbl name="solidAlignAcc1">
+    <dgm:fillClrLst meth="repeat">
+      <a:schemeClr val="lt1"/>
+    </dgm:fillClrLst>
+    <dgm:linClrLst meth="repeat">
+      <a:schemeClr val="accent1"/>
+    </dgm:linClrLst>
+    <dgm:effectClrLst/>
+    <dgm:txLinClrLst/>
+    <dgm:txFillClrLst meth="repeat">
+      <a:schemeClr val="dk1"/>
+    </dgm:txFillClrLst>
+    <dgm:txEffectClrLst/>
+  </dgm:styleLbl>
+  <dgm:styleLbl name="solidBgAcc1">
+    <dgm:fillClrLst meth="repeat">
+      <a:schemeClr val="lt1"/>
+    </dgm:fillClrLst>
+    <dgm:linClrLst meth="repeat">
+      <a:schemeClr val="accent1"/>
+    </dgm:linClrLst>
+    <dgm:effectClrLst/>
+    <dgm:txLinClrLst/>
+    <dgm:txFillClrLst meth="repeat">
+      <a:schemeClr val="dk1"/>
+    </dgm:txFillClrLst>
+    <dgm:txEffectClrLst/>
+  </dgm:styleLbl>
+  <dgm:styleLbl name="fgAccFollowNode1">
+    <dgm:fillClrLst meth="repeat">
+      <a:schemeClr val="accent1">
+        <a:alpha val="90000"/>
+        <a:tint val="40000"/>
+      </a:schemeClr>
+    </dgm:fillClrLst>
+    <dgm:linClrLst meth="repeat">
+      <a:schemeClr val="accent1">
+        <a:alpha val="90000"/>
+        <a:tint val="40000"/>
+      </a:schemeClr>
+    </dgm:linClrLst>
+    <dgm:effectClrLst/>
+    <dgm:txLinClrLst/>
+    <dgm:txFillClrLst meth="repeat">
+      <a:schemeClr val="dk1"/>
+    </dgm:txFillClrLst>
+    <dgm:txEffectClrLst/>
+  </dgm:styleLbl>
+  <dgm:styleLbl name="alignAccFollowNode1">
+    <dgm:fillClrLst meth="repeat">
+      <a:schemeClr val="accent1">
+        <a:alpha val="90000"/>
+        <a:tint val="40000"/>
+      </a:schemeClr>
+    </dgm:fillClrLst>
+    <dgm:linClrLst meth="repeat">
+      <a:schemeClr val="accent1">
+        <a:alpha val="90000"/>
+        <a:tint val="40000"/>
+      </a:schemeClr>
+    </dgm:linClrLst>
+    <dgm:effectClrLst/>
+    <dgm:txLinClrLst/>
+    <dgm:txFillClrLst meth="repeat">
+      <a:schemeClr val="dk1"/>
+    </dgm:txFillClrLst>
+    <dgm:txEffectClrLst/>
+  </dgm:styleLbl>
+  <dgm:styleLbl name="bgAccFollowNode1">
+    <dgm:fillClrLst meth="repeat">
+      <a:schemeClr val="accent1">
+        <a:alpha val="90000"/>
+        <a:tint val="40000"/>
+      </a:schemeClr>
+    </dgm:fillClrLst>
+    <dgm:linClrLst meth="repeat">
+      <a:schemeClr val="accent1">
+        <a:alpha val="90000"/>
+        <a:tint val="40000"/>
+      </a:schemeClr>
+    </dgm:linClrLst>
+    <dgm:effectClrLst/>
+    <dgm:txLinClrLst/>
+    <dgm:txFillClrLst meth="repeat">
+      <a:schemeClr val="dk1"/>
+    </dgm:txFillClrLst>
+    <dgm:txEffectClrLst/>
+  </dgm:styleLbl>
+  <dgm:styleLbl name="fgAcc0">
+    <dgm:fillClrLst meth="repeat">
+      <a:schemeClr val="lt1">
+        <a:alpha val="90000"/>
+      </a:schemeClr>
+    </dgm:fillClrLst>
+    <dgm:linClrLst meth="repeat">
+      <a:schemeClr val="accent1"/>
+    </dgm:linClrLst>
+    <dgm:effectClrLst/>
+    <dgm:txLinClrLst/>
+    <dgm:txFillClrLst meth="repeat">
+      <a:schemeClr val="dk1"/>
+    </dgm:txFillClrLst>
+    <dgm:txEffectClrLst/>
+  </dgm:styleLbl>
+  <dgm:styleLbl name="fgAcc2">
+    <dgm:fillClrLst meth="repeat">
+      <a:schemeClr val="lt1">
+        <a:alpha val="90000"/>
+      </a:schemeClr>
+    </dgm:fillClrLst>
+    <dgm:linClrLst meth="repeat">
+      <a:schemeClr val="accent1"/>
+    </dgm:linClrLst>
+    <dgm:effectClrLst/>
+    <dgm:txLinClrLst/>
+    <dgm:txFillClrLst meth="repeat">
+      <a:schemeClr val="dk1"/>
+    </dgm:txFillClrLst>
+    <dgm:txEffectClrLst/>
+  </dgm:styleLbl>
+  <dgm:styleLbl name="fgAcc3">
+    <dgm:fillClrLst meth="repeat">
+      <a:schemeClr val="lt1">
+        <a:alpha val="90000"/>
+      </a:schemeClr>
+    </dgm:fillClrLst>
+    <dgm:linClrLst meth="repeat">
+      <a:schemeClr val="accent1"/>
+    </dgm:linClrLst>
+    <dgm:effectClrLst/>
+    <dgm:txLinClrLst/>
+    <dgm:txFillClrLst meth="repeat">
+      <a:schemeClr val="dk1"/>
+    </dgm:txFillClrLst>
+    <dgm:txEffectClrLst/>
+  </dgm:styleLbl>
+  <dgm:styleLbl name="fgAcc4">
+    <dgm:fillClrLst meth="repeat">
+      <a:schemeClr val="lt1">
+        <a:alpha val="90000"/>
+      </a:schemeClr>
+    </dgm:fillClrLst>
+    <dgm:linClrLst meth="repeat">
+      <a:schemeClr val="accent1"/>
+    </dgm:linClrLst>
+    <dgm:effectClrLst/>
+    <dgm:txLinClrLst/>
+    <dgm:txFillClrLst meth="repeat">
+      <a:schemeClr val="dk1"/>
+    </dgm:txFillClrLst>
+    <dgm:txEffectClrLst/>
+  </dgm:styleLbl>
+  <dgm:styleLbl name="bgShp">
+    <dgm:fillClrLst meth="repeat">
+      <a:schemeClr val="accent1">
+        <a:tint val="40000"/>
+      </a:schemeClr>
+    </dgm:fillClrLst>
+    <dgm:linClrLst meth="repeat">
+      <a:schemeClr val="accent1"/>
+    </dgm:linClrLst>
+    <dgm:effectClrLst/>
+    <dgm:txLinClrLst/>
+    <dgm:txFillClrLst meth="repeat">
+      <a:schemeClr val="dk1"/>
+    </dgm:txFillClrLst>
+    <dgm:txEffectClrLst/>
+  </dgm:styleLbl>
+  <dgm:styleLbl name="dkBgShp">
+    <dgm:fillClrLst meth="repeat">
+      <a:schemeClr val="accent1">
+        <a:shade val="80000"/>
+      </a:schemeClr>
+    </dgm:fillClrLst>
+    <dgm:linClrLst meth="repeat">
+      <a:schemeClr val="accent1"/>
+    </dgm:linClrLst>
+    <dgm:effectClrLst/>
+    <dgm:txLinClrLst/>
+    <dgm:txFillClrLst meth="repeat">
+      <a:schemeClr val="lt1"/>
+    </dgm:txFillClrLst>
+    <dgm:txEffectClrLst/>
+  </dgm:styleLbl>
+  <dgm:styleLbl name="trBgShp">
+    <dgm:fillClrLst meth="repeat">
+      <a:schemeClr val="accent1">
+        <a:tint val="50000"/>
+        <a:alpha val="40000"/>
+      </a:schemeClr>
+    </dgm:fillClrLst>
+    <dgm:linClrLst meth="repeat">
+      <a:schemeClr val="accent1"/>
+    </dgm:linClrLst>
+    <dgm:effectClrLst/>
+    <dgm:txLinClrLst/>
+    <dgm:txFillClrLst meth="repeat">
+      <a:schemeClr val="lt1"/>
+    </dgm:txFillClrLst>
+    <dgm:txEffectClrLst/>
+  </dgm:styleLbl>
+  <dgm:styleLbl name="fgShp">
+    <dgm:fillClrLst meth="repeat">
+      <a:schemeClr val="accent1">
+        <a:tint val="60000"/>
+      </a:schemeClr>
+    </dgm:fillClrLst>
+    <dgm:linClrLst meth="repeat">
+      <a:schemeClr val="lt1"/>
+    </dgm:linClrLst>
+    <dgm:effectClrLst/>
+    <dgm:txLinClrLst/>
+    <dgm:txFillClrLst meth="repeat">
+      <a:schemeClr val="dk1"/>
+    </dgm:txFillClrLst>
+    <dgm:txEffectClrLst/>
+  </dgm:styleLbl>
+  <dgm:styleLbl name="revTx">
+    <dgm:fillClrLst meth="repeat">
+      <a:schemeClr val="lt1">
+        <a:alpha val="0"/>
+      </a:schemeClr>
+    </dgm:fillClrLst>
+    <dgm:linClrLst meth="repeat">
+      <a:schemeClr val="dk1">
+        <a:alpha val="0"/>
+      </a:schemeClr>
+    </dgm:linClrLst>
+    <dgm:effectClrLst/>
+    <dgm:txLinClrLst/>
+    <dgm:txFillClrLst meth="repeat">
+      <a:schemeClr val="tx1"/>
+    </dgm:txFillClrLst>
+    <dgm:txEffectClrLst/>
+  </dgm:styleLbl>
+</dgm:colorsDef>
+</file>
+
+<file path=ppt/diagrams/data1.xml><?xml version="1.0" encoding="utf-8"?>
+<dgm:dataModel xmlns:dgm="http://schemas.openxmlformats.org/drawingml/2006/diagram" xmlns:a="http://schemas.openxmlformats.org/drawingml/2006/main">
+  <dgm:ptLst>
+    <dgm:pt modelId="{12635CE3-445F-DD4F-AF3A-C20B3F6B521B}" type="doc">
+      <dgm:prSet loTypeId="urn:microsoft.com/office/officeart/2005/8/layout/cycle2" loCatId="cycle" qsTypeId="urn:microsoft.com/office/officeart/2005/8/quickstyle/simple1" qsCatId="simple" csTypeId="urn:microsoft.com/office/officeart/2005/8/colors/accent1_2" csCatId="accent1" phldr="1"/>
+      <dgm:spPr/>
+      <dgm:t>
+        <a:bodyPr/>
+        <a:lstStyle/>
+        <a:p>
+          <a:endParaRPr lang="en-US"/>
+        </a:p>
+      </dgm:t>
+    </dgm:pt>
+    <dgm:pt modelId="{1DEF0FDC-25A8-D945-B7C2-1C447DE66FAE}">
+      <dgm:prSet/>
+      <dgm:spPr/>
+      <dgm:t>
+        <a:bodyPr/>
+        <a:lstStyle/>
+        <a:p>
+          <a:r>
+            <a:rPr lang="en-US" dirty="0"/>
+            <a:t>At each </a:t>
+          </a:r>
+          <a:r>
+            <a:rPr lang="en-US" dirty="0" err="1">
+              <a:solidFill>
+                <a:schemeClr val="accent2">
+                  <a:lumMod val="75000"/>
+                </a:schemeClr>
+              </a:solidFill>
+            </a:rPr>
+            <a:t>timestep</a:t>
+          </a:r>
+          <a:r>
+            <a:rPr lang="en-US" dirty="0">
+              <a:solidFill>
+                <a:schemeClr val="accent2">
+                  <a:lumMod val="75000"/>
+                </a:schemeClr>
+              </a:solidFill>
+            </a:rPr>
+            <a:t> t</a:t>
+          </a:r>
+          <a:r>
+            <a:rPr lang="en-US" dirty="0"/>
+            <a:t>, Nature chooses a </a:t>
+          </a:r>
+          <a:r>
+            <a:rPr lang="en-US" dirty="0">
+              <a:solidFill>
+                <a:schemeClr val="accent2">
+                  <a:lumMod val="75000"/>
+                </a:schemeClr>
+              </a:solidFill>
+            </a:rPr>
+            <a:t>user i</a:t>
+          </a:r>
+          <a:r>
+            <a:rPr lang="en-US" baseline="-25000" dirty="0">
+              <a:solidFill>
+                <a:schemeClr val="accent2">
+                  <a:lumMod val="75000"/>
+                </a:schemeClr>
+              </a:solidFill>
+            </a:rPr>
+            <a:t>t</a:t>
+          </a:r>
+          <a:r>
+            <a:rPr lang="en-US" dirty="0"/>
+            <a:t> (row).</a:t>
+          </a:r>
+        </a:p>
+      </dgm:t>
+    </dgm:pt>
+    <dgm:pt modelId="{6998CD97-077E-2549-A360-08CB171D0A4F}" type="parTrans" cxnId="{E407A3C6-F007-BD43-8E79-48D13FB451D4}">
+      <dgm:prSet/>
+      <dgm:spPr/>
+      <dgm:t>
+        <a:bodyPr/>
+        <a:lstStyle/>
+        <a:p>
+          <a:endParaRPr lang="en-US"/>
+        </a:p>
+      </dgm:t>
+    </dgm:pt>
+    <dgm:pt modelId="{DC89DD1B-4BD0-C945-B662-F76431ACB563}" type="sibTrans" cxnId="{E407A3C6-F007-BD43-8E79-48D13FB451D4}">
+      <dgm:prSet/>
+      <dgm:spPr/>
+      <dgm:t>
+        <a:bodyPr/>
+        <a:lstStyle/>
+        <a:p>
+          <a:endParaRPr lang="en-US"/>
+        </a:p>
+      </dgm:t>
+    </dgm:pt>
+    <dgm:pt modelId="{34416F0F-FB19-164A-A06B-30E3DEEC2EB7}">
+      <dgm:prSet/>
+      <dgm:spPr/>
+      <dgm:t>
+        <a:bodyPr/>
+        <a:lstStyle/>
+        <a:p>
+          <a:r>
+            <a:rPr lang="en-US" dirty="0"/>
+            <a:t>The learner chooses an </a:t>
+          </a:r>
+          <a:r>
+            <a:rPr lang="en-US" dirty="0">
+              <a:solidFill>
+                <a:schemeClr val="accent2">
+                  <a:lumMod val="75000"/>
+                </a:schemeClr>
+              </a:solidFill>
+            </a:rPr>
+            <a:t>arm </a:t>
+          </a:r>
+          <a:r>
+            <a:rPr lang="en-US" dirty="0" err="1">
+              <a:solidFill>
+                <a:schemeClr val="accent2">
+                  <a:lumMod val="75000"/>
+                </a:schemeClr>
+              </a:solidFill>
+            </a:rPr>
+            <a:t>j</a:t>
+          </a:r>
+          <a:r>
+            <a:rPr lang="en-US" baseline="-25000" dirty="0" err="1">
+              <a:solidFill>
+                <a:schemeClr val="accent2">
+                  <a:lumMod val="75000"/>
+                </a:schemeClr>
+              </a:solidFill>
+            </a:rPr>
+            <a:t>t</a:t>
+          </a:r>
+          <a:r>
+            <a:rPr lang="en-US" dirty="0">
+              <a:solidFill>
+                <a:schemeClr val="accent2">
+                  <a:lumMod val="75000"/>
+                </a:schemeClr>
+              </a:solidFill>
+            </a:rPr>
+            <a:t> </a:t>
+          </a:r>
+          <a:r>
+            <a:rPr lang="en-US" dirty="0"/>
+            <a:t>(column).</a:t>
+          </a:r>
+        </a:p>
+      </dgm:t>
+    </dgm:pt>
+    <dgm:pt modelId="{D1BFE8D7-0A99-5C41-BD86-873A0CF73E4B}" type="parTrans" cxnId="{3A073AA6-749F-1A4C-9D47-316F408D21F9}">
+      <dgm:prSet/>
+      <dgm:spPr/>
+      <dgm:t>
+        <a:bodyPr/>
+        <a:lstStyle/>
+        <a:p>
+          <a:endParaRPr lang="en-US"/>
+        </a:p>
+      </dgm:t>
+    </dgm:pt>
+    <dgm:pt modelId="{ECF1702B-F19F-CB42-9BE5-1596D04CFFB7}" type="sibTrans" cxnId="{3A073AA6-749F-1A4C-9D47-316F408D21F9}">
+      <dgm:prSet/>
+      <dgm:spPr/>
+      <dgm:t>
+        <a:bodyPr/>
+        <a:lstStyle/>
+        <a:p>
+          <a:endParaRPr lang="en-US"/>
+        </a:p>
+      </dgm:t>
+    </dgm:pt>
+    <dgm:pt modelId="{C67172B3-7F30-B640-A007-2CF84DF5C348}">
+      <dgm:prSet/>
+      <dgm:spPr/>
+      <dgm:t>
+        <a:bodyPr/>
+        <a:lstStyle/>
+        <a:p>
+          <a:r>
+            <a:rPr lang="en-US" dirty="0"/>
+            <a:t>Under the bandit feedback assumption </a:t>
+          </a:r>
+          <a:r>
+            <a:rPr lang="en-US" u="none" dirty="0">
+              <a:solidFill>
+                <a:schemeClr val="accent6"/>
+              </a:solidFill>
+            </a:rPr>
+            <a:t>only</a:t>
+          </a:r>
+          <a:r>
+            <a:rPr lang="en-US" dirty="0">
+              <a:solidFill>
+                <a:schemeClr val="accent6"/>
+              </a:solidFill>
+            </a:rPr>
+            <a:t> </a:t>
+          </a:r>
+          <a:r>
+            <a:rPr lang="en-US" dirty="0"/>
+            <a:t>the reward for the </a:t>
+          </a:r>
+          <a:r>
+            <a:rPr lang="en-US" i="1" dirty="0">
+              <a:solidFill>
+                <a:schemeClr val="accent2">
+                  <a:lumMod val="75000"/>
+                </a:schemeClr>
+              </a:solidFill>
+            </a:rPr>
+            <a:t>user, arm pair</a:t>
+          </a:r>
+          <a:r>
+            <a:rPr lang="en-US" dirty="0"/>
+            <a:t> chosen is revealed to the learner.</a:t>
+          </a:r>
+        </a:p>
+      </dgm:t>
+    </dgm:pt>
+    <dgm:pt modelId="{061E3BDC-096E-AE42-9926-91FDAB9AF388}" type="parTrans" cxnId="{3CA1F843-E21F-DE4E-92A3-457704B37DF9}">
+      <dgm:prSet/>
+      <dgm:spPr/>
+      <dgm:t>
+        <a:bodyPr/>
+        <a:lstStyle/>
+        <a:p>
+          <a:endParaRPr lang="en-US"/>
+        </a:p>
+      </dgm:t>
+    </dgm:pt>
+    <dgm:pt modelId="{961D5258-7E25-6947-94DF-CEB214E536C7}" type="sibTrans" cxnId="{3CA1F843-E21F-DE4E-92A3-457704B37DF9}">
+      <dgm:prSet/>
+      <dgm:spPr/>
+      <dgm:t>
+        <a:bodyPr/>
+        <a:lstStyle/>
+        <a:p>
+          <a:endParaRPr lang="en-US"/>
+        </a:p>
+      </dgm:t>
+    </dgm:pt>
+    <dgm:pt modelId="{354A17A2-E602-BA41-AD7C-283D561ECBF4}">
+      <dgm:prSet/>
+      <dgm:spPr/>
+      <dgm:t>
+        <a:bodyPr/>
+        <a:lstStyle/>
+        <a:p>
+          <a:r>
+            <a:rPr lang="en-US" dirty="0"/>
+            <a:t>Learner modifies its suggestion for the </a:t>
+          </a:r>
+          <a:r>
+            <a:rPr lang="en-US" dirty="0">
+              <a:solidFill>
+                <a:schemeClr val="accent2">
+                  <a:lumMod val="75000"/>
+                </a:schemeClr>
+              </a:solidFill>
+            </a:rPr>
+            <a:t>user i</a:t>
+          </a:r>
+          <a:r>
+            <a:rPr lang="en-US" baseline="-25000" dirty="0">
+              <a:solidFill>
+                <a:schemeClr val="accent2">
+                  <a:lumMod val="75000"/>
+                </a:schemeClr>
+              </a:solidFill>
+            </a:rPr>
+            <a:t>t</a:t>
+          </a:r>
+          <a:r>
+            <a:rPr lang="en-US" dirty="0">
+              <a:solidFill>
+                <a:srgbClr val="FF0000"/>
+              </a:solidFill>
+            </a:rPr>
+            <a:t> </a:t>
+          </a:r>
+          <a:r>
+            <a:rPr lang="en-US" dirty="0"/>
+            <a:t>on receiving the feedback.</a:t>
+          </a:r>
+        </a:p>
+      </dgm:t>
+    </dgm:pt>
+    <dgm:pt modelId="{81D0983B-52F5-4E4C-A133-7CCBFC7F7EC1}" type="parTrans" cxnId="{35428584-5191-5C4E-AFC2-CAB036E632A5}">
+      <dgm:prSet/>
+      <dgm:spPr/>
+      <dgm:t>
+        <a:bodyPr/>
+        <a:lstStyle/>
+        <a:p>
+          <a:endParaRPr lang="en-US"/>
+        </a:p>
+      </dgm:t>
+    </dgm:pt>
+    <dgm:pt modelId="{A618ABBF-3AF7-A440-AACC-CED84C3C7F77}" type="sibTrans" cxnId="{35428584-5191-5C4E-AFC2-CAB036E632A5}">
+      <dgm:prSet/>
+      <dgm:spPr/>
+      <dgm:t>
+        <a:bodyPr/>
+        <a:lstStyle/>
+        <a:p>
+          <a:endParaRPr lang="en-US"/>
+        </a:p>
+      </dgm:t>
+    </dgm:pt>
+    <dgm:pt modelId="{CBA1ACD7-026C-DA48-B343-4A95A937EEA3}" type="pres">
+      <dgm:prSet presAssocID="{12635CE3-445F-DD4F-AF3A-C20B3F6B521B}" presName="cycle" presStyleCnt="0">
+        <dgm:presLayoutVars>
+          <dgm:dir/>
+          <dgm:resizeHandles val="exact"/>
+        </dgm:presLayoutVars>
+      </dgm:prSet>
+      <dgm:spPr/>
+    </dgm:pt>
+    <dgm:pt modelId="{76F604CB-FDDB-7C4D-AD77-8CCBD87E0261}" type="pres">
+      <dgm:prSet presAssocID="{1DEF0FDC-25A8-D945-B7C2-1C447DE66FAE}" presName="node" presStyleLbl="node1" presStyleIdx="0" presStyleCnt="4">
+        <dgm:presLayoutVars>
+          <dgm:bulletEnabled val="1"/>
+        </dgm:presLayoutVars>
+      </dgm:prSet>
+      <dgm:spPr/>
+    </dgm:pt>
+    <dgm:pt modelId="{B13FFB30-70DC-AB40-BC42-B9E8028205DC}" type="pres">
+      <dgm:prSet presAssocID="{DC89DD1B-4BD0-C945-B662-F76431ACB563}" presName="sibTrans" presStyleLbl="sibTrans2D1" presStyleIdx="0" presStyleCnt="4"/>
+      <dgm:spPr/>
+    </dgm:pt>
+    <dgm:pt modelId="{7F2DBA2C-6C9D-8440-B9BC-0BADD3783F0B}" type="pres">
+      <dgm:prSet presAssocID="{DC89DD1B-4BD0-C945-B662-F76431ACB563}" presName="connectorText" presStyleLbl="sibTrans2D1" presStyleIdx="0" presStyleCnt="4"/>
+      <dgm:spPr/>
+    </dgm:pt>
+    <dgm:pt modelId="{CDFB9B7A-10C4-454F-8157-261FE60CB27F}" type="pres">
+      <dgm:prSet presAssocID="{34416F0F-FB19-164A-A06B-30E3DEEC2EB7}" presName="node" presStyleLbl="node1" presStyleIdx="1" presStyleCnt="4">
+        <dgm:presLayoutVars>
+          <dgm:bulletEnabled val="1"/>
+        </dgm:presLayoutVars>
+      </dgm:prSet>
+      <dgm:spPr/>
+    </dgm:pt>
+    <dgm:pt modelId="{32286931-F180-F741-A125-4AB18CCB897D}" type="pres">
+      <dgm:prSet presAssocID="{ECF1702B-F19F-CB42-9BE5-1596D04CFFB7}" presName="sibTrans" presStyleLbl="sibTrans2D1" presStyleIdx="1" presStyleCnt="4"/>
+      <dgm:spPr/>
+    </dgm:pt>
+    <dgm:pt modelId="{637DF53F-5B6C-0D4F-AFA9-E6E9CFBB7E55}" type="pres">
+      <dgm:prSet presAssocID="{ECF1702B-F19F-CB42-9BE5-1596D04CFFB7}" presName="connectorText" presStyleLbl="sibTrans2D1" presStyleIdx="1" presStyleCnt="4"/>
+      <dgm:spPr/>
+    </dgm:pt>
+    <dgm:pt modelId="{D5016A50-684A-7E4B-BAFA-1296263ECC65}" type="pres">
+      <dgm:prSet presAssocID="{C67172B3-7F30-B640-A007-2CF84DF5C348}" presName="node" presStyleLbl="node1" presStyleIdx="2" presStyleCnt="4">
+        <dgm:presLayoutVars>
+          <dgm:bulletEnabled val="1"/>
+        </dgm:presLayoutVars>
+      </dgm:prSet>
+      <dgm:spPr/>
+    </dgm:pt>
+    <dgm:pt modelId="{6401F9CE-E8AF-884C-B107-5B5BC5EC3BEF}" type="pres">
+      <dgm:prSet presAssocID="{961D5258-7E25-6947-94DF-CEB214E536C7}" presName="sibTrans" presStyleLbl="sibTrans2D1" presStyleIdx="2" presStyleCnt="4"/>
+      <dgm:spPr/>
+    </dgm:pt>
+    <dgm:pt modelId="{FAB34A74-7DAB-0D4D-9D52-C444FDFC0466}" type="pres">
+      <dgm:prSet presAssocID="{961D5258-7E25-6947-94DF-CEB214E536C7}" presName="connectorText" presStyleLbl="sibTrans2D1" presStyleIdx="2" presStyleCnt="4"/>
+      <dgm:spPr/>
+    </dgm:pt>
+    <dgm:pt modelId="{7873D4AD-D78E-DC4B-B558-9126DE9F1E95}" type="pres">
+      <dgm:prSet presAssocID="{354A17A2-E602-BA41-AD7C-283D561ECBF4}" presName="node" presStyleLbl="node1" presStyleIdx="3" presStyleCnt="4">
+        <dgm:presLayoutVars>
+          <dgm:bulletEnabled val="1"/>
+        </dgm:presLayoutVars>
+      </dgm:prSet>
+      <dgm:spPr/>
+    </dgm:pt>
+    <dgm:pt modelId="{3CC01F95-8B44-9E46-99D4-D57D4C5C91DA}" type="pres">
+      <dgm:prSet presAssocID="{A618ABBF-3AF7-A440-AACC-CED84C3C7F77}" presName="sibTrans" presStyleLbl="sibTrans2D1" presStyleIdx="3" presStyleCnt="4"/>
+      <dgm:spPr/>
+    </dgm:pt>
+    <dgm:pt modelId="{3C642A02-4C18-3046-B6A8-A2E2FFDAD610}" type="pres">
+      <dgm:prSet presAssocID="{A618ABBF-3AF7-A440-AACC-CED84C3C7F77}" presName="connectorText" presStyleLbl="sibTrans2D1" presStyleIdx="3" presStyleCnt="4"/>
+      <dgm:spPr/>
+    </dgm:pt>
+  </dgm:ptLst>
+  <dgm:cxnLst>
+    <dgm:cxn modelId="{E02A9400-3097-DA4B-B0FF-E4006F78AD32}" type="presOf" srcId="{1DEF0FDC-25A8-D945-B7C2-1C447DE66FAE}" destId="{76F604CB-FDDB-7C4D-AD77-8CCBD87E0261}" srcOrd="0" destOrd="0" presId="urn:microsoft.com/office/officeart/2005/8/layout/cycle2"/>
+    <dgm:cxn modelId="{5A211302-6BBC-0E4A-9946-66AF8CE19F7B}" type="presOf" srcId="{12635CE3-445F-DD4F-AF3A-C20B3F6B521B}" destId="{CBA1ACD7-026C-DA48-B343-4A95A937EEA3}" srcOrd="0" destOrd="0" presId="urn:microsoft.com/office/officeart/2005/8/layout/cycle2"/>
+    <dgm:cxn modelId="{95995C33-920B-8349-8F79-A534BE11FD8B}" type="presOf" srcId="{C67172B3-7F30-B640-A007-2CF84DF5C348}" destId="{D5016A50-684A-7E4B-BAFA-1296263ECC65}" srcOrd="0" destOrd="0" presId="urn:microsoft.com/office/officeart/2005/8/layout/cycle2"/>
+    <dgm:cxn modelId="{3CA1F843-E21F-DE4E-92A3-457704B37DF9}" srcId="{12635CE3-445F-DD4F-AF3A-C20B3F6B521B}" destId="{C67172B3-7F30-B640-A007-2CF84DF5C348}" srcOrd="2" destOrd="0" parTransId="{061E3BDC-096E-AE42-9926-91FDAB9AF388}" sibTransId="{961D5258-7E25-6947-94DF-CEB214E536C7}"/>
+    <dgm:cxn modelId="{84632454-23E4-6C48-B713-668C595DF8C3}" type="presOf" srcId="{354A17A2-E602-BA41-AD7C-283D561ECBF4}" destId="{7873D4AD-D78E-DC4B-B558-9126DE9F1E95}" srcOrd="0" destOrd="0" presId="urn:microsoft.com/office/officeart/2005/8/layout/cycle2"/>
+    <dgm:cxn modelId="{6B20DE58-4F31-204F-B9FE-763D93B92C28}" type="presOf" srcId="{ECF1702B-F19F-CB42-9BE5-1596D04CFFB7}" destId="{32286931-F180-F741-A125-4AB18CCB897D}" srcOrd="0" destOrd="0" presId="urn:microsoft.com/office/officeart/2005/8/layout/cycle2"/>
+    <dgm:cxn modelId="{4B56F06A-9EBF-DA40-ACD2-86F22AF070E1}" type="presOf" srcId="{DC89DD1B-4BD0-C945-B662-F76431ACB563}" destId="{B13FFB30-70DC-AB40-BC42-B9E8028205DC}" srcOrd="0" destOrd="0" presId="urn:microsoft.com/office/officeart/2005/8/layout/cycle2"/>
+    <dgm:cxn modelId="{35428584-5191-5C4E-AFC2-CAB036E632A5}" srcId="{12635CE3-445F-DD4F-AF3A-C20B3F6B521B}" destId="{354A17A2-E602-BA41-AD7C-283D561ECBF4}" srcOrd="3" destOrd="0" parTransId="{81D0983B-52F5-4E4C-A133-7CCBFC7F7EC1}" sibTransId="{A618ABBF-3AF7-A440-AACC-CED84C3C7F77}"/>
+    <dgm:cxn modelId="{36F86387-F353-E442-AD91-69BE1BD20345}" type="presOf" srcId="{961D5258-7E25-6947-94DF-CEB214E536C7}" destId="{6401F9CE-E8AF-884C-B107-5B5BC5EC3BEF}" srcOrd="0" destOrd="0" presId="urn:microsoft.com/office/officeart/2005/8/layout/cycle2"/>
+    <dgm:cxn modelId="{FDEAB79A-973A-9941-8D86-F3C1C29093CF}" type="presOf" srcId="{A618ABBF-3AF7-A440-AACC-CED84C3C7F77}" destId="{3CC01F95-8B44-9E46-99D4-D57D4C5C91DA}" srcOrd="0" destOrd="0" presId="urn:microsoft.com/office/officeart/2005/8/layout/cycle2"/>
+    <dgm:cxn modelId="{3A073AA6-749F-1A4C-9D47-316F408D21F9}" srcId="{12635CE3-445F-DD4F-AF3A-C20B3F6B521B}" destId="{34416F0F-FB19-164A-A06B-30E3DEEC2EB7}" srcOrd="1" destOrd="0" parTransId="{D1BFE8D7-0A99-5C41-BD86-873A0CF73E4B}" sibTransId="{ECF1702B-F19F-CB42-9BE5-1596D04CFFB7}"/>
+    <dgm:cxn modelId="{28347DA6-C6BF-5A4E-AD5E-437BCF6A0760}" type="presOf" srcId="{DC89DD1B-4BD0-C945-B662-F76431ACB563}" destId="{7F2DBA2C-6C9D-8440-B9BC-0BADD3783F0B}" srcOrd="1" destOrd="0" presId="urn:microsoft.com/office/officeart/2005/8/layout/cycle2"/>
+    <dgm:cxn modelId="{BAE4CDB4-9691-514F-8D42-ED2AA8419B9E}" type="presOf" srcId="{A618ABBF-3AF7-A440-AACC-CED84C3C7F77}" destId="{3C642A02-4C18-3046-B6A8-A2E2FFDAD610}" srcOrd="1" destOrd="0" presId="urn:microsoft.com/office/officeart/2005/8/layout/cycle2"/>
+    <dgm:cxn modelId="{E407A3C6-F007-BD43-8E79-48D13FB451D4}" srcId="{12635CE3-445F-DD4F-AF3A-C20B3F6B521B}" destId="{1DEF0FDC-25A8-D945-B7C2-1C447DE66FAE}" srcOrd="0" destOrd="0" parTransId="{6998CD97-077E-2549-A360-08CB171D0A4F}" sibTransId="{DC89DD1B-4BD0-C945-B662-F76431ACB563}"/>
+    <dgm:cxn modelId="{3F7830CB-E8A5-F34F-AB72-AC7A0DC95D12}" type="presOf" srcId="{961D5258-7E25-6947-94DF-CEB214E536C7}" destId="{FAB34A74-7DAB-0D4D-9D52-C444FDFC0466}" srcOrd="1" destOrd="0" presId="urn:microsoft.com/office/officeart/2005/8/layout/cycle2"/>
+    <dgm:cxn modelId="{818353DB-BE18-2344-B392-9400595B4384}" type="presOf" srcId="{34416F0F-FB19-164A-A06B-30E3DEEC2EB7}" destId="{CDFB9B7A-10C4-454F-8157-261FE60CB27F}" srcOrd="0" destOrd="0" presId="urn:microsoft.com/office/officeart/2005/8/layout/cycle2"/>
+    <dgm:cxn modelId="{B917CFF3-63B7-C14D-9A5B-245C0A3053A2}" type="presOf" srcId="{ECF1702B-F19F-CB42-9BE5-1596D04CFFB7}" destId="{637DF53F-5B6C-0D4F-AFA9-E6E9CFBB7E55}" srcOrd="1" destOrd="0" presId="urn:microsoft.com/office/officeart/2005/8/layout/cycle2"/>
+    <dgm:cxn modelId="{BBF1F98E-1133-6741-90DC-96F9B4656BD7}" type="presParOf" srcId="{CBA1ACD7-026C-DA48-B343-4A95A937EEA3}" destId="{76F604CB-FDDB-7C4D-AD77-8CCBD87E0261}" srcOrd="0" destOrd="0" presId="urn:microsoft.com/office/officeart/2005/8/layout/cycle2"/>
+    <dgm:cxn modelId="{FD02AB01-3324-794B-A2AE-322B891489F4}" type="presParOf" srcId="{CBA1ACD7-026C-DA48-B343-4A95A937EEA3}" destId="{B13FFB30-70DC-AB40-BC42-B9E8028205DC}" srcOrd="1" destOrd="0" presId="urn:microsoft.com/office/officeart/2005/8/layout/cycle2"/>
+    <dgm:cxn modelId="{592E1AB5-81E1-5D4F-8A2D-B406DB576A9B}" type="presParOf" srcId="{B13FFB30-70DC-AB40-BC42-B9E8028205DC}" destId="{7F2DBA2C-6C9D-8440-B9BC-0BADD3783F0B}" srcOrd="0" destOrd="0" presId="urn:microsoft.com/office/officeart/2005/8/layout/cycle2"/>
+    <dgm:cxn modelId="{AA8B1390-C9F5-154D-B5D3-2C1321FEAC7E}" type="presParOf" srcId="{CBA1ACD7-026C-DA48-B343-4A95A937EEA3}" destId="{CDFB9B7A-10C4-454F-8157-261FE60CB27F}" srcOrd="2" destOrd="0" presId="urn:microsoft.com/office/officeart/2005/8/layout/cycle2"/>
+    <dgm:cxn modelId="{8874FD00-865F-FD4B-8123-4F86427967D7}" type="presParOf" srcId="{CBA1ACD7-026C-DA48-B343-4A95A937EEA3}" destId="{32286931-F180-F741-A125-4AB18CCB897D}" srcOrd="3" destOrd="0" presId="urn:microsoft.com/office/officeart/2005/8/layout/cycle2"/>
+    <dgm:cxn modelId="{9BE1EACB-258D-1443-85C8-B44C17A66302}" type="presParOf" srcId="{32286931-F180-F741-A125-4AB18CCB897D}" destId="{637DF53F-5B6C-0D4F-AFA9-E6E9CFBB7E55}" srcOrd="0" destOrd="0" presId="urn:microsoft.com/office/officeart/2005/8/layout/cycle2"/>
+    <dgm:cxn modelId="{28C980DE-292C-E042-B580-125852D5BF59}" type="presParOf" srcId="{CBA1ACD7-026C-DA48-B343-4A95A937EEA3}" destId="{D5016A50-684A-7E4B-BAFA-1296263ECC65}" srcOrd="4" destOrd="0" presId="urn:microsoft.com/office/officeart/2005/8/layout/cycle2"/>
+    <dgm:cxn modelId="{7F3CBA02-19C2-0043-9692-A34E8E980260}" type="presParOf" srcId="{CBA1ACD7-026C-DA48-B343-4A95A937EEA3}" destId="{6401F9CE-E8AF-884C-B107-5B5BC5EC3BEF}" srcOrd="5" destOrd="0" presId="urn:microsoft.com/office/officeart/2005/8/layout/cycle2"/>
+    <dgm:cxn modelId="{A4C9DDBA-DE33-7F44-B21B-E167EEE2FD02}" type="presParOf" srcId="{6401F9CE-E8AF-884C-B107-5B5BC5EC3BEF}" destId="{FAB34A74-7DAB-0D4D-9D52-C444FDFC0466}" srcOrd="0" destOrd="0" presId="urn:microsoft.com/office/officeart/2005/8/layout/cycle2"/>
+    <dgm:cxn modelId="{DBF92EF0-8641-6347-A9DA-A86A0C17F99F}" type="presParOf" srcId="{CBA1ACD7-026C-DA48-B343-4A95A937EEA3}" destId="{7873D4AD-D78E-DC4B-B558-9126DE9F1E95}" srcOrd="6" destOrd="0" presId="urn:microsoft.com/office/officeart/2005/8/layout/cycle2"/>
+    <dgm:cxn modelId="{9A82EC0A-0A7E-0045-9120-0A13556849D7}" type="presParOf" srcId="{CBA1ACD7-026C-DA48-B343-4A95A937EEA3}" destId="{3CC01F95-8B44-9E46-99D4-D57D4C5C91DA}" srcOrd="7" destOrd="0" presId="urn:microsoft.com/office/officeart/2005/8/layout/cycle2"/>
+    <dgm:cxn modelId="{5839D1A2-82D5-3544-9C6B-7AE8C2C5DB8E}" type="presParOf" srcId="{3CC01F95-8B44-9E46-99D4-D57D4C5C91DA}" destId="{3C642A02-4C18-3046-B6A8-A2E2FFDAD610}" srcOrd="0" destOrd="0" presId="urn:microsoft.com/office/officeart/2005/8/layout/cycle2"/>
+  </dgm:cxnLst>
+  <dgm:bg/>
+  <dgm:whole/>
+  <dgm:extLst>
+    <a:ext uri="http://schemas.microsoft.com/office/drawing/2008/diagram">
+      <dsp:dataModelExt xmlns:dsp="http://schemas.microsoft.com/office/drawing/2008/diagram" relId="rId6" minVer="http://schemas.openxmlformats.org/drawingml/2006/diagram"/>
+    </a:ext>
+  </dgm:extLst>
+</dgm:dataModel>
+</file>
+
+<file path=ppt/diagrams/data2.xml><?xml version="1.0" encoding="utf-8"?>
+<dgm:dataModel xmlns:dgm="http://schemas.openxmlformats.org/drawingml/2006/diagram" xmlns:a="http://schemas.openxmlformats.org/drawingml/2006/main">
+  <dgm:ptLst>
+    <dgm:pt modelId="{12635CE3-445F-DD4F-AF3A-C20B3F6B521B}" type="doc">
+      <dgm:prSet loTypeId="urn:microsoft.com/office/officeart/2005/8/layout/cycle2" loCatId="cycle" qsTypeId="urn:microsoft.com/office/officeart/2005/8/quickstyle/simple1" qsCatId="simple" csTypeId="urn:microsoft.com/office/officeart/2005/8/colors/accent1_2" csCatId="accent1" phldr="1"/>
+      <dgm:spPr/>
+      <dgm:t>
+        <a:bodyPr/>
+        <a:lstStyle/>
+        <a:p>
+          <a:endParaRPr lang="en-US"/>
+        </a:p>
+      </dgm:t>
+    </dgm:pt>
+    <dgm:pt modelId="{1DEF0FDC-25A8-D945-B7C2-1C447DE66FAE}">
+      <dgm:prSet/>
+      <dgm:spPr/>
+      <dgm:t>
+        <a:bodyPr/>
+        <a:lstStyle/>
+        <a:p>
+          <a:r>
+            <a:rPr lang="en-US" dirty="0"/>
+            <a:t>At each </a:t>
+          </a:r>
+          <a:r>
+            <a:rPr lang="en-US" dirty="0" err="1">
+              <a:solidFill>
+                <a:schemeClr val="accent2">
+                  <a:lumMod val="75000"/>
+                </a:schemeClr>
+              </a:solidFill>
+            </a:rPr>
+            <a:t>timestep</a:t>
+          </a:r>
+          <a:r>
+            <a:rPr lang="en-US" dirty="0">
+              <a:solidFill>
+                <a:schemeClr val="accent2">
+                  <a:lumMod val="75000"/>
+                </a:schemeClr>
+              </a:solidFill>
+            </a:rPr>
+            <a:t> t</a:t>
+          </a:r>
+          <a:r>
+            <a:rPr lang="en-US" dirty="0"/>
+            <a:t>, Nature chooses a </a:t>
+          </a:r>
+          <a:r>
+            <a:rPr lang="en-US" dirty="0">
+              <a:solidFill>
+                <a:schemeClr val="accent2">
+                  <a:lumMod val="75000"/>
+                </a:schemeClr>
+              </a:solidFill>
+            </a:rPr>
+            <a:t>user i</a:t>
+          </a:r>
+          <a:r>
+            <a:rPr lang="en-US" baseline="-25000" dirty="0">
+              <a:solidFill>
+                <a:schemeClr val="accent2">
+                  <a:lumMod val="75000"/>
+                </a:schemeClr>
+              </a:solidFill>
+            </a:rPr>
+            <a:t>t</a:t>
+          </a:r>
+          <a:r>
+            <a:rPr lang="en-US" dirty="0"/>
+            <a:t> (row). Users are grouped into clusters.</a:t>
+          </a:r>
+        </a:p>
+      </dgm:t>
+    </dgm:pt>
+    <dgm:pt modelId="{6998CD97-077E-2549-A360-08CB171D0A4F}" type="parTrans" cxnId="{E407A3C6-F007-BD43-8E79-48D13FB451D4}">
+      <dgm:prSet/>
+      <dgm:spPr/>
+      <dgm:t>
+        <a:bodyPr/>
+        <a:lstStyle/>
+        <a:p>
+          <a:endParaRPr lang="en-US"/>
+        </a:p>
+      </dgm:t>
+    </dgm:pt>
+    <dgm:pt modelId="{DC89DD1B-4BD0-C945-B662-F76431ACB563}" type="sibTrans" cxnId="{E407A3C6-F007-BD43-8E79-48D13FB451D4}">
+      <dgm:prSet/>
+      <dgm:spPr/>
+      <dgm:t>
+        <a:bodyPr/>
+        <a:lstStyle/>
+        <a:p>
+          <a:endParaRPr lang="en-US"/>
+        </a:p>
+      </dgm:t>
+    </dgm:pt>
+    <dgm:pt modelId="{C67172B3-7F30-B640-A007-2CF84DF5C348}">
+      <dgm:prSet/>
+      <dgm:spPr/>
+      <dgm:t>
+        <a:bodyPr/>
+        <a:lstStyle/>
+        <a:p>
+          <a:r>
+            <a:rPr lang="en-US" dirty="0"/>
+            <a:t>Under the bandit feedback assumption </a:t>
+          </a:r>
+          <a:r>
+            <a:rPr lang="en-US" u="none" dirty="0">
+              <a:solidFill>
+                <a:schemeClr val="accent6"/>
+              </a:solidFill>
+            </a:rPr>
+            <a:t>only</a:t>
+          </a:r>
+          <a:r>
+            <a:rPr lang="en-US" dirty="0">
+              <a:solidFill>
+                <a:schemeClr val="accent6"/>
+              </a:solidFill>
+            </a:rPr>
+            <a:t> </a:t>
+          </a:r>
+          <a:r>
+            <a:rPr lang="en-US" dirty="0"/>
+            <a:t>the reward for the </a:t>
+          </a:r>
+          <a:r>
+            <a:rPr lang="en-US" i="1" dirty="0">
+              <a:solidFill>
+                <a:schemeClr val="accent2">
+                  <a:lumMod val="75000"/>
+                </a:schemeClr>
+              </a:solidFill>
+            </a:rPr>
+            <a:t>user, arm pair</a:t>
+          </a:r>
+          <a:r>
+            <a:rPr lang="en-US" dirty="0"/>
+            <a:t> chosen is revealed to the learner.</a:t>
+          </a:r>
+        </a:p>
+      </dgm:t>
+    </dgm:pt>
+    <dgm:pt modelId="{061E3BDC-096E-AE42-9926-91FDAB9AF388}" type="parTrans" cxnId="{3CA1F843-E21F-DE4E-92A3-457704B37DF9}">
+      <dgm:prSet/>
+      <dgm:spPr/>
+      <dgm:t>
+        <a:bodyPr/>
+        <a:lstStyle/>
+        <a:p>
+          <a:endParaRPr lang="en-US"/>
+        </a:p>
+      </dgm:t>
+    </dgm:pt>
+    <dgm:pt modelId="{961D5258-7E25-6947-94DF-CEB214E536C7}" type="sibTrans" cxnId="{3CA1F843-E21F-DE4E-92A3-457704B37DF9}">
+      <dgm:prSet/>
+      <dgm:spPr/>
+      <dgm:t>
+        <a:bodyPr/>
+        <a:lstStyle/>
+        <a:p>
+          <a:endParaRPr lang="en-US"/>
+        </a:p>
+      </dgm:t>
+    </dgm:pt>
+    <dgm:pt modelId="{354A17A2-E602-BA41-AD7C-283D561ECBF4}">
+      <dgm:prSet/>
+      <dgm:spPr/>
+      <dgm:t>
+        <a:bodyPr/>
+        <a:lstStyle/>
+        <a:p>
+          <a:r>
+            <a:rPr lang="en-US" dirty="0"/>
+            <a:t>Learner modifies its suggestion for the </a:t>
+          </a:r>
+          <a:r>
+            <a:rPr lang="en-US" dirty="0">
+              <a:solidFill>
+                <a:schemeClr val="accent2">
+                  <a:lumMod val="75000"/>
+                </a:schemeClr>
+              </a:solidFill>
+            </a:rPr>
+            <a:t>user i</a:t>
+          </a:r>
+          <a:r>
+            <a:rPr lang="en-US" baseline="-25000" dirty="0">
+              <a:solidFill>
+                <a:schemeClr val="accent2">
+                  <a:lumMod val="75000"/>
+                </a:schemeClr>
+              </a:solidFill>
+            </a:rPr>
+            <a:t>t</a:t>
+          </a:r>
+          <a:r>
+            <a:rPr lang="en-US" dirty="0">
+              <a:solidFill>
+                <a:srgbClr val="FF0000"/>
+              </a:solidFill>
+            </a:rPr>
+            <a:t> </a:t>
+          </a:r>
+          <a:r>
+            <a:rPr lang="en-US" dirty="0"/>
+            <a:t>on receiving the feedback.</a:t>
+          </a:r>
+        </a:p>
+      </dgm:t>
+    </dgm:pt>
+    <dgm:pt modelId="{81D0983B-52F5-4E4C-A133-7CCBFC7F7EC1}" type="parTrans" cxnId="{35428584-5191-5C4E-AFC2-CAB036E632A5}">
+      <dgm:prSet/>
+      <dgm:spPr/>
+      <dgm:t>
+        <a:bodyPr/>
+        <a:lstStyle/>
+        <a:p>
+          <a:endParaRPr lang="en-US"/>
+        </a:p>
+      </dgm:t>
+    </dgm:pt>
+    <dgm:pt modelId="{A618ABBF-3AF7-A440-AACC-CED84C3C7F77}" type="sibTrans" cxnId="{35428584-5191-5C4E-AFC2-CAB036E632A5}">
+      <dgm:prSet/>
+      <dgm:spPr/>
+      <dgm:t>
+        <a:bodyPr/>
+        <a:lstStyle/>
+        <a:p>
+          <a:endParaRPr lang="en-US"/>
+        </a:p>
+      </dgm:t>
+    </dgm:pt>
+    <dgm:pt modelId="{54E192AC-C87A-B34F-84C9-7FC01B5BB376}">
+      <dgm:prSet/>
+      <dgm:spPr/>
+      <dgm:t>
+        <a:bodyPr/>
+        <a:lstStyle/>
+        <a:p>
+          <a:r>
+            <a:rPr lang="en-US" dirty="0"/>
+            <a:t>Also, it can learn faster if it leverages the latent structure about the groupings of users.</a:t>
+          </a:r>
+        </a:p>
+      </dgm:t>
+    </dgm:pt>
+    <dgm:pt modelId="{70CE7B66-0D8C-DC41-B2FC-B8DD29CE92FB}" type="parTrans" cxnId="{C149414D-D847-494A-93D3-D66AC4F49853}">
+      <dgm:prSet/>
+      <dgm:spPr/>
+      <dgm:t>
+        <a:bodyPr/>
+        <a:lstStyle/>
+        <a:p>
+          <a:endParaRPr lang="en-US"/>
+        </a:p>
+      </dgm:t>
+    </dgm:pt>
+    <dgm:pt modelId="{517E6A84-BDA5-4740-949B-3EAB12C90CB5}" type="sibTrans" cxnId="{C149414D-D847-494A-93D3-D66AC4F49853}">
+      <dgm:prSet/>
+      <dgm:spPr/>
+      <dgm:t>
+        <a:bodyPr/>
+        <a:lstStyle/>
+        <a:p>
+          <a:endParaRPr lang="en-US"/>
+        </a:p>
+      </dgm:t>
+    </dgm:pt>
+    <dgm:pt modelId="{34416F0F-FB19-164A-A06B-30E3DEEC2EB7}">
+      <dgm:prSet/>
+      <dgm:spPr/>
+      <dgm:t>
+        <a:bodyPr/>
+        <a:lstStyle/>
+        <a:p>
+          <a:r>
+            <a:rPr lang="en-US" dirty="0"/>
+            <a:t>The learner chooses an </a:t>
+          </a:r>
+          <a:r>
+            <a:rPr lang="en-US" dirty="0">
+              <a:solidFill>
+                <a:schemeClr val="accent2">
+                  <a:lumMod val="75000"/>
+                </a:schemeClr>
+              </a:solidFill>
+            </a:rPr>
+            <a:t>arm </a:t>
+          </a:r>
+          <a:r>
+            <a:rPr lang="en-US" dirty="0" err="1">
+              <a:solidFill>
+                <a:schemeClr val="accent2">
+                  <a:lumMod val="75000"/>
+                </a:schemeClr>
+              </a:solidFill>
+            </a:rPr>
+            <a:t>j</a:t>
+          </a:r>
+          <a:r>
+            <a:rPr lang="en-US" baseline="-25000" dirty="0" err="1">
+              <a:solidFill>
+                <a:schemeClr val="accent2">
+                  <a:lumMod val="75000"/>
+                </a:schemeClr>
+              </a:solidFill>
+            </a:rPr>
+            <a:t>t</a:t>
+          </a:r>
+          <a:r>
+            <a:rPr lang="en-US" dirty="0">
+              <a:solidFill>
+                <a:schemeClr val="accent2">
+                  <a:lumMod val="75000"/>
+                </a:schemeClr>
+              </a:solidFill>
+            </a:rPr>
+            <a:t> </a:t>
+          </a:r>
+          <a:r>
+            <a:rPr lang="en-US" dirty="0"/>
+            <a:t>(column).</a:t>
+          </a:r>
+        </a:p>
+      </dgm:t>
+    </dgm:pt>
+    <dgm:pt modelId="{ECF1702B-F19F-CB42-9BE5-1596D04CFFB7}" type="sibTrans" cxnId="{3A073AA6-749F-1A4C-9D47-316F408D21F9}">
+      <dgm:prSet/>
+      <dgm:spPr/>
+      <dgm:t>
+        <a:bodyPr/>
+        <a:lstStyle/>
+        <a:p>
+          <a:endParaRPr lang="en-US"/>
+        </a:p>
+      </dgm:t>
+    </dgm:pt>
+    <dgm:pt modelId="{D1BFE8D7-0A99-5C41-BD86-873A0CF73E4B}" type="parTrans" cxnId="{3A073AA6-749F-1A4C-9D47-316F408D21F9}">
+      <dgm:prSet/>
+      <dgm:spPr/>
+      <dgm:t>
+        <a:bodyPr/>
+        <a:lstStyle/>
+        <a:p>
+          <a:endParaRPr lang="en-US"/>
+        </a:p>
+      </dgm:t>
+    </dgm:pt>
+    <dgm:pt modelId="{CBA1ACD7-026C-DA48-B343-4A95A937EEA3}" type="pres">
+      <dgm:prSet presAssocID="{12635CE3-445F-DD4F-AF3A-C20B3F6B521B}" presName="cycle" presStyleCnt="0">
+        <dgm:presLayoutVars>
+          <dgm:dir/>
+          <dgm:resizeHandles val="exact"/>
+        </dgm:presLayoutVars>
+      </dgm:prSet>
+      <dgm:spPr/>
+    </dgm:pt>
+    <dgm:pt modelId="{76F604CB-FDDB-7C4D-AD77-8CCBD87E0261}" type="pres">
+      <dgm:prSet presAssocID="{1DEF0FDC-25A8-D945-B7C2-1C447DE66FAE}" presName="node" presStyleLbl="node1" presStyleIdx="0" presStyleCnt="5">
+        <dgm:presLayoutVars>
+          <dgm:bulletEnabled val="1"/>
+        </dgm:presLayoutVars>
+      </dgm:prSet>
+      <dgm:spPr/>
+    </dgm:pt>
+    <dgm:pt modelId="{B13FFB30-70DC-AB40-BC42-B9E8028205DC}" type="pres">
+      <dgm:prSet presAssocID="{DC89DD1B-4BD0-C945-B662-F76431ACB563}" presName="sibTrans" presStyleLbl="sibTrans2D1" presStyleIdx="0" presStyleCnt="5"/>
+      <dgm:spPr/>
+    </dgm:pt>
+    <dgm:pt modelId="{7F2DBA2C-6C9D-8440-B9BC-0BADD3783F0B}" type="pres">
+      <dgm:prSet presAssocID="{DC89DD1B-4BD0-C945-B662-F76431ACB563}" presName="connectorText" presStyleLbl="sibTrans2D1" presStyleIdx="0" presStyleCnt="5"/>
+      <dgm:spPr/>
+    </dgm:pt>
+    <dgm:pt modelId="{CDFB9B7A-10C4-454F-8157-261FE60CB27F}" type="pres">
+      <dgm:prSet presAssocID="{34416F0F-FB19-164A-A06B-30E3DEEC2EB7}" presName="node" presStyleLbl="node1" presStyleIdx="1" presStyleCnt="5">
+        <dgm:presLayoutVars>
+          <dgm:bulletEnabled val="1"/>
+        </dgm:presLayoutVars>
+      </dgm:prSet>
+      <dgm:spPr/>
+    </dgm:pt>
+    <dgm:pt modelId="{32286931-F180-F741-A125-4AB18CCB897D}" type="pres">
+      <dgm:prSet presAssocID="{ECF1702B-F19F-CB42-9BE5-1596D04CFFB7}" presName="sibTrans" presStyleLbl="sibTrans2D1" presStyleIdx="1" presStyleCnt="5"/>
+      <dgm:spPr/>
+    </dgm:pt>
+    <dgm:pt modelId="{637DF53F-5B6C-0D4F-AFA9-E6E9CFBB7E55}" type="pres">
+      <dgm:prSet presAssocID="{ECF1702B-F19F-CB42-9BE5-1596D04CFFB7}" presName="connectorText" presStyleLbl="sibTrans2D1" presStyleIdx="1" presStyleCnt="5"/>
+      <dgm:spPr/>
+    </dgm:pt>
+    <dgm:pt modelId="{D5016A50-684A-7E4B-BAFA-1296263ECC65}" type="pres">
+      <dgm:prSet presAssocID="{C67172B3-7F30-B640-A007-2CF84DF5C348}" presName="node" presStyleLbl="node1" presStyleIdx="2" presStyleCnt="5">
+        <dgm:presLayoutVars>
+          <dgm:bulletEnabled val="1"/>
+        </dgm:presLayoutVars>
+      </dgm:prSet>
+      <dgm:spPr/>
+    </dgm:pt>
+    <dgm:pt modelId="{6401F9CE-E8AF-884C-B107-5B5BC5EC3BEF}" type="pres">
+      <dgm:prSet presAssocID="{961D5258-7E25-6947-94DF-CEB214E536C7}" presName="sibTrans" presStyleLbl="sibTrans2D1" presStyleIdx="2" presStyleCnt="5"/>
+      <dgm:spPr/>
+    </dgm:pt>
+    <dgm:pt modelId="{FAB34A74-7DAB-0D4D-9D52-C444FDFC0466}" type="pres">
+      <dgm:prSet presAssocID="{961D5258-7E25-6947-94DF-CEB214E536C7}" presName="connectorText" presStyleLbl="sibTrans2D1" presStyleIdx="2" presStyleCnt="5"/>
+      <dgm:spPr/>
+    </dgm:pt>
+    <dgm:pt modelId="{7873D4AD-D78E-DC4B-B558-9126DE9F1E95}" type="pres">
+      <dgm:prSet presAssocID="{354A17A2-E602-BA41-AD7C-283D561ECBF4}" presName="node" presStyleLbl="node1" presStyleIdx="3" presStyleCnt="5">
+        <dgm:presLayoutVars>
+          <dgm:bulletEnabled val="1"/>
+        </dgm:presLayoutVars>
+      </dgm:prSet>
+      <dgm:spPr/>
+    </dgm:pt>
+    <dgm:pt modelId="{3CC01F95-8B44-9E46-99D4-D57D4C5C91DA}" type="pres">
+      <dgm:prSet presAssocID="{A618ABBF-3AF7-A440-AACC-CED84C3C7F77}" presName="sibTrans" presStyleLbl="sibTrans2D1" presStyleIdx="3" presStyleCnt="5"/>
+      <dgm:spPr/>
+    </dgm:pt>
+    <dgm:pt modelId="{3C642A02-4C18-3046-B6A8-A2E2FFDAD610}" type="pres">
+      <dgm:prSet presAssocID="{A618ABBF-3AF7-A440-AACC-CED84C3C7F77}" presName="connectorText" presStyleLbl="sibTrans2D1" presStyleIdx="3" presStyleCnt="5"/>
+      <dgm:spPr/>
+    </dgm:pt>
+    <dgm:pt modelId="{6A79BE82-6996-6F49-89F8-F990EC8F9F7A}" type="pres">
+      <dgm:prSet presAssocID="{54E192AC-C87A-B34F-84C9-7FC01B5BB376}" presName="node" presStyleLbl="node1" presStyleIdx="4" presStyleCnt="5">
+        <dgm:presLayoutVars>
+          <dgm:bulletEnabled val="1"/>
+        </dgm:presLayoutVars>
+      </dgm:prSet>
+      <dgm:spPr/>
+    </dgm:pt>
+    <dgm:pt modelId="{2E7E08EC-898A-984A-82C1-B9990B2FF31F}" type="pres">
+      <dgm:prSet presAssocID="{517E6A84-BDA5-4740-949B-3EAB12C90CB5}" presName="sibTrans" presStyleLbl="sibTrans2D1" presStyleIdx="4" presStyleCnt="5"/>
+      <dgm:spPr/>
+    </dgm:pt>
+    <dgm:pt modelId="{FFD3B316-7232-7443-8C1C-9329F0A2F580}" type="pres">
+      <dgm:prSet presAssocID="{517E6A84-BDA5-4740-949B-3EAB12C90CB5}" presName="connectorText" presStyleLbl="sibTrans2D1" presStyleIdx="4" presStyleCnt="5"/>
+      <dgm:spPr/>
+    </dgm:pt>
+  </dgm:ptLst>
+  <dgm:cxnLst>
+    <dgm:cxn modelId="{E02A9400-3097-DA4B-B0FF-E4006F78AD32}" type="presOf" srcId="{1DEF0FDC-25A8-D945-B7C2-1C447DE66FAE}" destId="{76F604CB-FDDB-7C4D-AD77-8CCBD87E0261}" srcOrd="0" destOrd="0" presId="urn:microsoft.com/office/officeart/2005/8/layout/cycle2"/>
+    <dgm:cxn modelId="{5A211302-6BBC-0E4A-9946-66AF8CE19F7B}" type="presOf" srcId="{12635CE3-445F-DD4F-AF3A-C20B3F6B521B}" destId="{CBA1ACD7-026C-DA48-B343-4A95A937EEA3}" srcOrd="0" destOrd="0" presId="urn:microsoft.com/office/officeart/2005/8/layout/cycle2"/>
+    <dgm:cxn modelId="{95995C33-920B-8349-8F79-A534BE11FD8B}" type="presOf" srcId="{C67172B3-7F30-B640-A007-2CF84DF5C348}" destId="{D5016A50-684A-7E4B-BAFA-1296263ECC65}" srcOrd="0" destOrd="0" presId="urn:microsoft.com/office/officeart/2005/8/layout/cycle2"/>
+    <dgm:cxn modelId="{3CA1F843-E21F-DE4E-92A3-457704B37DF9}" srcId="{12635CE3-445F-DD4F-AF3A-C20B3F6B521B}" destId="{C67172B3-7F30-B640-A007-2CF84DF5C348}" srcOrd="2" destOrd="0" parTransId="{061E3BDC-096E-AE42-9926-91FDAB9AF388}" sibTransId="{961D5258-7E25-6947-94DF-CEB214E536C7}"/>
+    <dgm:cxn modelId="{C149414D-D847-494A-93D3-D66AC4F49853}" srcId="{12635CE3-445F-DD4F-AF3A-C20B3F6B521B}" destId="{54E192AC-C87A-B34F-84C9-7FC01B5BB376}" srcOrd="4" destOrd="0" parTransId="{70CE7B66-0D8C-DC41-B2FC-B8DD29CE92FB}" sibTransId="{517E6A84-BDA5-4740-949B-3EAB12C90CB5}"/>
+    <dgm:cxn modelId="{84632454-23E4-6C48-B713-668C595DF8C3}" type="presOf" srcId="{354A17A2-E602-BA41-AD7C-283D561ECBF4}" destId="{7873D4AD-D78E-DC4B-B558-9126DE9F1E95}" srcOrd="0" destOrd="0" presId="urn:microsoft.com/office/officeart/2005/8/layout/cycle2"/>
+    <dgm:cxn modelId="{6B20DE58-4F31-204F-B9FE-763D93B92C28}" type="presOf" srcId="{ECF1702B-F19F-CB42-9BE5-1596D04CFFB7}" destId="{32286931-F180-F741-A125-4AB18CCB897D}" srcOrd="0" destOrd="0" presId="urn:microsoft.com/office/officeart/2005/8/layout/cycle2"/>
+    <dgm:cxn modelId="{75E09E5F-072C-F440-A3C4-9F5418291709}" type="presOf" srcId="{54E192AC-C87A-B34F-84C9-7FC01B5BB376}" destId="{6A79BE82-6996-6F49-89F8-F990EC8F9F7A}" srcOrd="0" destOrd="0" presId="urn:microsoft.com/office/officeart/2005/8/layout/cycle2"/>
+    <dgm:cxn modelId="{4B56F06A-9EBF-DA40-ACD2-86F22AF070E1}" type="presOf" srcId="{DC89DD1B-4BD0-C945-B662-F76431ACB563}" destId="{B13FFB30-70DC-AB40-BC42-B9E8028205DC}" srcOrd="0" destOrd="0" presId="urn:microsoft.com/office/officeart/2005/8/layout/cycle2"/>
+    <dgm:cxn modelId="{35428584-5191-5C4E-AFC2-CAB036E632A5}" srcId="{12635CE3-445F-DD4F-AF3A-C20B3F6B521B}" destId="{354A17A2-E602-BA41-AD7C-283D561ECBF4}" srcOrd="3" destOrd="0" parTransId="{81D0983B-52F5-4E4C-A133-7CCBFC7F7EC1}" sibTransId="{A618ABBF-3AF7-A440-AACC-CED84C3C7F77}"/>
+    <dgm:cxn modelId="{36F86387-F353-E442-AD91-69BE1BD20345}" type="presOf" srcId="{961D5258-7E25-6947-94DF-CEB214E536C7}" destId="{6401F9CE-E8AF-884C-B107-5B5BC5EC3BEF}" srcOrd="0" destOrd="0" presId="urn:microsoft.com/office/officeart/2005/8/layout/cycle2"/>
+    <dgm:cxn modelId="{FDEAB79A-973A-9941-8D86-F3C1C29093CF}" type="presOf" srcId="{A618ABBF-3AF7-A440-AACC-CED84C3C7F77}" destId="{3CC01F95-8B44-9E46-99D4-D57D4C5C91DA}" srcOrd="0" destOrd="0" presId="urn:microsoft.com/office/officeart/2005/8/layout/cycle2"/>
+    <dgm:cxn modelId="{FB46B69B-7B43-A74E-B9C0-6D7878E291D1}" type="presOf" srcId="{517E6A84-BDA5-4740-949B-3EAB12C90CB5}" destId="{FFD3B316-7232-7443-8C1C-9329F0A2F580}" srcOrd="1" destOrd="0" presId="urn:microsoft.com/office/officeart/2005/8/layout/cycle2"/>
+    <dgm:cxn modelId="{3A073AA6-749F-1A4C-9D47-316F408D21F9}" srcId="{12635CE3-445F-DD4F-AF3A-C20B3F6B521B}" destId="{34416F0F-FB19-164A-A06B-30E3DEEC2EB7}" srcOrd="1" destOrd="0" parTransId="{D1BFE8D7-0A99-5C41-BD86-873A0CF73E4B}" sibTransId="{ECF1702B-F19F-CB42-9BE5-1596D04CFFB7}"/>
+    <dgm:cxn modelId="{28347DA6-C6BF-5A4E-AD5E-437BCF6A0760}" type="presOf" srcId="{DC89DD1B-4BD0-C945-B662-F76431ACB563}" destId="{7F2DBA2C-6C9D-8440-B9BC-0BADD3783F0B}" srcOrd="1" destOrd="0" presId="urn:microsoft.com/office/officeart/2005/8/layout/cycle2"/>
+    <dgm:cxn modelId="{FC1006B4-C4C5-BB43-9866-82F1296539AD}" type="presOf" srcId="{517E6A84-BDA5-4740-949B-3EAB12C90CB5}" destId="{2E7E08EC-898A-984A-82C1-B9990B2FF31F}" srcOrd="0" destOrd="0" presId="urn:microsoft.com/office/officeart/2005/8/layout/cycle2"/>
+    <dgm:cxn modelId="{BAE4CDB4-9691-514F-8D42-ED2AA8419B9E}" type="presOf" srcId="{A618ABBF-3AF7-A440-AACC-CED84C3C7F77}" destId="{3C642A02-4C18-3046-B6A8-A2E2FFDAD610}" srcOrd="1" destOrd="0" presId="urn:microsoft.com/office/officeart/2005/8/layout/cycle2"/>
+    <dgm:cxn modelId="{E407A3C6-F007-BD43-8E79-48D13FB451D4}" srcId="{12635CE3-445F-DD4F-AF3A-C20B3F6B521B}" destId="{1DEF0FDC-25A8-D945-B7C2-1C447DE66FAE}" srcOrd="0" destOrd="0" parTransId="{6998CD97-077E-2549-A360-08CB171D0A4F}" sibTransId="{DC89DD1B-4BD0-C945-B662-F76431ACB563}"/>
+    <dgm:cxn modelId="{3F7830CB-E8A5-F34F-AB72-AC7A0DC95D12}" type="presOf" srcId="{961D5258-7E25-6947-94DF-CEB214E536C7}" destId="{FAB34A74-7DAB-0D4D-9D52-C444FDFC0466}" srcOrd="1" destOrd="0" presId="urn:microsoft.com/office/officeart/2005/8/layout/cycle2"/>
+    <dgm:cxn modelId="{818353DB-BE18-2344-B392-9400595B4384}" type="presOf" srcId="{34416F0F-FB19-164A-A06B-30E3DEEC2EB7}" destId="{CDFB9B7A-10C4-454F-8157-261FE60CB27F}" srcOrd="0" destOrd="0" presId="urn:microsoft.com/office/officeart/2005/8/layout/cycle2"/>
+    <dgm:cxn modelId="{B917CFF3-63B7-C14D-9A5B-245C0A3053A2}" type="presOf" srcId="{ECF1702B-F19F-CB42-9BE5-1596D04CFFB7}" destId="{637DF53F-5B6C-0D4F-AFA9-E6E9CFBB7E55}" srcOrd="1" destOrd="0" presId="urn:microsoft.com/office/officeart/2005/8/layout/cycle2"/>
+    <dgm:cxn modelId="{BBF1F98E-1133-6741-90DC-96F9B4656BD7}" type="presParOf" srcId="{CBA1ACD7-026C-DA48-B343-4A95A937EEA3}" destId="{76F604CB-FDDB-7C4D-AD77-8CCBD87E0261}" srcOrd="0" destOrd="0" presId="urn:microsoft.com/office/officeart/2005/8/layout/cycle2"/>
+    <dgm:cxn modelId="{FD02AB01-3324-794B-A2AE-322B891489F4}" type="presParOf" srcId="{CBA1ACD7-026C-DA48-B343-4A95A937EEA3}" destId="{B13FFB30-70DC-AB40-BC42-B9E8028205DC}" srcOrd="1" destOrd="0" presId="urn:microsoft.com/office/officeart/2005/8/layout/cycle2"/>
+    <dgm:cxn modelId="{592E1AB5-81E1-5D4F-8A2D-B406DB576A9B}" type="presParOf" srcId="{B13FFB30-70DC-AB40-BC42-B9E8028205DC}" destId="{7F2DBA2C-6C9D-8440-B9BC-0BADD3783F0B}" srcOrd="0" destOrd="0" presId="urn:microsoft.com/office/officeart/2005/8/layout/cycle2"/>
+    <dgm:cxn modelId="{AA8B1390-C9F5-154D-B5D3-2C1321FEAC7E}" type="presParOf" srcId="{CBA1ACD7-026C-DA48-B343-4A95A937EEA3}" destId="{CDFB9B7A-10C4-454F-8157-261FE60CB27F}" srcOrd="2" destOrd="0" presId="urn:microsoft.com/office/officeart/2005/8/layout/cycle2"/>
+    <dgm:cxn modelId="{8874FD00-865F-FD4B-8123-4F86427967D7}" type="presParOf" srcId="{CBA1ACD7-026C-DA48-B343-4A95A937EEA3}" destId="{32286931-F180-F741-A125-4AB18CCB897D}" srcOrd="3" destOrd="0" presId="urn:microsoft.com/office/officeart/2005/8/layout/cycle2"/>
+    <dgm:cxn modelId="{9BE1EACB-258D-1443-85C8-B44C17A66302}" type="presParOf" srcId="{32286931-F180-F741-A125-4AB18CCB897D}" destId="{637DF53F-5B6C-0D4F-AFA9-E6E9CFBB7E55}" srcOrd="0" destOrd="0" presId="urn:microsoft.com/office/officeart/2005/8/layout/cycle2"/>
+    <dgm:cxn modelId="{28C980DE-292C-E042-B580-125852D5BF59}" type="presParOf" srcId="{CBA1ACD7-026C-DA48-B343-4A95A937EEA3}" destId="{D5016A50-684A-7E4B-BAFA-1296263ECC65}" srcOrd="4" destOrd="0" presId="urn:microsoft.com/office/officeart/2005/8/layout/cycle2"/>
+    <dgm:cxn modelId="{7F3CBA02-19C2-0043-9692-A34E8E980260}" type="presParOf" srcId="{CBA1ACD7-026C-DA48-B343-4A95A937EEA3}" destId="{6401F9CE-E8AF-884C-B107-5B5BC5EC3BEF}" srcOrd="5" destOrd="0" presId="urn:microsoft.com/office/officeart/2005/8/layout/cycle2"/>
+    <dgm:cxn modelId="{A4C9DDBA-DE33-7F44-B21B-E167EEE2FD02}" type="presParOf" srcId="{6401F9CE-E8AF-884C-B107-5B5BC5EC3BEF}" destId="{FAB34A74-7DAB-0D4D-9D52-C444FDFC0466}" srcOrd="0" destOrd="0" presId="urn:microsoft.com/office/officeart/2005/8/layout/cycle2"/>
+    <dgm:cxn modelId="{DBF92EF0-8641-6347-A9DA-A86A0C17F99F}" type="presParOf" srcId="{CBA1ACD7-026C-DA48-B343-4A95A937EEA3}" destId="{7873D4AD-D78E-DC4B-B558-9126DE9F1E95}" srcOrd="6" destOrd="0" presId="urn:microsoft.com/office/officeart/2005/8/layout/cycle2"/>
+    <dgm:cxn modelId="{9A82EC0A-0A7E-0045-9120-0A13556849D7}" type="presParOf" srcId="{CBA1ACD7-026C-DA48-B343-4A95A937EEA3}" destId="{3CC01F95-8B44-9E46-99D4-D57D4C5C91DA}" srcOrd="7" destOrd="0" presId="urn:microsoft.com/office/officeart/2005/8/layout/cycle2"/>
+    <dgm:cxn modelId="{5839D1A2-82D5-3544-9C6B-7AE8C2C5DB8E}" type="presParOf" srcId="{3CC01F95-8B44-9E46-99D4-D57D4C5C91DA}" destId="{3C642A02-4C18-3046-B6A8-A2E2FFDAD610}" srcOrd="0" destOrd="0" presId="urn:microsoft.com/office/officeart/2005/8/layout/cycle2"/>
+    <dgm:cxn modelId="{BB3CDA17-EC6B-A941-B5B9-DD7B6453E12B}" type="presParOf" srcId="{CBA1ACD7-026C-DA48-B343-4A95A937EEA3}" destId="{6A79BE82-6996-6F49-89F8-F990EC8F9F7A}" srcOrd="8" destOrd="0" presId="urn:microsoft.com/office/officeart/2005/8/layout/cycle2"/>
+    <dgm:cxn modelId="{215AADBA-86F0-B24B-BCE8-92BD9C006565}" type="presParOf" srcId="{CBA1ACD7-026C-DA48-B343-4A95A937EEA3}" destId="{2E7E08EC-898A-984A-82C1-B9990B2FF31F}" srcOrd="9" destOrd="0" presId="urn:microsoft.com/office/officeart/2005/8/layout/cycle2"/>
+    <dgm:cxn modelId="{68A0F17A-1961-7840-AADD-35A476BF5C8D}" type="presParOf" srcId="{2E7E08EC-898A-984A-82C1-B9990B2FF31F}" destId="{FFD3B316-7232-7443-8C1C-9329F0A2F580}" srcOrd="0" destOrd="0" presId="urn:microsoft.com/office/officeart/2005/8/layout/cycle2"/>
+  </dgm:cxnLst>
+  <dgm:bg/>
+  <dgm:whole/>
+  <dgm:extLst>
+    <a:ext uri="http://schemas.microsoft.com/office/drawing/2008/diagram">
+      <dsp:dataModelExt xmlns:dsp="http://schemas.microsoft.com/office/drawing/2008/diagram" relId="rId6" minVer="http://schemas.openxmlformats.org/drawingml/2006/diagram"/>
+    </a:ext>
+  </dgm:extLst>
+</dgm:dataModel>
+</file>
+
+<file path=ppt/diagrams/drawing1.xml><?xml version="1.0" encoding="utf-8"?>
+<dsp:drawing xmlns:dgm="http://schemas.openxmlformats.org/drawingml/2006/diagram" xmlns:dsp="http://schemas.microsoft.com/office/drawing/2008/diagram" xmlns:a="http://schemas.openxmlformats.org/drawingml/2006/main">
+  <dsp:spTree>
+    <dsp:nvGrpSpPr>
+      <dsp:cNvPr id="0" name=""/>
+      <dsp:cNvGrpSpPr/>
+    </dsp:nvGrpSpPr>
+    <dsp:grpSpPr/>
+    <dsp:sp modelId="{76F604CB-FDDB-7C4D-AD77-8CCBD87E0261}">
+      <dsp:nvSpPr>
+        <dsp:cNvPr id="0" name=""/>
+        <dsp:cNvSpPr/>
+      </dsp:nvSpPr>
+      <dsp:spPr>
+        <a:xfrm>
+          <a:off x="4961381" y="899"/>
+          <a:ext cx="1656620" cy="1656620"/>
+        </a:xfrm>
+        <a:prstGeom prst="ellipse">
+          <a:avLst/>
+        </a:prstGeom>
+        <a:solidFill>
+          <a:schemeClr val="accent1">
+            <a:hueOff val="0"/>
+            <a:satOff val="0"/>
+            <a:lumOff val="0"/>
+            <a:alphaOff val="0"/>
+          </a:schemeClr>
+        </a:solidFill>
+        <a:ln w="25400" cap="flat" cmpd="sng" algn="ctr">
+          <a:solidFill>
+            <a:schemeClr val="lt1">
+              <a:hueOff val="0"/>
+              <a:satOff val="0"/>
+              <a:lumOff val="0"/>
+              <a:alphaOff val="0"/>
+            </a:schemeClr>
+          </a:solidFill>
+          <a:prstDash val="solid"/>
+        </a:ln>
+        <a:effectLst/>
+      </dsp:spPr>
+      <dsp:style>
+        <a:lnRef idx="2">
+          <a:scrgbClr r="0" g="0" b="0"/>
+        </a:lnRef>
+        <a:fillRef idx="1">
+          <a:scrgbClr r="0" g="0" b="0"/>
+        </a:fillRef>
+        <a:effectRef idx="0">
+          <a:scrgbClr r="0" g="0" b="0"/>
+        </a:effectRef>
+        <a:fontRef idx="minor">
+          <a:schemeClr val="lt1"/>
+        </a:fontRef>
+      </dsp:style>
+      <dsp:txBody>
+        <a:bodyPr spcFirstLastPara="0" vert="horz" wrap="square" lIns="13970" tIns="13970" rIns="13970" bIns="13970" numCol="1" spcCol="1270" anchor="ctr" anchorCtr="0">
+          <a:noAutofit/>
+        </a:bodyPr>
+        <a:lstStyle/>
+        <a:p>
+          <a:pPr marL="0" lvl="0" indent="0" algn="ctr" defTabSz="488950">
+            <a:lnSpc>
+              <a:spcPct val="90000"/>
+            </a:lnSpc>
+            <a:spcBef>
+              <a:spcPct val="0"/>
+            </a:spcBef>
+            <a:spcAft>
+              <a:spcPct val="35000"/>
+            </a:spcAft>
+            <a:buNone/>
+          </a:pPr>
+          <a:r>
+            <a:rPr lang="en-US" sz="1100" kern="1200" dirty="0"/>
+            <a:t>At each </a:t>
+          </a:r>
+          <a:r>
+            <a:rPr lang="en-US" sz="1100" kern="1200" dirty="0" err="1">
+              <a:solidFill>
+                <a:schemeClr val="accent2">
+                  <a:lumMod val="75000"/>
+                </a:schemeClr>
+              </a:solidFill>
+            </a:rPr>
+            <a:t>timestep</a:t>
+          </a:r>
+          <a:r>
+            <a:rPr lang="en-US" sz="1100" kern="1200" dirty="0">
+              <a:solidFill>
+                <a:schemeClr val="accent2">
+                  <a:lumMod val="75000"/>
+                </a:schemeClr>
+              </a:solidFill>
+            </a:rPr>
+            <a:t> t</a:t>
+          </a:r>
+          <a:r>
+            <a:rPr lang="en-US" sz="1100" kern="1200" dirty="0"/>
+            <a:t>, Nature chooses a </a:t>
+          </a:r>
+          <a:r>
+            <a:rPr lang="en-US" sz="1100" kern="1200" dirty="0">
+              <a:solidFill>
+                <a:schemeClr val="accent2">
+                  <a:lumMod val="75000"/>
+                </a:schemeClr>
+              </a:solidFill>
+            </a:rPr>
+            <a:t>user i</a:t>
+          </a:r>
+          <a:r>
+            <a:rPr lang="en-US" sz="1100" kern="1200" baseline="-25000" dirty="0">
+              <a:solidFill>
+                <a:schemeClr val="accent2">
+                  <a:lumMod val="75000"/>
+                </a:schemeClr>
+              </a:solidFill>
+            </a:rPr>
+            <a:t>t</a:t>
+          </a:r>
+          <a:r>
+            <a:rPr lang="en-US" sz="1100" kern="1200" dirty="0"/>
+            <a:t> (row).</a:t>
+          </a:r>
+        </a:p>
+      </dsp:txBody>
+      <dsp:txXfrm>
+        <a:off x="5203987" y="243505"/>
+        <a:ext cx="1171408" cy="1171408"/>
+      </dsp:txXfrm>
+    </dsp:sp>
+    <dsp:sp modelId="{B13FFB30-70DC-AB40-BC42-B9E8028205DC}">
+      <dsp:nvSpPr>
+        <dsp:cNvPr id="0" name=""/>
+        <dsp:cNvSpPr/>
+      </dsp:nvSpPr>
+      <dsp:spPr>
+        <a:xfrm rot="2700000">
+          <a:off x="6440453" y="1421597"/>
+          <a:ext cx="442361" cy="559109"/>
+        </a:xfrm>
+        <a:prstGeom prst="rightArrow">
+          <a:avLst>
+            <a:gd name="adj1" fmla="val 60000"/>
+            <a:gd name="adj2" fmla="val 50000"/>
+          </a:avLst>
+        </a:prstGeom>
+        <a:solidFill>
+          <a:schemeClr val="accent1">
+            <a:tint val="60000"/>
+            <a:hueOff val="0"/>
+            <a:satOff val="0"/>
+            <a:lumOff val="0"/>
+            <a:alphaOff val="0"/>
+          </a:schemeClr>
+        </a:solidFill>
+        <a:ln>
+          <a:noFill/>
+        </a:ln>
+        <a:effectLst/>
+      </dsp:spPr>
+      <dsp:style>
+        <a:lnRef idx="0">
+          <a:scrgbClr r="0" g="0" b="0"/>
+        </a:lnRef>
+        <a:fillRef idx="1">
+          <a:scrgbClr r="0" g="0" b="0"/>
+        </a:fillRef>
+        <a:effectRef idx="0">
+          <a:scrgbClr r="0" g="0" b="0"/>
+        </a:effectRef>
+        <a:fontRef idx="minor">
+          <a:schemeClr val="lt1"/>
+        </a:fontRef>
+      </dsp:style>
+      <dsp:txBody>
+        <a:bodyPr spcFirstLastPara="0" vert="horz" wrap="square" lIns="0" tIns="0" rIns="0" bIns="0" numCol="1" spcCol="1270" anchor="ctr" anchorCtr="0">
+          <a:noAutofit/>
+        </a:bodyPr>
+        <a:lstStyle/>
+        <a:p>
+          <a:pPr marL="0" lvl="0" indent="0" algn="ctr" defTabSz="400050">
+            <a:lnSpc>
+              <a:spcPct val="90000"/>
+            </a:lnSpc>
+            <a:spcBef>
+              <a:spcPct val="0"/>
+            </a:spcBef>
+            <a:spcAft>
+              <a:spcPct val="35000"/>
+            </a:spcAft>
+            <a:buNone/>
+          </a:pPr>
+          <a:endParaRPr lang="en-US" sz="900" kern="1200"/>
+        </a:p>
+      </dsp:txBody>
+      <dsp:txXfrm>
+        <a:off x="6459888" y="1486500"/>
+        <a:ext cx="309653" cy="335465"/>
+      </dsp:txXfrm>
+    </dsp:sp>
+    <dsp:sp modelId="{CDFB9B7A-10C4-454F-8157-261FE60CB27F}">
+      <dsp:nvSpPr>
+        <dsp:cNvPr id="0" name=""/>
+        <dsp:cNvSpPr/>
+      </dsp:nvSpPr>
+      <dsp:spPr>
+        <a:xfrm>
+          <a:off x="6722971" y="1762489"/>
+          <a:ext cx="1656620" cy="1656620"/>
+        </a:xfrm>
+        <a:prstGeom prst="ellipse">
+          <a:avLst/>
+        </a:prstGeom>
+        <a:solidFill>
+          <a:schemeClr val="accent1">
+            <a:hueOff val="0"/>
+            <a:satOff val="0"/>
+            <a:lumOff val="0"/>
+            <a:alphaOff val="0"/>
+          </a:schemeClr>
+        </a:solidFill>
+        <a:ln w="25400" cap="flat" cmpd="sng" algn="ctr">
+          <a:solidFill>
+            <a:schemeClr val="lt1">
+              <a:hueOff val="0"/>
+              <a:satOff val="0"/>
+              <a:lumOff val="0"/>
+              <a:alphaOff val="0"/>
+            </a:schemeClr>
+          </a:solidFill>
+          <a:prstDash val="solid"/>
+        </a:ln>
+        <a:effectLst/>
+      </dsp:spPr>
+      <dsp:style>
+        <a:lnRef idx="2">
+          <a:scrgbClr r="0" g="0" b="0"/>
+        </a:lnRef>
+        <a:fillRef idx="1">
+          <a:scrgbClr r="0" g="0" b="0"/>
+        </a:fillRef>
+        <a:effectRef idx="0">
+          <a:scrgbClr r="0" g="0" b="0"/>
+        </a:effectRef>
+        <a:fontRef idx="minor">
+          <a:schemeClr val="lt1"/>
+        </a:fontRef>
+      </dsp:style>
+      <dsp:txBody>
+        <a:bodyPr spcFirstLastPara="0" vert="horz" wrap="square" lIns="13970" tIns="13970" rIns="13970" bIns="13970" numCol="1" spcCol="1270" anchor="ctr" anchorCtr="0">
+          <a:noAutofit/>
+        </a:bodyPr>
+        <a:lstStyle/>
+        <a:p>
+          <a:pPr marL="0" lvl="0" indent="0" algn="ctr" defTabSz="488950">
+            <a:lnSpc>
+              <a:spcPct val="90000"/>
+            </a:lnSpc>
+            <a:spcBef>
+              <a:spcPct val="0"/>
+            </a:spcBef>
+            <a:spcAft>
+              <a:spcPct val="35000"/>
+            </a:spcAft>
+            <a:buNone/>
+          </a:pPr>
+          <a:r>
+            <a:rPr lang="en-US" sz="1100" kern="1200" dirty="0"/>
+            <a:t>The learner chooses an </a:t>
+          </a:r>
+          <a:r>
+            <a:rPr lang="en-US" sz="1100" kern="1200" dirty="0">
+              <a:solidFill>
+                <a:schemeClr val="accent2">
+                  <a:lumMod val="75000"/>
+                </a:schemeClr>
+              </a:solidFill>
+            </a:rPr>
+            <a:t>arm </a:t>
+          </a:r>
+          <a:r>
+            <a:rPr lang="en-US" sz="1100" kern="1200" dirty="0" err="1">
+              <a:solidFill>
+                <a:schemeClr val="accent2">
+                  <a:lumMod val="75000"/>
+                </a:schemeClr>
+              </a:solidFill>
+            </a:rPr>
+            <a:t>j</a:t>
+          </a:r>
+          <a:r>
+            <a:rPr lang="en-US" sz="1100" kern="1200" baseline="-25000" dirty="0" err="1">
+              <a:solidFill>
+                <a:schemeClr val="accent2">
+                  <a:lumMod val="75000"/>
+                </a:schemeClr>
+              </a:solidFill>
+            </a:rPr>
+            <a:t>t</a:t>
+          </a:r>
+          <a:r>
+            <a:rPr lang="en-US" sz="1100" kern="1200" dirty="0">
+              <a:solidFill>
+                <a:schemeClr val="accent2">
+                  <a:lumMod val="75000"/>
+                </a:schemeClr>
+              </a:solidFill>
+            </a:rPr>
+            <a:t> </a:t>
+          </a:r>
+          <a:r>
+            <a:rPr lang="en-US" sz="1100" kern="1200" dirty="0"/>
+            <a:t>(column).</a:t>
+          </a:r>
+        </a:p>
+      </dsp:txBody>
+      <dsp:txXfrm>
+        <a:off x="6965577" y="2005095"/>
+        <a:ext cx="1171408" cy="1171408"/>
+      </dsp:txXfrm>
+    </dsp:sp>
+    <dsp:sp modelId="{32286931-F180-F741-A125-4AB18CCB897D}">
+      <dsp:nvSpPr>
+        <dsp:cNvPr id="0" name=""/>
+        <dsp:cNvSpPr/>
+      </dsp:nvSpPr>
+      <dsp:spPr>
+        <a:xfrm rot="8100000">
+          <a:off x="6458159" y="3183187"/>
+          <a:ext cx="442361" cy="559109"/>
+        </a:xfrm>
+        <a:prstGeom prst="rightArrow">
+          <a:avLst>
+            <a:gd name="adj1" fmla="val 60000"/>
+            <a:gd name="adj2" fmla="val 50000"/>
+          </a:avLst>
+        </a:prstGeom>
+        <a:solidFill>
+          <a:schemeClr val="accent1">
+            <a:tint val="60000"/>
+            <a:hueOff val="0"/>
+            <a:satOff val="0"/>
+            <a:lumOff val="0"/>
+            <a:alphaOff val="0"/>
+          </a:schemeClr>
+        </a:solidFill>
+        <a:ln>
+          <a:noFill/>
+        </a:ln>
+        <a:effectLst/>
+      </dsp:spPr>
+      <dsp:style>
+        <a:lnRef idx="0">
+          <a:scrgbClr r="0" g="0" b="0"/>
+        </a:lnRef>
+        <a:fillRef idx="1">
+          <a:scrgbClr r="0" g="0" b="0"/>
+        </a:fillRef>
+        <a:effectRef idx="0">
+          <a:scrgbClr r="0" g="0" b="0"/>
+        </a:effectRef>
+        <a:fontRef idx="minor">
+          <a:schemeClr val="lt1"/>
+        </a:fontRef>
+      </dsp:style>
+      <dsp:txBody>
+        <a:bodyPr spcFirstLastPara="0" vert="horz" wrap="square" lIns="0" tIns="0" rIns="0" bIns="0" numCol="1" spcCol="1270" anchor="ctr" anchorCtr="0">
+          <a:noAutofit/>
+        </a:bodyPr>
+        <a:lstStyle/>
+        <a:p>
+          <a:pPr marL="0" lvl="0" indent="0" algn="ctr" defTabSz="400050">
+            <a:lnSpc>
+              <a:spcPct val="90000"/>
+            </a:lnSpc>
+            <a:spcBef>
+              <a:spcPct val="0"/>
+            </a:spcBef>
+            <a:spcAft>
+              <a:spcPct val="35000"/>
+            </a:spcAft>
+            <a:buNone/>
+          </a:pPr>
+          <a:endParaRPr lang="en-US" sz="900" kern="1200"/>
+        </a:p>
+      </dsp:txBody>
+      <dsp:txXfrm rot="10800000">
+        <a:off x="6571432" y="3248090"/>
+        <a:ext cx="309653" cy="335465"/>
+      </dsp:txXfrm>
+    </dsp:sp>
+    <dsp:sp modelId="{D5016A50-684A-7E4B-BAFA-1296263ECC65}">
+      <dsp:nvSpPr>
+        <dsp:cNvPr id="0" name=""/>
+        <dsp:cNvSpPr/>
+      </dsp:nvSpPr>
+      <dsp:spPr>
+        <a:xfrm>
+          <a:off x="4961381" y="3524079"/>
+          <a:ext cx="1656620" cy="1656620"/>
+        </a:xfrm>
+        <a:prstGeom prst="ellipse">
+          <a:avLst/>
+        </a:prstGeom>
+        <a:solidFill>
+          <a:schemeClr val="accent1">
+            <a:hueOff val="0"/>
+            <a:satOff val="0"/>
+            <a:lumOff val="0"/>
+            <a:alphaOff val="0"/>
+          </a:schemeClr>
+        </a:solidFill>
+        <a:ln w="25400" cap="flat" cmpd="sng" algn="ctr">
+          <a:solidFill>
+            <a:schemeClr val="lt1">
+              <a:hueOff val="0"/>
+              <a:satOff val="0"/>
+              <a:lumOff val="0"/>
+              <a:alphaOff val="0"/>
+            </a:schemeClr>
+          </a:solidFill>
+          <a:prstDash val="solid"/>
+        </a:ln>
+        <a:effectLst/>
+      </dsp:spPr>
+      <dsp:style>
+        <a:lnRef idx="2">
+          <a:scrgbClr r="0" g="0" b="0"/>
+        </a:lnRef>
+        <a:fillRef idx="1">
+          <a:scrgbClr r="0" g="0" b="0"/>
+        </a:fillRef>
+        <a:effectRef idx="0">
+          <a:scrgbClr r="0" g="0" b="0"/>
+        </a:effectRef>
+        <a:fontRef idx="minor">
+          <a:schemeClr val="lt1"/>
+        </a:fontRef>
+      </dsp:style>
+      <dsp:txBody>
+        <a:bodyPr spcFirstLastPara="0" vert="horz" wrap="square" lIns="13970" tIns="13970" rIns="13970" bIns="13970" numCol="1" spcCol="1270" anchor="ctr" anchorCtr="0">
+          <a:noAutofit/>
+        </a:bodyPr>
+        <a:lstStyle/>
+        <a:p>
+          <a:pPr marL="0" lvl="0" indent="0" algn="ctr" defTabSz="488950">
+            <a:lnSpc>
+              <a:spcPct val="90000"/>
+            </a:lnSpc>
+            <a:spcBef>
+              <a:spcPct val="0"/>
+            </a:spcBef>
+            <a:spcAft>
+              <a:spcPct val="35000"/>
+            </a:spcAft>
+            <a:buNone/>
+          </a:pPr>
+          <a:r>
+            <a:rPr lang="en-US" sz="1100" kern="1200" dirty="0"/>
+            <a:t>Under the bandit feedback assumption </a:t>
+          </a:r>
+          <a:r>
+            <a:rPr lang="en-US" sz="1100" u="none" kern="1200" dirty="0">
+              <a:solidFill>
+                <a:schemeClr val="accent6"/>
+              </a:solidFill>
+            </a:rPr>
+            <a:t>only</a:t>
+          </a:r>
+          <a:r>
+            <a:rPr lang="en-US" sz="1100" kern="1200" dirty="0">
+              <a:solidFill>
+                <a:schemeClr val="accent6"/>
+              </a:solidFill>
+            </a:rPr>
+            <a:t> </a:t>
+          </a:r>
+          <a:r>
+            <a:rPr lang="en-US" sz="1100" kern="1200" dirty="0"/>
+            <a:t>the reward for the </a:t>
+          </a:r>
+          <a:r>
+            <a:rPr lang="en-US" sz="1100" i="1" kern="1200" dirty="0">
+              <a:solidFill>
+                <a:schemeClr val="accent2">
+                  <a:lumMod val="75000"/>
+                </a:schemeClr>
+              </a:solidFill>
+            </a:rPr>
+            <a:t>user, arm pair</a:t>
+          </a:r>
+          <a:r>
+            <a:rPr lang="en-US" sz="1100" kern="1200" dirty="0"/>
+            <a:t> chosen is revealed to the learner.</a:t>
+          </a:r>
+        </a:p>
+      </dsp:txBody>
+      <dsp:txXfrm>
+        <a:off x="5203987" y="3766685"/>
+        <a:ext cx="1171408" cy="1171408"/>
+      </dsp:txXfrm>
+    </dsp:sp>
+    <dsp:sp modelId="{6401F9CE-E8AF-884C-B107-5B5BC5EC3BEF}">
+      <dsp:nvSpPr>
+        <dsp:cNvPr id="0" name=""/>
+        <dsp:cNvSpPr/>
+      </dsp:nvSpPr>
+      <dsp:spPr>
+        <a:xfrm rot="13500000">
+          <a:off x="4696569" y="3200892"/>
+          <a:ext cx="442361" cy="559109"/>
+        </a:xfrm>
+        <a:prstGeom prst="rightArrow">
+          <a:avLst>
+            <a:gd name="adj1" fmla="val 60000"/>
+            <a:gd name="adj2" fmla="val 50000"/>
+          </a:avLst>
+        </a:prstGeom>
+        <a:solidFill>
+          <a:schemeClr val="accent1">
+            <a:tint val="60000"/>
+            <a:hueOff val="0"/>
+            <a:satOff val="0"/>
+            <a:lumOff val="0"/>
+            <a:alphaOff val="0"/>
+          </a:schemeClr>
+        </a:solidFill>
+        <a:ln>
+          <a:noFill/>
+        </a:ln>
+        <a:effectLst/>
+      </dsp:spPr>
+      <dsp:style>
+        <a:lnRef idx="0">
+          <a:scrgbClr r="0" g="0" b="0"/>
+        </a:lnRef>
+        <a:fillRef idx="1">
+          <a:scrgbClr r="0" g="0" b="0"/>
+        </a:fillRef>
+        <a:effectRef idx="0">
+          <a:scrgbClr r="0" g="0" b="0"/>
+        </a:effectRef>
+        <a:fontRef idx="minor">
+          <a:schemeClr val="lt1"/>
+        </a:fontRef>
+      </dsp:style>
+      <dsp:txBody>
+        <a:bodyPr spcFirstLastPara="0" vert="horz" wrap="square" lIns="0" tIns="0" rIns="0" bIns="0" numCol="1" spcCol="1270" anchor="ctr" anchorCtr="0">
+          <a:noAutofit/>
+        </a:bodyPr>
+        <a:lstStyle/>
+        <a:p>
+          <a:pPr marL="0" lvl="0" indent="0" algn="ctr" defTabSz="400050">
+            <a:lnSpc>
+              <a:spcPct val="90000"/>
+            </a:lnSpc>
+            <a:spcBef>
+              <a:spcPct val="0"/>
+            </a:spcBef>
+            <a:spcAft>
+              <a:spcPct val="35000"/>
+            </a:spcAft>
+            <a:buNone/>
+          </a:pPr>
+          <a:endParaRPr lang="en-US" sz="900" kern="1200"/>
+        </a:p>
+      </dsp:txBody>
+      <dsp:txXfrm rot="10800000">
+        <a:off x="4809842" y="3359633"/>
+        <a:ext cx="309653" cy="335465"/>
+      </dsp:txXfrm>
+    </dsp:sp>
+    <dsp:sp modelId="{7873D4AD-D78E-DC4B-B558-9126DE9F1E95}">
+      <dsp:nvSpPr>
+        <dsp:cNvPr id="0" name=""/>
+        <dsp:cNvSpPr/>
+      </dsp:nvSpPr>
+      <dsp:spPr>
+        <a:xfrm>
+          <a:off x="3199791" y="1762489"/>
+          <a:ext cx="1656620" cy="1656620"/>
+        </a:xfrm>
+        <a:prstGeom prst="ellipse">
+          <a:avLst/>
+        </a:prstGeom>
+        <a:solidFill>
+          <a:schemeClr val="accent1">
+            <a:hueOff val="0"/>
+            <a:satOff val="0"/>
+            <a:lumOff val="0"/>
+            <a:alphaOff val="0"/>
+          </a:schemeClr>
+        </a:solidFill>
+        <a:ln w="25400" cap="flat" cmpd="sng" algn="ctr">
+          <a:solidFill>
+            <a:schemeClr val="lt1">
+              <a:hueOff val="0"/>
+              <a:satOff val="0"/>
+              <a:lumOff val="0"/>
+              <a:alphaOff val="0"/>
+            </a:schemeClr>
+          </a:solidFill>
+          <a:prstDash val="solid"/>
+        </a:ln>
+        <a:effectLst/>
+      </dsp:spPr>
+      <dsp:style>
+        <a:lnRef idx="2">
+          <a:scrgbClr r="0" g="0" b="0"/>
+        </a:lnRef>
+        <a:fillRef idx="1">
+          <a:scrgbClr r="0" g="0" b="0"/>
+        </a:fillRef>
+        <a:effectRef idx="0">
+          <a:scrgbClr r="0" g="0" b="0"/>
+        </a:effectRef>
+        <a:fontRef idx="minor">
+          <a:schemeClr val="lt1"/>
+        </a:fontRef>
+      </dsp:style>
+      <dsp:txBody>
+        <a:bodyPr spcFirstLastPara="0" vert="horz" wrap="square" lIns="13970" tIns="13970" rIns="13970" bIns="13970" numCol="1" spcCol="1270" anchor="ctr" anchorCtr="0">
+          <a:noAutofit/>
+        </a:bodyPr>
+        <a:lstStyle/>
+        <a:p>
+          <a:pPr marL="0" lvl="0" indent="0" algn="ctr" defTabSz="488950">
+            <a:lnSpc>
+              <a:spcPct val="90000"/>
+            </a:lnSpc>
+            <a:spcBef>
+              <a:spcPct val="0"/>
+            </a:spcBef>
+            <a:spcAft>
+              <a:spcPct val="35000"/>
+            </a:spcAft>
+            <a:buNone/>
+          </a:pPr>
+          <a:r>
+            <a:rPr lang="en-US" sz="1100" kern="1200" dirty="0"/>
+            <a:t>Learner modifies its suggestion for the </a:t>
+          </a:r>
+          <a:r>
+            <a:rPr lang="en-US" sz="1100" kern="1200" dirty="0">
+              <a:solidFill>
+                <a:schemeClr val="accent2">
+                  <a:lumMod val="75000"/>
+                </a:schemeClr>
+              </a:solidFill>
+            </a:rPr>
+            <a:t>user i</a:t>
+          </a:r>
+          <a:r>
+            <a:rPr lang="en-US" sz="1100" kern="1200" baseline="-25000" dirty="0">
+              <a:solidFill>
+                <a:schemeClr val="accent2">
+                  <a:lumMod val="75000"/>
+                </a:schemeClr>
+              </a:solidFill>
+            </a:rPr>
+            <a:t>t</a:t>
+          </a:r>
+          <a:r>
+            <a:rPr lang="en-US" sz="1100" kern="1200" dirty="0">
+              <a:solidFill>
+                <a:srgbClr val="FF0000"/>
+              </a:solidFill>
+            </a:rPr>
+            <a:t> </a:t>
+          </a:r>
+          <a:r>
+            <a:rPr lang="en-US" sz="1100" kern="1200" dirty="0"/>
+            <a:t>on receiving the feedback.</a:t>
+          </a:r>
+        </a:p>
+      </dsp:txBody>
+      <dsp:txXfrm>
+        <a:off x="3442397" y="2005095"/>
+        <a:ext cx="1171408" cy="1171408"/>
+      </dsp:txXfrm>
+    </dsp:sp>
+    <dsp:sp modelId="{3CC01F95-8B44-9E46-99D4-D57D4C5C91DA}">
+      <dsp:nvSpPr>
+        <dsp:cNvPr id="0" name=""/>
+        <dsp:cNvSpPr/>
+      </dsp:nvSpPr>
+      <dsp:spPr>
+        <a:xfrm rot="18900000">
+          <a:off x="4678863" y="1439302"/>
+          <a:ext cx="442361" cy="559109"/>
+        </a:xfrm>
+        <a:prstGeom prst="rightArrow">
+          <a:avLst>
+            <a:gd name="adj1" fmla="val 60000"/>
+            <a:gd name="adj2" fmla="val 50000"/>
+          </a:avLst>
+        </a:prstGeom>
+        <a:solidFill>
+          <a:schemeClr val="accent1">
+            <a:tint val="60000"/>
+            <a:hueOff val="0"/>
+            <a:satOff val="0"/>
+            <a:lumOff val="0"/>
+            <a:alphaOff val="0"/>
+          </a:schemeClr>
+        </a:solidFill>
+        <a:ln>
+          <a:noFill/>
+        </a:ln>
+        <a:effectLst/>
+      </dsp:spPr>
+      <dsp:style>
+        <a:lnRef idx="0">
+          <a:scrgbClr r="0" g="0" b="0"/>
+        </a:lnRef>
+        <a:fillRef idx="1">
+          <a:scrgbClr r="0" g="0" b="0"/>
+        </a:fillRef>
+        <a:effectRef idx="0">
+          <a:scrgbClr r="0" g="0" b="0"/>
+        </a:effectRef>
+        <a:fontRef idx="minor">
+          <a:schemeClr val="lt1"/>
+        </a:fontRef>
+      </dsp:style>
+      <dsp:txBody>
+        <a:bodyPr spcFirstLastPara="0" vert="horz" wrap="square" lIns="0" tIns="0" rIns="0" bIns="0" numCol="1" spcCol="1270" anchor="ctr" anchorCtr="0">
+          <a:noAutofit/>
+        </a:bodyPr>
+        <a:lstStyle/>
+        <a:p>
+          <a:pPr marL="0" lvl="0" indent="0" algn="ctr" defTabSz="400050">
+            <a:lnSpc>
+              <a:spcPct val="90000"/>
+            </a:lnSpc>
+            <a:spcBef>
+              <a:spcPct val="0"/>
+            </a:spcBef>
+            <a:spcAft>
+              <a:spcPct val="35000"/>
+            </a:spcAft>
+            <a:buNone/>
+          </a:pPr>
+          <a:endParaRPr lang="en-US" sz="900" kern="1200"/>
+        </a:p>
+      </dsp:txBody>
+      <dsp:txXfrm>
+        <a:off x="4698298" y="1598043"/>
+        <a:ext cx="309653" cy="335465"/>
+      </dsp:txXfrm>
+    </dsp:sp>
+  </dsp:spTree>
+</dsp:drawing>
+</file>
+
+<file path=ppt/diagrams/drawing2.xml><?xml version="1.0" encoding="utf-8"?>
+<dsp:drawing xmlns:dgm="http://schemas.openxmlformats.org/drawingml/2006/diagram" xmlns:dsp="http://schemas.microsoft.com/office/drawing/2008/diagram" xmlns:a="http://schemas.openxmlformats.org/drawingml/2006/main">
+  <dsp:spTree>
+    <dsp:nvGrpSpPr>
+      <dsp:cNvPr id="0" name=""/>
+      <dsp:cNvGrpSpPr/>
+    </dsp:nvGrpSpPr>
+    <dsp:grpSpPr/>
+    <dsp:sp modelId="{76F604CB-FDDB-7C4D-AD77-8CCBD87E0261}">
+      <dsp:nvSpPr>
+        <dsp:cNvPr id="0" name=""/>
+        <dsp:cNvSpPr/>
+      </dsp:nvSpPr>
+      <dsp:spPr>
+        <a:xfrm>
+          <a:off x="5008027" y="1957"/>
+          <a:ext cx="1563329" cy="1563329"/>
+        </a:xfrm>
+        <a:prstGeom prst="ellipse">
+          <a:avLst/>
+        </a:prstGeom>
+        <a:solidFill>
+          <a:schemeClr val="accent1">
+            <a:hueOff val="0"/>
+            <a:satOff val="0"/>
+            <a:lumOff val="0"/>
+            <a:alphaOff val="0"/>
+          </a:schemeClr>
+        </a:solidFill>
+        <a:ln w="25400" cap="flat" cmpd="sng" algn="ctr">
+          <a:solidFill>
+            <a:schemeClr val="lt1">
+              <a:hueOff val="0"/>
+              <a:satOff val="0"/>
+              <a:lumOff val="0"/>
+              <a:alphaOff val="0"/>
+            </a:schemeClr>
+          </a:solidFill>
+          <a:prstDash val="solid"/>
+        </a:ln>
+        <a:effectLst/>
+      </dsp:spPr>
+      <dsp:style>
+        <a:lnRef idx="2">
+          <a:scrgbClr r="0" g="0" b="0"/>
+        </a:lnRef>
+        <a:fillRef idx="1">
+          <a:scrgbClr r="0" g="0" b="0"/>
+        </a:fillRef>
+        <a:effectRef idx="0">
+          <a:scrgbClr r="0" g="0" b="0"/>
+        </a:effectRef>
+        <a:fontRef idx="minor">
+          <a:schemeClr val="lt1"/>
+        </a:fontRef>
+      </dsp:style>
+      <dsp:txBody>
+        <a:bodyPr spcFirstLastPara="0" vert="horz" wrap="square" lIns="12700" tIns="12700" rIns="12700" bIns="12700" numCol="1" spcCol="1270" anchor="ctr" anchorCtr="0">
+          <a:noAutofit/>
+        </a:bodyPr>
+        <a:lstStyle/>
+        <a:p>
+          <a:pPr marL="0" lvl="0" indent="0" algn="ctr" defTabSz="444500">
+            <a:lnSpc>
+              <a:spcPct val="90000"/>
+            </a:lnSpc>
+            <a:spcBef>
+              <a:spcPct val="0"/>
+            </a:spcBef>
+            <a:spcAft>
+              <a:spcPct val="35000"/>
+            </a:spcAft>
+            <a:buNone/>
+          </a:pPr>
+          <a:r>
+            <a:rPr lang="en-US" sz="1000" kern="1200" dirty="0"/>
+            <a:t>At each </a:t>
+          </a:r>
+          <a:r>
+            <a:rPr lang="en-US" sz="1000" kern="1200" dirty="0" err="1">
+              <a:solidFill>
+                <a:schemeClr val="accent2">
+                  <a:lumMod val="75000"/>
+                </a:schemeClr>
+              </a:solidFill>
+            </a:rPr>
+            <a:t>timestep</a:t>
+          </a:r>
+          <a:r>
+            <a:rPr lang="en-US" sz="1000" kern="1200" dirty="0">
+              <a:solidFill>
+                <a:schemeClr val="accent2">
+                  <a:lumMod val="75000"/>
+                </a:schemeClr>
+              </a:solidFill>
+            </a:rPr>
+            <a:t> t</a:t>
+          </a:r>
+          <a:r>
+            <a:rPr lang="en-US" sz="1000" kern="1200" dirty="0"/>
+            <a:t>, Nature chooses a </a:t>
+          </a:r>
+          <a:r>
+            <a:rPr lang="en-US" sz="1000" kern="1200" dirty="0">
+              <a:solidFill>
+                <a:schemeClr val="accent2">
+                  <a:lumMod val="75000"/>
+                </a:schemeClr>
+              </a:solidFill>
+            </a:rPr>
+            <a:t>user i</a:t>
+          </a:r>
+          <a:r>
+            <a:rPr lang="en-US" sz="1000" kern="1200" baseline="-25000" dirty="0">
+              <a:solidFill>
+                <a:schemeClr val="accent2">
+                  <a:lumMod val="75000"/>
+                </a:schemeClr>
+              </a:solidFill>
+            </a:rPr>
+            <a:t>t</a:t>
+          </a:r>
+          <a:r>
+            <a:rPr lang="en-US" sz="1000" kern="1200" dirty="0"/>
+            <a:t> (row). Users are grouped into clusters.</a:t>
+          </a:r>
+        </a:p>
+      </dsp:txBody>
+      <dsp:txXfrm>
+        <a:off x="5236971" y="230901"/>
+        <a:ext cx="1105441" cy="1105441"/>
+      </dsp:txXfrm>
+    </dsp:sp>
+    <dsp:sp modelId="{B13FFB30-70DC-AB40-BC42-B9E8028205DC}">
+      <dsp:nvSpPr>
+        <dsp:cNvPr id="0" name=""/>
+        <dsp:cNvSpPr/>
+      </dsp:nvSpPr>
+      <dsp:spPr>
+        <a:xfrm rot="2160000">
+          <a:off x="6522113" y="1203165"/>
+          <a:ext cx="416273" cy="527623"/>
+        </a:xfrm>
+        <a:prstGeom prst="rightArrow">
+          <a:avLst>
+            <a:gd name="adj1" fmla="val 60000"/>
+            <a:gd name="adj2" fmla="val 50000"/>
+          </a:avLst>
+        </a:prstGeom>
+        <a:solidFill>
+          <a:schemeClr val="accent1">
+            <a:tint val="60000"/>
+            <a:hueOff val="0"/>
+            <a:satOff val="0"/>
+            <a:lumOff val="0"/>
+            <a:alphaOff val="0"/>
+          </a:schemeClr>
+        </a:solidFill>
+        <a:ln>
+          <a:noFill/>
+        </a:ln>
+        <a:effectLst/>
+      </dsp:spPr>
+      <dsp:style>
+        <a:lnRef idx="0">
+          <a:scrgbClr r="0" g="0" b="0"/>
+        </a:lnRef>
+        <a:fillRef idx="1">
+          <a:scrgbClr r="0" g="0" b="0"/>
+        </a:fillRef>
+        <a:effectRef idx="0">
+          <a:scrgbClr r="0" g="0" b="0"/>
+        </a:effectRef>
+        <a:fontRef idx="minor">
+          <a:schemeClr val="lt1"/>
+        </a:fontRef>
+      </dsp:style>
+      <dsp:txBody>
+        <a:bodyPr spcFirstLastPara="0" vert="horz" wrap="square" lIns="0" tIns="0" rIns="0" bIns="0" numCol="1" spcCol="1270" anchor="ctr" anchorCtr="0">
+          <a:noAutofit/>
+        </a:bodyPr>
+        <a:lstStyle/>
+        <a:p>
+          <a:pPr marL="0" lvl="0" indent="0" algn="ctr" defTabSz="355600">
+            <a:lnSpc>
+              <a:spcPct val="90000"/>
+            </a:lnSpc>
+            <a:spcBef>
+              <a:spcPct val="0"/>
+            </a:spcBef>
+            <a:spcAft>
+              <a:spcPct val="35000"/>
+            </a:spcAft>
+            <a:buNone/>
+          </a:pPr>
+          <a:endParaRPr lang="en-US" sz="800" kern="1200"/>
+        </a:p>
+      </dsp:txBody>
+      <dsp:txXfrm>
+        <a:off x="6534038" y="1271988"/>
+        <a:ext cx="291391" cy="316573"/>
+      </dsp:txXfrm>
+    </dsp:sp>
+    <dsp:sp modelId="{CDFB9B7A-10C4-454F-8157-261FE60CB27F}">
+      <dsp:nvSpPr>
+        <dsp:cNvPr id="0" name=""/>
+        <dsp:cNvSpPr/>
+      </dsp:nvSpPr>
+      <dsp:spPr>
+        <a:xfrm>
+          <a:off x="6908206" y="1382518"/>
+          <a:ext cx="1563329" cy="1563329"/>
+        </a:xfrm>
+        <a:prstGeom prst="ellipse">
+          <a:avLst/>
+        </a:prstGeom>
+        <a:solidFill>
+          <a:schemeClr val="accent1">
+            <a:hueOff val="0"/>
+            <a:satOff val="0"/>
+            <a:lumOff val="0"/>
+            <a:alphaOff val="0"/>
+          </a:schemeClr>
+        </a:solidFill>
+        <a:ln w="25400" cap="flat" cmpd="sng" algn="ctr">
+          <a:solidFill>
+            <a:schemeClr val="lt1">
+              <a:hueOff val="0"/>
+              <a:satOff val="0"/>
+              <a:lumOff val="0"/>
+              <a:alphaOff val="0"/>
+            </a:schemeClr>
+          </a:solidFill>
+          <a:prstDash val="solid"/>
+        </a:ln>
+        <a:effectLst/>
+      </dsp:spPr>
+      <dsp:style>
+        <a:lnRef idx="2">
+          <a:scrgbClr r="0" g="0" b="0"/>
+        </a:lnRef>
+        <a:fillRef idx="1">
+          <a:scrgbClr r="0" g="0" b="0"/>
+        </a:fillRef>
+        <a:effectRef idx="0">
+          <a:scrgbClr r="0" g="0" b="0"/>
+        </a:effectRef>
+        <a:fontRef idx="minor">
+          <a:schemeClr val="lt1"/>
+        </a:fontRef>
+      </dsp:style>
+      <dsp:txBody>
+        <a:bodyPr spcFirstLastPara="0" vert="horz" wrap="square" lIns="12700" tIns="12700" rIns="12700" bIns="12700" numCol="1" spcCol="1270" anchor="ctr" anchorCtr="0">
+          <a:noAutofit/>
+        </a:bodyPr>
+        <a:lstStyle/>
+        <a:p>
+          <a:pPr marL="0" lvl="0" indent="0" algn="ctr" defTabSz="444500">
+            <a:lnSpc>
+              <a:spcPct val="90000"/>
+            </a:lnSpc>
+            <a:spcBef>
+              <a:spcPct val="0"/>
+            </a:spcBef>
+            <a:spcAft>
+              <a:spcPct val="35000"/>
+            </a:spcAft>
+            <a:buNone/>
+          </a:pPr>
+          <a:r>
+            <a:rPr lang="en-US" sz="1000" kern="1200" dirty="0"/>
+            <a:t>The learner chooses an </a:t>
+          </a:r>
+          <a:r>
+            <a:rPr lang="en-US" sz="1000" kern="1200" dirty="0">
+              <a:solidFill>
+                <a:schemeClr val="accent2">
+                  <a:lumMod val="75000"/>
+                </a:schemeClr>
+              </a:solidFill>
+            </a:rPr>
+            <a:t>arm </a:t>
+          </a:r>
+          <a:r>
+            <a:rPr lang="en-US" sz="1000" kern="1200" dirty="0" err="1">
+              <a:solidFill>
+                <a:schemeClr val="accent2">
+                  <a:lumMod val="75000"/>
+                </a:schemeClr>
+              </a:solidFill>
+            </a:rPr>
+            <a:t>j</a:t>
+          </a:r>
+          <a:r>
+            <a:rPr lang="en-US" sz="1000" kern="1200" baseline="-25000" dirty="0" err="1">
+              <a:solidFill>
+                <a:schemeClr val="accent2">
+                  <a:lumMod val="75000"/>
+                </a:schemeClr>
+              </a:solidFill>
+            </a:rPr>
+            <a:t>t</a:t>
+          </a:r>
+          <a:r>
+            <a:rPr lang="en-US" sz="1000" kern="1200" dirty="0">
+              <a:solidFill>
+                <a:schemeClr val="accent2">
+                  <a:lumMod val="75000"/>
+                </a:schemeClr>
+              </a:solidFill>
+            </a:rPr>
+            <a:t> </a:t>
+          </a:r>
+          <a:r>
+            <a:rPr lang="en-US" sz="1000" kern="1200" dirty="0"/>
+            <a:t>(column).</a:t>
+          </a:r>
+        </a:p>
+      </dsp:txBody>
+      <dsp:txXfrm>
+        <a:off x="7137150" y="1611462"/>
+        <a:ext cx="1105441" cy="1105441"/>
+      </dsp:txXfrm>
+    </dsp:sp>
+    <dsp:sp modelId="{32286931-F180-F741-A125-4AB18CCB897D}">
+      <dsp:nvSpPr>
+        <dsp:cNvPr id="0" name=""/>
+        <dsp:cNvSpPr/>
+      </dsp:nvSpPr>
+      <dsp:spPr>
+        <a:xfrm rot="6480000">
+          <a:off x="7122473" y="3006063"/>
+          <a:ext cx="416273" cy="527623"/>
+        </a:xfrm>
+        <a:prstGeom prst="rightArrow">
+          <a:avLst>
+            <a:gd name="adj1" fmla="val 60000"/>
+            <a:gd name="adj2" fmla="val 50000"/>
+          </a:avLst>
+        </a:prstGeom>
+        <a:solidFill>
+          <a:schemeClr val="accent1">
+            <a:tint val="60000"/>
+            <a:hueOff val="0"/>
+            <a:satOff val="0"/>
+            <a:lumOff val="0"/>
+            <a:alphaOff val="0"/>
+          </a:schemeClr>
+        </a:solidFill>
+        <a:ln>
+          <a:noFill/>
+        </a:ln>
+        <a:effectLst/>
+      </dsp:spPr>
+      <dsp:style>
+        <a:lnRef idx="0">
+          <a:scrgbClr r="0" g="0" b="0"/>
+        </a:lnRef>
+        <a:fillRef idx="1">
+          <a:scrgbClr r="0" g="0" b="0"/>
+        </a:fillRef>
+        <a:effectRef idx="0">
+          <a:scrgbClr r="0" g="0" b="0"/>
+        </a:effectRef>
+        <a:fontRef idx="minor">
+          <a:schemeClr val="lt1"/>
+        </a:fontRef>
+      </dsp:style>
+      <dsp:txBody>
+        <a:bodyPr spcFirstLastPara="0" vert="horz" wrap="square" lIns="0" tIns="0" rIns="0" bIns="0" numCol="1" spcCol="1270" anchor="ctr" anchorCtr="0">
+          <a:noAutofit/>
+        </a:bodyPr>
+        <a:lstStyle/>
+        <a:p>
+          <a:pPr marL="0" lvl="0" indent="0" algn="ctr" defTabSz="355600">
+            <a:lnSpc>
+              <a:spcPct val="90000"/>
+            </a:lnSpc>
+            <a:spcBef>
+              <a:spcPct val="0"/>
+            </a:spcBef>
+            <a:spcAft>
+              <a:spcPct val="35000"/>
+            </a:spcAft>
+            <a:buNone/>
+          </a:pPr>
+          <a:endParaRPr lang="en-US" sz="800" kern="1200"/>
+        </a:p>
+      </dsp:txBody>
+      <dsp:txXfrm rot="10800000">
+        <a:off x="7204209" y="3052203"/>
+        <a:ext cx="291391" cy="316573"/>
+      </dsp:txXfrm>
+    </dsp:sp>
+    <dsp:sp modelId="{D5016A50-684A-7E4B-BAFA-1296263ECC65}">
+      <dsp:nvSpPr>
+        <dsp:cNvPr id="0" name=""/>
+        <dsp:cNvSpPr/>
+      </dsp:nvSpPr>
+      <dsp:spPr>
+        <a:xfrm>
+          <a:off x="6182402" y="3616312"/>
+          <a:ext cx="1563329" cy="1563329"/>
+        </a:xfrm>
+        <a:prstGeom prst="ellipse">
+          <a:avLst/>
+        </a:prstGeom>
+        <a:solidFill>
+          <a:schemeClr val="accent1">
+            <a:hueOff val="0"/>
+            <a:satOff val="0"/>
+            <a:lumOff val="0"/>
+            <a:alphaOff val="0"/>
+          </a:schemeClr>
+        </a:solidFill>
+        <a:ln w="25400" cap="flat" cmpd="sng" algn="ctr">
+          <a:solidFill>
+            <a:schemeClr val="lt1">
+              <a:hueOff val="0"/>
+              <a:satOff val="0"/>
+              <a:lumOff val="0"/>
+              <a:alphaOff val="0"/>
+            </a:schemeClr>
+          </a:solidFill>
+          <a:prstDash val="solid"/>
+        </a:ln>
+        <a:effectLst/>
+      </dsp:spPr>
+      <dsp:style>
+        <a:lnRef idx="2">
+          <a:scrgbClr r="0" g="0" b="0"/>
+        </a:lnRef>
+        <a:fillRef idx="1">
+          <a:scrgbClr r="0" g="0" b="0"/>
+        </a:fillRef>
+        <a:effectRef idx="0">
+          <a:scrgbClr r="0" g="0" b="0"/>
+        </a:effectRef>
+        <a:fontRef idx="minor">
+          <a:schemeClr val="lt1"/>
+        </a:fontRef>
+      </dsp:style>
+      <dsp:txBody>
+        <a:bodyPr spcFirstLastPara="0" vert="horz" wrap="square" lIns="12700" tIns="12700" rIns="12700" bIns="12700" numCol="1" spcCol="1270" anchor="ctr" anchorCtr="0">
+          <a:noAutofit/>
+        </a:bodyPr>
+        <a:lstStyle/>
+        <a:p>
+          <a:pPr marL="0" lvl="0" indent="0" algn="ctr" defTabSz="444500">
+            <a:lnSpc>
+              <a:spcPct val="90000"/>
+            </a:lnSpc>
+            <a:spcBef>
+              <a:spcPct val="0"/>
+            </a:spcBef>
+            <a:spcAft>
+              <a:spcPct val="35000"/>
+            </a:spcAft>
+            <a:buNone/>
+          </a:pPr>
+          <a:r>
+            <a:rPr lang="en-US" sz="1000" kern="1200" dirty="0"/>
+            <a:t>Under the bandit feedback assumption </a:t>
+          </a:r>
+          <a:r>
+            <a:rPr lang="en-US" sz="1000" u="none" kern="1200" dirty="0">
+              <a:solidFill>
+                <a:schemeClr val="accent6"/>
+              </a:solidFill>
+            </a:rPr>
+            <a:t>only</a:t>
+          </a:r>
+          <a:r>
+            <a:rPr lang="en-US" sz="1000" kern="1200" dirty="0">
+              <a:solidFill>
+                <a:schemeClr val="accent6"/>
+              </a:solidFill>
+            </a:rPr>
+            <a:t> </a:t>
+          </a:r>
+          <a:r>
+            <a:rPr lang="en-US" sz="1000" kern="1200" dirty="0"/>
+            <a:t>the reward for the </a:t>
+          </a:r>
+          <a:r>
+            <a:rPr lang="en-US" sz="1000" i="1" kern="1200" dirty="0">
+              <a:solidFill>
+                <a:schemeClr val="accent2">
+                  <a:lumMod val="75000"/>
+                </a:schemeClr>
+              </a:solidFill>
+            </a:rPr>
+            <a:t>user, arm pair</a:t>
+          </a:r>
+          <a:r>
+            <a:rPr lang="en-US" sz="1000" kern="1200" dirty="0"/>
+            <a:t> chosen is revealed to the learner.</a:t>
+          </a:r>
+        </a:p>
+      </dsp:txBody>
+      <dsp:txXfrm>
+        <a:off x="6411346" y="3845256"/>
+        <a:ext cx="1105441" cy="1105441"/>
+      </dsp:txXfrm>
+    </dsp:sp>
+    <dsp:sp modelId="{6401F9CE-E8AF-884C-B107-5B5BC5EC3BEF}">
+      <dsp:nvSpPr>
+        <dsp:cNvPr id="0" name=""/>
+        <dsp:cNvSpPr/>
+      </dsp:nvSpPr>
+      <dsp:spPr>
+        <a:xfrm rot="10800000">
+          <a:off x="5593336" y="4134165"/>
+          <a:ext cx="416273" cy="527623"/>
+        </a:xfrm>
+        <a:prstGeom prst="rightArrow">
+          <a:avLst>
+            <a:gd name="adj1" fmla="val 60000"/>
+            <a:gd name="adj2" fmla="val 50000"/>
+          </a:avLst>
+        </a:prstGeom>
+        <a:solidFill>
+          <a:schemeClr val="accent1">
+            <a:tint val="60000"/>
+            <a:hueOff val="0"/>
+            <a:satOff val="0"/>
+            <a:lumOff val="0"/>
+            <a:alphaOff val="0"/>
+          </a:schemeClr>
+        </a:solidFill>
+        <a:ln>
+          <a:noFill/>
+        </a:ln>
+        <a:effectLst/>
+      </dsp:spPr>
+      <dsp:style>
+        <a:lnRef idx="0">
+          <a:scrgbClr r="0" g="0" b="0"/>
+        </a:lnRef>
+        <a:fillRef idx="1">
+          <a:scrgbClr r="0" g="0" b="0"/>
+        </a:fillRef>
+        <a:effectRef idx="0">
+          <a:scrgbClr r="0" g="0" b="0"/>
+        </a:effectRef>
+        <a:fontRef idx="minor">
+          <a:schemeClr val="lt1"/>
+        </a:fontRef>
+      </dsp:style>
+      <dsp:txBody>
+        <a:bodyPr spcFirstLastPara="0" vert="horz" wrap="square" lIns="0" tIns="0" rIns="0" bIns="0" numCol="1" spcCol="1270" anchor="ctr" anchorCtr="0">
+          <a:noAutofit/>
+        </a:bodyPr>
+        <a:lstStyle/>
+        <a:p>
+          <a:pPr marL="0" lvl="0" indent="0" algn="ctr" defTabSz="355600">
+            <a:lnSpc>
+              <a:spcPct val="90000"/>
+            </a:lnSpc>
+            <a:spcBef>
+              <a:spcPct val="0"/>
+            </a:spcBef>
+            <a:spcAft>
+              <a:spcPct val="35000"/>
+            </a:spcAft>
+            <a:buNone/>
+          </a:pPr>
+          <a:endParaRPr lang="en-US" sz="800" kern="1200"/>
+        </a:p>
+      </dsp:txBody>
+      <dsp:txXfrm rot="10800000">
+        <a:off x="5718218" y="4239690"/>
+        <a:ext cx="291391" cy="316573"/>
+      </dsp:txXfrm>
+    </dsp:sp>
+    <dsp:sp modelId="{7873D4AD-D78E-DC4B-B558-9126DE9F1E95}">
+      <dsp:nvSpPr>
+        <dsp:cNvPr id="0" name=""/>
+        <dsp:cNvSpPr/>
+      </dsp:nvSpPr>
+      <dsp:spPr>
+        <a:xfrm>
+          <a:off x="3833651" y="3616312"/>
+          <a:ext cx="1563329" cy="1563329"/>
+        </a:xfrm>
+        <a:prstGeom prst="ellipse">
+          <a:avLst/>
+        </a:prstGeom>
+        <a:solidFill>
+          <a:schemeClr val="accent1">
+            <a:hueOff val="0"/>
+            <a:satOff val="0"/>
+            <a:lumOff val="0"/>
+            <a:alphaOff val="0"/>
+          </a:schemeClr>
+        </a:solidFill>
+        <a:ln w="25400" cap="flat" cmpd="sng" algn="ctr">
+          <a:solidFill>
+            <a:schemeClr val="lt1">
+              <a:hueOff val="0"/>
+              <a:satOff val="0"/>
+              <a:lumOff val="0"/>
+              <a:alphaOff val="0"/>
+            </a:schemeClr>
+          </a:solidFill>
+          <a:prstDash val="solid"/>
+        </a:ln>
+        <a:effectLst/>
+      </dsp:spPr>
+      <dsp:style>
+        <a:lnRef idx="2">
+          <a:scrgbClr r="0" g="0" b="0"/>
+        </a:lnRef>
+        <a:fillRef idx="1">
+          <a:scrgbClr r="0" g="0" b="0"/>
+        </a:fillRef>
+        <a:effectRef idx="0">
+          <a:scrgbClr r="0" g="0" b="0"/>
+        </a:effectRef>
+        <a:fontRef idx="minor">
+          <a:schemeClr val="lt1"/>
+        </a:fontRef>
+      </dsp:style>
+      <dsp:txBody>
+        <a:bodyPr spcFirstLastPara="0" vert="horz" wrap="square" lIns="12700" tIns="12700" rIns="12700" bIns="12700" numCol="1" spcCol="1270" anchor="ctr" anchorCtr="0">
+          <a:noAutofit/>
+        </a:bodyPr>
+        <a:lstStyle/>
+        <a:p>
+          <a:pPr marL="0" lvl="0" indent="0" algn="ctr" defTabSz="444500">
+            <a:lnSpc>
+              <a:spcPct val="90000"/>
+            </a:lnSpc>
+            <a:spcBef>
+              <a:spcPct val="0"/>
+            </a:spcBef>
+            <a:spcAft>
+              <a:spcPct val="35000"/>
+            </a:spcAft>
+            <a:buNone/>
+          </a:pPr>
+          <a:r>
+            <a:rPr lang="en-US" sz="1000" kern="1200" dirty="0"/>
+            <a:t>Learner modifies its suggestion for the </a:t>
+          </a:r>
+          <a:r>
+            <a:rPr lang="en-US" sz="1000" kern="1200" dirty="0">
+              <a:solidFill>
+                <a:schemeClr val="accent2">
+                  <a:lumMod val="75000"/>
+                </a:schemeClr>
+              </a:solidFill>
+            </a:rPr>
+            <a:t>user i</a:t>
+          </a:r>
+          <a:r>
+            <a:rPr lang="en-US" sz="1000" kern="1200" baseline="-25000" dirty="0">
+              <a:solidFill>
+                <a:schemeClr val="accent2">
+                  <a:lumMod val="75000"/>
+                </a:schemeClr>
+              </a:solidFill>
+            </a:rPr>
+            <a:t>t</a:t>
+          </a:r>
+          <a:r>
+            <a:rPr lang="en-US" sz="1000" kern="1200" dirty="0">
+              <a:solidFill>
+                <a:srgbClr val="FF0000"/>
+              </a:solidFill>
+            </a:rPr>
+            <a:t> </a:t>
+          </a:r>
+          <a:r>
+            <a:rPr lang="en-US" sz="1000" kern="1200" dirty="0"/>
+            <a:t>on receiving the feedback.</a:t>
+          </a:r>
+        </a:p>
+      </dsp:txBody>
+      <dsp:txXfrm>
+        <a:off x="4062595" y="3845256"/>
+        <a:ext cx="1105441" cy="1105441"/>
+      </dsp:txXfrm>
+    </dsp:sp>
+    <dsp:sp modelId="{3CC01F95-8B44-9E46-99D4-D57D4C5C91DA}">
+      <dsp:nvSpPr>
+        <dsp:cNvPr id="0" name=""/>
+        <dsp:cNvSpPr/>
+      </dsp:nvSpPr>
+      <dsp:spPr>
+        <a:xfrm rot="15120000">
+          <a:off x="4047918" y="3028473"/>
+          <a:ext cx="416273" cy="527623"/>
+        </a:xfrm>
+        <a:prstGeom prst="rightArrow">
+          <a:avLst>
+            <a:gd name="adj1" fmla="val 60000"/>
+            <a:gd name="adj2" fmla="val 50000"/>
+          </a:avLst>
+        </a:prstGeom>
+        <a:solidFill>
+          <a:schemeClr val="accent1">
+            <a:tint val="60000"/>
+            <a:hueOff val="0"/>
+            <a:satOff val="0"/>
+            <a:lumOff val="0"/>
+            <a:alphaOff val="0"/>
+          </a:schemeClr>
+        </a:solidFill>
+        <a:ln>
+          <a:noFill/>
+        </a:ln>
+        <a:effectLst/>
+      </dsp:spPr>
+      <dsp:style>
+        <a:lnRef idx="0">
+          <a:scrgbClr r="0" g="0" b="0"/>
+        </a:lnRef>
+        <a:fillRef idx="1">
+          <a:scrgbClr r="0" g="0" b="0"/>
+        </a:fillRef>
+        <a:effectRef idx="0">
+          <a:scrgbClr r="0" g="0" b="0"/>
+        </a:effectRef>
+        <a:fontRef idx="minor">
+          <a:schemeClr val="lt1"/>
+        </a:fontRef>
+      </dsp:style>
+      <dsp:txBody>
+        <a:bodyPr spcFirstLastPara="0" vert="horz" wrap="square" lIns="0" tIns="0" rIns="0" bIns="0" numCol="1" spcCol="1270" anchor="ctr" anchorCtr="0">
+          <a:noAutofit/>
+        </a:bodyPr>
+        <a:lstStyle/>
+        <a:p>
+          <a:pPr marL="0" lvl="0" indent="0" algn="ctr" defTabSz="355600">
+            <a:lnSpc>
+              <a:spcPct val="90000"/>
+            </a:lnSpc>
+            <a:spcBef>
+              <a:spcPct val="0"/>
+            </a:spcBef>
+            <a:spcAft>
+              <a:spcPct val="35000"/>
+            </a:spcAft>
+            <a:buNone/>
+          </a:pPr>
+          <a:endParaRPr lang="en-US" sz="800" kern="1200"/>
+        </a:p>
+      </dsp:txBody>
+      <dsp:txXfrm rot="10800000">
+        <a:off x="4129654" y="3193383"/>
+        <a:ext cx="291391" cy="316573"/>
+      </dsp:txXfrm>
+    </dsp:sp>
+    <dsp:sp modelId="{6A79BE82-6996-6F49-89F8-F990EC8F9F7A}">
+      <dsp:nvSpPr>
+        <dsp:cNvPr id="0" name=""/>
+        <dsp:cNvSpPr/>
+      </dsp:nvSpPr>
+      <dsp:spPr>
+        <a:xfrm>
+          <a:off x="3107847" y="1382518"/>
+          <a:ext cx="1563329" cy="1563329"/>
+        </a:xfrm>
+        <a:prstGeom prst="ellipse">
+          <a:avLst/>
+        </a:prstGeom>
+        <a:solidFill>
+          <a:schemeClr val="accent1">
+            <a:hueOff val="0"/>
+            <a:satOff val="0"/>
+            <a:lumOff val="0"/>
+            <a:alphaOff val="0"/>
+          </a:schemeClr>
+        </a:solidFill>
+        <a:ln w="25400" cap="flat" cmpd="sng" algn="ctr">
+          <a:solidFill>
+            <a:schemeClr val="lt1">
+              <a:hueOff val="0"/>
+              <a:satOff val="0"/>
+              <a:lumOff val="0"/>
+              <a:alphaOff val="0"/>
+            </a:schemeClr>
+          </a:solidFill>
+          <a:prstDash val="solid"/>
+        </a:ln>
+        <a:effectLst/>
+      </dsp:spPr>
+      <dsp:style>
+        <a:lnRef idx="2">
+          <a:scrgbClr r="0" g="0" b="0"/>
+        </a:lnRef>
+        <a:fillRef idx="1">
+          <a:scrgbClr r="0" g="0" b="0"/>
+        </a:fillRef>
+        <a:effectRef idx="0">
+          <a:scrgbClr r="0" g="0" b="0"/>
+        </a:effectRef>
+        <a:fontRef idx="minor">
+          <a:schemeClr val="lt1"/>
+        </a:fontRef>
+      </dsp:style>
+      <dsp:txBody>
+        <a:bodyPr spcFirstLastPara="0" vert="horz" wrap="square" lIns="12700" tIns="12700" rIns="12700" bIns="12700" numCol="1" spcCol="1270" anchor="ctr" anchorCtr="0">
+          <a:noAutofit/>
+        </a:bodyPr>
+        <a:lstStyle/>
+        <a:p>
+          <a:pPr marL="0" lvl="0" indent="0" algn="ctr" defTabSz="444500">
+            <a:lnSpc>
+              <a:spcPct val="90000"/>
+            </a:lnSpc>
+            <a:spcBef>
+              <a:spcPct val="0"/>
+            </a:spcBef>
+            <a:spcAft>
+              <a:spcPct val="35000"/>
+            </a:spcAft>
+            <a:buNone/>
+          </a:pPr>
+          <a:r>
+            <a:rPr lang="en-US" sz="1000" kern="1200" dirty="0"/>
+            <a:t>Also, it can learn faster if it leverages the latent structure about the groupings of users.</a:t>
+          </a:r>
+        </a:p>
+      </dsp:txBody>
+      <dsp:txXfrm>
+        <a:off x="3336791" y="1611462"/>
+        <a:ext cx="1105441" cy="1105441"/>
+      </dsp:txXfrm>
+    </dsp:sp>
+    <dsp:sp modelId="{2E7E08EC-898A-984A-82C1-B9990B2FF31F}">
+      <dsp:nvSpPr>
+        <dsp:cNvPr id="0" name=""/>
+        <dsp:cNvSpPr/>
+      </dsp:nvSpPr>
+      <dsp:spPr>
+        <a:xfrm rot="19440000">
+          <a:off x="4621934" y="1217015"/>
+          <a:ext cx="416273" cy="527623"/>
+        </a:xfrm>
+        <a:prstGeom prst="rightArrow">
+          <a:avLst>
+            <a:gd name="adj1" fmla="val 60000"/>
+            <a:gd name="adj2" fmla="val 50000"/>
+          </a:avLst>
+        </a:prstGeom>
+        <a:solidFill>
+          <a:schemeClr val="accent1">
+            <a:tint val="60000"/>
+            <a:hueOff val="0"/>
+            <a:satOff val="0"/>
+            <a:lumOff val="0"/>
+            <a:alphaOff val="0"/>
+          </a:schemeClr>
+        </a:solidFill>
+        <a:ln>
+          <a:noFill/>
+        </a:ln>
+        <a:effectLst/>
+      </dsp:spPr>
+      <dsp:style>
+        <a:lnRef idx="0">
+          <a:scrgbClr r="0" g="0" b="0"/>
+        </a:lnRef>
+        <a:fillRef idx="1">
+          <a:scrgbClr r="0" g="0" b="0"/>
+        </a:fillRef>
+        <a:effectRef idx="0">
+          <a:scrgbClr r="0" g="0" b="0"/>
+        </a:effectRef>
+        <a:fontRef idx="minor">
+          <a:schemeClr val="lt1"/>
+        </a:fontRef>
+      </dsp:style>
+      <dsp:txBody>
+        <a:bodyPr spcFirstLastPara="0" vert="horz" wrap="square" lIns="0" tIns="0" rIns="0" bIns="0" numCol="1" spcCol="1270" anchor="ctr" anchorCtr="0">
+          <a:noAutofit/>
+        </a:bodyPr>
+        <a:lstStyle/>
+        <a:p>
+          <a:pPr marL="0" lvl="0" indent="0" algn="ctr" defTabSz="355600">
+            <a:lnSpc>
+              <a:spcPct val="90000"/>
+            </a:lnSpc>
+            <a:spcBef>
+              <a:spcPct val="0"/>
+            </a:spcBef>
+            <a:spcAft>
+              <a:spcPct val="35000"/>
+            </a:spcAft>
+            <a:buNone/>
+          </a:pPr>
+          <a:endParaRPr lang="en-US" sz="800" kern="1200"/>
+        </a:p>
+      </dsp:txBody>
+      <dsp:txXfrm>
+        <a:off x="4633859" y="1359242"/>
+        <a:ext cx="291391" cy="316573"/>
+      </dsp:txXfrm>
+    </dsp:sp>
+  </dsp:spTree>
+</dsp:drawing>
+</file>
+
+<file path=ppt/diagrams/layout1.xml><?xml version="1.0" encoding="utf-8"?>
+<dgm:layoutDef xmlns:dgm="http://schemas.openxmlformats.org/drawingml/2006/diagram" xmlns:a="http://schemas.openxmlformats.org/drawingml/2006/main" uniqueId="urn:microsoft.com/office/officeart/2005/8/layout/cycle2">
+  <dgm:title val=""/>
+  <dgm:desc val=""/>
+  <dgm:catLst>
+    <dgm:cat type="cycle" pri="1000"/>
+    <dgm:cat type="convert" pri="10000"/>
+  </dgm:catLst>
+  <dgm:sampData>
+    <dgm:dataModel>
+      <dgm:ptLst>
+        <dgm:pt modelId="0" type="doc"/>
+        <dgm:pt modelId="1">
+          <dgm:prSet phldr="1"/>
+        </dgm:pt>
+        <dgm:pt modelId="2">
+          <dgm:prSet phldr="1"/>
+        </dgm:pt>
+        <dgm:pt modelId="3">
+          <dgm:prSet phldr="1"/>
+        </dgm:pt>
+        <dgm:pt modelId="4">
+          <dgm:prSet phldr="1"/>
+        </dgm:pt>
+        <dgm:pt modelId="5">
+          <dgm:prSet phldr="1"/>
+        </dgm:pt>
+      </dgm:ptLst>
+      <dgm:cxnLst>
+        <dgm:cxn modelId="6" srcId="0" destId="1" srcOrd="0" destOrd="0"/>
+        <dgm:cxn modelId="7" srcId="0" destId="2" srcOrd="1" destOrd="0"/>
+        <dgm:cxn modelId="8" srcId="0" destId="3" srcOrd="2" destOrd="0"/>
+        <dgm:cxn modelId="9" srcId="0" destId="4" srcOrd="3" destOrd="0"/>
+        <dgm:cxn modelId="10" srcId="0" destId="5" srcOrd="4" destOrd="0"/>
+      </dgm:cxnLst>
+      <dgm:bg/>
+      <dgm:whole/>
+    </dgm:dataModel>
+  </dgm:sampData>
+  <dgm:styleData>
+    <dgm:dataModel>
+      <dgm:ptLst>
+        <dgm:pt modelId="0" type="doc"/>
+        <dgm:pt modelId="1"/>
+        <dgm:pt modelId="2"/>
+        <dgm:pt modelId="3"/>
+      </dgm:ptLst>
+      <dgm:cxnLst>
+        <dgm:cxn modelId="4" srcId="0" destId="1" srcOrd="0" destOrd="0"/>
+        <dgm:cxn modelId="5" srcId="0" destId="2" srcOrd="1" destOrd="0"/>
+        <dgm:cxn modelId="6" srcId="0" destId="3" srcOrd="2" destOrd="0"/>
+      </dgm:cxnLst>
+      <dgm:bg/>
+      <dgm:whole/>
+    </dgm:dataModel>
+  </dgm:styleData>
+  <dgm:clrData>
+    <dgm:dataModel>
+      <dgm:ptLst>
+        <dgm:pt modelId="0" type="doc"/>
+        <dgm:pt modelId="1"/>
+        <dgm:pt modelId="2"/>
+        <dgm:pt modelId="3"/>
+        <dgm:pt modelId="4"/>
+        <dgm:pt modelId="5"/>
+        <dgm:pt modelId="6"/>
+      </dgm:ptLst>
+      <dgm:cxnLst>
+        <dgm:cxn modelId="7" srcId="0" destId="1" srcOrd="0" destOrd="0"/>
+        <dgm:cxn modelId="8" srcId="0" destId="2" srcOrd="1" destOrd="0"/>
+        <dgm:cxn modelId="9" srcId="0" destId="3" srcOrd="2" destOrd="0"/>
+        <dgm:cxn modelId="10" srcId="0" destId="4" srcOrd="3" destOrd="0"/>
+        <dgm:cxn modelId="11" srcId="0" destId="5" srcOrd="4" destOrd="0"/>
+        <dgm:cxn modelId="12" srcId="0" destId="6" srcOrd="5" destOrd="0"/>
+      </dgm:cxnLst>
+      <dgm:bg/>
+      <dgm:whole/>
+    </dgm:dataModel>
+  </dgm:clrData>
+  <dgm:layoutNode name="cycle">
+    <dgm:varLst>
+      <dgm:dir/>
+      <dgm:resizeHandles val="exact"/>
+    </dgm:varLst>
+    <dgm:choose name="Name0">
+      <dgm:if name="Name1" func="var" arg="dir" op="equ" val="norm">
+        <dgm:choose name="Name2">
+          <dgm:if name="Name3" axis="ch" ptType="node" func="cnt" op="gt" val="2">
+            <dgm:alg type="cycle">
+              <dgm:param type="stAng" val="0"/>
+              <dgm:param type="spanAng" val="360"/>
+            </dgm:alg>
+          </dgm:if>
+          <dgm:else name="Name4">
+            <dgm:alg type="cycle">
+              <dgm:param type="stAng" val="-90"/>
+              <dgm:param type="spanAng" val="360"/>
+            </dgm:alg>
+          </dgm:else>
+        </dgm:choose>
+      </dgm:if>
+      <dgm:else name="Name5">
+        <dgm:choose name="Name6">
+          <dgm:if name="Name7" axis="ch" ptType="node" func="cnt" op="gt" val="2">
+            <dgm:alg type="cycle">
+              <dgm:param type="stAng" val="0"/>
+              <dgm:param type="spanAng" val="-360"/>
+            </dgm:alg>
+          </dgm:if>
+          <dgm:else name="Name8">
+            <dgm:alg type="cycle">
+              <dgm:param type="stAng" val="90"/>
+              <dgm:param type="spanAng" val="-360"/>
+            </dgm:alg>
+          </dgm:else>
+        </dgm:choose>
+      </dgm:else>
+    </dgm:choose>
+    <dgm:shape xmlns:r="http://schemas.openxmlformats.org/officeDocument/2006/relationships" r:blip="">
+      <dgm:adjLst/>
+    </dgm:shape>
+    <dgm:presOf/>
+    <dgm:constrLst>
+      <dgm:constr type="w" for="ch" ptType="node" refType="w"/>
+      <dgm:constr type="w" for="ch" ptType="sibTrans" refType="w" refFor="ch" refPtType="node" op="equ" fact="0.25"/>
+      <dgm:constr type="sibSp" refType="w" refFor="ch" refPtType="node" fact="0.5"/>
+      <dgm:constr type="primFontSz" for="ch" ptType="node" op="equ" val="65"/>
+      <dgm:constr type="primFontSz" for="des" forName="connectorText" op="equ" val="55"/>
+      <dgm:constr type="primFontSz" for="des" forName="connectorText" refType="primFontSz" refFor="ch" refPtType="node" op="lte" fact="0.8"/>
+    </dgm:constrLst>
+    <dgm:ruleLst/>
+    <dgm:forEach name="nodesForEach" axis="ch" ptType="node">
+      <dgm:layoutNode name="node">
+        <dgm:varLst>
+          <dgm:bulletEnabled val="1"/>
+        </dgm:varLst>
+        <dgm:alg type="tx">
+          <dgm:param type="txAnchorVertCh" val="mid"/>
+        </dgm:alg>
+        <dgm:shape xmlns:r="http://schemas.openxmlformats.org/officeDocument/2006/relationships" type="ellipse" r:blip="">
+          <dgm:adjLst/>
+        </dgm:shape>
+        <dgm:presOf axis="desOrSelf" ptType="node"/>
+        <dgm:constrLst>
+          <dgm:constr type="h" refType="w"/>
+          <dgm:constr type="lMarg" refType="primFontSz" fact="0.1"/>
+          <dgm:constr type="rMarg" refType="primFontSz" fact="0.1"/>
+          <dgm:constr type="tMarg" refType="primFontSz" fact="0.1"/>
+          <dgm:constr type="bMarg" refType="primFontSz" fact="0.1"/>
+        </dgm:constrLst>
+        <dgm:ruleLst>
+          <dgm:rule type="primFontSz" val="5" fact="NaN" max="NaN"/>
+        </dgm:ruleLst>
+      </dgm:layoutNode>
+      <dgm:choose name="Name9">
+        <dgm:if name="Name10" axis="par ch" ptType="doc node" func="cnt" op="gt" val="1">
+          <dgm:forEach name="sibTransForEach" axis="followSib" ptType="sibTrans" hideLastTrans="0" cnt="1">
+            <dgm:layoutNode name="sibTrans">
+              <dgm:choose name="Name11">
+                <dgm:if name="Name12" axis="par ch" ptType="doc node" func="cnt" op="lt" val="3">
+                  <dgm:alg type="conn">
+                    <dgm:param type="begPts" val="radial"/>
+                    <dgm:param type="endPts" val="radial"/>
+                  </dgm:alg>
+                </dgm:if>
+                <dgm:else name="Name13">
+                  <dgm:alg type="conn">
+                    <dgm:param type="begPts" val="auto"/>
+                    <dgm:param type="endPts" val="auto"/>
+                  </dgm:alg>
+                </dgm:else>
+              </dgm:choose>
+              <dgm:shape xmlns:r="http://schemas.openxmlformats.org/officeDocument/2006/relationships" type="conn" r:blip="">
+                <dgm:adjLst/>
+              </dgm:shape>
+              <dgm:presOf axis="self"/>
+              <dgm:constrLst>
+                <dgm:constr type="h" refType="w" fact="1.35"/>
+                <dgm:constr type="connDist"/>
+                <dgm:constr type="w" for="ch" refType="connDist" fact="0.45"/>
+                <dgm:constr type="h" for="ch" refType="h"/>
+              </dgm:constrLst>
+              <dgm:ruleLst/>
+              <dgm:layoutNode name="connectorText">
+                <dgm:alg type="tx">
+                  <dgm:param type="autoTxRot" val="grav"/>
+                </dgm:alg>
+                <dgm:shape xmlns:r="http://schemas.openxmlformats.org/officeDocument/2006/relationships" type="conn" r:blip="" hideGeom="1">
+                  <dgm:adjLst/>
+                </dgm:shape>
+                <dgm:presOf axis="self"/>
+                <dgm:constrLst>
+                  <dgm:constr type="lMarg"/>
+                  <dgm:constr type="rMarg"/>
+                  <dgm:constr type="tMarg"/>
+                  <dgm:constr type="bMarg"/>
+                </dgm:constrLst>
+                <dgm:ruleLst>
+                  <dgm:rule type="primFontSz" val="5" fact="NaN" max="NaN"/>
+                </dgm:ruleLst>
+              </dgm:layoutNode>
+            </dgm:layoutNode>
+          </dgm:forEach>
+        </dgm:if>
+        <dgm:else name="Name14"/>
+      </dgm:choose>
+    </dgm:forEach>
+  </dgm:layoutNode>
+</dgm:layoutDef>
+</file>
+
+<file path=ppt/diagrams/layout2.xml><?xml version="1.0" encoding="utf-8"?>
+<dgm:layoutDef xmlns:dgm="http://schemas.openxmlformats.org/drawingml/2006/diagram" xmlns:a="http://schemas.openxmlformats.org/drawingml/2006/main" uniqueId="urn:microsoft.com/office/officeart/2005/8/layout/cycle2">
+  <dgm:title val=""/>
+  <dgm:desc val=""/>
+  <dgm:catLst>
+    <dgm:cat type="cycle" pri="1000"/>
+    <dgm:cat type="convert" pri="10000"/>
+  </dgm:catLst>
+  <dgm:sampData>
+    <dgm:dataModel>
+      <dgm:ptLst>
+        <dgm:pt modelId="0" type="doc"/>
+        <dgm:pt modelId="1">
+          <dgm:prSet phldr="1"/>
+        </dgm:pt>
+        <dgm:pt modelId="2">
+          <dgm:prSet phldr="1"/>
+        </dgm:pt>
+        <dgm:pt modelId="3">
+          <dgm:prSet phldr="1"/>
+        </dgm:pt>
+        <dgm:pt modelId="4">
+          <dgm:prSet phldr="1"/>
+        </dgm:pt>
+        <dgm:pt modelId="5">
+          <dgm:prSet phldr="1"/>
+        </dgm:pt>
+      </dgm:ptLst>
+      <dgm:cxnLst>
+        <dgm:cxn modelId="6" srcId="0" destId="1" srcOrd="0" destOrd="0"/>
+        <dgm:cxn modelId="7" srcId="0" destId="2" srcOrd="1" destOrd="0"/>
+        <dgm:cxn modelId="8" srcId="0" destId="3" srcOrd="2" destOrd="0"/>
+        <dgm:cxn modelId="9" srcId="0" destId="4" srcOrd="3" destOrd="0"/>
+        <dgm:cxn modelId="10" srcId="0" destId="5" srcOrd="4" destOrd="0"/>
+      </dgm:cxnLst>
+      <dgm:bg/>
+      <dgm:whole/>
+    </dgm:dataModel>
+  </dgm:sampData>
+  <dgm:styleData>
+    <dgm:dataModel>
+      <dgm:ptLst>
+        <dgm:pt modelId="0" type="doc"/>
+        <dgm:pt modelId="1"/>
+        <dgm:pt modelId="2"/>
+        <dgm:pt modelId="3"/>
+      </dgm:ptLst>
+      <dgm:cxnLst>
+        <dgm:cxn modelId="4" srcId="0" destId="1" srcOrd="0" destOrd="0"/>
+        <dgm:cxn modelId="5" srcId="0" destId="2" srcOrd="1" destOrd="0"/>
+        <dgm:cxn modelId="6" srcId="0" destId="3" srcOrd="2" destOrd="0"/>
+      </dgm:cxnLst>
+      <dgm:bg/>
+      <dgm:whole/>
+    </dgm:dataModel>
+  </dgm:styleData>
+  <dgm:clrData>
+    <dgm:dataModel>
+      <dgm:ptLst>
+        <dgm:pt modelId="0" type="doc"/>
+        <dgm:pt modelId="1"/>
+        <dgm:pt modelId="2"/>
+        <dgm:pt modelId="3"/>
+        <dgm:pt modelId="4"/>
+        <dgm:pt modelId="5"/>
+        <dgm:pt modelId="6"/>
+      </dgm:ptLst>
+      <dgm:cxnLst>
+        <dgm:cxn modelId="7" srcId="0" destId="1" srcOrd="0" destOrd="0"/>
+        <dgm:cxn modelId="8" srcId="0" destId="2" srcOrd="1" destOrd="0"/>
+        <dgm:cxn modelId="9" srcId="0" destId="3" srcOrd="2" destOrd="0"/>
+        <dgm:cxn modelId="10" srcId="0" destId="4" srcOrd="3" destOrd="0"/>
+        <dgm:cxn modelId="11" srcId="0" destId="5" srcOrd="4" destOrd="0"/>
+        <dgm:cxn modelId="12" srcId="0" destId="6" srcOrd="5" destOrd="0"/>
+      </dgm:cxnLst>
+      <dgm:bg/>
+      <dgm:whole/>
+    </dgm:dataModel>
+  </dgm:clrData>
+  <dgm:layoutNode name="cycle">
+    <dgm:varLst>
+      <dgm:dir/>
+      <dgm:resizeHandles val="exact"/>
+    </dgm:varLst>
+    <dgm:choose name="Name0">
+      <dgm:if name="Name1" func="var" arg="dir" op="equ" val="norm">
+        <dgm:choose name="Name2">
+          <dgm:if name="Name3" axis="ch" ptType="node" func="cnt" op="gt" val="2">
+            <dgm:alg type="cycle">
+              <dgm:param type="stAng" val="0"/>
+              <dgm:param type="spanAng" val="360"/>
+            </dgm:alg>
+          </dgm:if>
+          <dgm:else name="Name4">
+            <dgm:alg type="cycle">
+              <dgm:param type="stAng" val="-90"/>
+              <dgm:param type="spanAng" val="360"/>
+            </dgm:alg>
+          </dgm:else>
+        </dgm:choose>
+      </dgm:if>
+      <dgm:else name="Name5">
+        <dgm:choose name="Name6">
+          <dgm:if name="Name7" axis="ch" ptType="node" func="cnt" op="gt" val="2">
+            <dgm:alg type="cycle">
+              <dgm:param type="stAng" val="0"/>
+              <dgm:param type="spanAng" val="-360"/>
+            </dgm:alg>
+          </dgm:if>
+          <dgm:else name="Name8">
+            <dgm:alg type="cycle">
+              <dgm:param type="stAng" val="90"/>
+              <dgm:param type="spanAng" val="-360"/>
+            </dgm:alg>
+          </dgm:else>
+        </dgm:choose>
+      </dgm:else>
+    </dgm:choose>
+    <dgm:shape xmlns:r="http://schemas.openxmlformats.org/officeDocument/2006/relationships" r:blip="">
+      <dgm:adjLst/>
+    </dgm:shape>
+    <dgm:presOf/>
+    <dgm:constrLst>
+      <dgm:constr type="w" for="ch" ptType="node" refType="w"/>
+      <dgm:constr type="w" for="ch" ptType="sibTrans" refType="w" refFor="ch" refPtType="node" op="equ" fact="0.25"/>
+      <dgm:constr type="sibSp" refType="w" refFor="ch" refPtType="node" fact="0.5"/>
+      <dgm:constr type="primFontSz" for="ch" ptType="node" op="equ" val="65"/>
+      <dgm:constr type="primFontSz" for="des" forName="connectorText" op="equ" val="55"/>
+      <dgm:constr type="primFontSz" for="des" forName="connectorText" refType="primFontSz" refFor="ch" refPtType="node" op="lte" fact="0.8"/>
+    </dgm:constrLst>
+    <dgm:ruleLst/>
+    <dgm:forEach name="nodesForEach" axis="ch" ptType="node">
+      <dgm:layoutNode name="node">
+        <dgm:varLst>
+          <dgm:bulletEnabled val="1"/>
+        </dgm:varLst>
+        <dgm:alg type="tx">
+          <dgm:param type="txAnchorVertCh" val="mid"/>
+        </dgm:alg>
+        <dgm:shape xmlns:r="http://schemas.openxmlformats.org/officeDocument/2006/relationships" type="ellipse" r:blip="">
+          <dgm:adjLst/>
+        </dgm:shape>
+        <dgm:presOf axis="desOrSelf" ptType="node"/>
+        <dgm:constrLst>
+          <dgm:constr type="h" refType="w"/>
+          <dgm:constr type="lMarg" refType="primFontSz" fact="0.1"/>
+          <dgm:constr type="rMarg" refType="primFontSz" fact="0.1"/>
+          <dgm:constr type="tMarg" refType="primFontSz" fact="0.1"/>
+          <dgm:constr type="bMarg" refType="primFontSz" fact="0.1"/>
+        </dgm:constrLst>
+        <dgm:ruleLst>
+          <dgm:rule type="primFontSz" val="5" fact="NaN" max="NaN"/>
+        </dgm:ruleLst>
+      </dgm:layoutNode>
+      <dgm:choose name="Name9">
+        <dgm:if name="Name10" axis="par ch" ptType="doc node" func="cnt" op="gt" val="1">
+          <dgm:forEach name="sibTransForEach" axis="followSib" ptType="sibTrans" hideLastTrans="0" cnt="1">
+            <dgm:layoutNode name="sibTrans">
+              <dgm:choose name="Name11">
+                <dgm:if name="Name12" axis="par ch" ptType="doc node" func="cnt" op="lt" val="3">
+                  <dgm:alg type="conn">
+                    <dgm:param type="begPts" val="radial"/>
+                    <dgm:param type="endPts" val="radial"/>
+                  </dgm:alg>
+                </dgm:if>
+                <dgm:else name="Name13">
+                  <dgm:alg type="conn">
+                    <dgm:param type="begPts" val="auto"/>
+                    <dgm:param type="endPts" val="auto"/>
+                  </dgm:alg>
+                </dgm:else>
+              </dgm:choose>
+              <dgm:shape xmlns:r="http://schemas.openxmlformats.org/officeDocument/2006/relationships" type="conn" r:blip="">
+                <dgm:adjLst/>
+              </dgm:shape>
+              <dgm:presOf axis="self"/>
+              <dgm:constrLst>
+                <dgm:constr type="h" refType="w" fact="1.35"/>
+                <dgm:constr type="connDist"/>
+                <dgm:constr type="w" for="ch" refType="connDist" fact="0.45"/>
+                <dgm:constr type="h" for="ch" refType="h"/>
+              </dgm:constrLst>
+              <dgm:ruleLst/>
+              <dgm:layoutNode name="connectorText">
+                <dgm:alg type="tx">
+                  <dgm:param type="autoTxRot" val="grav"/>
+                </dgm:alg>
+                <dgm:shape xmlns:r="http://schemas.openxmlformats.org/officeDocument/2006/relationships" type="conn" r:blip="" hideGeom="1">
+                  <dgm:adjLst/>
+                </dgm:shape>
+                <dgm:presOf axis="self"/>
+                <dgm:constrLst>
+                  <dgm:constr type="lMarg"/>
+                  <dgm:constr type="rMarg"/>
+                  <dgm:constr type="tMarg"/>
+                  <dgm:constr type="bMarg"/>
+                </dgm:constrLst>
+                <dgm:ruleLst>
+                  <dgm:rule type="primFontSz" val="5" fact="NaN" max="NaN"/>
+                </dgm:ruleLst>
+              </dgm:layoutNode>
+            </dgm:layoutNode>
+          </dgm:forEach>
+        </dgm:if>
+        <dgm:else name="Name14"/>
+      </dgm:choose>
+    </dgm:forEach>
+  </dgm:layoutNode>
+</dgm:layoutDef>
+</file>
+
+<file path=ppt/diagrams/quickStyle1.xml><?xml version="1.0" encoding="utf-8"?>
+<dgm:styleDef xmlns:dgm="http://schemas.openxmlformats.org/drawingml/2006/diagram" xmlns:a="http://schemas.openxmlformats.org/drawingml/2006/main" uniqueId="urn:microsoft.com/office/officeart/2005/8/quickstyle/simple1">
+  <dgm:title val=""/>
+  <dgm:desc val=""/>
+  <dgm:catLst>
+    <dgm:cat type="simple" pri="10100"/>
+  </dgm:catLst>
+  <dgm:scene3d>
+    <a:camera prst="orthographicFront"/>
+    <a:lightRig rig="threePt" dir="t"/>
+  </dgm:scene3d>
+  <dgm:styleLbl name="node0">
+    <dgm:scene3d>
+      <a:camera prst="orthographicFront"/>
+      <a:lightRig rig="threePt" dir="t"/>
+    </dgm:scene3d>
+    <dgm:sp3d/>
+    <dgm:txPr/>
+    <dgm:style>
+      <a:lnRef idx="2">
+        <a:scrgbClr r="0" g="0" b="0"/>
+      </a:lnRef>
+      <a:fillRef idx="1">
+        <a:scrgbClr r="0" g="0" b="0"/>
+      </a:fillRef>
+      <a:effectRef idx="0">
+        <a:scrgbClr r="0" g="0" b="0"/>
+      </a:effectRef>
+      <a:fontRef idx="minor">
+        <a:schemeClr val="lt1"/>
+      </a:fontRef>
+    </dgm:style>
+  </dgm:styleLbl>
+  <dgm:styleLbl name="lnNode1">
+    <dgm:scene3d>
+      <a:camera prst="orthographicFront"/>
+      <a:lightRig rig="threePt" dir="t"/>
+    </dgm:scene3d>
+    <dgm:sp3d/>
+    <dgm:txPr/>
+    <dgm:style>
+      <a:lnRef idx="2">
+        <a:scrgbClr r="0" g="0" b="0"/>
+      </a:lnRef>
+      <a:fillRef idx="1">
+        <a:scrgbClr r="0" g="0" b="0"/>
+      </a:fillRef>
+      <a:effectRef idx="0">
+        <a:scrgbClr r="0" g="0" b="0"/>
+      </a:effectRef>
+      <a:fontRef idx="minor">
+        <a:schemeClr val="lt1"/>
+      </a:fontRef>
+    </dgm:style>
+  </dgm:styleLbl>
+  <dgm:styleLbl name="vennNode1">
+    <dgm:scene3d>
+      <a:camera prst="orthographicFront"/>
+      <a:lightRig rig="threePt" dir="t"/>
+    </dgm:scene3d>
+    <dgm:sp3d/>
+    <dgm:txPr/>
+    <dgm:style>
+      <a:lnRef idx="2">
+        <a:scrgbClr r="0" g="0" b="0"/>
+      </a:lnRef>
+      <a:fillRef idx="1">
+        <a:scrgbClr r="0" g="0" b="0"/>
+      </a:fillRef>
+      <a:effectRef idx="0">
+        <a:scrgbClr r="0" g="0" b="0"/>
+      </a:effectRef>
+      <a:fontRef idx="minor">
+        <a:schemeClr val="tx1"/>
+      </a:fontRef>
+    </dgm:style>
+  </dgm:styleLbl>
+  <dgm:styleLbl name="alignNode1">
+    <dgm:scene3d>
+      <a:camera prst="orthographicFront"/>
+      <a:lightRig rig="threePt" dir="t"/>
+    </dgm:scene3d>
+    <dgm:sp3d/>
+    <dgm:txPr/>
+    <dgm:style>
+      <a:lnRef idx="2">
+        <a:scrgbClr r="0" g="0" b="0"/>
+      </a:lnRef>
+      <a:fillRef idx="1">
+        <a:scrgbClr r="0" g="0" b="0"/>
+      </a:fillRef>
+      <a:effectRef idx="0">
+        <a:scrgbClr r="0" g="0" b="0"/>
+      </a:effectRef>
+      <a:fontRef idx="minor">
+        <a:schemeClr val="lt1"/>
+      </a:fontRef>
+    </dgm:style>
+  </dgm:styleLbl>
+  <dgm:styleLbl name="node1">
+    <dgm:scene3d>
+      <a:camera prst="orthographicFront"/>
+      <a:lightRig rig="threePt" dir="t"/>
+    </dgm:scene3d>
+    <dgm:sp3d/>
+    <dgm:txPr/>
+    <dgm:style>
+      <a:lnRef idx="2">
+        <a:scrgbClr r="0" g="0" b="0"/>
+      </a:lnRef>
+      <a:fillRef idx="1">
+        <a:scrgbClr r="0" g="0" b="0"/>
+      </a:fillRef>
+      <a:effectRef idx="0">
+        <a:scrgbClr r="0" g="0" b="0"/>
+      </a:effectRef>
+      <a:fontRef idx="minor">
+        <a:schemeClr val="lt1"/>
+      </a:fontRef>
+    </dgm:style>
+  </dgm:styleLbl>
+  <dgm:styleLbl name="node2">
+    <dgm:scene3d>
+      <a:camera prst="orthographicFront"/>
+      <a:lightRig rig="threePt" dir="t"/>
+    </dgm:scene3d>
+    <dgm:sp3d/>
+    <dgm:txPr/>
+    <dgm:style>
+      <a:lnRef idx="2">
+        <a:scrgbClr r="0" g="0" b="0"/>
+      </a:lnRef>
+      <a:fillRef idx="1">
+        <a:scrgbClr r="0" g="0" b="0"/>
+      </a:fillRef>
+      <a:effectRef idx="0">
+        <a:scrgbClr r="0" g="0" b="0"/>
+      </a:effectRef>
+      <a:fontRef idx="minor">
+        <a:schemeClr val="lt1"/>
+      </a:fontRef>
+    </dgm:style>
+  </dgm:styleLbl>
+  <dgm:styleLbl name="node3">
+    <dgm:scene3d>
+      <a:camera prst="orthographicFront"/>
+      <a:lightRig rig="threePt" dir="t"/>
+    </dgm:scene3d>
+    <dgm:sp3d/>
+    <dgm:txPr/>
+    <dgm:style>
+      <a:lnRef idx="2">
+        <a:scrgbClr r="0" g="0" b="0"/>
+      </a:lnRef>
+      <a:fillRef idx="1">
+        <a:scrgbClr r="0" g="0" b="0"/>
+      </a:fillRef>
+      <a:effectRef idx="0">
+        <a:scrgbClr r="0" g="0" b="0"/>
+      </a:effectRef>
+      <a:fontRef idx="minor">
+        <a:schemeClr val="lt1"/>
+      </a:fontRef>
+    </dgm:style>
+  </dgm:styleLbl>
+  <dgm:styleLbl name="node4">
+    <dgm:scene3d>
+      <a:camera prst="orthographicFront"/>
+      <a:lightRig rig="threePt" dir="t"/>
+    </dgm:scene3d>
+    <dgm:sp3d/>
+    <dgm:txPr/>
+    <dgm:style>
+      <a:lnRef idx="2">
+        <a:scrgbClr r="0" g="0" b="0"/>
+      </a:lnRef>
+      <a:fillRef idx="1">
+        <a:scrgbClr r="0" g="0" b="0"/>
+      </a:fillRef>
+      <a:effectRef idx="0">
+        <a:scrgbClr r="0" g="0" b="0"/>
+      </a:effectRef>
+      <a:fontRef idx="minor">
+        <a:schemeClr val="lt1"/>
+      </a:fontRef>
+    </dgm:style>
+  </dgm:styleLbl>
+  <dgm:styleLbl name="fgImgPlace1">
+    <dgm:scene3d>
+      <a:camera prst="orthographicFront"/>
+      <a:lightRig rig="threePt" dir="t"/>
+    </dgm:scene3d>
+    <dgm:sp3d/>
+    <dgm:txPr/>
+    <dgm:style>
+      <a:lnRef idx="2">
+        <a:scrgbClr r="0" g="0" b="0"/>
+      </a:lnRef>
+      <a:fillRef idx="1">
+        <a:scrgbClr r="0" g="0" b="0"/>
+      </a:fillRef>
+      <a:effectRef idx="0">
+        <a:scrgbClr r="0" g="0" b="0"/>
+      </a:effectRef>
+      <a:fontRef idx="minor"/>
+    </dgm:style>
+  </dgm:styleLbl>
+  <dgm:styleLbl name="alignImgPlace1">
+    <dgm:scene3d>
+      <a:camera prst="orthographicFront"/>
+      <a:lightRig rig="threePt" dir="t"/>
+    </dgm:scene3d>
+    <dgm:sp3d/>
+    <dgm:txPr/>
+    <dgm:style>
+      <a:lnRef idx="2">
+        <a:scrgbClr r="0" g="0" b="0"/>
+      </a:lnRef>
+      <a:fillRef idx="1">
+        <a:scrgbClr r="0" g="0" b="0"/>
+      </a:fillRef>
+      <a:effectRef idx="0">
+        <a:scrgbClr r="0" g="0" b="0"/>
+      </a:effectRef>
+      <a:fontRef idx="minor"/>
+    </dgm:style>
+  </dgm:styleLbl>
+  <dgm:styleLbl name="bgImgPlace1">
+    <dgm:scene3d>
+      <a:camera prst="orthographicFront"/>
+      <a:lightRig rig="threePt" dir="t"/>
+    </dgm:scene3d>
+    <dgm:sp3d/>
+    <dgm:txPr/>
+    <dgm:style>
+      <a:lnRef idx="2">
+        <a:scrgbClr r="0" g="0" b="0"/>
+      </a:lnRef>
+      <a:fillRef idx="1">
+        <a:scrgbClr r="0" g="0" b="0"/>
+      </a:fillRef>
+      <a:effectRef idx="0">
+        <a:scrgbClr r="0" g="0" b="0"/>
+      </a:effectRef>
+      <a:fontRef idx="minor"/>
+    </dgm:style>
+  </dgm:styleLbl>
+  <dgm:styleLbl name="sibTrans2D1">
+    <dgm:scene3d>
+      <a:camera prst="orthographicFront"/>
+      <a:lightRig rig="threePt" dir="t"/>
+    </dgm:scene3d>
+    <dgm:sp3d/>
+    <dgm:txPr/>
+    <dgm:style>
+      <a:lnRef idx="0">
+        <a:scrgbClr r="0" g="0" b="0"/>
+      </a:lnRef>
+      <a:fillRef idx="1">
+        <a:scrgbClr r="0" g="0" b="0"/>
+      </a:fillRef>
+      <a:effectRef idx="0">
+        <a:scrgbClr r="0" g="0" b="0"/>
+      </a:effectRef>
+      <a:fontRef idx="minor">
+        <a:schemeClr val="lt1"/>
+      </a:fontRef>
+    </dgm:style>
+  </dgm:styleLbl>
+  <dgm:styleLbl name="fgSibTrans2D1">
+    <dgm:scene3d>
+      <a:camera prst="orthographicFront"/>
+      <a:lightRig rig="threePt" dir="t"/>
+    </dgm:scene3d>
+    <dgm:sp3d/>
+    <dgm:txPr/>
+    <dgm:style>
+      <a:lnRef idx="0">
+        <a:scrgbClr r="0" g="0" b="0"/>
+      </a:lnRef>
+      <a:fillRef idx="1">
+        <a:scrgbClr r="0" g="0" b="0"/>
+      </a:fillRef>
+      <a:effectRef idx="0">
+        <a:scrgbClr r="0" g="0" b="0"/>
+      </a:effectRef>
+      <a:fontRef idx="minor">
+        <a:schemeClr val="lt1"/>
+      </a:fontRef>
+    </dgm:style>
+  </dgm:styleLbl>
+  <dgm:styleLbl name="bgSibTrans2D1">
+    <dgm:scene3d>
+      <a:camera prst="orthographicFront"/>
+      <a:lightRig rig="threePt" dir="t"/>
+    </dgm:scene3d>
+    <dgm:sp3d/>
+    <dgm:txPr/>
+    <dgm:style>
+      <a:lnRef idx="0">
+        <a:scrgbClr r="0" g="0" b="0"/>
+      </a:lnRef>
+      <a:fillRef idx="1">
+        <a:scrgbClr r="0" g="0" b="0"/>
+      </a:fillRef>
+      <a:effectRef idx="0">
+        <a:scrgbClr r="0" g="0" b="0"/>
+      </a:effectRef>
+      <a:fontRef idx="minor">
+        <a:schemeClr val="lt1"/>
+      </a:fontRef>
+    </dgm:style>
+  </dgm:styleLbl>
+  <dgm:styleLbl name="sibTrans1D1">
+    <dgm:scene3d>
+      <a:camera prst="orthographicFront"/>
+      <a:lightRig rig="threePt" dir="t"/>
+    </dgm:scene3d>
+    <dgm:sp3d/>
+    <dgm:txPr/>
+    <dgm:style>
+      <a:lnRef idx="1">
+        <a:scrgbClr r="0" g="0" b="0"/>
+      </a:lnRef>
+      <a:fillRef idx="0">
+        <a:scrgbClr r="0" g="0" b="0"/>
+      </a:fillRef>
+      <a:effectRef idx="0">
+        <a:scrgbClr r="0" g="0" b="0"/>
+      </a:effectRef>
+      <a:fontRef idx="minor"/>
+    </dgm:style>
+  </dgm:styleLbl>
+  <dgm:styleLbl name="callout">
+    <dgm:scene3d>
+      <a:camera prst="orthographicFront"/>
+      <a:lightRig rig="threePt" dir="t"/>
+    </dgm:scene3d>
+    <dgm:sp3d/>
+    <dgm:txPr/>
+    <dgm:style>
+      <a:lnRef idx="2">
+        <a:scrgbClr r="0" g="0" b="0"/>
+      </a:lnRef>
+      <a:fillRef idx="1">
+        <a:scrgbClr r="0" g="0" b="0"/>
+      </a:fillRef>
+      <a:effectRef idx="0">
+        <a:scrgbClr r="0" g="0" b="0"/>
+      </a:effectRef>
+      <a:fontRef idx="minor"/>
+    </dgm:style>
+  </dgm:styleLbl>
+  <dgm:styleLbl name="asst0">
+    <dgm:scene3d>
+      <a:camera prst="orthographicFront"/>
+      <a:lightRig rig="threePt" dir="t"/>
+    </dgm:scene3d>
+    <dgm:sp3d/>
+    <dgm:txPr/>
+    <dgm:style>
+      <a:lnRef idx="2">
+        <a:scrgbClr r="0" g="0" b="0"/>
+      </a:lnRef>
+      <a:fillRef idx="1">
+        <a:scrgbClr r="0" g="0" b="0"/>
+      </a:fillRef>
+      <a:effectRef idx="0">
+        <a:scrgbClr r="0" g="0" b="0"/>
+      </a:effectRef>
+      <a:fontRef idx="minor">
+        <a:schemeClr val="lt1"/>
+      </a:fontRef>
+    </dgm:style>
+  </dgm:styleLbl>
+  <dgm:styleLbl name="asst1">
+    <dgm:scene3d>
+      <a:camera prst="orthographicFront"/>
+      <a:lightRig rig="threePt" dir="t"/>
+    </dgm:scene3d>
+    <dgm:sp3d/>
+    <dgm:txPr/>
+    <dgm:style>
+      <a:lnRef idx="2">
+        <a:scrgbClr r="0" g="0" b="0"/>
+      </a:lnRef>
+      <a:fillRef idx="1">
+        <a:scrgbClr r="0" g="0" b="0"/>
+      </a:fillRef>
+      <a:effectRef idx="0">
+        <a:scrgbClr r="0" g="0" b="0"/>
+      </a:effectRef>
+      <a:fontRef idx="minor">
+        <a:schemeClr val="lt1"/>
+      </a:fontRef>
+    </dgm:style>
+  </dgm:styleLbl>
+  <dgm:styleLbl name="asst2">
+    <dgm:scene3d>
+      <a:camera prst="orthographicFront"/>
+      <a:lightRig rig="threePt" dir="t"/>
+    </dgm:scene3d>
+    <dgm:sp3d/>
+    <dgm:txPr/>
+    <dgm:style>
+      <a:lnRef idx="2">
+        <a:scrgbClr r="0" g="0" b="0"/>
+      </a:lnRef>
+      <a:fillRef idx="1">
+        <a:scrgbClr r="0" g="0" b="0"/>
+      </a:fillRef>
+      <a:effectRef idx="0">
+        <a:scrgbClr r="0" g="0" b="0"/>
+      </a:effectRef>
+      <a:fontRef idx="minor">
+        <a:schemeClr val="lt1"/>
+      </a:fontRef>
+    </dgm:style>
+  </dgm:styleLbl>
+  <dgm:styleLbl name="asst3">
+    <dgm:scene3d>
+      <a:camera prst="orthographicFront"/>
+      <a:lightRig rig="threePt" dir="t"/>
+    </dgm:scene3d>
+    <dgm:sp3d/>
+    <dgm:txPr/>
+    <dgm:style>
+      <a:lnRef idx="2">
+        <a:scrgbClr r="0" g="0" b="0"/>
+      </a:lnRef>
+      <a:fillRef idx="1">
+        <a:scrgbClr r="0" g="0" b="0"/>
+      </a:fillRef>
+      <a:effectRef idx="0">
+        <a:scrgbClr r="0" g="0" b="0"/>
+      </a:effectRef>
+      <a:fontRef idx="minor">
+        <a:schemeClr val="lt1"/>
+      </a:fontRef>
+    </dgm:style>
+  </dgm:styleLbl>
+  <dgm:styleLbl name="asst4">
+    <dgm:scene3d>
+      <a:camera prst="orthographicFront"/>
+      <a:lightRig rig="threePt" dir="t"/>
+    </dgm:scene3d>
+    <dgm:sp3d/>
+    <dgm:txPr/>
+    <dgm:style>
+      <a:lnRef idx="2">
+        <a:scrgbClr r="0" g="0" b="0"/>
+      </a:lnRef>
+      <a:fillRef idx="1">
+        <a:scrgbClr r="0" g="0" b="0"/>
+      </a:fillRef>
+      <a:effectRef idx="0">
+        <a:scrgbClr r="0" g="0" b="0"/>
+      </a:effectRef>
+      <a:fontRef idx="minor">
+        <a:schemeClr val="lt1"/>
+      </a:fontRef>
+    </dgm:style>
+  </dgm:styleLbl>
+  <dgm:styleLbl name="parChTrans2D1">
+    <dgm:scene3d>
+      <a:camera prst="orthographicFront"/>
+      <a:lightRig rig="threePt" dir="t"/>
+    </dgm:scene3d>
+    <dgm:sp3d/>
+    <dgm:txPr/>
+    <dgm:style>
+      <a:lnRef idx="2">
+        <a:scrgbClr r="0" g="0" b="0"/>
+      </a:lnRef>
+      <a:fillRef idx="1">
+        <a:scrgbClr r="0" g="0" b="0"/>
+      </a:fillRef>
+      <a:effectRef idx="0">
+        <a:scrgbClr r="0" g="0" b="0"/>
+      </a:effectRef>
+      <a:fontRef idx="minor">
+        <a:schemeClr val="lt1"/>
+      </a:fontRef>
+    </dgm:style>
+  </dgm:styleLbl>
+  <dgm:styleLbl name="parChTrans2D2">
+    <dgm:scene3d>
+      <a:camera prst="orthographicFront"/>
+      <a:lightRig rig="threePt" dir="t"/>
+    </dgm:scene3d>
+    <dgm:sp3d/>
+    <dgm:txPr/>
+    <dgm:style>
+      <a:lnRef idx="2">
+        <a:scrgbClr r="0" g="0" b="0"/>
+      </a:lnRef>
+      <a:fillRef idx="1">
+        <a:scrgbClr r="0" g="0" b="0"/>
+      </a:fillRef>
+      <a:effectRef idx="0">
+        <a:scrgbClr r="0" g="0" b="0"/>
+      </a:effectRef>
+      <a:fontRef idx="minor">
+        <a:schemeClr val="lt1"/>
+      </a:fontRef>
+    </dgm:style>
+  </dgm:styleLbl>
+  <dgm:styleLbl name="parChTrans2D3">
+    <dgm:scene3d>
+      <a:camera prst="orthographicFront"/>
+      <a:lightRig rig="threePt" dir="t"/>
+    </dgm:scene3d>
+    <dgm:sp3d/>
+    <dgm:txPr/>
+    <dgm:style>
+      <a:lnRef idx="2">
+        <a:scrgbClr r="0" g="0" b="0"/>
+      </a:lnRef>
+      <a:fillRef idx="1">
+        <a:scrgbClr r="0" g="0" b="0"/>
+      </a:fillRef>
+      <a:effectRef idx="0">
+        <a:scrgbClr r="0" g="0" b="0"/>
+      </a:effectRef>
+      <a:fontRef idx="minor">
+        <a:schemeClr val="lt1"/>
+      </a:fontRef>
+    </dgm:style>
+  </dgm:styleLbl>
+  <dgm:styleLbl name="parChTrans2D4">
+    <dgm:scene3d>
+      <a:camera prst="orthographicFront"/>
+      <a:lightRig rig="threePt" dir="t"/>
+    </dgm:scene3d>
+    <dgm:sp3d/>
+    <dgm:txPr/>
+    <dgm:style>
+      <a:lnRef idx="2">
+        <a:scrgbClr r="0" g="0" b="0"/>
+      </a:lnRef>
+      <a:fillRef idx="1">
+        <a:scrgbClr r="0" g="0" b="0"/>
+      </a:fillRef>
+      <a:effectRef idx="0">
+        <a:scrgbClr r="0" g="0" b="0"/>
+      </a:effectRef>
+      <a:fontRef idx="minor">
+        <a:schemeClr val="lt1"/>
+      </a:fontRef>
+    </dgm:style>
+  </dgm:styleLbl>
+  <dgm:styleLbl name="parChTrans1D1">
+    <dgm:scene3d>
+      <a:camera prst="orthographicFront"/>
+      <a:lightRig rig="threePt" dir="t"/>
+    </dgm:scene3d>
+    <dgm:sp3d/>
+    <dgm:txPr/>
+    <dgm:style>
+      <a:lnRef idx="2">
+        <a:scrgbClr r="0" g="0" b="0"/>
+      </a:lnRef>
+      <a:fillRef idx="0">
+        <a:scrgbClr r="0" g="0" b="0"/>
+      </a:fillRef>
+      <a:effectRef idx="0">
+        <a:scrgbClr r="0" g="0" b="0"/>
+      </a:effectRef>
+      <a:fontRef idx="minor"/>
+    </dgm:style>
+  </dgm:styleLbl>
+  <dgm:styleLbl name="parChTrans1D2">
+    <dgm:scene3d>
+      <a:camera prst="orthographicFront"/>
+      <a:lightRig rig="threePt" dir="t"/>
+    </dgm:scene3d>
+    <dgm:sp3d/>
+    <dgm:txPr/>
+    <dgm:style>
+      <a:lnRef idx="2">
+        <a:scrgbClr r="0" g="0" b="0"/>
+      </a:lnRef>
+      <a:fillRef idx="0">
+        <a:scrgbClr r="0" g="0" b="0"/>
+      </a:fillRef>
+      <a:effectRef idx="0">
+        <a:scrgbClr r="0" g="0" b="0"/>
+      </a:effectRef>
+      <a:fontRef idx="minor"/>
+    </dgm:style>
+  </dgm:styleLbl>
+  <dgm:styleLbl name="parChTrans1D3">
+    <dgm:scene3d>
+      <a:camera prst="orthographicFront"/>
+      <a:lightRig rig="threePt" dir="t"/>
+    </dgm:scene3d>
+    <dgm:sp3d/>
+    <dgm:txPr/>
+    <dgm:style>
+      <a:lnRef idx="2">
+        <a:scrgbClr r="0" g="0" b="0"/>
+      </a:lnRef>
+      <a:fillRef idx="0">
+        <a:scrgbClr r="0" g="0" b="0"/>
+      </a:fillRef>
+      <a:effectRef idx="0">
+        <a:scrgbClr r="0" g="0" b="0"/>
+      </a:effectRef>
+      <a:fontRef idx="minor"/>
+    </dgm:style>
+  </dgm:styleLbl>
+  <dgm:styleLbl name="parChTrans1D4">
+    <dgm:scene3d>
+      <a:camera prst="orthographicFront"/>
+      <a:lightRig rig="threePt" dir="t"/>
+    </dgm:scene3d>
+    <dgm:sp3d/>
+    <dgm:txPr/>
+    <dgm:style>
+      <a:lnRef idx="2">
+        <a:scrgbClr r="0" g="0" b="0"/>
+      </a:lnRef>
+      <a:fillRef idx="0">
+        <a:scrgbClr r="0" g="0" b="0"/>
+      </a:fillRef>
+      <a:effectRef idx="0">
+        <a:scrgbClr r="0" g="0" b="0"/>
+      </a:effectRef>
+      <a:fontRef idx="minor"/>
+    </dgm:style>
+  </dgm:styleLbl>
+  <dgm:styleLbl name="fgAcc1">
+    <dgm:scene3d>
+      <a:camera prst="orthographicFront"/>
+      <a:lightRig rig="threePt" dir="t"/>
+    </dgm:scene3d>
+    <dgm:sp3d/>
+    <dgm:txPr/>
+    <dgm:style>
+      <a:lnRef idx="2">
+        <a:scrgbClr r="0" g="0" b="0"/>
+      </a:lnRef>
+      <a:fillRef idx="1">
+        <a:scrgbClr r="0" g="0" b="0"/>
+      </a:fillRef>
+      <a:effectRef idx="0">
+        <a:scrgbClr r="0" g="0" b="0"/>
+      </a:effectRef>
+      <a:fontRef idx="minor"/>
+    </dgm:style>
+  </dgm:styleLbl>
+  <dgm:styleLbl name="conFgAcc1">
+    <dgm:scene3d>
+      <a:camera prst="orthographicFront"/>
+      <a:lightRig rig="threePt" dir="t"/>
+    </dgm:scene3d>
+    <dgm:sp3d/>
+    <dgm:txPr/>
+    <dgm:style>
+      <a:lnRef idx="2">
+        <a:scrgbClr r="0" g="0" b="0"/>
+      </a:lnRef>
+      <a:fillRef idx="1">
+        <a:scrgbClr r="0" g="0" b="0"/>
+      </a:fillRef>
+      <a:effectRef idx="0">
+        <a:scrgbClr r="0" g="0" b="0"/>
+      </a:effectRef>
+      <a:fontRef idx="minor"/>
+    </dgm:style>
+  </dgm:styleLbl>
+  <dgm:styleLbl name="alignAcc1">
+    <dgm:scene3d>
+      <a:camera prst="orthographicFront"/>
+      <a:lightRig rig="threePt" dir="t"/>
+    </dgm:scene3d>
+    <dgm:sp3d/>
+    <dgm:txPr/>
+    <dgm:style>
+      <a:lnRef idx="2">
+        <a:scrgbClr r="0" g="0" b="0"/>
+      </a:lnRef>
+      <a:fillRef idx="1">
+        <a:scrgbClr r="0" g="0" b="0"/>
+      </a:fillRef>
+      <a:effectRef idx="0">
+        <a:scrgbClr r="0" g="0" b="0"/>
+      </a:effectRef>
+      <a:fontRef idx="minor"/>
+    </dgm:style>
+  </dgm:styleLbl>
+  <dgm:styleLbl name="trAlignAcc1">
+    <dgm:scene3d>
+      <a:camera prst="orthographicFront"/>
+      <a:lightRig rig="threePt" dir="t"/>
+    </dgm:scene3d>
+    <dgm:sp3d/>
+    <dgm:txPr/>
+    <dgm:style>
+      <a:lnRef idx="1">
+        <a:scrgbClr r="0" g="0" b="0"/>
+      </a:lnRef>
+      <a:fillRef idx="1">
+        <a:scrgbClr r="0" g="0" b="0"/>
+      </a:fillRef>
+      <a:effectRef idx="0">
+        <a:scrgbClr r="0" g="0" b="0"/>
+      </a:effectRef>
+      <a:fontRef idx="minor"/>
+    </dgm:style>
+  </dgm:styleLbl>
+  <dgm:styleLbl name="bgAcc1">
+    <dgm:scene3d>
+      <a:camera prst="orthographicFront"/>
+      <a:lightRig rig="threePt" dir="t"/>
+    </dgm:scene3d>
+    <dgm:sp3d/>
+    <dgm:txPr/>
+    <dgm:style>
+      <a:lnRef idx="2">
+        <a:scrgbClr r="0" g="0" b="0"/>
+      </a:lnRef>
+      <a:fillRef idx="1">
+        <a:scrgbClr r="0" g="0" b="0"/>
+      </a:fillRef>
+      <a:effectRef idx="0">
+        <a:scrgbClr r="0" g="0" b="0"/>
+      </a:effectRef>
+      <a:fontRef idx="minor"/>
+    </dgm:style>
+  </dgm:styleLbl>
+  <dgm:styleLbl name="solidFgAcc1">
+    <dgm:scene3d>
+      <a:camera prst="orthographicFront"/>
+      <a:lightRig rig="threePt" dir="t"/>
+    </dgm:scene3d>
+    <dgm:sp3d/>
+    <dgm:txPr/>
+    <dgm:style>
+      <a:lnRef idx="2">
+        <a:scrgbClr r="0" g="0" b="0"/>
+      </a:lnRef>
+      <a:fillRef idx="1">
+        <a:scrgbClr r="0" g="0" b="0"/>
+      </a:fillRef>
+      <a:effectRef idx="0">
+        <a:scrgbClr r="0" g="0" b="0"/>
+      </a:effectRef>
+      <a:fontRef idx="minor"/>
+    </dgm:style>
+  </dgm:styleLbl>
+  <dgm:styleLbl name="solidAlignAcc1">
+    <dgm:scene3d>
+      <a:camera prst="orthographicFront"/>
+      <a:lightRig rig="threePt" dir="t"/>
+    </dgm:scene3d>
+    <dgm:sp3d/>
+    <dgm:txPr/>
+    <dgm:style>
+      <a:lnRef idx="2">
+        <a:scrgbClr r="0" g="0" b="0"/>
+      </a:lnRef>
+      <a:fillRef idx="1">
+        <a:scrgbClr r="0" g="0" b="0"/>
+      </a:fillRef>
+      <a:effectRef idx="0">
+        <a:scrgbClr r="0" g="0" b="0"/>
+      </a:effectRef>
+      <a:fontRef idx="minor"/>
+    </dgm:style>
+  </dgm:styleLbl>
+  <dgm:styleLbl name="solidBgAcc1">
+    <dgm:scene3d>
+      <a:camera prst="orthographicFront"/>
+      <a:lightRig rig="threePt" dir="t"/>
+    </dgm:scene3d>
+    <dgm:sp3d/>
+    <dgm:txPr/>
+    <dgm:style>
+      <a:lnRef idx="2">
+        <a:scrgbClr r="0" g="0" b="0"/>
+      </a:lnRef>
+      <a:fillRef idx="1">
+        <a:scrgbClr r="0" g="0" b="0"/>
+      </a:fillRef>
+      <a:effectRef idx="0">
+        <a:scrgbClr r="0" g="0" b="0"/>
+      </a:effectRef>
+      <a:fontRef idx="minor"/>
+    </dgm:style>
+  </dgm:styleLbl>
+  <dgm:styleLbl name="fgAccFollowNode1">
+    <dgm:scene3d>
+      <a:camera prst="orthographicFront"/>
+      <a:lightRig rig="threePt" dir="t"/>
+    </dgm:scene3d>
+    <dgm:sp3d/>
+    <dgm:txPr/>
+    <dgm:style>
+      <a:lnRef idx="2">
+        <a:scrgbClr r="0" g="0" b="0"/>
+      </a:lnRef>
+      <a:fillRef idx="1">
+        <a:scrgbClr r="0" g="0" b="0"/>
+      </a:fillRef>
+      <a:effectRef idx="0">
+        <a:scrgbClr r="0" g="0" b="0"/>
+      </a:effectRef>
+      <a:fontRef idx="minor"/>
+    </dgm:style>
+  </dgm:styleLbl>
+  <dgm:styleLbl name="alignAccFollowNode1">
+    <dgm:scene3d>
+      <a:camera prst="orthographicFront"/>
+      <a:lightRig rig="threePt" dir="t"/>
+    </dgm:scene3d>
+    <dgm:sp3d/>
+    <dgm:txPr/>
+    <dgm:style>
+      <a:lnRef idx="2">
+        <a:scrgbClr r="0" g="0" b="0"/>
+      </a:lnRef>
+      <a:fillRef idx="1">
+        <a:scrgbClr r="0" g="0" b="0"/>
+      </a:fillRef>
+      <a:effectRef idx="0">
+        <a:scrgbClr r="0" g="0" b="0"/>
+      </a:effectRef>
+      <a:fontRef idx="minor"/>
+    </dgm:style>
+  </dgm:styleLbl>
+  <dgm:styleLbl name="bgAccFollowNode1">
+    <dgm:scene3d>
+      <a:camera prst="orthographicFront"/>
+      <a:lightRig rig="threePt" dir="t"/>
+    </dgm:scene3d>
+    <dgm:sp3d/>
+    <dgm:txPr/>
+    <dgm:style>
+      <a:lnRef idx="2">
+        <a:scrgbClr r="0" g="0" b="0"/>
+      </a:lnRef>
+      <a:fillRef idx="1">
+        <a:scrgbClr r="0" g="0" b="0"/>
+      </a:fillRef>
+      <a:effectRef idx="0">
+        <a:scrgbClr r="0" g="0" b="0"/>
+      </a:effectRef>
+      <a:fontRef idx="minor"/>
+    </dgm:style>
+  </dgm:styleLbl>
+  <dgm:styleLbl name="fgAcc0">
+    <dgm:scene3d>
+      <a:camera prst="orthographicFront"/>
+      <a:lightRig rig="threePt" dir="t"/>
+    </dgm:scene3d>
+    <dgm:sp3d/>
+    <dgm:txPr/>
+    <dgm:style>
+      <a:lnRef idx="2">
+        <a:scrgbClr r="0" g="0" b="0"/>
+      </a:lnRef>
+      <a:fillRef idx="1">
+        <a:scrgbClr r="0" g="0" b="0"/>
+      </a:fillRef>
+      <a:effectRef idx="0">
+        <a:scrgbClr r="0" g="0" b="0"/>
+      </a:effectRef>
+      <a:fontRef idx="minor"/>
+    </dgm:style>
+  </dgm:styleLbl>
+  <dgm:styleLbl name="fgAcc2">
+    <dgm:scene3d>
+      <a:camera prst="orthographicFront"/>
+      <a:lightRig rig="threePt" dir="t"/>
+    </dgm:scene3d>
+    <dgm:sp3d/>
+    <dgm:txPr/>
+    <dgm:style>
+      <a:lnRef idx="2">
+        <a:scrgbClr r="0" g="0" b="0"/>
+      </a:lnRef>
+      <a:fillRef idx="1">
+        <a:scrgbClr r="0" g="0" b="0"/>
+      </a:fillRef>
+      <a:effectRef idx="0">
+        <a:scrgbClr r="0" g="0" b="0"/>
+      </a:effectRef>
+      <a:fontRef idx="minor"/>
+    </dgm:style>
+  </dgm:styleLbl>
+  <dgm:styleLbl name="fgAcc3">
+    <dgm:scene3d>
+      <a:camera prst="orthographicFront"/>
+      <a:lightRig rig="threePt" dir="t"/>
+    </dgm:scene3d>
+    <dgm:sp3d/>
+    <dgm:txPr/>
+    <dgm:style>
+      <a:lnRef idx="2">
+        <a:scrgbClr r="0" g="0" b="0"/>
+      </a:lnRef>
+      <a:fillRef idx="1">
+        <a:scrgbClr r="0" g="0" b="0"/>
+      </a:fillRef>
+      <a:effectRef idx="0">
+        <a:scrgbClr r="0" g="0" b="0"/>
+      </a:effectRef>
+      <a:fontRef idx="minor"/>
+    </dgm:style>
+  </dgm:styleLbl>
+  <dgm:styleLbl name="fgAcc4">
+    <dgm:scene3d>
+      <a:camera prst="orthographicFront"/>
+      <a:lightRig rig="threePt" dir="t"/>
+    </dgm:scene3d>
+    <dgm:sp3d/>
+    <dgm:txPr/>
+    <dgm:style>
+      <a:lnRef idx="2">
+        <a:scrgbClr r="0" g="0" b="0"/>
+      </a:lnRef>
+      <a:fillRef idx="1">
+        <a:scrgbClr r="0" g="0" b="0"/>
+      </a:fillRef>
+      <a:effectRef idx="0">
+        <a:scrgbClr r="0" g="0" b="0"/>
+      </a:effectRef>
+      <a:fontRef idx="minor"/>
+    </dgm:style>
+  </dgm:styleLbl>
+  <dgm:styleLbl name="bgShp">
+    <dgm:scene3d>
+      <a:camera prst="orthographicFront"/>
+      <a:lightRig rig="threePt" dir="t"/>
+    </dgm:scene3d>
+    <dgm:sp3d/>
+    <dgm:txPr/>
+    <dgm:style>
+      <a:lnRef idx="0">
+        <a:scrgbClr r="0" g="0" b="0"/>
+      </a:lnRef>
+      <a:fillRef idx="1">
+        <a:scrgbClr r="0" g="0" b="0"/>
+      </a:fillRef>
+      <a:effectRef idx="0">
+        <a:scrgbClr r="0" g="0" b="0"/>
+      </a:effectRef>
+      <a:fontRef idx="minor"/>
+    </dgm:style>
+  </dgm:styleLbl>
+  <dgm:styleLbl name="dkBgShp">
+    <dgm:scene3d>
+      <a:camera prst="orthographicFront"/>
+      <a:lightRig rig="threePt" dir="t"/>
+    </dgm:scene3d>
+    <dgm:sp3d/>
+    <dgm:txPr/>
+    <dgm:style>
+      <a:lnRef idx="0">
+        <a:scrgbClr r="0" g="0" b="0"/>
+      </a:lnRef>
+      <a:fillRef idx="1">
+        <a:scrgbClr r="0" g="0" b="0"/>
+      </a:fillRef>
+      <a:effectRef idx="0">
+        <a:scrgbClr r="0" g="0" b="0"/>
+      </a:effectRef>
+      <a:fontRef idx="minor"/>
+    </dgm:style>
+  </dgm:styleLbl>
+  <dgm:styleLbl name="trBgShp">
+    <dgm:scene3d>
+      <a:camera prst="orthographicFront"/>
+      <a:lightRig rig="threePt" dir="t"/>
+    </dgm:scene3d>
+    <dgm:sp3d/>
+    <dgm:txPr/>
+    <dgm:style>
+      <a:lnRef idx="0">
+        <a:scrgbClr r="0" g="0" b="0"/>
+      </a:lnRef>
+      <a:fillRef idx="1">
+        <a:scrgbClr r="0" g="0" b="0"/>
+      </a:fillRef>
+      <a:effectRef idx="0">
+        <a:scrgbClr r="0" g="0" b="0"/>
+      </a:effectRef>
+      <a:fontRef idx="minor"/>
+    </dgm:style>
+  </dgm:styleLbl>
+  <dgm:styleLbl name="fgShp">
+    <dgm:scene3d>
+      <a:camera prst="orthographicFront"/>
+      <a:lightRig rig="threePt" dir="t"/>
+    </dgm:scene3d>
+    <dgm:sp3d/>
+    <dgm:txPr/>
+    <dgm:style>
+      <a:lnRef idx="2">
+        <a:scrgbClr r="0" g="0" b="0"/>
+      </a:lnRef>
+      <a:fillRef idx="1">
+        <a:scrgbClr r="0" g="0" b="0"/>
+      </a:fillRef>
+      <a:effectRef idx="0">
+        <a:scrgbClr r="0" g="0" b="0"/>
+      </a:effectRef>
+      <a:fontRef idx="minor"/>
+    </dgm:style>
+  </dgm:styleLbl>
+  <dgm:styleLbl name="revTx">
+    <dgm:scene3d>
+      <a:camera prst="orthographicFront"/>
+      <a:lightRig rig="threePt" dir="t"/>
+    </dgm:scene3d>
+    <dgm:sp3d/>
+    <dgm:txPr/>
+    <dgm:style>
+      <a:lnRef idx="0">
+        <a:scrgbClr r="0" g="0" b="0"/>
+      </a:lnRef>
+      <a:fillRef idx="0">
+        <a:scrgbClr r="0" g="0" b="0"/>
+      </a:fillRef>
+      <a:effectRef idx="0">
+        <a:scrgbClr r="0" g="0" b="0"/>
+      </a:effectRef>
+      <a:fontRef idx="minor"/>
+    </dgm:style>
+  </dgm:styleLbl>
+</dgm:styleDef>
+</file>
+
+<file path=ppt/diagrams/quickStyle2.xml><?xml version="1.0" encoding="utf-8"?>
+<dgm:styleDef xmlns:dgm="http://schemas.openxmlformats.org/drawingml/2006/diagram" xmlns:a="http://schemas.openxmlformats.org/drawingml/2006/main" uniqueId="urn:microsoft.com/office/officeart/2005/8/quickstyle/simple1">
+  <dgm:title val=""/>
+  <dgm:desc val=""/>
+  <dgm:catLst>
+    <dgm:cat type="simple" pri="10100"/>
+  </dgm:catLst>
+  <dgm:scene3d>
+    <a:camera prst="orthographicFront"/>
+    <a:lightRig rig="threePt" dir="t"/>
+  </dgm:scene3d>
+  <dgm:styleLbl name="node0">
+    <dgm:scene3d>
+      <a:camera prst="orthographicFront"/>
+      <a:lightRig rig="threePt" dir="t"/>
+    </dgm:scene3d>
+    <dgm:sp3d/>
+    <dgm:txPr/>
+    <dgm:style>
+      <a:lnRef idx="2">
+        <a:scrgbClr r="0" g="0" b="0"/>
+      </a:lnRef>
+      <a:fillRef idx="1">
+        <a:scrgbClr r="0" g="0" b="0"/>
+      </a:fillRef>
+      <a:effectRef idx="0">
+        <a:scrgbClr r="0" g="0" b="0"/>
+      </a:effectRef>
+      <a:fontRef idx="minor">
+        <a:schemeClr val="lt1"/>
+      </a:fontRef>
+    </dgm:style>
+  </dgm:styleLbl>
+  <dgm:styleLbl name="lnNode1">
+    <dgm:scene3d>
+      <a:camera prst="orthographicFront"/>
+      <a:lightRig rig="threePt" dir="t"/>
+    </dgm:scene3d>
+    <dgm:sp3d/>
+    <dgm:txPr/>
+    <dgm:style>
+      <a:lnRef idx="2">
+        <a:scrgbClr r="0" g="0" b="0"/>
+      </a:lnRef>
+      <a:fillRef idx="1">
+        <a:scrgbClr r="0" g="0" b="0"/>
+      </a:fillRef>
+      <a:effectRef idx="0">
+        <a:scrgbClr r="0" g="0" b="0"/>
+      </a:effectRef>
+      <a:fontRef idx="minor">
+        <a:schemeClr val="lt1"/>
+      </a:fontRef>
+    </dgm:style>
+  </dgm:styleLbl>
+  <dgm:styleLbl name="vennNode1">
+    <dgm:scene3d>
+      <a:camera prst="orthographicFront"/>
+      <a:lightRig rig="threePt" dir="t"/>
+    </dgm:scene3d>
+    <dgm:sp3d/>
+    <dgm:txPr/>
+    <dgm:style>
+      <a:lnRef idx="2">
+        <a:scrgbClr r="0" g="0" b="0"/>
+      </a:lnRef>
+      <a:fillRef idx="1">
+        <a:scrgbClr r="0" g="0" b="0"/>
+      </a:fillRef>
+      <a:effectRef idx="0">
+        <a:scrgbClr r="0" g="0" b="0"/>
+      </a:effectRef>
+      <a:fontRef idx="minor">
+        <a:schemeClr val="tx1"/>
+      </a:fontRef>
+    </dgm:style>
+  </dgm:styleLbl>
+  <dgm:styleLbl name="alignNode1">
+    <dgm:scene3d>
+      <a:camera prst="orthographicFront"/>
+      <a:lightRig rig="threePt" dir="t"/>
+    </dgm:scene3d>
+    <dgm:sp3d/>
+    <dgm:txPr/>
+    <dgm:style>
+      <a:lnRef idx="2">
+        <a:scrgbClr r="0" g="0" b="0"/>
+      </a:lnRef>
+      <a:fillRef idx="1">
+        <a:scrgbClr r="0" g="0" b="0"/>
+      </a:fillRef>
+      <a:effectRef idx="0">
+        <a:scrgbClr r="0" g="0" b="0"/>
+      </a:effectRef>
+      <a:fontRef idx="minor">
+        <a:schemeClr val="lt1"/>
+      </a:fontRef>
+    </dgm:style>
+  </dgm:styleLbl>
+  <dgm:styleLbl name="node1">
+    <dgm:scene3d>
+      <a:camera prst="orthographicFront"/>
+      <a:lightRig rig="threePt" dir="t"/>
+    </dgm:scene3d>
+    <dgm:sp3d/>
+    <dgm:txPr/>
+    <dgm:style>
+      <a:lnRef idx="2">
+        <a:scrgbClr r="0" g="0" b="0"/>
+      </a:lnRef>
+      <a:fillRef idx="1">
+        <a:scrgbClr r="0" g="0" b="0"/>
+      </a:fillRef>
+      <a:effectRef idx="0">
+        <a:scrgbClr r="0" g="0" b="0"/>
+      </a:effectRef>
+      <a:fontRef idx="minor">
+        <a:schemeClr val="lt1"/>
+      </a:fontRef>
+    </dgm:style>
+  </dgm:styleLbl>
+  <dgm:styleLbl name="node2">
+    <dgm:scene3d>
+      <a:camera prst="orthographicFront"/>
+      <a:lightRig rig="threePt" dir="t"/>
+    </dgm:scene3d>
+    <dgm:sp3d/>
+    <dgm:txPr/>
+    <dgm:style>
+      <a:lnRef idx="2">
+        <a:scrgbClr r="0" g="0" b="0"/>
+      </a:lnRef>
+      <a:fillRef idx="1">
+        <a:scrgbClr r="0" g="0" b="0"/>
+      </a:fillRef>
+      <a:effectRef idx="0">
+        <a:scrgbClr r="0" g="0" b="0"/>
+      </a:effectRef>
+      <a:fontRef idx="minor">
+        <a:schemeClr val="lt1"/>
+      </a:fontRef>
+    </dgm:style>
+  </dgm:styleLbl>
+  <dgm:styleLbl name="node3">
+    <dgm:scene3d>
+      <a:camera prst="orthographicFront"/>
+      <a:lightRig rig="threePt" dir="t"/>
+    </dgm:scene3d>
+    <dgm:sp3d/>
+    <dgm:txPr/>
+    <dgm:style>
+      <a:lnRef idx="2">
+        <a:scrgbClr r="0" g="0" b="0"/>
+      </a:lnRef>
+      <a:fillRef idx="1">
+        <a:scrgbClr r="0" g="0" b="0"/>
+      </a:fillRef>
+      <a:effectRef idx="0">
+        <a:scrgbClr r="0" g="0" b="0"/>
+      </a:effectRef>
+      <a:fontRef idx="minor">
+        <a:schemeClr val="lt1"/>
+      </a:fontRef>
+    </dgm:style>
+  </dgm:styleLbl>
+  <dgm:styleLbl name="node4">
+    <dgm:scene3d>
+      <a:camera prst="orthographicFront"/>
+      <a:lightRig rig="threePt" dir="t"/>
+    </dgm:scene3d>
+    <dgm:sp3d/>
+    <dgm:txPr/>
+    <dgm:style>
+      <a:lnRef idx="2">
+        <a:scrgbClr r="0" g="0" b="0"/>
+      </a:lnRef>
+      <a:fillRef idx="1">
+        <a:scrgbClr r="0" g="0" b="0"/>
+      </a:fillRef>
+      <a:effectRef idx="0">
+        <a:scrgbClr r="0" g="0" b="0"/>
+      </a:effectRef>
+      <a:fontRef idx="minor">
+        <a:schemeClr val="lt1"/>
+      </a:fontRef>
+    </dgm:style>
+  </dgm:styleLbl>
+  <dgm:styleLbl name="fgImgPlace1">
+    <dgm:scene3d>
+      <a:camera prst="orthographicFront"/>
+      <a:lightRig rig="threePt" dir="t"/>
+    </dgm:scene3d>
+    <dgm:sp3d/>
+    <dgm:txPr/>
+    <dgm:style>
+      <a:lnRef idx="2">
+        <a:scrgbClr r="0" g="0" b="0"/>
+      </a:lnRef>
+      <a:fillRef idx="1">
+        <a:scrgbClr r="0" g="0" b="0"/>
+      </a:fillRef>
+      <a:effectRef idx="0">
+        <a:scrgbClr r="0" g="0" b="0"/>
+      </a:effectRef>
+      <a:fontRef idx="minor"/>
+    </dgm:style>
+  </dgm:styleLbl>
+  <dgm:styleLbl name="alignImgPlace1">
+    <dgm:scene3d>
+      <a:camera prst="orthographicFront"/>
+      <a:lightRig rig="threePt" dir="t"/>
+    </dgm:scene3d>
+    <dgm:sp3d/>
+    <dgm:txPr/>
+    <dgm:style>
+      <a:lnRef idx="2">
+        <a:scrgbClr r="0" g="0" b="0"/>
+      </a:lnRef>
+      <a:fillRef idx="1">
+        <a:scrgbClr r="0" g="0" b="0"/>
+      </a:fillRef>
+      <a:effectRef idx="0">
+        <a:scrgbClr r="0" g="0" b="0"/>
+      </a:effectRef>
+      <a:fontRef idx="minor"/>
+    </dgm:style>
+  </dgm:styleLbl>
+  <dgm:styleLbl name="bgImgPlace1">
+    <dgm:scene3d>
+      <a:camera prst="orthographicFront"/>
+      <a:lightRig rig="threePt" dir="t"/>
+    </dgm:scene3d>
+    <dgm:sp3d/>
+    <dgm:txPr/>
+    <dgm:style>
+      <a:lnRef idx="2">
+        <a:scrgbClr r="0" g="0" b="0"/>
+      </a:lnRef>
+      <a:fillRef idx="1">
+        <a:scrgbClr r="0" g="0" b="0"/>
+      </a:fillRef>
+      <a:effectRef idx="0">
+        <a:scrgbClr r="0" g="0" b="0"/>
+      </a:effectRef>
+      <a:fontRef idx="minor"/>
+    </dgm:style>
+  </dgm:styleLbl>
+  <dgm:styleLbl name="sibTrans2D1">
+    <dgm:scene3d>
+      <a:camera prst="orthographicFront"/>
+      <a:lightRig rig="threePt" dir="t"/>
+    </dgm:scene3d>
+    <dgm:sp3d/>
+    <dgm:txPr/>
+    <dgm:style>
+      <a:lnRef idx="0">
+        <a:scrgbClr r="0" g="0" b="0"/>
+      </a:lnRef>
+      <a:fillRef idx="1">
+        <a:scrgbClr r="0" g="0" b="0"/>
+      </a:fillRef>
+      <a:effectRef idx="0">
+        <a:scrgbClr r="0" g="0" b="0"/>
+      </a:effectRef>
+      <a:fontRef idx="minor">
+        <a:schemeClr val="lt1"/>
+      </a:fontRef>
+    </dgm:style>
+  </dgm:styleLbl>
+  <dgm:styleLbl name="fgSibTrans2D1">
+    <dgm:scene3d>
+      <a:camera prst="orthographicFront"/>
+      <a:lightRig rig="threePt" dir="t"/>
+    </dgm:scene3d>
+    <dgm:sp3d/>
+    <dgm:txPr/>
+    <dgm:style>
+      <a:lnRef idx="0">
+        <a:scrgbClr r="0" g="0" b="0"/>
+      </a:lnRef>
+      <a:fillRef idx="1">
+        <a:scrgbClr r="0" g="0" b="0"/>
+      </a:fillRef>
+      <a:effectRef idx="0">
+        <a:scrgbClr r="0" g="0" b="0"/>
+      </a:effectRef>
+      <a:fontRef idx="minor">
+        <a:schemeClr val="lt1"/>
+      </a:fontRef>
+    </dgm:style>
+  </dgm:styleLbl>
+  <dgm:styleLbl name="bgSibTrans2D1">
+    <dgm:scene3d>
+      <a:camera prst="orthographicFront"/>
+      <a:lightRig rig="threePt" dir="t"/>
+    </dgm:scene3d>
+    <dgm:sp3d/>
+    <dgm:txPr/>
+    <dgm:style>
+      <a:lnRef idx="0">
+        <a:scrgbClr r="0" g="0" b="0"/>
+      </a:lnRef>
+      <a:fillRef idx="1">
+        <a:scrgbClr r="0" g="0" b="0"/>
+      </a:fillRef>
+      <a:effectRef idx="0">
+        <a:scrgbClr r="0" g="0" b="0"/>
+      </a:effectRef>
+      <a:fontRef idx="minor">
+        <a:schemeClr val="lt1"/>
+      </a:fontRef>
+    </dgm:style>
+  </dgm:styleLbl>
+  <dgm:styleLbl name="sibTrans1D1">
+    <dgm:scene3d>
+      <a:camera prst="orthographicFront"/>
+      <a:lightRig rig="threePt" dir="t"/>
+    </dgm:scene3d>
+    <dgm:sp3d/>
+    <dgm:txPr/>
+    <dgm:style>
+      <a:lnRef idx="1">
+        <a:scrgbClr r="0" g="0" b="0"/>
+      </a:lnRef>
+      <a:fillRef idx="0">
+        <a:scrgbClr r="0" g="0" b="0"/>
+      </a:fillRef>
+      <a:effectRef idx="0">
+        <a:scrgbClr r="0" g="0" b="0"/>
+      </a:effectRef>
+      <a:fontRef idx="minor"/>
+    </dgm:style>
+  </dgm:styleLbl>
+  <dgm:styleLbl name="callout">
+    <dgm:scene3d>
+      <a:camera prst="orthographicFront"/>
+      <a:lightRig rig="threePt" dir="t"/>
+    </dgm:scene3d>
+    <dgm:sp3d/>
+    <dgm:txPr/>
+    <dgm:style>
+      <a:lnRef idx="2">
+        <a:scrgbClr r="0" g="0" b="0"/>
+      </a:lnRef>
+      <a:fillRef idx="1">
+        <a:scrgbClr r="0" g="0" b="0"/>
+      </a:fillRef>
+      <a:effectRef idx="0">
+        <a:scrgbClr r="0" g="0" b="0"/>
+      </a:effectRef>
+      <a:fontRef idx="minor"/>
+    </dgm:style>
+  </dgm:styleLbl>
+  <dgm:styleLbl name="asst0">
+    <dgm:scene3d>
+      <a:camera prst="orthographicFront"/>
+      <a:lightRig rig="threePt" dir="t"/>
+    </dgm:scene3d>
+    <dgm:sp3d/>
+    <dgm:txPr/>
+    <dgm:style>
+      <a:lnRef idx="2">
+        <a:scrgbClr r="0" g="0" b="0"/>
+      </a:lnRef>
+      <a:fillRef idx="1">
+        <a:scrgbClr r="0" g="0" b="0"/>
+      </a:fillRef>
+      <a:effectRef idx="0">
+        <a:scrgbClr r="0" g="0" b="0"/>
+      </a:effectRef>
+      <a:fontRef idx="minor">
+        <a:schemeClr val="lt1"/>
+      </a:fontRef>
+    </dgm:style>
+  </dgm:styleLbl>
+  <dgm:styleLbl name="asst1">
+    <dgm:scene3d>
+      <a:camera prst="orthographicFront"/>
+      <a:lightRig rig="threePt" dir="t"/>
+    </dgm:scene3d>
+    <dgm:sp3d/>
+    <dgm:txPr/>
+    <dgm:style>
+      <a:lnRef idx="2">
+        <a:scrgbClr r="0" g="0" b="0"/>
+      </a:lnRef>
+      <a:fillRef idx="1">
+        <a:scrgbClr r="0" g="0" b="0"/>
+      </a:fillRef>
+      <a:effectRef idx="0">
+        <a:scrgbClr r="0" g="0" b="0"/>
+      </a:effectRef>
+      <a:fontRef idx="minor">
+        <a:schemeClr val="lt1"/>
+      </a:fontRef>
+    </dgm:style>
+  </dgm:styleLbl>
+  <dgm:styleLbl name="asst2">
+    <dgm:scene3d>
+      <a:camera prst="orthographicFront"/>
+      <a:lightRig rig="threePt" dir="t"/>
+    </dgm:scene3d>
+    <dgm:sp3d/>
+    <dgm:txPr/>
+    <dgm:style>
+      <a:lnRef idx="2">
+        <a:scrgbClr r="0" g="0" b="0"/>
+      </a:lnRef>
+      <a:fillRef idx="1">
+        <a:scrgbClr r="0" g="0" b="0"/>
+      </a:fillRef>
+      <a:effectRef idx="0">
+        <a:scrgbClr r="0" g="0" b="0"/>
+      </a:effectRef>
+      <a:fontRef idx="minor">
+        <a:schemeClr val="lt1"/>
+      </a:fontRef>
+    </dgm:style>
+  </dgm:styleLbl>
+  <dgm:styleLbl name="asst3">
+    <dgm:scene3d>
+      <a:camera prst="orthographicFront"/>
+      <a:lightRig rig="threePt" dir="t"/>
+    </dgm:scene3d>
+    <dgm:sp3d/>
+    <dgm:txPr/>
+    <dgm:style>
+      <a:lnRef idx="2">
+        <a:scrgbClr r="0" g="0" b="0"/>
+      </a:lnRef>
+      <a:fillRef idx="1">
+        <a:scrgbClr r="0" g="0" b="0"/>
+      </a:fillRef>
+      <a:effectRef idx="0">
+        <a:scrgbClr r="0" g="0" b="0"/>
+      </a:effectRef>
+      <a:fontRef idx="minor">
+        <a:schemeClr val="lt1"/>
+      </a:fontRef>
+    </dgm:style>
+  </dgm:styleLbl>
+  <dgm:styleLbl name="asst4">
+    <dgm:scene3d>
+      <a:camera prst="orthographicFront"/>
+      <a:lightRig rig="threePt" dir="t"/>
+    </dgm:scene3d>
+    <dgm:sp3d/>
+    <dgm:txPr/>
+    <dgm:style>
+      <a:lnRef idx="2">
+        <a:scrgbClr r="0" g="0" b="0"/>
+      </a:lnRef>
+      <a:fillRef idx="1">
+        <a:scrgbClr r="0" g="0" b="0"/>
+      </a:fillRef>
+      <a:effectRef idx="0">
+        <a:scrgbClr r="0" g="0" b="0"/>
+      </a:effectRef>
+      <a:fontRef idx="minor">
+        <a:schemeClr val="lt1"/>
+      </a:fontRef>
+    </dgm:style>
+  </dgm:styleLbl>
+  <dgm:styleLbl name="parChTrans2D1">
+    <dgm:scene3d>
+      <a:camera prst="orthographicFront"/>
+      <a:lightRig rig="threePt" dir="t"/>
+    </dgm:scene3d>
+    <dgm:sp3d/>
+    <dgm:txPr/>
+    <dgm:style>
+      <a:lnRef idx="2">
+        <a:scrgbClr r="0" g="0" b="0"/>
+      </a:lnRef>
+      <a:fillRef idx="1">
+        <a:scrgbClr r="0" g="0" b="0"/>
+      </a:fillRef>
+      <a:effectRef idx="0">
+        <a:scrgbClr r="0" g="0" b="0"/>
+      </a:effectRef>
+      <a:fontRef idx="minor">
+        <a:schemeClr val="lt1"/>
+      </a:fontRef>
+    </dgm:style>
+  </dgm:styleLbl>
+  <dgm:styleLbl name="parChTrans2D2">
+    <dgm:scene3d>
+      <a:camera prst="orthographicFront"/>
+      <a:lightRig rig="threePt" dir="t"/>
+    </dgm:scene3d>
+    <dgm:sp3d/>
+    <dgm:txPr/>
+    <dgm:style>
+      <a:lnRef idx="2">
+        <a:scrgbClr r="0" g="0" b="0"/>
+      </a:lnRef>
+      <a:fillRef idx="1">
+        <a:scrgbClr r="0" g="0" b="0"/>
+      </a:fillRef>
+      <a:effectRef idx="0">
+        <a:scrgbClr r="0" g="0" b="0"/>
+      </a:effectRef>
+      <a:fontRef idx="minor">
+        <a:schemeClr val="lt1"/>
+      </a:fontRef>
+    </dgm:style>
+  </dgm:styleLbl>
+  <dgm:styleLbl name="parChTrans2D3">
+    <dgm:scene3d>
+      <a:camera prst="orthographicFront"/>
+      <a:lightRig rig="threePt" dir="t"/>
+    </dgm:scene3d>
+    <dgm:sp3d/>
+    <dgm:txPr/>
+    <dgm:style>
+      <a:lnRef idx="2">
+        <a:scrgbClr r="0" g="0" b="0"/>
+      </a:lnRef>
+      <a:fillRef idx="1">
+        <a:scrgbClr r="0" g="0" b="0"/>
+      </a:fillRef>
+      <a:effectRef idx="0">
+        <a:scrgbClr r="0" g="0" b="0"/>
+      </a:effectRef>
+      <a:fontRef idx="minor">
+        <a:schemeClr val="lt1"/>
+      </a:fontRef>
+    </dgm:style>
+  </dgm:styleLbl>
+  <dgm:styleLbl name="parChTrans2D4">
+    <dgm:scene3d>
+      <a:camera prst="orthographicFront"/>
+      <a:lightRig rig="threePt" dir="t"/>
+    </dgm:scene3d>
+    <dgm:sp3d/>
+    <dgm:txPr/>
+    <dgm:style>
+      <a:lnRef idx="2">
+        <a:scrgbClr r="0" g="0" b="0"/>
+      </a:lnRef>
+      <a:fillRef idx="1">
+        <a:scrgbClr r="0" g="0" b="0"/>
+      </a:fillRef>
+      <a:effectRef idx="0">
+        <a:scrgbClr r="0" g="0" b="0"/>
+      </a:effectRef>
+      <a:fontRef idx="minor">
+        <a:schemeClr val="lt1"/>
+      </a:fontRef>
+    </dgm:style>
+  </dgm:styleLbl>
+  <dgm:styleLbl name="parChTrans1D1">
+    <dgm:scene3d>
+      <a:camera prst="orthographicFront"/>
+      <a:lightRig rig="threePt" dir="t"/>
+    </dgm:scene3d>
+    <dgm:sp3d/>
+    <dgm:txPr/>
+    <dgm:style>
+      <a:lnRef idx="2">
+        <a:scrgbClr r="0" g="0" b="0"/>
+      </a:lnRef>
+      <a:fillRef idx="0">
+        <a:scrgbClr r="0" g="0" b="0"/>
+      </a:fillRef>
+      <a:effectRef idx="0">
+        <a:scrgbClr r="0" g="0" b="0"/>
+      </a:effectRef>
+      <a:fontRef idx="minor"/>
+    </dgm:style>
+  </dgm:styleLbl>
+  <dgm:styleLbl name="parChTrans1D2">
+    <dgm:scene3d>
+      <a:camera prst="orthographicFront"/>
+      <a:lightRig rig="threePt" dir="t"/>
+    </dgm:scene3d>
+    <dgm:sp3d/>
+    <dgm:txPr/>
+    <dgm:style>
+      <a:lnRef idx="2">
+        <a:scrgbClr r="0" g="0" b="0"/>
+      </a:lnRef>
+      <a:fillRef idx="0">
+        <a:scrgbClr r="0" g="0" b="0"/>
+      </a:fillRef>
+      <a:effectRef idx="0">
+        <a:scrgbClr r="0" g="0" b="0"/>
+      </a:effectRef>
+      <a:fontRef idx="minor"/>
+    </dgm:style>
+  </dgm:styleLbl>
+  <dgm:styleLbl name="parChTrans1D3">
+    <dgm:scene3d>
+      <a:camera prst="orthographicFront"/>
+      <a:lightRig rig="threePt" dir="t"/>
+    </dgm:scene3d>
+    <dgm:sp3d/>
+    <dgm:txPr/>
+    <dgm:style>
+      <a:lnRef idx="2">
+        <a:scrgbClr r="0" g="0" b="0"/>
+      </a:lnRef>
+      <a:fillRef idx="0">
+        <a:scrgbClr r="0" g="0" b="0"/>
+      </a:fillRef>
+      <a:effectRef idx="0">
+        <a:scrgbClr r="0" g="0" b="0"/>
+      </a:effectRef>
+      <a:fontRef idx="minor"/>
+    </dgm:style>
+  </dgm:styleLbl>
+  <dgm:styleLbl name="parChTrans1D4">
+    <dgm:scene3d>
+      <a:camera prst="orthographicFront"/>
+      <a:lightRig rig="threePt" dir="t"/>
+    </dgm:scene3d>
+    <dgm:sp3d/>
+    <dgm:txPr/>
+    <dgm:style>
+      <a:lnRef idx="2">
+        <a:scrgbClr r="0" g="0" b="0"/>
+      </a:lnRef>
+      <a:fillRef idx="0">
+        <a:scrgbClr r="0" g="0" b="0"/>
+      </a:fillRef>
+      <a:effectRef idx="0">
+        <a:scrgbClr r="0" g="0" b="0"/>
+      </a:effectRef>
+      <a:fontRef idx="minor"/>
+    </dgm:style>
+  </dgm:styleLbl>
+  <dgm:styleLbl name="fgAcc1">
+    <dgm:scene3d>
+      <a:camera prst="orthographicFront"/>
+      <a:lightRig rig="threePt" dir="t"/>
+    </dgm:scene3d>
+    <dgm:sp3d/>
+    <dgm:txPr/>
+    <dgm:style>
+      <a:lnRef idx="2">
+        <a:scrgbClr r="0" g="0" b="0"/>
+      </a:lnRef>
+      <a:fillRef idx="1">
+        <a:scrgbClr r="0" g="0" b="0"/>
+      </a:fillRef>
+      <a:effectRef idx="0">
+        <a:scrgbClr r="0" g="0" b="0"/>
+      </a:effectRef>
+      <a:fontRef idx="minor"/>
+    </dgm:style>
+  </dgm:styleLbl>
+  <dgm:styleLbl name="conFgAcc1">
+    <dgm:scene3d>
+      <a:camera prst="orthographicFront"/>
+      <a:lightRig rig="threePt" dir="t"/>
+    </dgm:scene3d>
+    <dgm:sp3d/>
+    <dgm:txPr/>
+    <dgm:style>
+      <a:lnRef idx="2">
+        <a:scrgbClr r="0" g="0" b="0"/>
+      </a:lnRef>
+      <a:fillRef idx="1">
+        <a:scrgbClr r="0" g="0" b="0"/>
+      </a:fillRef>
+      <a:effectRef idx="0">
+        <a:scrgbClr r="0" g="0" b="0"/>
+      </a:effectRef>
+      <a:fontRef idx="minor"/>
+    </dgm:style>
+  </dgm:styleLbl>
+  <dgm:styleLbl name="alignAcc1">
+    <dgm:scene3d>
+      <a:camera prst="orthographicFront"/>
+      <a:lightRig rig="threePt" dir="t"/>
+    </dgm:scene3d>
+    <dgm:sp3d/>
+    <dgm:txPr/>
+    <dgm:style>
+      <a:lnRef idx="2">
+        <a:scrgbClr r="0" g="0" b="0"/>
+      </a:lnRef>
+      <a:fillRef idx="1">
+        <a:scrgbClr r="0" g="0" b="0"/>
+      </a:fillRef>
+      <a:effectRef idx="0">
+        <a:scrgbClr r="0" g="0" b="0"/>
+      </a:effectRef>
+      <a:fontRef idx="minor"/>
+    </dgm:style>
+  </dgm:styleLbl>
+  <dgm:styleLbl name="trAlignAcc1">
+    <dgm:scene3d>
+      <a:camera prst="orthographicFront"/>
+      <a:lightRig rig="threePt" dir="t"/>
+    </dgm:scene3d>
+    <dgm:sp3d/>
+    <dgm:txPr/>
+    <dgm:style>
+      <a:lnRef idx="1">
+        <a:scrgbClr r="0" g="0" b="0"/>
+      </a:lnRef>
+      <a:fillRef idx="1">
+        <a:scrgbClr r="0" g="0" b="0"/>
+      </a:fillRef>
+      <a:effectRef idx="0">
+        <a:scrgbClr r="0" g="0" b="0"/>
+      </a:effectRef>
+      <a:fontRef idx="minor"/>
+    </dgm:style>
+  </dgm:styleLbl>
+  <dgm:styleLbl name="bgAcc1">
+    <dgm:scene3d>
+      <a:camera prst="orthographicFront"/>
+      <a:lightRig rig="threePt" dir="t"/>
+    </dgm:scene3d>
+    <dgm:sp3d/>
+    <dgm:txPr/>
+    <dgm:style>
+      <a:lnRef idx="2">
+        <a:scrgbClr r="0" g="0" b="0"/>
+      </a:lnRef>
+      <a:fillRef idx="1">
+        <a:scrgbClr r="0" g="0" b="0"/>
+      </a:fillRef>
+      <a:effectRef idx="0">
+        <a:scrgbClr r="0" g="0" b="0"/>
+      </a:effectRef>
+      <a:fontRef idx="minor"/>
+    </dgm:style>
+  </dgm:styleLbl>
+  <dgm:styleLbl name="solidFgAcc1">
+    <dgm:scene3d>
+      <a:camera prst="orthographicFront"/>
+      <a:lightRig rig="threePt" dir="t"/>
+    </dgm:scene3d>
+    <dgm:sp3d/>
+    <dgm:txPr/>
+    <dgm:style>
+      <a:lnRef idx="2">
+        <a:scrgbClr r="0" g="0" b="0"/>
+      </a:lnRef>
+      <a:fillRef idx="1">
+        <a:scrgbClr r="0" g="0" b="0"/>
+      </a:fillRef>
+      <a:effectRef idx="0">
+        <a:scrgbClr r="0" g="0" b="0"/>
+      </a:effectRef>
+      <a:fontRef idx="minor"/>
+    </dgm:style>
+  </dgm:styleLbl>
+  <dgm:styleLbl name="solidAlignAcc1">
+    <dgm:scene3d>
+      <a:camera prst="orthographicFront"/>
+      <a:lightRig rig="threePt" dir="t"/>
+    </dgm:scene3d>
+    <dgm:sp3d/>
+    <dgm:txPr/>
+    <dgm:style>
+      <a:lnRef idx="2">
+        <a:scrgbClr r="0" g="0" b="0"/>
+      </a:lnRef>
+      <a:fillRef idx="1">
+        <a:scrgbClr r="0" g="0" b="0"/>
+      </a:fillRef>
+      <a:effectRef idx="0">
+        <a:scrgbClr r="0" g="0" b="0"/>
+      </a:effectRef>
+      <a:fontRef idx="minor"/>
+    </dgm:style>
+  </dgm:styleLbl>
+  <dgm:styleLbl name="solidBgAcc1">
+    <dgm:scene3d>
+      <a:camera prst="orthographicFront"/>
+      <a:lightRig rig="threePt" dir="t"/>
+    </dgm:scene3d>
+    <dgm:sp3d/>
+    <dgm:txPr/>
+    <dgm:style>
+      <a:lnRef idx="2">
+        <a:scrgbClr r="0" g="0" b="0"/>
+      </a:lnRef>
+      <a:fillRef idx="1">
+        <a:scrgbClr r="0" g="0" b="0"/>
+      </a:fillRef>
+      <a:effectRef idx="0">
+        <a:scrgbClr r="0" g="0" b="0"/>
+      </a:effectRef>
+      <a:fontRef idx="minor"/>
+    </dgm:style>
+  </dgm:styleLbl>
+  <dgm:styleLbl name="fgAccFollowNode1">
+    <dgm:scene3d>
+      <a:camera prst="orthographicFront"/>
+      <a:lightRig rig="threePt" dir="t"/>
+    </dgm:scene3d>
+    <dgm:sp3d/>
+    <dgm:txPr/>
+    <dgm:style>
+      <a:lnRef idx="2">
+        <a:scrgbClr r="0" g="0" b="0"/>
+      </a:lnRef>
+      <a:fillRef idx="1">
+        <a:scrgbClr r="0" g="0" b="0"/>
+      </a:fillRef>
+      <a:effectRef idx="0">
+        <a:scrgbClr r="0" g="0" b="0"/>
+      </a:effectRef>
+      <a:fontRef idx="minor"/>
+    </dgm:style>
+  </dgm:styleLbl>
+  <dgm:styleLbl name="alignAccFollowNode1">
+    <dgm:scene3d>
+      <a:camera prst="orthographicFront"/>
+      <a:lightRig rig="threePt" dir="t"/>
+    </dgm:scene3d>
+    <dgm:sp3d/>
+    <dgm:txPr/>
+    <dgm:style>
+      <a:lnRef idx="2">
+        <a:scrgbClr r="0" g="0" b="0"/>
+      </a:lnRef>
+      <a:fillRef idx="1">
+        <a:scrgbClr r="0" g="0" b="0"/>
+      </a:fillRef>
+      <a:effectRef idx="0">
+        <a:scrgbClr r="0" g="0" b="0"/>
+      </a:effectRef>
+      <a:fontRef idx="minor"/>
+    </dgm:style>
+  </dgm:styleLbl>
+  <dgm:styleLbl name="bgAccFollowNode1">
+    <dgm:scene3d>
+      <a:camera prst="orthographicFront"/>
+      <a:lightRig rig="threePt" dir="t"/>
+    </dgm:scene3d>
+    <dgm:sp3d/>
+    <dgm:txPr/>
+    <dgm:style>
+      <a:lnRef idx="2">
+        <a:scrgbClr r="0" g="0" b="0"/>
+      </a:lnRef>
+      <a:fillRef idx="1">
+        <a:scrgbClr r="0" g="0" b="0"/>
+      </a:fillRef>
+      <a:effectRef idx="0">
+        <a:scrgbClr r="0" g="0" b="0"/>
+      </a:effectRef>
+      <a:fontRef idx="minor"/>
+    </dgm:style>
+  </dgm:styleLbl>
+  <dgm:styleLbl name="fgAcc0">
+    <dgm:scene3d>
+      <a:camera prst="orthographicFront"/>
+      <a:lightRig rig="threePt" dir="t"/>
+    </dgm:scene3d>
+    <dgm:sp3d/>
+    <dgm:txPr/>
+    <dgm:style>
+      <a:lnRef idx="2">
+        <a:scrgbClr r="0" g="0" b="0"/>
+      </a:lnRef>
+      <a:fillRef idx="1">
+        <a:scrgbClr r="0" g="0" b="0"/>
+      </a:fillRef>
+      <a:effectRef idx="0">
+        <a:scrgbClr r="0" g="0" b="0"/>
+      </a:effectRef>
+      <a:fontRef idx="minor"/>
+    </dgm:style>
+  </dgm:styleLbl>
+  <dgm:styleLbl name="fgAcc2">
+    <dgm:scene3d>
+      <a:camera prst="orthographicFront"/>
+      <a:lightRig rig="threePt" dir="t"/>
+    </dgm:scene3d>
+    <dgm:sp3d/>
+    <dgm:txPr/>
+    <dgm:style>
+      <a:lnRef idx="2">
+        <a:scrgbClr r="0" g="0" b="0"/>
+      </a:lnRef>
+      <a:fillRef idx="1">
+        <a:scrgbClr r="0" g="0" b="0"/>
+      </a:fillRef>
+      <a:effectRef idx="0">
+        <a:scrgbClr r="0" g="0" b="0"/>
+      </a:effectRef>
+      <a:fontRef idx="minor"/>
+    </dgm:style>
+  </dgm:styleLbl>
+  <dgm:styleLbl name="fgAcc3">
+    <dgm:scene3d>
+      <a:camera prst="orthographicFront"/>
+      <a:lightRig rig="threePt" dir="t"/>
+    </dgm:scene3d>
+    <dgm:sp3d/>
+    <dgm:txPr/>
+    <dgm:style>
+      <a:lnRef idx="2">
+        <a:scrgbClr r="0" g="0" b="0"/>
+      </a:lnRef>
+      <a:fillRef idx="1">
+        <a:scrgbClr r="0" g="0" b="0"/>
+      </a:fillRef>
+      <a:effectRef idx="0">
+        <a:scrgbClr r="0" g="0" b="0"/>
+      </a:effectRef>
+      <a:fontRef idx="minor"/>
+    </dgm:style>
+  </dgm:styleLbl>
+  <dgm:styleLbl name="fgAcc4">
+    <dgm:scene3d>
+      <a:camera prst="orthographicFront"/>
+      <a:lightRig rig="threePt" dir="t"/>
+    </dgm:scene3d>
+    <dgm:sp3d/>
+    <dgm:txPr/>
+    <dgm:style>
+      <a:lnRef idx="2">
+        <a:scrgbClr r="0" g="0" b="0"/>
+      </a:lnRef>
+      <a:fillRef idx="1">
+        <a:scrgbClr r="0" g="0" b="0"/>
+      </a:fillRef>
+      <a:effectRef idx="0">
+        <a:scrgbClr r="0" g="0" b="0"/>
+      </a:effectRef>
+      <a:fontRef idx="minor"/>
+    </dgm:style>
+  </dgm:styleLbl>
+  <dgm:styleLbl name="bgShp">
+    <dgm:scene3d>
+      <a:camera prst="orthographicFront"/>
+      <a:lightRig rig="threePt" dir="t"/>
+    </dgm:scene3d>
+    <dgm:sp3d/>
+    <dgm:txPr/>
+    <dgm:style>
+      <a:lnRef idx="0">
+        <a:scrgbClr r="0" g="0" b="0"/>
+      </a:lnRef>
+      <a:fillRef idx="1">
+        <a:scrgbClr r="0" g="0" b="0"/>
+      </a:fillRef>
+      <a:effectRef idx="0">
+        <a:scrgbClr r="0" g="0" b="0"/>
+      </a:effectRef>
+      <a:fontRef idx="minor"/>
+    </dgm:style>
+  </dgm:styleLbl>
+  <dgm:styleLbl name="dkBgShp">
+    <dgm:scene3d>
+      <a:camera prst="orthographicFront"/>
+      <a:lightRig rig="threePt" dir="t"/>
+    </dgm:scene3d>
+    <dgm:sp3d/>
+    <dgm:txPr/>
+    <dgm:style>
+      <a:lnRef idx="0">
+        <a:scrgbClr r="0" g="0" b="0"/>
+      </a:lnRef>
+      <a:fillRef idx="1">
+        <a:scrgbClr r="0" g="0" b="0"/>
+      </a:fillRef>
+      <a:effectRef idx="0">
+        <a:scrgbClr r="0" g="0" b="0"/>
+      </a:effectRef>
+      <a:fontRef idx="minor"/>
+    </dgm:style>
+  </dgm:styleLbl>
+  <dgm:styleLbl name="trBgShp">
+    <dgm:scene3d>
+      <a:camera prst="orthographicFront"/>
+      <a:lightRig rig="threePt" dir="t"/>
+    </dgm:scene3d>
+    <dgm:sp3d/>
+    <dgm:txPr/>
+    <dgm:style>
+      <a:lnRef idx="0">
+        <a:scrgbClr r="0" g="0" b="0"/>
+      </a:lnRef>
+      <a:fillRef idx="1">
+        <a:scrgbClr r="0" g="0" b="0"/>
+      </a:fillRef>
+      <a:effectRef idx="0">
+        <a:scrgbClr r="0" g="0" b="0"/>
+      </a:effectRef>
+      <a:fontRef idx="minor"/>
+    </dgm:style>
+  </dgm:styleLbl>
+  <dgm:styleLbl name="fgShp">
+    <dgm:scene3d>
+      <a:camera prst="orthographicFront"/>
+      <a:lightRig rig="threePt" dir="t"/>
+    </dgm:scene3d>
+    <dgm:sp3d/>
+    <dgm:txPr/>
+    <dgm:style>
+      <a:lnRef idx="2">
+        <a:scrgbClr r="0" g="0" b="0"/>
+      </a:lnRef>
+      <a:fillRef idx="1">
+        <a:scrgbClr r="0" g="0" b="0"/>
+      </a:fillRef>
+      <a:effectRef idx="0">
+        <a:scrgbClr r="0" g="0" b="0"/>
+      </a:effectRef>
+      <a:fontRef idx="minor"/>
+    </dgm:style>
+  </dgm:styleLbl>
+  <dgm:styleLbl name="revTx">
+    <dgm:scene3d>
+      <a:camera prst="orthographicFront"/>
+      <a:lightRig rig="threePt" dir="t"/>
+    </dgm:scene3d>
+    <dgm:sp3d/>
+    <dgm:txPr/>
+    <dgm:style>
+      <a:lnRef idx="0">
+        <a:scrgbClr r="0" g="0" b="0"/>
+      </a:lnRef>
+      <a:fillRef idx="0">
+        <a:scrgbClr r="0" g="0" b="0"/>
+      </a:fillRef>
+      <a:effectRef idx="0">
+        <a:scrgbClr r="0" g="0" b="0"/>
+      </a:effectRef>
+      <a:fontRef idx="minor"/>
+    </dgm:style>
+  </dgm:styleLbl>
+</dgm:styleDef>
 </file>
 
 <file path=ppt/handoutMasters/handoutMaster1.xml><?xml version="1.0" encoding="utf-8"?>
@@ -830,7 +7401,7 @@
             <a:fld id="{3EF2277D-4E65-471B-8FDC-312617F5EA89}" type="slidenum">
               <a:rPr lang="en-US" smtClean="0"/>
               <a:pPr/>
-              <a:t>5</a:t>
+              <a:t>8</a:t>
             </a:fld>
             <a:endParaRPr lang="en-US"/>
           </a:p>
@@ -915,7 +7486,7 @@
             <a:fld id="{3EF2277D-4E65-471B-8FDC-312617F5EA89}" type="slidenum">
               <a:rPr lang="en-US" smtClean="0"/>
               <a:pPr/>
-              <a:t>6</a:t>
+              <a:t>9</a:t>
             </a:fld>
             <a:endParaRPr lang="en-US"/>
           </a:p>
@@ -4031,6 +10602,36 @@
 </p:sld>
 </file>
 
+<file path=ppt/slides/slide10.xml><?xml version="1.0" encoding="utf-8"?>
+<p:sld xmlns:a="http://schemas.openxmlformats.org/drawingml/2006/main" xmlns:r="http://schemas.openxmlformats.org/officeDocument/2006/relationships" xmlns:p="http://schemas.openxmlformats.org/presentationml/2006/main">
+  <p:cSld>
+    <p:spTree>
+      <p:nvGrpSpPr>
+        <p:cNvPr id="1" name=""/>
+        <p:cNvGrpSpPr/>
+        <p:nvPr/>
+      </p:nvGrpSpPr>
+      <p:grpSpPr>
+        <a:xfrm>
+          <a:off x="0" y="0"/>
+          <a:ext cx="0" cy="0"/>
+          <a:chOff x="0" y="0"/>
+          <a:chExt cx="0" cy="0"/>
+        </a:xfrm>
+      </p:grpSpPr>
+    </p:spTree>
+    <p:extLst>
+      <p:ext uri="{BB962C8B-B14F-4D97-AF65-F5344CB8AC3E}">
+        <p14:creationId xmlns:p14="http://schemas.microsoft.com/office/powerpoint/2010/main" val="819899853"/>
+      </p:ext>
+    </p:extLst>
+  </p:cSld>
+  <p:clrMapOvr>
+    <a:masterClrMapping/>
+  </p:clrMapOvr>
+</p:sld>
+</file>
+
 <file path=ppt/slides/slide2.xml><?xml version="1.0" encoding="utf-8"?>
 <p:sld xmlns:a="http://schemas.openxmlformats.org/drawingml/2006/main" xmlns:r="http://schemas.openxmlformats.org/officeDocument/2006/relationships" xmlns:p="http://schemas.openxmlformats.org/presentationml/2006/main">
   <p:cSld>
@@ -4141,7 +10742,7 @@
             </a:pPr>
             <a:r>
               <a:rPr lang="en-US" sz="2800" dirty="0"/>
-              <a:t>I have worked on several areas in multi-armed bandits:-</a:t>
+              <a:t>I have worked on several interesting areas in multi-armed bandits:-</a:t>
             </a:r>
           </a:p>
           <a:p>
@@ -4266,6 +10867,456 @@
           <p:cNvPr id="2" name="Title 1">
             <a:extLst>
               <a:ext uri="{FF2B5EF4-FFF2-40B4-BE49-F238E27FC236}">
+                <a16:creationId xmlns:a16="http://schemas.microsoft.com/office/drawing/2014/main" id="{1651CC78-4E52-E545-BD06-2EE30BB47E04}"/>
+              </a:ext>
+            </a:extLst>
+          </p:cNvPr>
+          <p:cNvSpPr>
+            <a:spLocks noGrp="1"/>
+          </p:cNvSpPr>
+          <p:nvPr>
+            <p:ph type="title"/>
+          </p:nvPr>
+        </p:nvSpPr>
+        <p:spPr/>
+        <p:txBody>
+          <a:bodyPr/>
+          <a:lstStyle/>
+          <a:p>
+            <a:r>
+              <a:rPr lang="en-US" dirty="0"/>
+              <a:t>Online Learning Game</a:t>
+            </a:r>
+          </a:p>
+        </p:txBody>
+      </p:sp>
+      <p:graphicFrame>
+        <p:nvGraphicFramePr>
+          <p:cNvPr id="6" name="Content Placeholder 5">
+            <a:extLst>
+              <a:ext uri="{FF2B5EF4-FFF2-40B4-BE49-F238E27FC236}">
+                <a16:creationId xmlns:a16="http://schemas.microsoft.com/office/drawing/2014/main" id="{2E2E48BE-D2BA-2E47-9AF8-38591E9B96D9}"/>
+              </a:ext>
+            </a:extLst>
+          </p:cNvPr>
+          <p:cNvGraphicFramePr>
+            <a:graphicFrameLocks noGrp="1"/>
+          </p:cNvGraphicFramePr>
+          <p:nvPr>
+            <p:ph idx="1"/>
+            <p:extLst>
+              <p:ext uri="{D42A27DB-BD31-4B8C-83A1-F6EECF244321}">
+                <p14:modId xmlns:p14="http://schemas.microsoft.com/office/powerpoint/2010/main" val="2458871305"/>
+              </p:ext>
+            </p:extLst>
+          </p:nvPr>
+        </p:nvGraphicFramePr>
+        <p:xfrm>
+          <a:off x="304721" y="990600"/>
+          <a:ext cx="11579384" cy="5181600"/>
+        </p:xfrm>
+        <a:graphic>
+          <a:graphicData uri="http://schemas.openxmlformats.org/drawingml/2006/diagram">
+            <dgm:relIds xmlns:dgm="http://schemas.openxmlformats.org/drawingml/2006/diagram" xmlns:r="http://schemas.openxmlformats.org/officeDocument/2006/relationships" r:dm="rId2" r:lo="rId3" r:qs="rId4" r:cs="rId5"/>
+          </a:graphicData>
+        </a:graphic>
+      </p:graphicFrame>
+      <p:sp>
+        <p:nvSpPr>
+          <p:cNvPr id="4" name="Slide Number Placeholder 3">
+            <a:extLst>
+              <a:ext uri="{FF2B5EF4-FFF2-40B4-BE49-F238E27FC236}">
+                <a16:creationId xmlns:a16="http://schemas.microsoft.com/office/drawing/2014/main" id="{2EEE7FAC-ACD7-6347-9386-D3BE144E9720}"/>
+              </a:ext>
+            </a:extLst>
+          </p:cNvPr>
+          <p:cNvSpPr>
+            <a:spLocks noGrp="1"/>
+          </p:cNvSpPr>
+          <p:nvPr>
+            <p:ph type="sldNum" sz="quarter" idx="12"/>
+          </p:nvPr>
+        </p:nvSpPr>
+        <p:spPr/>
+        <p:txBody>
+          <a:bodyPr/>
+          <a:lstStyle/>
+          <a:p>
+            <a:pPr algn="ctr"/>
+            <a:fld id="{90156F56-D5AE-4C6F-B826-C69D1BC521BB}" type="slidenum">
+              <a:rPr lang="en-US" smtClean="0"/>
+              <a:pPr algn="ctr"/>
+              <a:t>3</a:t>
+            </a:fld>
+            <a:endParaRPr lang="en-US" dirty="0"/>
+          </a:p>
+        </p:txBody>
+      </p:sp>
+      <p:pic>
+        <p:nvPicPr>
+          <p:cNvPr id="5" name="Picture 4">
+            <a:extLst>
+              <a:ext uri="{FF2B5EF4-FFF2-40B4-BE49-F238E27FC236}">
+                <a16:creationId xmlns:a16="http://schemas.microsoft.com/office/drawing/2014/main" id="{B3AED637-2893-8E40-A893-A565864F941F}"/>
+              </a:ext>
+            </a:extLst>
+          </p:cNvPr>
+          <p:cNvPicPr>
+            <a:picLocks noChangeAspect="1"/>
+          </p:cNvPicPr>
+          <p:nvPr/>
+        </p:nvPicPr>
+        <p:blipFill>
+          <a:blip r:embed="rId7"/>
+          <a:stretch>
+            <a:fillRect/>
+          </a:stretch>
+        </p:blipFill>
+        <p:spPr>
+          <a:xfrm>
+            <a:off x="7034417" y="1111045"/>
+            <a:ext cx="1224680" cy="872694"/>
+          </a:xfrm>
+          <a:prstGeom prst="rect">
+            <a:avLst/>
+          </a:prstGeom>
+        </p:spPr>
+      </p:pic>
+      <p:pic>
+        <p:nvPicPr>
+          <p:cNvPr id="8" name="Picture 7">
+            <a:extLst>
+              <a:ext uri="{FF2B5EF4-FFF2-40B4-BE49-F238E27FC236}">
+                <a16:creationId xmlns:a16="http://schemas.microsoft.com/office/drawing/2014/main" id="{D8272C60-ADFF-3343-B1CB-10380B84468D}"/>
+              </a:ext>
+            </a:extLst>
+          </p:cNvPr>
+          <p:cNvPicPr>
+            <a:picLocks noChangeAspect="1"/>
+          </p:cNvPicPr>
+          <p:nvPr/>
+        </p:nvPicPr>
+        <p:blipFill>
+          <a:blip r:embed="rId8"/>
+          <a:stretch>
+            <a:fillRect/>
+          </a:stretch>
+        </p:blipFill>
+        <p:spPr>
+          <a:xfrm>
+            <a:off x="8874482" y="2863860"/>
+            <a:ext cx="2039323" cy="1435079"/>
+          </a:xfrm>
+          <a:prstGeom prst="rect">
+            <a:avLst/>
+          </a:prstGeom>
+        </p:spPr>
+      </p:pic>
+      <p:pic>
+        <p:nvPicPr>
+          <p:cNvPr id="10" name="Picture 9">
+            <a:extLst>
+              <a:ext uri="{FF2B5EF4-FFF2-40B4-BE49-F238E27FC236}">
+                <a16:creationId xmlns:a16="http://schemas.microsoft.com/office/drawing/2014/main" id="{F737D266-57B4-D242-AFE7-8FB40062EDED}"/>
+              </a:ext>
+            </a:extLst>
+          </p:cNvPr>
+          <p:cNvPicPr>
+            <a:picLocks noChangeAspect="1"/>
+          </p:cNvPicPr>
+          <p:nvPr/>
+        </p:nvPicPr>
+        <p:blipFill>
+          <a:blip r:embed="rId9"/>
+          <a:stretch>
+            <a:fillRect/>
+          </a:stretch>
+        </p:blipFill>
+        <p:spPr>
+          <a:xfrm>
+            <a:off x="1749783" y="3104523"/>
+            <a:ext cx="1433299" cy="1194416"/>
+          </a:xfrm>
+          <a:prstGeom prst="rect">
+            <a:avLst/>
+          </a:prstGeom>
+        </p:spPr>
+      </p:pic>
+    </p:spTree>
+    <p:extLst>
+      <p:ext uri="{BB962C8B-B14F-4D97-AF65-F5344CB8AC3E}">
+        <p14:creationId xmlns:p14="http://schemas.microsoft.com/office/powerpoint/2010/main" val="1322674301"/>
+      </p:ext>
+    </p:extLst>
+  </p:cSld>
+  <p:clrMapOvr>
+    <a:masterClrMapping/>
+  </p:clrMapOvr>
+</p:sld>
+</file>
+
+<file path=ppt/slides/slide4.xml><?xml version="1.0" encoding="utf-8"?>
+<p:sld xmlns:a="http://schemas.openxmlformats.org/drawingml/2006/main" xmlns:r="http://schemas.openxmlformats.org/officeDocument/2006/relationships" xmlns:p="http://schemas.openxmlformats.org/presentationml/2006/main">
+  <p:cSld>
+    <p:spTree>
+      <p:nvGrpSpPr>
+        <p:cNvPr id="1" name=""/>
+        <p:cNvGrpSpPr/>
+        <p:nvPr/>
+      </p:nvGrpSpPr>
+      <p:grpSpPr>
+        <a:xfrm>
+          <a:off x="0" y="0"/>
+          <a:ext cx="0" cy="0"/>
+          <a:chOff x="0" y="0"/>
+          <a:chExt cx="0" cy="0"/>
+        </a:xfrm>
+      </p:grpSpPr>
+      <p:sp>
+        <p:nvSpPr>
+          <p:cNvPr id="2" name="Title 1">
+            <a:extLst>
+              <a:ext uri="{FF2B5EF4-FFF2-40B4-BE49-F238E27FC236}">
+                <a16:creationId xmlns:a16="http://schemas.microsoft.com/office/drawing/2014/main" id="{1651CC78-4E52-E545-BD06-2EE30BB47E04}"/>
+              </a:ext>
+            </a:extLst>
+          </p:cNvPr>
+          <p:cNvSpPr>
+            <a:spLocks noGrp="1"/>
+          </p:cNvSpPr>
+          <p:nvPr>
+            <p:ph type="title"/>
+          </p:nvPr>
+        </p:nvSpPr>
+        <p:spPr/>
+        <p:txBody>
+          <a:bodyPr/>
+          <a:lstStyle/>
+          <a:p>
+            <a:r>
+              <a:rPr lang="en-US" dirty="0"/>
+              <a:t>Latent Bandit Game</a:t>
+            </a:r>
+          </a:p>
+        </p:txBody>
+      </p:sp>
+      <p:graphicFrame>
+        <p:nvGraphicFramePr>
+          <p:cNvPr id="6" name="Content Placeholder 5">
+            <a:extLst>
+              <a:ext uri="{FF2B5EF4-FFF2-40B4-BE49-F238E27FC236}">
+                <a16:creationId xmlns:a16="http://schemas.microsoft.com/office/drawing/2014/main" id="{2E2E48BE-D2BA-2E47-9AF8-38591E9B96D9}"/>
+              </a:ext>
+            </a:extLst>
+          </p:cNvPr>
+          <p:cNvGraphicFramePr>
+            <a:graphicFrameLocks noGrp="1"/>
+          </p:cNvGraphicFramePr>
+          <p:nvPr>
+            <p:ph idx="1"/>
+            <p:extLst>
+              <p:ext uri="{D42A27DB-BD31-4B8C-83A1-F6EECF244321}">
+                <p14:modId xmlns:p14="http://schemas.microsoft.com/office/powerpoint/2010/main" val="4006328125"/>
+              </p:ext>
+            </p:extLst>
+          </p:nvPr>
+        </p:nvGraphicFramePr>
+        <p:xfrm>
+          <a:off x="304721" y="990600"/>
+          <a:ext cx="11579384" cy="5181600"/>
+        </p:xfrm>
+        <a:graphic>
+          <a:graphicData uri="http://schemas.openxmlformats.org/drawingml/2006/diagram">
+            <dgm:relIds xmlns:dgm="http://schemas.openxmlformats.org/drawingml/2006/diagram" xmlns:r="http://schemas.openxmlformats.org/officeDocument/2006/relationships" r:dm="rId2" r:lo="rId3" r:qs="rId4" r:cs="rId5"/>
+          </a:graphicData>
+        </a:graphic>
+      </p:graphicFrame>
+      <p:sp>
+        <p:nvSpPr>
+          <p:cNvPr id="4" name="Slide Number Placeholder 3">
+            <a:extLst>
+              <a:ext uri="{FF2B5EF4-FFF2-40B4-BE49-F238E27FC236}">
+                <a16:creationId xmlns:a16="http://schemas.microsoft.com/office/drawing/2014/main" id="{2EEE7FAC-ACD7-6347-9386-D3BE144E9720}"/>
+              </a:ext>
+            </a:extLst>
+          </p:cNvPr>
+          <p:cNvSpPr>
+            <a:spLocks noGrp="1"/>
+          </p:cNvSpPr>
+          <p:nvPr>
+            <p:ph type="sldNum" sz="quarter" idx="12"/>
+          </p:nvPr>
+        </p:nvSpPr>
+        <p:spPr/>
+        <p:txBody>
+          <a:bodyPr/>
+          <a:lstStyle/>
+          <a:p>
+            <a:pPr algn="ctr"/>
+            <a:fld id="{90156F56-D5AE-4C6F-B826-C69D1BC521BB}" type="slidenum">
+              <a:rPr lang="en-US" smtClean="0"/>
+              <a:pPr algn="ctr"/>
+              <a:t>4</a:t>
+            </a:fld>
+            <a:endParaRPr lang="en-US" dirty="0"/>
+          </a:p>
+        </p:txBody>
+      </p:sp>
+      <p:pic>
+        <p:nvPicPr>
+          <p:cNvPr id="8" name="Picture 7">
+            <a:extLst>
+              <a:ext uri="{FF2B5EF4-FFF2-40B4-BE49-F238E27FC236}">
+                <a16:creationId xmlns:a16="http://schemas.microsoft.com/office/drawing/2014/main" id="{D8272C60-ADFF-3343-B1CB-10380B84468D}"/>
+              </a:ext>
+            </a:extLst>
+          </p:cNvPr>
+          <p:cNvPicPr>
+            <a:picLocks noChangeAspect="1"/>
+          </p:cNvPicPr>
+          <p:nvPr/>
+        </p:nvPicPr>
+        <p:blipFill>
+          <a:blip r:embed="rId7"/>
+          <a:stretch>
+            <a:fillRect/>
+          </a:stretch>
+        </p:blipFill>
+        <p:spPr>
+          <a:xfrm>
+            <a:off x="8874482" y="2863860"/>
+            <a:ext cx="2039323" cy="1435079"/>
+          </a:xfrm>
+          <a:prstGeom prst="rect">
+            <a:avLst/>
+          </a:prstGeom>
+        </p:spPr>
+      </p:pic>
+      <p:pic>
+        <p:nvPicPr>
+          <p:cNvPr id="10" name="Picture 9">
+            <a:extLst>
+              <a:ext uri="{FF2B5EF4-FFF2-40B4-BE49-F238E27FC236}">
+                <a16:creationId xmlns:a16="http://schemas.microsoft.com/office/drawing/2014/main" id="{F737D266-57B4-D242-AFE7-8FB40062EDED}"/>
+              </a:ext>
+            </a:extLst>
+          </p:cNvPr>
+          <p:cNvPicPr>
+            <a:picLocks noChangeAspect="1"/>
+          </p:cNvPicPr>
+          <p:nvPr/>
+        </p:nvPicPr>
+        <p:blipFill>
+          <a:blip r:embed="rId8"/>
+          <a:stretch>
+            <a:fillRect/>
+          </a:stretch>
+        </p:blipFill>
+        <p:spPr>
+          <a:xfrm>
+            <a:off x="2310222" y="4815336"/>
+            <a:ext cx="1433299" cy="1194416"/>
+          </a:xfrm>
+          <a:prstGeom prst="rect">
+            <a:avLst/>
+          </a:prstGeom>
+        </p:spPr>
+      </p:pic>
+      <p:pic>
+        <p:nvPicPr>
+          <p:cNvPr id="7" name="Picture 6">
+            <a:extLst>
+              <a:ext uri="{FF2B5EF4-FFF2-40B4-BE49-F238E27FC236}">
+                <a16:creationId xmlns:a16="http://schemas.microsoft.com/office/drawing/2014/main" id="{DFE9EEE6-CCA5-4049-B99B-3781051AEAAA}"/>
+              </a:ext>
+            </a:extLst>
+          </p:cNvPr>
+          <p:cNvPicPr>
+            <a:picLocks noChangeAspect="1"/>
+          </p:cNvPicPr>
+          <p:nvPr/>
+        </p:nvPicPr>
+        <p:blipFill>
+          <a:blip r:embed="rId9"/>
+          <a:stretch>
+            <a:fillRect/>
+          </a:stretch>
+        </p:blipFill>
+        <p:spPr>
+          <a:xfrm>
+            <a:off x="7171044" y="1072852"/>
+            <a:ext cx="1501008" cy="1125756"/>
+          </a:xfrm>
+          <a:prstGeom prst="rect">
+            <a:avLst/>
+          </a:prstGeom>
+        </p:spPr>
+      </p:pic>
+      <p:pic>
+        <p:nvPicPr>
+          <p:cNvPr id="11" name="Picture 10">
+            <a:extLst>
+              <a:ext uri="{FF2B5EF4-FFF2-40B4-BE49-F238E27FC236}">
+                <a16:creationId xmlns:a16="http://schemas.microsoft.com/office/drawing/2014/main" id="{259EEDF0-0C3C-1D40-9DFB-98DDEE891A14}"/>
+              </a:ext>
+            </a:extLst>
+          </p:cNvPr>
+          <p:cNvPicPr>
+            <a:picLocks noChangeAspect="1"/>
+          </p:cNvPicPr>
+          <p:nvPr/>
+        </p:nvPicPr>
+        <p:blipFill>
+          <a:blip r:embed="rId10"/>
+          <a:stretch>
+            <a:fillRect/>
+          </a:stretch>
+        </p:blipFill>
+        <p:spPr>
+          <a:xfrm>
+            <a:off x="1848479" y="2473450"/>
+            <a:ext cx="1380371" cy="1429495"/>
+          </a:xfrm>
+          <a:prstGeom prst="rect">
+            <a:avLst/>
+          </a:prstGeom>
+        </p:spPr>
+      </p:pic>
+    </p:spTree>
+    <p:extLst>
+      <p:ext uri="{BB962C8B-B14F-4D97-AF65-F5344CB8AC3E}">
+        <p14:creationId xmlns:p14="http://schemas.microsoft.com/office/powerpoint/2010/main" val="792683495"/>
+      </p:ext>
+    </p:extLst>
+  </p:cSld>
+  <p:clrMapOvr>
+    <a:masterClrMapping/>
+  </p:clrMapOvr>
+</p:sld>
+</file>
+
+<file path=ppt/slides/slide5.xml><?xml version="1.0" encoding="utf-8"?>
+<p:sld xmlns:a="http://schemas.openxmlformats.org/drawingml/2006/main" xmlns:r="http://schemas.openxmlformats.org/officeDocument/2006/relationships" xmlns:p="http://schemas.openxmlformats.org/presentationml/2006/main">
+  <p:cSld>
+    <p:spTree>
+      <p:nvGrpSpPr>
+        <p:cNvPr id="1" name=""/>
+        <p:cNvGrpSpPr/>
+        <p:nvPr/>
+      </p:nvGrpSpPr>
+      <p:grpSpPr>
+        <a:xfrm>
+          <a:off x="0" y="0"/>
+          <a:ext cx="0" cy="0"/>
+          <a:chOff x="0" y="0"/>
+          <a:chExt cx="0" cy="0"/>
+        </a:xfrm>
+      </p:grpSpPr>
+      <p:sp>
+        <p:nvSpPr>
+          <p:cNvPr id="2" name="Title 1">
+            <a:extLst>
+              <a:ext uri="{FF2B5EF4-FFF2-40B4-BE49-F238E27FC236}">
                 <a16:creationId xmlns:a16="http://schemas.microsoft.com/office/drawing/2014/main" id="{0AE6499C-999E-674E-BF1B-61E4501620EE}"/>
               </a:ext>
             </a:extLst>
@@ -4314,34 +11365,98 @@
               </a:bodyPr>
               <a:lstStyle/>
               <a:p>
+                <a:pPr marL="0" indent="0">
+                  <a:buNone/>
+                </a:pPr>
+                <a:r>
+                  <a:rPr lang="en-US" sz="3000" dirty="0"/>
+                  <a:t>Low Rank Stochastic Matrix Approach</a:t>
+                </a:r>
+              </a:p>
+              <a:p>
+                <a:r>
+                  <a:rPr lang="en-US" sz="2200" dirty="0">
+                    <a:solidFill>
+                      <a:schemeClr val="accent5">
+                        <a:lumMod val="75000"/>
+                      </a:schemeClr>
+                    </a:solidFill>
+                  </a:rPr>
+                  <a:t>K</a:t>
+                </a:r>
                 <a:r>
                   <a:rPr lang="en-US" sz="2200" dirty="0"/>
-                  <a:t>K Users: [K]</a:t>
+                  <a:t> Users: </a:t>
+                </a:r>
+                <a:r>
+                  <a:rPr lang="en-US" sz="2200" dirty="0">
+                    <a:latin typeface="Cambria Math" panose="02040503050406030204" pitchFamily="18" charset="0"/>
+                    <a:ea typeface="Cambria Math" panose="02040503050406030204" pitchFamily="18" charset="0"/>
+                  </a:rPr>
+                  <a:t>[K]</a:t>
+                </a:r>
+              </a:p>
+              <a:p>
+                <a:r>
+                  <a:rPr lang="en-US" sz="2200" dirty="0">
+                    <a:solidFill>
+                      <a:schemeClr val="accent5">
+                        <a:lumMod val="75000"/>
+                      </a:schemeClr>
+                    </a:solidFill>
+                  </a:rPr>
+                  <a:t>L</a:t>
+                </a:r>
+                <a:r>
+                  <a:rPr lang="en-US" sz="2200" dirty="0"/>
+                  <a:t> Items: </a:t>
+                </a:r>
+                <a:r>
+                  <a:rPr lang="en-US" sz="2200" dirty="0">
+                    <a:latin typeface="Cambria Math" panose="02040503050406030204" pitchFamily="18" charset="0"/>
+                    <a:ea typeface="Cambria Math" panose="02040503050406030204" pitchFamily="18" charset="0"/>
+                  </a:rPr>
+                  <a:t>[L]</a:t>
                 </a:r>
               </a:p>
               <a:p>
                 <a:r>
                   <a:rPr lang="en-US" sz="2200" dirty="0"/>
-                  <a:t>L Items: [L]</a:t>
-                </a:r>
-              </a:p>
-              <a:p>
-                <a:r>
-                  <a:rPr lang="en-US" sz="2200" dirty="0"/>
-                  <a:t>Latent matrices: </a:t>
+                  <a:t>Latent matrices:  </a:t>
                 </a:r>
                 <a:r>
-                  <a:rPr lang="en-US" sz="2200" b="1" dirty="0"/>
+                  <a:rPr lang="en-US" sz="2200" b="1" i="1" dirty="0">
+                    <a:solidFill>
+                      <a:schemeClr val="accent5">
+                        <a:lumMod val="75000"/>
+                      </a:schemeClr>
+                    </a:solidFill>
+                    <a:latin typeface="Cambria Math" panose="02040503050406030204" pitchFamily="18" charset="0"/>
+                    <a:ea typeface="Cambria Math" panose="02040503050406030204" pitchFamily="18" charset="0"/>
+                  </a:rPr>
                   <a:t>U</a:t>
                 </a:r>
                 <a:r>
-                  <a:rPr lang="en-US" sz="2200" dirty="0"/>
+                  <a:rPr lang="en-US" sz="2200" dirty="0">
+                    <a:solidFill>
+                      <a:schemeClr val="accent5">
+                        <a:lumMod val="75000"/>
+                      </a:schemeClr>
+                    </a:solidFill>
+                    <a:latin typeface="Cambria Math" panose="02040503050406030204" pitchFamily="18" charset="0"/>
+                    <a:ea typeface="Cambria Math" panose="02040503050406030204" pitchFamily="18" charset="0"/>
+                  </a:rPr>
                   <a:t> </a:t>
                 </a:r>
                 <a14:m>
                   <m:oMath xmlns:m="http://schemas.openxmlformats.org/officeDocument/2006/math">
                     <m:r>
                       <a:rPr lang="en-US" sz="2200" i="1" smtClean="0">
+                        <a:solidFill>
+                          <a:schemeClr val="accent5">
+                            <a:lumMod val="75000"/>
+                          </a:schemeClr>
+                        </a:solidFill>
                         <a:latin typeface="Cambria Math" panose="02040503050406030204" pitchFamily="18" charset="0"/>
                         <a:ea typeface="Cambria Math" panose="02040503050406030204" pitchFamily="18" charset="0"/>
                       </a:rPr>
@@ -4350,27 +11465,73 @@
                   </m:oMath>
                 </a14:m>
                 <a:r>
-                  <a:rPr lang="en-US" sz="2200" dirty="0"/>
+                  <a:rPr lang="en-US" sz="2200" dirty="0">
+                    <a:solidFill>
+                      <a:schemeClr val="accent5">
+                        <a:lumMod val="75000"/>
+                      </a:schemeClr>
+                    </a:solidFill>
+                    <a:latin typeface="Cambria Math" panose="02040503050406030204" pitchFamily="18" charset="0"/>
+                    <a:ea typeface="Cambria Math" panose="02040503050406030204" pitchFamily="18" charset="0"/>
+                  </a:rPr>
                   <a:t> [</a:t>
                 </a:r>
                 <a:r>
-                  <a:rPr lang="en-US" sz="2200" dirty="0" err="1"/>
+                  <a:rPr lang="en-US" sz="2200" dirty="0" err="1">
+                    <a:solidFill>
+                      <a:schemeClr val="accent5">
+                        <a:lumMod val="75000"/>
+                      </a:schemeClr>
+                    </a:solidFill>
+                    <a:latin typeface="Cambria Math" panose="02040503050406030204" pitchFamily="18" charset="0"/>
+                    <a:ea typeface="Cambria Math" panose="02040503050406030204" pitchFamily="18" charset="0"/>
+                  </a:rPr>
                   <a:t>ℝ</a:t>
                 </a:r>
                 <a:r>
-                  <a:rPr lang="en-US" sz="2200" baseline="30000" dirty="0"/>
+                  <a:rPr lang="en-US" sz="2200" baseline="30000" dirty="0">
+                    <a:solidFill>
+                      <a:schemeClr val="accent5">
+                        <a:lumMod val="75000"/>
+                      </a:schemeClr>
+                    </a:solidFill>
+                    <a:latin typeface="Cambria Math" panose="02040503050406030204" pitchFamily="18" charset="0"/>
+                    <a:ea typeface="Cambria Math" panose="02040503050406030204" pitchFamily="18" charset="0"/>
+                  </a:rPr>
                   <a:t>+</a:t>
                 </a:r>
                 <a:r>
-                  <a:rPr lang="en-US" sz="2200" dirty="0"/>
+                  <a:rPr lang="en-US" sz="2200" dirty="0">
+                    <a:solidFill>
+                      <a:schemeClr val="accent5">
+                        <a:lumMod val="75000"/>
+                      </a:schemeClr>
+                    </a:solidFill>
+                    <a:latin typeface="Cambria Math" panose="02040503050406030204" pitchFamily="18" charset="0"/>
+                    <a:ea typeface="Cambria Math" panose="02040503050406030204" pitchFamily="18" charset="0"/>
+                  </a:rPr>
                   <a:t>]</a:t>
                 </a:r>
                 <a:r>
-                  <a:rPr lang="en-US" sz="2200" baseline="30000" dirty="0"/>
+                  <a:rPr lang="en-US" sz="2200" baseline="30000" dirty="0">
+                    <a:solidFill>
+                      <a:schemeClr val="accent5">
+                        <a:lumMod val="75000"/>
+                      </a:schemeClr>
+                    </a:solidFill>
+                    <a:latin typeface="Cambria Math" panose="02040503050406030204" pitchFamily="18" charset="0"/>
+                    <a:ea typeface="Cambria Math" panose="02040503050406030204" pitchFamily="18" charset="0"/>
+                  </a:rPr>
                   <a:t>K ⨉ d</a:t>
                 </a:r>
                 <a:r>
-                  <a:rPr lang="en-US" sz="2200" dirty="0"/>
+                  <a:rPr lang="en-US" sz="2200" dirty="0">
+                    <a:solidFill>
+                      <a:schemeClr val="accent5">
+                        <a:lumMod val="75000"/>
+                      </a:schemeClr>
+                    </a:solidFill>
+                  </a:rPr>
                   <a:t>,</a:t>
                 </a:r>
               </a:p>
@@ -4379,21 +11540,48 @@
                   <a:buNone/>
                 </a:pPr>
                 <a:r>
-                  <a:rPr lang="en-US" sz="2200" dirty="0"/>
+                  <a:rPr lang="en-US" sz="2200" dirty="0">
+                    <a:solidFill>
+                      <a:schemeClr val="accent5">
+                        <a:lumMod val="75000"/>
+                      </a:schemeClr>
+                    </a:solidFill>
+                  </a:rPr>
                   <a:t>		</a:t>
                 </a:r>
                 <a:r>
-                  <a:rPr lang="en-US" sz="2200" b="1" dirty="0"/>
+                  <a:rPr lang="en-US" sz="2200" b="1" i="1" dirty="0">
+                    <a:solidFill>
+                      <a:schemeClr val="accent5">
+                        <a:lumMod val="75000"/>
+                      </a:schemeClr>
+                    </a:solidFill>
+                    <a:latin typeface="Cambria Math" panose="02040503050406030204" pitchFamily="18" charset="0"/>
+                    <a:ea typeface="Cambria Math" panose="02040503050406030204" pitchFamily="18" charset="0"/>
+                  </a:rPr>
                   <a:t>V</a:t>
                 </a:r>
                 <a:r>
-                  <a:rPr lang="en-US" sz="2200" dirty="0"/>
+                  <a:rPr lang="en-US" sz="2200" dirty="0">
+                    <a:solidFill>
+                      <a:schemeClr val="accent5">
+                        <a:lumMod val="75000"/>
+                      </a:schemeClr>
+                    </a:solidFill>
+                    <a:latin typeface="Cambria Math" panose="02040503050406030204" pitchFamily="18" charset="0"/>
+                    <a:ea typeface="Cambria Math" panose="02040503050406030204" pitchFamily="18" charset="0"/>
+                  </a:rPr>
                   <a:t> </a:t>
                 </a:r>
                 <a14:m>
                   <m:oMath xmlns:m="http://schemas.openxmlformats.org/officeDocument/2006/math">
                     <m:r>
                       <a:rPr lang="en-US" sz="2200" i="1" smtClean="0">
+                        <a:solidFill>
+                          <a:schemeClr val="accent5">
+                            <a:lumMod val="75000"/>
+                          </a:schemeClr>
+                        </a:solidFill>
                         <a:latin typeface="Cambria Math" panose="02040503050406030204" pitchFamily="18" charset="0"/>
                         <a:ea typeface="Cambria Math" panose="02040503050406030204" pitchFamily="18" charset="0"/>
                       </a:rPr>
@@ -4402,45 +11590,299 @@
                   </m:oMath>
                 </a14:m>
                 <a:r>
-                  <a:rPr lang="en-US" sz="2200" dirty="0"/>
+                  <a:rPr lang="en-US" sz="2200" dirty="0">
+                    <a:solidFill>
+                      <a:schemeClr val="accent5">
+                        <a:lumMod val="75000"/>
+                      </a:schemeClr>
+                    </a:solidFill>
+                    <a:latin typeface="Cambria Math" panose="02040503050406030204" pitchFamily="18" charset="0"/>
+                    <a:ea typeface="Cambria Math" panose="02040503050406030204" pitchFamily="18" charset="0"/>
+                  </a:rPr>
                   <a:t> [0, 1]</a:t>
                 </a:r>
                 <a:r>
-                  <a:rPr lang="en-US" sz="2200" baseline="30000" dirty="0"/>
+                  <a:rPr lang="en-US" sz="2200" baseline="30000" dirty="0">
+                    <a:solidFill>
+                      <a:schemeClr val="accent5">
+                        <a:lumMod val="75000"/>
+                      </a:schemeClr>
+                    </a:solidFill>
+                    <a:latin typeface="Cambria Math" panose="02040503050406030204" pitchFamily="18" charset="0"/>
+                    <a:ea typeface="Cambria Math" panose="02040503050406030204" pitchFamily="18" charset="0"/>
+                  </a:rPr>
                   <a:t>L ⨉ d</a:t>
                 </a:r>
                 <a:r>
-                  <a:rPr lang="en-US" sz="2200" dirty="0"/>
-                  <a:t> , ||V(j,:)||</a:t>
+                  <a:rPr lang="en-US" sz="2200" dirty="0">
+                    <a:solidFill>
+                      <a:schemeClr val="accent5">
+                        <a:lumMod val="75000"/>
+                      </a:schemeClr>
+                    </a:solidFill>
+                    <a:latin typeface="Cambria Math" panose="02040503050406030204" pitchFamily="18" charset="0"/>
+                    <a:ea typeface="Cambria Math" panose="02040503050406030204" pitchFamily="18" charset="0"/>
+                  </a:rPr>
+                  <a:t> </a:t>
                 </a:r>
                 <a:r>
-                  <a:rPr lang="en-US" sz="2200" baseline="-25000" dirty="0"/>
+                  <a:rPr lang="en-US" sz="2200" dirty="0">
+                    <a:solidFill>
+                      <a:schemeClr val="accent5">
+                        <a:lumMod val="75000"/>
+                      </a:schemeClr>
+                    </a:solidFill>
+                  </a:rPr>
+                  <a:t>, || </a:t>
+                </a:r>
+                <a14:m>
+                  <m:oMath xmlns:m="http://schemas.openxmlformats.org/officeDocument/2006/math">
+                    <m:r>
+                      <a:rPr lang="en-US" sz="2200" b="1" i="1">
+                        <a:solidFill>
+                          <a:schemeClr val="accent5">
+                            <a:lumMod val="75000"/>
+                          </a:schemeClr>
+                        </a:solidFill>
+                        <a:latin typeface="Cambria Math" panose="02040503050406030204" pitchFamily="18" charset="0"/>
+                        <a:ea typeface="Cambria Math" panose="02040503050406030204" pitchFamily="18" charset="0"/>
+                      </a:rPr>
+                      <m:t>𝑽</m:t>
+                    </m:r>
+                    <m:d>
+                      <m:dPr>
+                        <m:ctrlPr>
+                          <a:rPr lang="en-US" sz="2200" i="1">
+                            <a:solidFill>
+                              <a:schemeClr val="accent5">
+                                <a:lumMod val="75000"/>
+                              </a:schemeClr>
+                            </a:solidFill>
+                            <a:latin typeface="Cambria Math" panose="02040503050406030204" pitchFamily="18" charset="0"/>
+                            <a:ea typeface="Cambria Math" panose="02040503050406030204" pitchFamily="18" charset="0"/>
+                          </a:rPr>
+                        </m:ctrlPr>
+                      </m:dPr>
+                      <m:e>
+                        <m:r>
+                          <a:rPr lang="en-US" sz="2200" i="1">
+                            <a:solidFill>
+                              <a:schemeClr val="accent5">
+                                <a:lumMod val="75000"/>
+                              </a:schemeClr>
+                            </a:solidFill>
+                            <a:latin typeface="Cambria Math" panose="02040503050406030204" pitchFamily="18" charset="0"/>
+                            <a:ea typeface="Cambria Math" panose="02040503050406030204" pitchFamily="18" charset="0"/>
+                          </a:rPr>
+                          <m:t>𝑗</m:t>
+                        </m:r>
+                        <m:r>
+                          <a:rPr lang="en-US" sz="2200" i="1">
+                            <a:solidFill>
+                              <a:schemeClr val="accent5">
+                                <a:lumMod val="75000"/>
+                              </a:schemeClr>
+                            </a:solidFill>
+                            <a:latin typeface="Cambria Math" panose="02040503050406030204" pitchFamily="18" charset="0"/>
+                            <a:ea typeface="Cambria Math" panose="02040503050406030204" pitchFamily="18" charset="0"/>
+                          </a:rPr>
+                          <m:t>,:</m:t>
+                        </m:r>
+                      </m:e>
+                    </m:d>
+                    <m:r>
+                      <a:rPr lang="en-US" sz="2200" i="1">
+                        <a:solidFill>
+                          <a:schemeClr val="accent5">
+                            <a:lumMod val="75000"/>
+                          </a:schemeClr>
+                        </a:solidFill>
+                        <a:latin typeface="Cambria Math" panose="02040503050406030204" pitchFamily="18" charset="0"/>
+                        <a:ea typeface="Cambria Math" panose="02040503050406030204" pitchFamily="18" charset="0"/>
+                      </a:rPr>
+                      <m:t> </m:t>
+                    </m:r>
+                  </m:oMath>
+                </a14:m>
+                <a:r>
+                  <a:rPr lang="en-US" sz="2200" dirty="0">
+                    <a:solidFill>
+                      <a:schemeClr val="accent5">
+                        <a:lumMod val="75000"/>
+                      </a:schemeClr>
+                    </a:solidFill>
+                  </a:rPr>
+                  <a:t>||</a:t>
+                </a:r>
+                <a:r>
+                  <a:rPr lang="en-US" sz="2200" baseline="-25000" dirty="0">
+                    <a:solidFill>
+                      <a:schemeClr val="accent5">
+                        <a:lumMod val="75000"/>
+                      </a:schemeClr>
+                    </a:solidFill>
+                  </a:rPr>
                   <a:t>1</a:t>
                 </a:r>
                 <a:r>
-                  <a:rPr lang="en-US" sz="2200" dirty="0"/>
+                  <a:rPr lang="en-US" sz="2200" dirty="0">
+                    <a:solidFill>
+                      <a:schemeClr val="accent5">
+                        <a:lumMod val="75000"/>
+                      </a:schemeClr>
+                    </a:solidFill>
+                  </a:rPr>
                   <a:t> </a:t>
                 </a:r>
                 <a14:m>
                   <m:oMath xmlns:m="http://schemas.openxmlformats.org/officeDocument/2006/math">
                     <m:r>
                       <a:rPr lang="en-US" sz="2200" i="1" smtClean="0">
+                        <a:solidFill>
+                          <a:schemeClr val="accent5">
+                            <a:lumMod val="75000"/>
+                          </a:schemeClr>
+                        </a:solidFill>
                         <a:latin typeface="Cambria Math" panose="02040503050406030204" pitchFamily="18" charset="0"/>
                         <a:ea typeface="Cambria Math" panose="02040503050406030204" pitchFamily="18" charset="0"/>
                       </a:rPr>
                       <m:t>≤</m:t>
                     </m:r>
+                    <m:r>
+                      <a:rPr lang="en-US" sz="2200" b="0" i="1" smtClean="0">
+                        <a:solidFill>
+                          <a:schemeClr val="accent5">
+                            <a:lumMod val="75000"/>
+                          </a:schemeClr>
+                        </a:solidFill>
+                        <a:latin typeface="Cambria Math" panose="02040503050406030204" pitchFamily="18" charset="0"/>
+                        <a:ea typeface="Cambria Math" panose="02040503050406030204" pitchFamily="18" charset="0"/>
+                      </a:rPr>
+                      <m:t>1</m:t>
+                    </m:r>
+                    <m:r>
+                      <a:rPr lang="en-US" sz="2200" i="1">
+                        <a:solidFill>
+                          <a:schemeClr val="accent5">
+                            <a:lumMod val="75000"/>
+                          </a:schemeClr>
+                        </a:solidFill>
+                        <a:latin typeface="Cambria Math" panose="02040503050406030204" pitchFamily="18" charset="0"/>
+                        <a:ea typeface="Cambria Math" panose="02040503050406030204" pitchFamily="18" charset="0"/>
+                      </a:rPr>
+                      <m:t>,</m:t>
+                    </m:r>
+                    <m:r>
+                      <a:rPr lang="en-US" sz="2200" b="0" i="1" smtClean="0">
+                        <a:solidFill>
+                          <a:schemeClr val="accent5">
+                            <a:lumMod val="75000"/>
+                          </a:schemeClr>
+                        </a:solidFill>
+                        <a:latin typeface="Cambria Math" panose="02040503050406030204" pitchFamily="18" charset="0"/>
+                        <a:ea typeface="Cambria Math" panose="02040503050406030204" pitchFamily="18" charset="0"/>
+                      </a:rPr>
+                      <m:t> </m:t>
+                    </m:r>
+                    <m:r>
+                      <a:rPr lang="en-US" sz="2200" i="1" smtClean="0">
+                        <a:solidFill>
+                          <a:schemeClr val="accent5">
+                            <a:lumMod val="75000"/>
+                          </a:schemeClr>
+                        </a:solidFill>
+                        <a:latin typeface="Cambria Math" panose="02040503050406030204" pitchFamily="18" charset="0"/>
+                        <a:ea typeface="Cambria Math" panose="02040503050406030204" pitchFamily="18" charset="0"/>
+                      </a:rPr>
+                      <m:t>∀</m:t>
+                    </m:r>
+                    <m:r>
+                      <a:rPr lang="en-US" sz="2200" b="0" i="1" smtClean="0">
+                        <a:solidFill>
+                          <a:schemeClr val="accent5">
+                            <a:lumMod val="75000"/>
+                          </a:schemeClr>
+                        </a:solidFill>
+                        <a:latin typeface="Cambria Math" panose="02040503050406030204" pitchFamily="18" charset="0"/>
+                        <a:ea typeface="Cambria Math" panose="02040503050406030204" pitchFamily="18" charset="0"/>
+                      </a:rPr>
+                      <m:t> </m:t>
+                    </m:r>
+                    <m:r>
+                      <a:rPr lang="en-US" sz="2200" b="0" i="1" smtClean="0">
+                        <a:solidFill>
+                          <a:schemeClr val="accent5">
+                            <a:lumMod val="75000"/>
+                          </a:schemeClr>
+                        </a:solidFill>
+                        <a:latin typeface="Cambria Math" panose="02040503050406030204" pitchFamily="18" charset="0"/>
+                        <a:ea typeface="Cambria Math" panose="02040503050406030204" pitchFamily="18" charset="0"/>
+                      </a:rPr>
+                      <m:t>𝑗</m:t>
+                    </m:r>
+                    <m:r>
+                      <a:rPr lang="en-US" sz="2200" b="0" i="1" smtClean="0">
+                        <a:solidFill>
+                          <a:schemeClr val="accent5">
+                            <a:lumMod val="75000"/>
+                          </a:schemeClr>
+                        </a:solidFill>
+                        <a:latin typeface="Cambria Math" panose="02040503050406030204" pitchFamily="18" charset="0"/>
+                        <a:ea typeface="Cambria Math" panose="02040503050406030204" pitchFamily="18" charset="0"/>
+                      </a:rPr>
+                      <m:t>∈[</m:t>
+                    </m:r>
+                    <m:r>
+                      <a:rPr lang="en-US" sz="2200" b="0" i="1" smtClean="0">
+                        <a:solidFill>
+                          <a:schemeClr val="accent5">
+                            <a:lumMod val="75000"/>
+                          </a:schemeClr>
+                        </a:solidFill>
+                        <a:latin typeface="Cambria Math" panose="02040503050406030204" pitchFamily="18" charset="0"/>
+                        <a:ea typeface="Cambria Math" panose="02040503050406030204" pitchFamily="18" charset="0"/>
+                      </a:rPr>
+                      <m:t>𝐿</m:t>
+                    </m:r>
+                    <m:r>
+                      <a:rPr lang="en-US" sz="2200" b="0" i="1" smtClean="0">
+                        <a:solidFill>
+                          <a:schemeClr val="accent5">
+                            <a:lumMod val="75000"/>
+                          </a:schemeClr>
+                        </a:solidFill>
+                        <a:latin typeface="Cambria Math" panose="02040503050406030204" pitchFamily="18" charset="0"/>
+                        <a:ea typeface="Cambria Math" panose="02040503050406030204" pitchFamily="18" charset="0"/>
+                      </a:rPr>
+                      <m:t>]</m:t>
+                    </m:r>
                   </m:oMath>
                 </a14:m>
                 <a:r>
                   <a:rPr lang="en-US" sz="2200" dirty="0"/>
-                  <a:t> 1.</a:t>
+                  <a:t>.</a:t>
                 </a:r>
               </a:p>
               <a:p>
                 <a:r>
                   <a:rPr lang="en-US" sz="2200" dirty="0"/>
-                  <a:t>Both latent matrices U, V are unknown to the learner.</a:t>
+                  <a:t>Both latent matrices </a:t>
+                </a:r>
+                <a:r>
+                  <a:rPr lang="en-US" sz="2200" b="1" dirty="0">
+                    <a:solidFill>
+                      <a:schemeClr val="accent5">
+                        <a:lumMod val="75000"/>
+                      </a:schemeClr>
+                    </a:solidFill>
+                    <a:latin typeface="Cambria Math" panose="02040503050406030204" pitchFamily="18" charset="0"/>
+                    <a:ea typeface="Cambria Math" panose="02040503050406030204" pitchFamily="18" charset="0"/>
+                  </a:rPr>
+                  <a:t>U, V </a:t>
+                </a:r>
+                <a:r>
+                  <a:rPr lang="en-US" sz="2200" dirty="0"/>
+                  <a:t>are unknown to the learner.</a:t>
                 </a:r>
               </a:p>
               <a:p>
@@ -4451,14 +11893,22 @@
                         <m:chr m:val="̅"/>
                         <m:ctrlPr>
                           <a:rPr lang="en-US" sz="2200" b="1" i="1" smtClean="0">
+                            <a:solidFill>
+                              <a:srgbClr val="00B050"/>
+                            </a:solidFill>
                             <a:latin typeface="Cambria Math" panose="02040503050406030204" pitchFamily="18" charset="0"/>
+                            <a:ea typeface="Cambria Math" panose="02040503050406030204" pitchFamily="18" charset="0"/>
                           </a:rPr>
                         </m:ctrlPr>
                       </m:accPr>
                       <m:e>
                         <m:r>
                           <a:rPr lang="en-US" sz="2200" b="1" i="1" smtClean="0">
+                            <a:solidFill>
+                              <a:srgbClr val="00B050"/>
+                            </a:solidFill>
                             <a:latin typeface="Cambria Math" panose="02040503050406030204" pitchFamily="18" charset="0"/>
+                            <a:ea typeface="Cambria Math" panose="02040503050406030204" pitchFamily="18" charset="0"/>
                           </a:rPr>
                           <m:t>𝑹</m:t>
                         </m:r>
@@ -4467,15 +11917,47 @@
                   </m:oMath>
                 </a14:m>
                 <a:r>
-                  <a:rPr lang="en-US" sz="2200" b="1" dirty="0"/>
-                  <a:t> = UV</a:t>
+                  <a:rPr lang="en-US" sz="2200" b="1" dirty="0">
+                    <a:solidFill>
+                      <a:srgbClr val="00B050"/>
+                    </a:solidFill>
+                    <a:latin typeface="Cambria Math" panose="02040503050406030204" pitchFamily="18" charset="0"/>
+                    <a:ea typeface="Cambria Math" panose="02040503050406030204" pitchFamily="18" charset="0"/>
+                  </a:rPr>
+                  <a:t> = </a:t>
                 </a:r>
                 <a:r>
-                  <a:rPr lang="en-US" sz="2200" b="1" baseline="30000" dirty="0"/>
-                  <a:t>T </a:t>
+                  <a:rPr lang="en-US" sz="2200" b="1" i="1" dirty="0">
+                    <a:solidFill>
+                      <a:srgbClr val="00B050"/>
+                    </a:solidFill>
+                    <a:latin typeface="Cambria Math" panose="02040503050406030204" pitchFamily="18" charset="0"/>
+                    <a:ea typeface="Cambria Math" panose="02040503050406030204" pitchFamily="18" charset="0"/>
+                  </a:rPr>
+                  <a:t>UV</a:t>
                 </a:r>
                 <a:r>
-                  <a:rPr lang="en-US" sz="2200" b="1" dirty="0"/>
+                  <a:rPr lang="en-US" sz="2200" b="1" i="1" baseline="30000" dirty="0">
+                    <a:solidFill>
+                      <a:srgbClr val="00B050"/>
+                    </a:solidFill>
+                    <a:latin typeface="Cambria Math" panose="02040503050406030204" pitchFamily="18" charset="0"/>
+                    <a:ea typeface="Cambria Math" panose="02040503050406030204" pitchFamily="18" charset="0"/>
+                  </a:rPr>
+                  <a:t>T</a:t>
+                </a:r>
+                <a:r>
+                  <a:rPr lang="en-US" sz="2200" b="1" baseline="30000" dirty="0">
+                    <a:latin typeface="Cambria Math" panose="02040503050406030204" pitchFamily="18" charset="0"/>
+                    <a:ea typeface="Cambria Math" panose="02040503050406030204" pitchFamily="18" charset="0"/>
+                  </a:rPr>
+                  <a:t> </a:t>
+                </a:r>
+                <a:r>
+                  <a:rPr lang="en-US" sz="2200" b="1" dirty="0">
+                    <a:latin typeface="Cambria Math" panose="02040503050406030204" pitchFamily="18" charset="0"/>
+                    <a:ea typeface="Cambria Math" panose="02040503050406030204" pitchFamily="18" charset="0"/>
+                  </a:rPr>
                   <a:t> </a:t>
                 </a:r>
                 <a:r>
@@ -4483,7 +11965,11 @@
                   <a:t>is the reward matrix with a low rank </a:t>
                 </a:r>
                 <a:r>
-                  <a:rPr lang="en-US" sz="2200" b="1" dirty="0"/>
+                  <a:rPr lang="en-US" sz="2200" b="1" dirty="0">
+                    <a:solidFill>
+                      <a:srgbClr val="00B050"/>
+                    </a:solidFill>
+                  </a:rPr>
                   <a:t>d &lt;&lt; min{L, K}.</a:t>
                 </a:r>
               </a:p>
@@ -4493,7 +11979,13 @@
                   <a:t>K users divided into </a:t>
                 </a:r>
                 <a:r>
-                  <a:rPr lang="en-US" sz="2200" b="1" dirty="0"/>
+                  <a:rPr lang="en-US" sz="2200" b="1" dirty="0">
+                    <a:solidFill>
+                      <a:schemeClr val="accent5">
+                        <a:lumMod val="75000"/>
+                      </a:schemeClr>
+                    </a:solidFill>
+                  </a:rPr>
                   <a:t>|B|</a:t>
                 </a:r>
                 <a:r>
@@ -4510,65 +12002,458 @@
                 </a:r>
               </a:p>
               <a:p>
-                <a:pPr marL="0" indent="0">
-                  <a:buNone/>
+                <a:r>
+                  <a:rPr lang="en-US" sz="2200" dirty="0"/>
+                  <a:t>Two subcases of the problem:</a:t>
+                </a:r>
+              </a:p>
+              <a:p>
+                <a:pPr marL="733051" lvl="1" indent="-457200">
+                  <a:buFont typeface="+mj-lt"/>
+                  <a:buAutoNum type="arabicPeriod"/>
                 </a:pPr>
-                <a:endParaRPr lang="en-US" sz="2200" dirty="0"/>
+                <a:r>
+                  <a:rPr lang="en-US" sz="2200" i="1" dirty="0"/>
+                  <a:t>Noiseless Setting: </a:t>
+                </a:r>
+                <a:r>
+                  <a:rPr lang="en-US" sz="2200" dirty="0"/>
+                  <a:t>Each entry in </a:t>
+                </a:r>
+                <a14:m>
+                  <m:oMath xmlns:m="http://schemas.openxmlformats.org/officeDocument/2006/math">
+                    <m:acc>
+                      <m:accPr>
+                        <m:chr m:val="̅"/>
+                        <m:ctrlPr>
+                          <a:rPr lang="en-US" sz="2200" b="1" i="1" smtClean="0">
+                            <a:solidFill>
+                              <a:srgbClr val="00B050"/>
+                            </a:solidFill>
+                            <a:latin typeface="Cambria Math" panose="02040503050406030204" pitchFamily="18" charset="0"/>
+                            <a:ea typeface="Cambria Math" panose="02040503050406030204" pitchFamily="18" charset="0"/>
+                          </a:rPr>
+                        </m:ctrlPr>
+                      </m:accPr>
+                      <m:e>
+                        <m:r>
+                          <a:rPr lang="en-US" sz="2200" b="1" i="1">
+                            <a:solidFill>
+                              <a:srgbClr val="00B050"/>
+                            </a:solidFill>
+                            <a:latin typeface="Cambria Math" panose="02040503050406030204" pitchFamily="18" charset="0"/>
+                            <a:ea typeface="Cambria Math" panose="02040503050406030204" pitchFamily="18" charset="0"/>
+                          </a:rPr>
+                          <m:t>𝑹</m:t>
+                        </m:r>
+                      </m:e>
+                    </m:acc>
+                  </m:oMath>
+                </a14:m>
+                <a:r>
+                  <a:rPr lang="en-US" sz="2200" dirty="0">
+                    <a:solidFill>
+                      <a:srgbClr val="00B050"/>
+                    </a:solidFill>
+                  </a:rPr>
+                  <a:t> </a:t>
+                </a:r>
+                <a:r>
+                  <a:rPr lang="en-US" sz="2200" dirty="0"/>
+                  <a:t>reveals expected mean </a:t>
+                </a:r>
+                <a14:m>
+                  <m:oMath xmlns:m="http://schemas.openxmlformats.org/officeDocument/2006/math">
+                    <m:sSub>
+                      <m:sSubPr>
+                        <m:ctrlPr>
+                          <a:rPr lang="en-US" sz="2200" b="1" i="1">
+                            <a:solidFill>
+                              <a:srgbClr val="00B050"/>
+                            </a:solidFill>
+                            <a:latin typeface="Cambria Math" panose="02040503050406030204" pitchFamily="18" charset="0"/>
+                            <a:ea typeface="Cambria Math" panose="02040503050406030204" pitchFamily="18" charset="0"/>
+                          </a:rPr>
+                        </m:ctrlPr>
+                      </m:sSubPr>
+                      <m:e>
+                        <m:acc>
+                          <m:accPr>
+                            <m:chr m:val="̅"/>
+                            <m:ctrlPr>
+                              <a:rPr lang="en-US" sz="2200" b="1" i="1">
+                                <a:solidFill>
+                                  <a:srgbClr val="00B050"/>
+                                </a:solidFill>
+                                <a:latin typeface="Cambria Math" panose="02040503050406030204" pitchFamily="18" charset="0"/>
+                                <a:ea typeface="Cambria Math" panose="02040503050406030204" pitchFamily="18" charset="0"/>
+                              </a:rPr>
+                            </m:ctrlPr>
+                          </m:accPr>
+                          <m:e>
+                            <m:r>
+                              <a:rPr lang="en-US" sz="2200" b="1" i="1">
+                                <a:solidFill>
+                                  <a:srgbClr val="00B050"/>
+                                </a:solidFill>
+                                <a:latin typeface="Cambria Math" panose="02040503050406030204" pitchFamily="18" charset="0"/>
+                                <a:ea typeface="Cambria Math" panose="02040503050406030204" pitchFamily="18" charset="0"/>
+                              </a:rPr>
+                              <m:t>𝑹</m:t>
+                            </m:r>
+                          </m:e>
+                        </m:acc>
+                      </m:e>
+                      <m:sub>
+                        <m:r>
+                          <a:rPr lang="en-US" sz="2200" b="1" i="1">
+                            <a:solidFill>
+                              <a:srgbClr val="00B050"/>
+                            </a:solidFill>
+                            <a:latin typeface="Cambria Math" panose="02040503050406030204" pitchFamily="18" charset="0"/>
+                            <a:ea typeface="Cambria Math" panose="02040503050406030204" pitchFamily="18" charset="0"/>
+                          </a:rPr>
+                          <m:t>𝒊</m:t>
+                        </m:r>
+                        <m:r>
+                          <a:rPr lang="en-US" sz="2200" b="1" i="1">
+                            <a:solidFill>
+                              <a:srgbClr val="00B050"/>
+                            </a:solidFill>
+                            <a:latin typeface="Cambria Math" panose="02040503050406030204" pitchFamily="18" charset="0"/>
+                            <a:ea typeface="Cambria Math" panose="02040503050406030204" pitchFamily="18" charset="0"/>
+                          </a:rPr>
+                          <m:t>,</m:t>
+                        </m:r>
+                        <m:r>
+                          <a:rPr lang="en-US" sz="2200" b="1" i="1">
+                            <a:solidFill>
+                              <a:srgbClr val="00B050"/>
+                            </a:solidFill>
+                            <a:latin typeface="Cambria Math" panose="02040503050406030204" pitchFamily="18" charset="0"/>
+                            <a:ea typeface="Cambria Math" panose="02040503050406030204" pitchFamily="18" charset="0"/>
+                          </a:rPr>
+                          <m:t>𝒋</m:t>
+                        </m:r>
+                      </m:sub>
+                    </m:sSub>
+                  </m:oMath>
+                </a14:m>
+                <a:r>
+                  <a:rPr lang="en-US" sz="2200" dirty="0"/>
+                  <a:t> on selection.</a:t>
+                </a:r>
+              </a:p>
+              <a:p>
+                <a:pPr marL="733051" lvl="1" indent="-457200">
+                  <a:buFont typeface="+mj-lt"/>
+                  <a:buAutoNum type="arabicPeriod"/>
+                </a:pPr>
+                <a:r>
+                  <a:rPr lang="en-US" sz="2200" i="1" dirty="0"/>
+                  <a:t>Noisy Setting: </a:t>
+                </a:r>
+                <a:r>
+                  <a:rPr lang="en-US" sz="2200" dirty="0"/>
+                  <a:t>Each entry in </a:t>
+                </a:r>
+                <a14:m>
+                  <m:oMath xmlns:m="http://schemas.openxmlformats.org/officeDocument/2006/math">
+                    <m:acc>
+                      <m:accPr>
+                        <m:chr m:val="̅"/>
+                        <m:ctrlPr>
+                          <a:rPr lang="en-US" sz="2200" b="1" i="1" smtClean="0">
+                            <a:solidFill>
+                              <a:srgbClr val="00B050"/>
+                            </a:solidFill>
+                            <a:latin typeface="Cambria Math" panose="02040503050406030204" pitchFamily="18" charset="0"/>
+                            <a:ea typeface="Cambria Math" panose="02040503050406030204" pitchFamily="18" charset="0"/>
+                          </a:rPr>
+                        </m:ctrlPr>
+                      </m:accPr>
+                      <m:e>
+                        <m:r>
+                          <a:rPr lang="en-US" sz="2200" b="1" i="1">
+                            <a:solidFill>
+                              <a:srgbClr val="00B050"/>
+                            </a:solidFill>
+                            <a:latin typeface="Cambria Math" panose="02040503050406030204" pitchFamily="18" charset="0"/>
+                            <a:ea typeface="Cambria Math" panose="02040503050406030204" pitchFamily="18" charset="0"/>
+                          </a:rPr>
+                          <m:t>𝑹</m:t>
+                        </m:r>
+                      </m:e>
+                    </m:acc>
+                  </m:oMath>
+                </a14:m>
+                <a:r>
+                  <a:rPr lang="en-US" sz="2200" dirty="0">
+                    <a:solidFill>
+                      <a:srgbClr val="00B050"/>
+                    </a:solidFill>
+                  </a:rPr>
+                  <a:t> </a:t>
+                </a:r>
+                <a:r>
+                  <a:rPr lang="en-US" sz="2200" dirty="0"/>
+                  <a:t>reveals </a:t>
+                </a:r>
+                <a:r>
+                  <a:rPr lang="en-US" sz="2200" b="1" i="1" dirty="0">
+                    <a:solidFill>
+                      <a:srgbClr val="00B050"/>
+                    </a:solidFill>
+                    <a:latin typeface="Cambria Math" panose="02040503050406030204" pitchFamily="18" charset="0"/>
+                    <a:ea typeface="Cambria Math" panose="02040503050406030204" pitchFamily="18" charset="0"/>
+                  </a:rPr>
+                  <a:t>X</a:t>
+                </a:r>
+                <a:r>
+                  <a:rPr lang="en-US" sz="2200" b="1" i="1" baseline="-25000" dirty="0" err="1">
+                    <a:solidFill>
+                      <a:srgbClr val="00B050"/>
+                    </a:solidFill>
+                    <a:latin typeface="Cambria Math" panose="02040503050406030204" pitchFamily="18" charset="0"/>
+                    <a:ea typeface="Cambria Math" panose="02040503050406030204" pitchFamily="18" charset="0"/>
+                  </a:rPr>
+                  <a:t>i,j,t</a:t>
+                </a:r>
+                <a:r>
+                  <a:rPr lang="en-US" sz="2200" b="1" i="1" dirty="0">
+                    <a:solidFill>
+                      <a:srgbClr val="00B050"/>
+                    </a:solidFill>
+                    <a:latin typeface="Cambria Math" panose="02040503050406030204" pitchFamily="18" charset="0"/>
+                    <a:ea typeface="Cambria Math" panose="02040503050406030204" pitchFamily="18" charset="0"/>
+                  </a:rPr>
+                  <a:t> </a:t>
+                </a:r>
+                <a14:m>
+                  <m:oMath xmlns:m="http://schemas.openxmlformats.org/officeDocument/2006/math">
+                    <m:r>
+                      <a:rPr lang="en-US" sz="2200" b="1" i="1" smtClean="0">
+                        <a:solidFill>
+                          <a:srgbClr val="00B050"/>
+                        </a:solidFill>
+                        <a:latin typeface="Cambria Math" panose="02040503050406030204" pitchFamily="18" charset="0"/>
+                        <a:ea typeface="Cambria Math" panose="02040503050406030204" pitchFamily="18" charset="0"/>
+                      </a:rPr>
+                      <m:t>~</m:t>
+                    </m:r>
+                    <m:r>
+                      <a:rPr lang="en-US" sz="2200" b="1" i="1" smtClean="0">
+                        <a:solidFill>
+                          <a:srgbClr val="00B050"/>
+                        </a:solidFill>
+                        <a:latin typeface="Cambria Math" panose="02040503050406030204" pitchFamily="18" charset="0"/>
+                        <a:ea typeface="Cambria Math" panose="02040503050406030204" pitchFamily="18" charset="0"/>
+                      </a:rPr>
+                      <m:t>𝑮</m:t>
+                    </m:r>
+                    <m:r>
+                      <a:rPr lang="en-US" sz="2200" b="1" i="1" smtClean="0">
+                        <a:solidFill>
+                          <a:srgbClr val="00B050"/>
+                        </a:solidFill>
+                        <a:latin typeface="Cambria Math" panose="02040503050406030204" pitchFamily="18" charset="0"/>
+                        <a:ea typeface="Cambria Math" panose="02040503050406030204" pitchFamily="18" charset="0"/>
+                      </a:rPr>
+                      <m:t>(</m:t>
+                    </m:r>
+                    <m:sSub>
+                      <m:sSubPr>
+                        <m:ctrlPr>
+                          <a:rPr lang="en-US" sz="2200" b="1" i="1" smtClean="0">
+                            <a:solidFill>
+                              <a:srgbClr val="00B050"/>
+                            </a:solidFill>
+                            <a:latin typeface="Cambria Math" panose="02040503050406030204" pitchFamily="18" charset="0"/>
+                            <a:ea typeface="Cambria Math" panose="02040503050406030204" pitchFamily="18" charset="0"/>
+                          </a:rPr>
+                        </m:ctrlPr>
+                      </m:sSubPr>
+                      <m:e>
+                        <m:acc>
+                          <m:accPr>
+                            <m:chr m:val="̅"/>
+                            <m:ctrlPr>
+                              <a:rPr lang="en-US" sz="2200" b="1" i="1">
+                                <a:solidFill>
+                                  <a:srgbClr val="00B050"/>
+                                </a:solidFill>
+                                <a:latin typeface="Cambria Math" panose="02040503050406030204" pitchFamily="18" charset="0"/>
+                                <a:ea typeface="Cambria Math" panose="02040503050406030204" pitchFamily="18" charset="0"/>
+                              </a:rPr>
+                            </m:ctrlPr>
+                          </m:accPr>
+                          <m:e>
+                            <m:r>
+                              <a:rPr lang="en-US" sz="2200" b="1" i="1">
+                                <a:solidFill>
+                                  <a:srgbClr val="00B050"/>
+                                </a:solidFill>
+                                <a:latin typeface="Cambria Math" panose="02040503050406030204" pitchFamily="18" charset="0"/>
+                                <a:ea typeface="Cambria Math" panose="02040503050406030204" pitchFamily="18" charset="0"/>
+                              </a:rPr>
+                              <m:t>𝑹</m:t>
+                            </m:r>
+                          </m:e>
+                        </m:acc>
+                      </m:e>
+                      <m:sub>
+                        <m:r>
+                          <a:rPr lang="en-US" sz="2200" b="1" i="1" smtClean="0">
+                            <a:solidFill>
+                              <a:srgbClr val="00B050"/>
+                            </a:solidFill>
+                            <a:latin typeface="Cambria Math" panose="02040503050406030204" pitchFamily="18" charset="0"/>
+                            <a:ea typeface="Cambria Math" panose="02040503050406030204" pitchFamily="18" charset="0"/>
+                          </a:rPr>
+                          <m:t>𝒊</m:t>
+                        </m:r>
+                        <m:r>
+                          <a:rPr lang="en-US" sz="2200" b="1" i="1" smtClean="0">
+                            <a:solidFill>
+                              <a:srgbClr val="00B050"/>
+                            </a:solidFill>
+                            <a:latin typeface="Cambria Math" panose="02040503050406030204" pitchFamily="18" charset="0"/>
+                            <a:ea typeface="Cambria Math" panose="02040503050406030204" pitchFamily="18" charset="0"/>
+                          </a:rPr>
+                          <m:t>,</m:t>
+                        </m:r>
+                        <m:r>
+                          <a:rPr lang="en-US" sz="2200" b="1" i="1" smtClean="0">
+                            <a:solidFill>
+                              <a:srgbClr val="00B050"/>
+                            </a:solidFill>
+                            <a:latin typeface="Cambria Math" panose="02040503050406030204" pitchFamily="18" charset="0"/>
+                            <a:ea typeface="Cambria Math" panose="02040503050406030204" pitchFamily="18" charset="0"/>
+                          </a:rPr>
+                          <m:t>𝒋</m:t>
+                        </m:r>
+                      </m:sub>
+                    </m:sSub>
+                    <m:r>
+                      <a:rPr lang="en-US" sz="2200" b="1" i="1" smtClean="0">
+                        <a:solidFill>
+                          <a:srgbClr val="00B050"/>
+                        </a:solidFill>
+                        <a:latin typeface="Cambria Math" panose="02040503050406030204" pitchFamily="18" charset="0"/>
+                        <a:ea typeface="Cambria Math" panose="02040503050406030204" pitchFamily="18" charset="0"/>
+                      </a:rPr>
+                      <m:t>,</m:t>
+                    </m:r>
+                    <m:sSubSup>
+                      <m:sSubSupPr>
+                        <m:ctrlPr>
+                          <a:rPr lang="en-US" sz="2200" b="1" i="1" smtClean="0">
+                            <a:solidFill>
+                              <a:srgbClr val="00B050"/>
+                            </a:solidFill>
+                            <a:latin typeface="Cambria Math" panose="02040503050406030204" pitchFamily="18" charset="0"/>
+                            <a:ea typeface="Cambria Math" panose="02040503050406030204" pitchFamily="18" charset="0"/>
+                          </a:rPr>
+                        </m:ctrlPr>
+                      </m:sSubSupPr>
+                      <m:e>
+                        <m:r>
+                          <a:rPr lang="en-US" sz="2200" b="1" i="1" smtClean="0">
+                            <a:solidFill>
+                              <a:srgbClr val="00B050"/>
+                            </a:solidFill>
+                            <a:latin typeface="Cambria Math" panose="02040503050406030204" pitchFamily="18" charset="0"/>
+                            <a:ea typeface="Cambria Math" panose="02040503050406030204" pitchFamily="18" charset="0"/>
+                          </a:rPr>
+                          <m:t>𝝈</m:t>
+                        </m:r>
+                      </m:e>
+                      <m:sub>
+                        <m:r>
+                          <a:rPr lang="en-US" sz="2200" b="1" i="1" smtClean="0">
+                            <a:solidFill>
+                              <a:srgbClr val="00B050"/>
+                            </a:solidFill>
+                            <a:latin typeface="Cambria Math" panose="02040503050406030204" pitchFamily="18" charset="0"/>
+                            <a:ea typeface="Cambria Math" panose="02040503050406030204" pitchFamily="18" charset="0"/>
+                          </a:rPr>
+                          <m:t>𝒊</m:t>
+                        </m:r>
+                        <m:r>
+                          <a:rPr lang="en-US" sz="2200" b="1" i="1" smtClean="0">
+                            <a:solidFill>
+                              <a:srgbClr val="00B050"/>
+                            </a:solidFill>
+                            <a:latin typeface="Cambria Math" panose="02040503050406030204" pitchFamily="18" charset="0"/>
+                            <a:ea typeface="Cambria Math" panose="02040503050406030204" pitchFamily="18" charset="0"/>
+                          </a:rPr>
+                          <m:t>,</m:t>
+                        </m:r>
+                        <m:r>
+                          <a:rPr lang="en-US" sz="2200" b="1" i="1" smtClean="0">
+                            <a:solidFill>
+                              <a:srgbClr val="00B050"/>
+                            </a:solidFill>
+                            <a:latin typeface="Cambria Math" panose="02040503050406030204" pitchFamily="18" charset="0"/>
+                            <a:ea typeface="Cambria Math" panose="02040503050406030204" pitchFamily="18" charset="0"/>
+                          </a:rPr>
+                          <m:t>𝒋</m:t>
+                        </m:r>
+                      </m:sub>
+                      <m:sup>
+                        <m:r>
+                          <a:rPr lang="en-US" sz="2200" b="1" i="1" smtClean="0">
+                            <a:solidFill>
+                              <a:srgbClr val="00B050"/>
+                            </a:solidFill>
+                            <a:latin typeface="Cambria Math" panose="02040503050406030204" pitchFamily="18" charset="0"/>
+                            <a:ea typeface="Cambria Math" panose="02040503050406030204" pitchFamily="18" charset="0"/>
+                          </a:rPr>
+                          <m:t>𝟐</m:t>
+                        </m:r>
+                      </m:sup>
+                    </m:sSubSup>
+                    <m:r>
+                      <a:rPr lang="en-US" sz="2200" b="1" i="1" smtClean="0">
+                        <a:solidFill>
+                          <a:srgbClr val="00B050"/>
+                        </a:solidFill>
+                        <a:latin typeface="Cambria Math" panose="02040503050406030204" pitchFamily="18" charset="0"/>
+                        <a:ea typeface="Cambria Math" panose="02040503050406030204" pitchFamily="18" charset="0"/>
+                      </a:rPr>
+                      <m:t>/√</m:t>
+                    </m:r>
+                    <m:r>
+                      <a:rPr lang="en-US" sz="2200" b="1" i="1" smtClean="0">
+                        <a:solidFill>
+                          <a:srgbClr val="00B050"/>
+                        </a:solidFill>
+                        <a:latin typeface="Cambria Math" panose="02040503050406030204" pitchFamily="18" charset="0"/>
+                        <a:ea typeface="Cambria Math" panose="02040503050406030204" pitchFamily="18" charset="0"/>
+                      </a:rPr>
+                      <m:t>𝒏</m:t>
+                    </m:r>
+                    <m:r>
+                      <a:rPr lang="en-US" sz="2200" b="1" i="1" smtClean="0">
+                        <a:solidFill>
+                          <a:srgbClr val="00B050"/>
+                        </a:solidFill>
+                        <a:latin typeface="Cambria Math" panose="02040503050406030204" pitchFamily="18" charset="0"/>
+                        <a:ea typeface="Cambria Math" panose="02040503050406030204" pitchFamily="18" charset="0"/>
+                      </a:rPr>
+                      <m:t>)</m:t>
+                    </m:r>
+                  </m:oMath>
+                </a14:m>
+                <a:r>
+                  <a:rPr lang="en-US" sz="2200" dirty="0"/>
+                  <a:t> on selection.</a:t>
+                </a:r>
               </a:p>
               <a:p>
                 <a:pPr marL="0" indent="0">
                   <a:buNone/>
                 </a:pPr>
-                <a:r>
-                  <a:rPr lang="en-US" sz="2200" u="sng" dirty="0"/>
-                  <a:t>Difference with Previous Work of Latent Bandits (</a:t>
-                </a:r>
-                <a:r>
-                  <a:rPr lang="en-US" sz="2200" u="sng" dirty="0" err="1"/>
-                  <a:t>Maillard</a:t>
-                </a:r>
-                <a:r>
-                  <a:rPr lang="en-US" sz="2200" u="sng" dirty="0"/>
-                  <a:t> and </a:t>
-                </a:r>
-                <a:r>
-                  <a:rPr lang="en-US" sz="2200" u="sng" dirty="0" err="1"/>
-                  <a:t>Mannor</a:t>
-                </a:r>
-                <a:r>
-                  <a:rPr lang="en-US" sz="2200" u="sng" dirty="0"/>
-                  <a:t>, 2014):</a:t>
-                </a:r>
-              </a:p>
-              <a:p>
-                <a:r>
-                  <a:rPr lang="en-US" sz="2200" dirty="0"/>
-                  <a:t>K users divided into |B| clusters such that the </a:t>
-                </a:r>
-                <a:r>
-                  <a:rPr lang="en-US" sz="2200" i="1" dirty="0"/>
-                  <a:t>distributions</a:t>
-                </a:r>
-                <a:r>
-                  <a:rPr lang="en-US" sz="2200" dirty="0"/>
-                  <a:t> of all the users in each of the clusters are </a:t>
-                </a:r>
-                <a:r>
-                  <a:rPr lang="en-US" sz="2200" i="1" dirty="0"/>
-                  <a:t>identical</a:t>
-                </a:r>
-                <a:r>
-                  <a:rPr lang="en-US" sz="2200" dirty="0"/>
-                  <a:t>.</a:t>
-                </a:r>
-              </a:p>
-              <a:p>
-                <a:r>
-                  <a:rPr lang="en-US" sz="2200" dirty="0"/>
-                  <a:t>This problem easier to solve and less practical applications.</a:t>
-                </a:r>
-              </a:p>
-              <a:p>
                 <a:endParaRPr lang="en-US" sz="2200" dirty="0"/>
               </a:p>
             </p:txBody>
@@ -4595,7 +12480,7 @@
               <a:blipFill>
                 <a:blip r:embed="rId2"/>
                 <a:stretch>
-                  <a:fillRect l="-548" t="-978" r="-110"/>
+                  <a:fillRect l="-1096" t="-1711"/>
                 </a:stretch>
               </a:blipFill>
             </p:spPr>
@@ -4639,7 +12524,7 @@
             <a:fld id="{90156F56-D5AE-4C6F-B826-C69D1BC521BB}" type="slidenum">
               <a:rPr lang="en-US" smtClean="0"/>
               <a:pPr algn="ctr"/>
-              <a:t>3</a:t>
+              <a:t>5</a:t>
             </a:fld>
             <a:endParaRPr lang="en-US" dirty="0"/>
           </a:p>
@@ -4648,7 +12533,7 @@
     </p:spTree>
     <p:extLst>
       <p:ext uri="{BB962C8B-B14F-4D97-AF65-F5344CB8AC3E}">
-        <p14:creationId xmlns:p14="http://schemas.microsoft.com/office/powerpoint/2010/main" val="1925984176"/>
+        <p14:creationId xmlns:p14="http://schemas.microsoft.com/office/powerpoint/2010/main" val="3810509597"/>
       </p:ext>
     </p:extLst>
   </p:cSld>
@@ -4658,7 +12543,7 @@
 </p:sld>
 </file>
 
-<file path=ppt/slides/slide4.xml><?xml version="1.0" encoding="utf-8"?>
+<file path=ppt/slides/slide6.xml><?xml version="1.0" encoding="utf-8"?>
 <p:sld xmlns:a="http://schemas.openxmlformats.org/drawingml/2006/main" xmlns:r="http://schemas.openxmlformats.org/officeDocument/2006/relationships" xmlns:p="http://schemas.openxmlformats.org/presentationml/2006/main">
   <p:cSld>
     <p:spTree>
@@ -4698,7 +12583,7 @@
           <a:p>
             <a:r>
               <a:rPr lang="en-US" dirty="0"/>
-              <a:t>Problem Definition (Game)	</a:t>
+              <a:t>Different Model and Goal	</a:t>
             </a:r>
           </a:p>
         </p:txBody>
@@ -4721,77 +12606,62 @@
         </p:nvSpPr>
         <p:spPr/>
         <p:txBody>
-          <a:bodyPr/>
+          <a:bodyPr>
+            <a:normAutofit/>
+          </a:bodyPr>
           <a:lstStyle/>
-          <a:p>
-            <a:r>
-              <a:rPr lang="en-US" dirty="0"/>
-              <a:t>At each </a:t>
-            </a:r>
-            <a:r>
-              <a:rPr lang="en-US" dirty="0" err="1"/>
-              <a:t>timestep</a:t>
-            </a:r>
-            <a:r>
-              <a:rPr lang="en-US" dirty="0"/>
-              <a:t> t, Nature chooses an user (row).</a:t>
-            </a:r>
-          </a:p>
-          <a:p>
-            <a:r>
-              <a:rPr lang="en-US" dirty="0"/>
-              <a:t>Then the learner chooses an arm (column).</a:t>
-            </a:r>
-          </a:p>
-          <a:p>
-            <a:r>
-              <a:rPr lang="en-US" dirty="0"/>
-              <a:t>Under the bandit feedback assumption </a:t>
-            </a:r>
-            <a:r>
-              <a:rPr lang="en-US" u="sng" dirty="0"/>
-              <a:t>only</a:t>
-            </a:r>
-            <a:r>
-              <a:rPr lang="en-US" dirty="0"/>
-              <a:t> the reward for the </a:t>
-            </a:r>
-            <a:r>
-              <a:rPr lang="en-US" i="1" dirty="0"/>
-              <a:t>user and arm</a:t>
-            </a:r>
-            <a:r>
-              <a:rPr lang="en-US" dirty="0"/>
-              <a:t> chosen is revealed to the learner.</a:t>
-            </a:r>
-          </a:p>
-          <a:p>
-            <a:r>
-              <a:rPr lang="en-US" dirty="0"/>
-              <a:t>The goal is to minimize the cumulative regret till </a:t>
-            </a:r>
-            <a:r>
-              <a:rPr lang="en-US" dirty="0" err="1"/>
-              <a:t>timestep</a:t>
-            </a:r>
-            <a:r>
-              <a:rPr lang="en-US" dirty="0"/>
-              <a:t> n, denoted by R</a:t>
-            </a:r>
-            <a:r>
-              <a:rPr lang="en-US" baseline="-25000" dirty="0"/>
-              <a:t>n</a:t>
-            </a:r>
-          </a:p>
           <a:p>
             <a:pPr marL="0" indent="0">
               <a:buNone/>
             </a:pPr>
             <a:r>
-              <a:rPr lang="en-US" baseline="-25000" dirty="0"/>
-              <a:t>	 </a:t>
+              <a:rPr lang="en-US" sz="2800" dirty="0"/>
+              <a:t>Difference with Previous Work of Latent Bandits (</a:t>
             </a:r>
-            <a:endParaRPr lang="en-US" dirty="0"/>
+            <a:r>
+              <a:rPr lang="en-US" sz="2800" dirty="0" err="1"/>
+              <a:t>Maillard</a:t>
+            </a:r>
+            <a:r>
+              <a:rPr lang="en-US" sz="2800" dirty="0"/>
+              <a:t> and </a:t>
+            </a:r>
+            <a:r>
+              <a:rPr lang="en-US" sz="2800" dirty="0" err="1"/>
+              <a:t>Mannor</a:t>
+            </a:r>
+            <a:r>
+              <a:rPr lang="en-US" sz="2800" dirty="0"/>
+              <a:t>, 2014)</a:t>
+            </a:r>
+          </a:p>
+          <a:p>
+            <a:r>
+              <a:rPr lang="en-US" sz="2200" dirty="0"/>
+              <a:t>K users divided into |B| clusters such that the reward </a:t>
+            </a:r>
+            <a:r>
+              <a:rPr lang="en-US" sz="2200" i="1" dirty="0"/>
+              <a:t>distributions</a:t>
+            </a:r>
+            <a:r>
+              <a:rPr lang="en-US" sz="2200" dirty="0"/>
+              <a:t> of all the users in each of the clusters are </a:t>
+            </a:r>
+            <a:r>
+              <a:rPr lang="en-US" sz="2200" i="1" dirty="0"/>
+              <a:t>identical</a:t>
+            </a:r>
+            <a:r>
+              <a:rPr lang="en-US" sz="2200" dirty="0"/>
+              <a:t>.</a:t>
+            </a:r>
+          </a:p>
+          <a:p>
+            <a:r>
+              <a:rPr lang="en-US" sz="2200" dirty="0"/>
+              <a:t>This problem easier to solve and has less practical applications.</a:t>
+            </a:r>
           </a:p>
           <a:p>
             <a:pPr marL="0" indent="0">
@@ -4803,35 +12673,85 @@
             <a:pPr marL="0" indent="0">
               <a:buNone/>
             </a:pPr>
-            <a:endParaRPr lang="en-US" u="sng" dirty="0"/>
+            <a:r>
+              <a:rPr lang="en-US" sz="2800" dirty="0"/>
+              <a:t>The Generalized Latent Bandit Game</a:t>
+            </a:r>
+          </a:p>
+          <a:p>
+            <a:r>
+              <a:rPr lang="en-US" sz="2200" dirty="0"/>
+              <a:t>Identify the clusters for faster learning</a:t>
+            </a:r>
+          </a:p>
+          <a:p>
+            <a:r>
+              <a:rPr lang="en-US" sz="2200" dirty="0"/>
+              <a:t>The goal is to minimize the cumulative regret denoted by </a:t>
+            </a:r>
+            <a:r>
+              <a:rPr lang="en-US" sz="2200" dirty="0">
+                <a:solidFill>
+                  <a:srgbClr val="00B050"/>
+                </a:solidFill>
+              </a:rPr>
+              <a:t>R</a:t>
+            </a:r>
+            <a:r>
+              <a:rPr lang="en-US" sz="2200" baseline="-25000" dirty="0">
+                <a:solidFill>
+                  <a:srgbClr val="00B050"/>
+                </a:solidFill>
+              </a:rPr>
+              <a:t>n</a:t>
+            </a:r>
+            <a:r>
+              <a:rPr lang="en-US" sz="2200" dirty="0"/>
+              <a:t> till </a:t>
+            </a:r>
+            <a:r>
+              <a:rPr lang="en-US" sz="2200" dirty="0" err="1"/>
+              <a:t>timestep</a:t>
+            </a:r>
+            <a:r>
+              <a:rPr lang="en-US" sz="2200" dirty="0"/>
+              <a:t> </a:t>
+            </a:r>
+            <a:r>
+              <a:rPr lang="en-US" sz="2200" dirty="0">
+                <a:solidFill>
+                  <a:srgbClr val="00B050"/>
+                </a:solidFill>
+              </a:rPr>
+              <a:t>n</a:t>
+            </a:r>
+            <a:r>
+              <a:rPr lang="en-US" sz="2200" dirty="0"/>
+              <a:t>, </a:t>
+            </a:r>
+            <a:endParaRPr lang="en-US" sz="2200" baseline="-25000" dirty="0">
+              <a:solidFill>
+                <a:srgbClr val="00B050"/>
+              </a:solidFill>
+            </a:endParaRPr>
           </a:p>
           <a:p>
             <a:pPr marL="0" indent="0">
               <a:buNone/>
             </a:pPr>
             <a:r>
-              <a:rPr lang="en-US" u="sng" dirty="0"/>
-              <a:t>Further Assumptions:</a:t>
+              <a:rPr lang="en-US" sz="2400" baseline="-25000" dirty="0"/>
+              <a:t>	 </a:t>
             </a:r>
+            <a:endParaRPr lang="en-US" sz="2400" u="sng" dirty="0"/>
           </a:p>
           <a:p>
+            <a:pPr marL="0" indent="0">
+              <a:buNone/>
+            </a:pPr>
             <a:r>
               <a:rPr lang="en-US" dirty="0"/>
-              <a:t>The time horizon </a:t>
-            </a:r>
-            <a:r>
-              <a:rPr lang="en-US" b="1" dirty="0"/>
-              <a:t>n</a:t>
-            </a:r>
-            <a:r>
-              <a:rPr lang="en-US" dirty="0"/>
-              <a:t> may or may not be known to the learner.</a:t>
-            </a:r>
-          </a:p>
-          <a:p>
-            <a:r>
-              <a:rPr lang="en-US" dirty="0"/>
-              <a:t>The reward distributions are sub-Gaussians and rewards bounded in [0,1] with high probability.</a:t>
+              <a:t>.</a:t>
             </a:r>
           </a:p>
           <a:p>
@@ -4867,7 +12787,7 @@
             <a:fld id="{90156F56-D5AE-4C6F-B826-C69D1BC521BB}" type="slidenum">
               <a:rPr lang="en-US" smtClean="0"/>
               <a:pPr algn="ctr"/>
-              <a:t>4</a:t>
+              <a:t>6</a:t>
             </a:fld>
             <a:endParaRPr lang="en-US" dirty="0"/>
           </a:p>
@@ -4895,12 +12815,15 @@
         </p:blipFill>
         <p:spPr>
           <a:xfrm>
-            <a:off x="471948" y="2975000"/>
-            <a:ext cx="11267768" cy="753883"/>
+            <a:off x="570192" y="4704763"/>
+            <a:ext cx="10800814" cy="722641"/>
           </a:xfrm>
           <a:prstGeom prst="rect">
             <a:avLst/>
           </a:prstGeom>
+          <a:solidFill>
+            <a:srgbClr val="92D050"/>
+          </a:solidFill>
         </p:spPr>
       </p:pic>
     </p:spTree>
@@ -4916,7 +12839,724 @@
 </p:sld>
 </file>
 
-<file path=ppt/slides/slide5.xml><?xml version="1.0" encoding="utf-8"?>
+<file path=ppt/slides/slide7.xml><?xml version="1.0" encoding="utf-8"?>
+<p:sld xmlns:a="http://schemas.openxmlformats.org/drawingml/2006/main" xmlns:r="http://schemas.openxmlformats.org/officeDocument/2006/relationships" xmlns:p="http://schemas.openxmlformats.org/presentationml/2006/main">
+  <p:cSld>
+    <p:spTree>
+      <p:nvGrpSpPr>
+        <p:cNvPr id="1" name=""/>
+        <p:cNvGrpSpPr/>
+        <p:nvPr/>
+      </p:nvGrpSpPr>
+      <p:grpSpPr>
+        <a:xfrm>
+          <a:off x="0" y="0"/>
+          <a:ext cx="0" cy="0"/>
+          <a:chOff x="0" y="0"/>
+          <a:chExt cx="0" cy="0"/>
+        </a:xfrm>
+      </p:grpSpPr>
+      <p:sp>
+        <p:nvSpPr>
+          <p:cNvPr id="2" name="Title 1">
+            <a:extLst>
+              <a:ext uri="{FF2B5EF4-FFF2-40B4-BE49-F238E27FC236}">
+                <a16:creationId xmlns:a16="http://schemas.microsoft.com/office/drawing/2014/main" id="{432574C9-2022-C143-A498-D8BFA47A0A04}"/>
+              </a:ext>
+            </a:extLst>
+          </p:cNvPr>
+          <p:cNvSpPr>
+            <a:spLocks noGrp="1"/>
+          </p:cNvSpPr>
+          <p:nvPr>
+            <p:ph type="title"/>
+          </p:nvPr>
+        </p:nvSpPr>
+        <p:spPr/>
+        <p:txBody>
+          <a:bodyPr/>
+          <a:lstStyle/>
+          <a:p>
+            <a:r>
+              <a:rPr lang="en-US" dirty="0"/>
+              <a:t>Assumption and Example</a:t>
+            </a:r>
+          </a:p>
+        </p:txBody>
+      </p:sp>
+      <mc:AlternateContent xmlns:mc="http://schemas.openxmlformats.org/markup-compatibility/2006">
+        <mc:Choice xmlns:a14="http://schemas.microsoft.com/office/drawing/2010/main" Requires="a14">
+          <p:sp>
+            <p:nvSpPr>
+              <p:cNvPr id="3" name="Content Placeholder 2">
+                <a:extLst>
+                  <a:ext uri="{FF2B5EF4-FFF2-40B4-BE49-F238E27FC236}">
+                    <a16:creationId xmlns:a16="http://schemas.microsoft.com/office/drawing/2014/main" id="{5E409650-3DF8-D64F-81EC-A2B739B28F23}"/>
+                  </a:ext>
+                </a:extLst>
+              </p:cNvPr>
+              <p:cNvSpPr>
+                <a:spLocks noGrp="1"/>
+              </p:cNvSpPr>
+              <p:nvPr>
+                <p:ph idx="1"/>
+              </p:nvPr>
+            </p:nvSpPr>
+            <p:spPr/>
+            <p:txBody>
+              <a:bodyPr/>
+              <a:lstStyle/>
+              <a:p>
+                <a:pPr marL="0" indent="0">
+                  <a:buNone/>
+                </a:pPr>
+                <a:r>
+                  <a:rPr lang="en-US" sz="2800" dirty="0"/>
+                  <a:t>Further Assumptions</a:t>
+                </a:r>
+              </a:p>
+              <a:p>
+                <a:r>
+                  <a:rPr lang="en-US" dirty="0"/>
+                  <a:t>The time horizon </a:t>
+                </a:r>
+                <a:r>
+                  <a:rPr lang="en-US" sz="2200" b="1" dirty="0">
+                    <a:solidFill>
+                      <a:srgbClr val="00B050"/>
+                    </a:solidFill>
+                  </a:rPr>
+                  <a:t>n</a:t>
+                </a:r>
+                <a:r>
+                  <a:rPr lang="en-US" dirty="0"/>
+                  <a:t> may or may not be known to the learner.</a:t>
+                </a:r>
+              </a:p>
+              <a:p>
+                <a:r>
+                  <a:rPr lang="en-US" dirty="0"/>
+                  <a:t>The reward distributions are </a:t>
+                </a:r>
+                <a:r>
+                  <a:rPr lang="en-US" dirty="0">
+                    <a:solidFill>
+                      <a:schemeClr val="accent5">
+                        <a:lumMod val="75000"/>
+                      </a:schemeClr>
+                    </a:solidFill>
+                  </a:rPr>
+                  <a:t>sub-Gaussians</a:t>
+                </a:r>
+                <a:r>
+                  <a:rPr lang="en-US" dirty="0"/>
+                  <a:t> and rewards bounded in </a:t>
+                </a:r>
+                <a:r>
+                  <a:rPr lang="en-US" dirty="0">
+                    <a:solidFill>
+                      <a:schemeClr val="accent5">
+                        <a:lumMod val="75000"/>
+                      </a:schemeClr>
+                    </a:solidFill>
+                  </a:rPr>
+                  <a:t>[0,1]</a:t>
+                </a:r>
+                <a:r>
+                  <a:rPr lang="en-US" dirty="0"/>
+                  <a:t> with high probability.</a:t>
+                </a:r>
+              </a:p>
+              <a:p>
+                <a:pPr marL="0" indent="0">
+                  <a:buNone/>
+                </a:pPr>
+                <a:endParaRPr lang="en-US" dirty="0"/>
+              </a:p>
+              <a:p>
+                <a:pPr marL="0" indent="0">
+                  <a:buNone/>
+                </a:pPr>
+                <a:r>
+                  <a:rPr lang="en-US" sz="2800" dirty="0"/>
+                  <a:t>A Simple Example</a:t>
+                </a:r>
+              </a:p>
+              <a:p>
+                <a:pPr marL="0" indent="0">
+                  <a:buNone/>
+                </a:pPr>
+                <a:r>
+                  <a:rPr lang="en-US" sz="2200" b="1" i="1" dirty="0">
+                    <a:latin typeface="Cambria Math" panose="02040503050406030204" pitchFamily="18" charset="0"/>
+                    <a:ea typeface="Cambria Math" panose="02040503050406030204" pitchFamily="18" charset="0"/>
+                  </a:rPr>
+                  <a:t>U </a:t>
+                </a:r>
+                <a:r>
+                  <a:rPr lang="en-US" sz="2200" dirty="0">
+                    <a:latin typeface="Cambria Math" panose="02040503050406030204" pitchFamily="18" charset="0"/>
+                    <a:ea typeface="Cambria Math" panose="02040503050406030204" pitchFamily="18" charset="0"/>
+                  </a:rPr>
+                  <a:t>= </a:t>
+                </a:r>
+                <a14:m>
+                  <m:oMath xmlns:m="http://schemas.openxmlformats.org/officeDocument/2006/math">
+                    <m:m>
+                      <m:mPr>
+                        <m:mcs>
+                          <m:mc>
+                            <m:mcPr>
+                              <m:count m:val="2"/>
+                              <m:mcJc m:val="center"/>
+                            </m:mcPr>
+                          </m:mc>
+                        </m:mcs>
+                        <m:ctrlPr>
+                          <a:rPr lang="en-US" sz="2200" i="1" smtClean="0">
+                            <a:latin typeface="Cambria Math" panose="02040503050406030204" pitchFamily="18" charset="0"/>
+                            <a:ea typeface="Cambria Math" panose="02040503050406030204" pitchFamily="18" charset="0"/>
+                          </a:rPr>
+                        </m:ctrlPr>
+                      </m:mPr>
+                      <m:mr>
+                        <m:e>
+                          <m:r>
+                            <m:rPr>
+                              <m:brk m:alnAt="7"/>
+                            </m:rPr>
+                            <a:rPr lang="en-US" sz="2200" b="0" i="1" smtClean="0">
+                              <a:latin typeface="Cambria Math" panose="02040503050406030204" pitchFamily="18" charset="0"/>
+                              <a:ea typeface="Cambria Math" panose="02040503050406030204" pitchFamily="18" charset="0"/>
+                            </a:rPr>
+                            <m:t>1</m:t>
+                          </m:r>
+                        </m:e>
+                        <m:e>
+                          <m:r>
+                            <a:rPr lang="en-US" sz="2200" b="0" i="1" smtClean="0">
+                              <a:latin typeface="Cambria Math" panose="02040503050406030204" pitchFamily="18" charset="0"/>
+                              <a:ea typeface="Cambria Math" panose="02040503050406030204" pitchFamily="18" charset="0"/>
+                            </a:rPr>
+                            <m:t>0</m:t>
+                          </m:r>
+                        </m:e>
+                      </m:mr>
+                      <m:mr>
+                        <m:e>
+                          <m:r>
+                            <a:rPr lang="en-US" sz="2200" b="0" i="1" smtClean="0">
+                              <a:latin typeface="Cambria Math" panose="02040503050406030204" pitchFamily="18" charset="0"/>
+                              <a:ea typeface="Cambria Math" panose="02040503050406030204" pitchFamily="18" charset="0"/>
+                            </a:rPr>
+                            <m:t>0</m:t>
+                          </m:r>
+                        </m:e>
+                        <m:e>
+                          <m:r>
+                            <a:rPr lang="en-US" sz="2200" b="0" i="1" smtClean="0">
+                              <a:latin typeface="Cambria Math" panose="02040503050406030204" pitchFamily="18" charset="0"/>
+                              <a:ea typeface="Cambria Math" panose="02040503050406030204" pitchFamily="18" charset="0"/>
+                            </a:rPr>
+                            <m:t>1</m:t>
+                          </m:r>
+                        </m:e>
+                      </m:mr>
+                      <m:mr>
+                        <m:e>
+                          <m:r>
+                            <a:rPr lang="en-US" sz="2200" b="0" i="1" smtClean="0">
+                              <a:latin typeface="Cambria Math" panose="02040503050406030204" pitchFamily="18" charset="0"/>
+                              <a:ea typeface="Cambria Math" panose="02040503050406030204" pitchFamily="18" charset="0"/>
+                            </a:rPr>
+                            <m:t>0.6</m:t>
+                          </m:r>
+                        </m:e>
+                        <m:e>
+                          <m:r>
+                            <a:rPr lang="en-US" sz="2200" b="0" i="1" smtClean="0">
+                              <a:latin typeface="Cambria Math" panose="02040503050406030204" pitchFamily="18" charset="0"/>
+                              <a:ea typeface="Cambria Math" panose="02040503050406030204" pitchFamily="18" charset="0"/>
+                            </a:rPr>
+                            <m:t>0.4</m:t>
+                          </m:r>
+                        </m:e>
+                      </m:mr>
+                    </m:m>
+                  </m:oMath>
+                </a14:m>
+                <a:r>
+                  <a:rPr lang="en-US" sz="2200" dirty="0">
+                    <a:latin typeface="Cambria Math" panose="02040503050406030204" pitchFamily="18" charset="0"/>
+                    <a:ea typeface="Cambria Math" panose="02040503050406030204" pitchFamily="18" charset="0"/>
+                  </a:rPr>
+                  <a:t>		 </a:t>
+                </a:r>
+                <a:r>
+                  <a:rPr lang="en-US" sz="2200" b="1" i="1" dirty="0">
+                    <a:latin typeface="Cambria Math" panose="02040503050406030204" pitchFamily="18" charset="0"/>
+                    <a:ea typeface="Cambria Math" panose="02040503050406030204" pitchFamily="18" charset="0"/>
+                  </a:rPr>
+                  <a:t>V </a:t>
+                </a:r>
+                <a:r>
+                  <a:rPr lang="en-US" sz="2200" dirty="0">
+                    <a:latin typeface="Cambria Math" panose="02040503050406030204" pitchFamily="18" charset="0"/>
+                    <a:ea typeface="Cambria Math" panose="02040503050406030204" pitchFamily="18" charset="0"/>
+                  </a:rPr>
+                  <a:t>= </a:t>
+                </a:r>
+                <a14:m>
+                  <m:oMath xmlns:m="http://schemas.openxmlformats.org/officeDocument/2006/math">
+                    <m:m>
+                      <m:mPr>
+                        <m:mcs>
+                          <m:mc>
+                            <m:mcPr>
+                              <m:count m:val="2"/>
+                              <m:mcJc m:val="center"/>
+                            </m:mcPr>
+                          </m:mc>
+                        </m:mcs>
+                        <m:ctrlPr>
+                          <a:rPr lang="en-US" sz="2200" i="1" smtClean="0">
+                            <a:latin typeface="Cambria Math" panose="02040503050406030204" pitchFamily="18" charset="0"/>
+                            <a:ea typeface="Cambria Math" panose="02040503050406030204" pitchFamily="18" charset="0"/>
+                          </a:rPr>
+                        </m:ctrlPr>
+                      </m:mPr>
+                      <m:mr>
+                        <m:e>
+                          <m:r>
+                            <m:rPr>
+                              <m:brk m:alnAt="7"/>
+                            </m:rPr>
+                            <a:rPr lang="en-US" sz="2200" b="0" i="1" smtClean="0">
+                              <a:latin typeface="Cambria Math" panose="02040503050406030204" pitchFamily="18" charset="0"/>
+                              <a:ea typeface="Cambria Math" panose="02040503050406030204" pitchFamily="18" charset="0"/>
+                            </a:rPr>
+                            <m:t>1</m:t>
+                          </m:r>
+                        </m:e>
+                        <m:e>
+                          <m:r>
+                            <a:rPr lang="en-US" sz="2200" b="0" i="1" smtClean="0">
+                              <a:latin typeface="Cambria Math" panose="02040503050406030204" pitchFamily="18" charset="0"/>
+                              <a:ea typeface="Cambria Math" panose="02040503050406030204" pitchFamily="18" charset="0"/>
+                            </a:rPr>
+                            <m:t>0</m:t>
+                          </m:r>
+                        </m:e>
+                      </m:mr>
+                      <m:mr>
+                        <m:e>
+                          <m:r>
+                            <a:rPr lang="en-US" sz="2200" b="0" i="1" smtClean="0">
+                              <a:latin typeface="Cambria Math" panose="02040503050406030204" pitchFamily="18" charset="0"/>
+                              <a:ea typeface="Cambria Math" panose="02040503050406030204" pitchFamily="18" charset="0"/>
+                            </a:rPr>
+                            <m:t>0</m:t>
+                          </m:r>
+                        </m:e>
+                        <m:e>
+                          <m:r>
+                            <a:rPr lang="en-US" sz="2200" b="0" i="1" smtClean="0">
+                              <a:latin typeface="Cambria Math" panose="02040503050406030204" pitchFamily="18" charset="0"/>
+                              <a:ea typeface="Cambria Math" panose="02040503050406030204" pitchFamily="18" charset="0"/>
+                            </a:rPr>
+                            <m:t>1</m:t>
+                          </m:r>
+                        </m:e>
+                      </m:mr>
+                      <m:mr>
+                        <m:e>
+                          <m:r>
+                            <a:rPr lang="en-US" sz="2200" b="0" i="1" smtClean="0">
+                              <a:latin typeface="Cambria Math" panose="02040503050406030204" pitchFamily="18" charset="0"/>
+                              <a:ea typeface="Cambria Math" panose="02040503050406030204" pitchFamily="18" charset="0"/>
+                            </a:rPr>
+                            <m:t>0.6</m:t>
+                          </m:r>
+                        </m:e>
+                        <m:e>
+                          <m:r>
+                            <a:rPr lang="en-US" sz="2200" b="0" i="1" smtClean="0">
+                              <a:latin typeface="Cambria Math" panose="02040503050406030204" pitchFamily="18" charset="0"/>
+                              <a:ea typeface="Cambria Math" panose="02040503050406030204" pitchFamily="18" charset="0"/>
+                            </a:rPr>
+                            <m:t>0.4</m:t>
+                          </m:r>
+                        </m:e>
+                      </m:mr>
+                    </m:m>
+                  </m:oMath>
+                </a14:m>
+                <a:r>
+                  <a:rPr lang="en-US" sz="2200" dirty="0">
+                    <a:latin typeface="Cambria Math" panose="02040503050406030204" pitchFamily="18" charset="0"/>
+                    <a:ea typeface="Cambria Math" panose="02040503050406030204" pitchFamily="18" charset="0"/>
+                  </a:rPr>
+                  <a:t>  		</a:t>
+                </a:r>
+                <a:r>
+                  <a:rPr lang="en-US" sz="2200" b="1" dirty="0">
+                    <a:ea typeface="Cambria Math" panose="02040503050406030204" pitchFamily="18" charset="0"/>
+                  </a:rPr>
+                  <a:t> </a:t>
+                </a:r>
+                <a14:m>
+                  <m:oMath xmlns:m="http://schemas.openxmlformats.org/officeDocument/2006/math">
+                    <m:acc>
+                      <m:accPr>
+                        <m:chr m:val="̅"/>
+                        <m:ctrlPr>
+                          <a:rPr lang="en-US" sz="2200" b="1" i="1">
+                            <a:latin typeface="Cambria Math" panose="02040503050406030204" pitchFamily="18" charset="0"/>
+                            <a:ea typeface="Cambria Math" panose="02040503050406030204" pitchFamily="18" charset="0"/>
+                          </a:rPr>
+                        </m:ctrlPr>
+                      </m:accPr>
+                      <m:e>
+                        <m:r>
+                          <a:rPr lang="en-US" sz="2200" b="1" i="1">
+                            <a:latin typeface="Cambria Math" panose="02040503050406030204" pitchFamily="18" charset="0"/>
+                            <a:ea typeface="Cambria Math" panose="02040503050406030204" pitchFamily="18" charset="0"/>
+                          </a:rPr>
+                          <m:t>𝑹</m:t>
+                        </m:r>
+                      </m:e>
+                    </m:acc>
+                  </m:oMath>
+                </a14:m>
+                <a:r>
+                  <a:rPr lang="en-US" sz="2200" dirty="0"/>
+                  <a:t> </a:t>
+                </a:r>
+                <a:r>
+                  <a:rPr lang="en-US" sz="2200" dirty="0">
+                    <a:latin typeface="Cambria Math" panose="02040503050406030204" pitchFamily="18" charset="0"/>
+                    <a:ea typeface="Cambria Math" panose="02040503050406030204" pitchFamily="18" charset="0"/>
+                  </a:rPr>
+                  <a:t>= </a:t>
+                </a:r>
+                <a:r>
+                  <a:rPr lang="en-US" sz="2200" b="1" i="1" dirty="0">
+                    <a:latin typeface="Cambria Math" panose="02040503050406030204" pitchFamily="18" charset="0"/>
+                    <a:ea typeface="Cambria Math" panose="02040503050406030204" pitchFamily="18" charset="0"/>
+                  </a:rPr>
+                  <a:t>UV</a:t>
+                </a:r>
+                <a:r>
+                  <a:rPr lang="en-US" sz="2200" b="1" i="1" baseline="30000" dirty="0">
+                    <a:latin typeface="Cambria Math" panose="02040503050406030204" pitchFamily="18" charset="0"/>
+                    <a:ea typeface="Cambria Math" panose="02040503050406030204" pitchFamily="18" charset="0"/>
+                  </a:rPr>
+                  <a:t>T</a:t>
+                </a:r>
+                <a:r>
+                  <a:rPr lang="en-US" sz="2200" baseline="30000" dirty="0">
+                    <a:latin typeface="Cambria Math" panose="02040503050406030204" pitchFamily="18" charset="0"/>
+                    <a:ea typeface="Cambria Math" panose="02040503050406030204" pitchFamily="18" charset="0"/>
+                  </a:rPr>
+                  <a:t>  =</a:t>
+                </a:r>
+                <a:r>
+                  <a:rPr lang="en-US" sz="2200" dirty="0">
+                    <a:latin typeface="Cambria Math" panose="02040503050406030204" pitchFamily="18" charset="0"/>
+                    <a:ea typeface="Cambria Math" panose="02040503050406030204" pitchFamily="18" charset="0"/>
+                  </a:rPr>
+                  <a:t> </a:t>
+                </a:r>
+                <a14:m>
+                  <m:oMath xmlns:m="http://schemas.openxmlformats.org/officeDocument/2006/math">
+                    <m:m>
+                      <m:mPr>
+                        <m:mcs>
+                          <m:mc>
+                            <m:mcPr>
+                              <m:count m:val="3"/>
+                              <m:mcJc m:val="center"/>
+                            </m:mcPr>
+                          </m:mc>
+                        </m:mcs>
+                        <m:ctrlPr>
+                          <a:rPr lang="en-US" sz="2200" i="1" smtClean="0">
+                            <a:latin typeface="Cambria Math" panose="02040503050406030204" pitchFamily="18" charset="0"/>
+                            <a:ea typeface="Cambria Math" panose="02040503050406030204" pitchFamily="18" charset="0"/>
+                          </a:rPr>
+                        </m:ctrlPr>
+                      </m:mPr>
+                      <m:mr>
+                        <m:e>
+                          <m:r>
+                            <m:rPr>
+                              <m:brk m:alnAt="7"/>
+                            </m:rPr>
+                            <a:rPr lang="en-US" sz="2200" b="0" i="1" smtClean="0">
+                              <a:latin typeface="Cambria Math" panose="02040503050406030204" pitchFamily="18" charset="0"/>
+                              <a:ea typeface="Cambria Math" panose="02040503050406030204" pitchFamily="18" charset="0"/>
+                            </a:rPr>
+                            <m:t>1</m:t>
+                          </m:r>
+                        </m:e>
+                        <m:e>
+                          <m:r>
+                            <a:rPr lang="en-US" sz="2200" b="0" i="1" smtClean="0">
+                              <a:latin typeface="Cambria Math" panose="02040503050406030204" pitchFamily="18" charset="0"/>
+                              <a:ea typeface="Cambria Math" panose="02040503050406030204" pitchFamily="18" charset="0"/>
+                            </a:rPr>
+                            <m:t>0</m:t>
+                          </m:r>
+                        </m:e>
+                        <m:e>
+                          <m:r>
+                            <a:rPr lang="en-US" sz="2200" b="0" i="1" smtClean="0">
+                              <a:latin typeface="Cambria Math" panose="02040503050406030204" pitchFamily="18" charset="0"/>
+                              <a:ea typeface="Cambria Math" panose="02040503050406030204" pitchFamily="18" charset="0"/>
+                            </a:rPr>
+                            <m:t>0.6</m:t>
+                          </m:r>
+                        </m:e>
+                      </m:mr>
+                      <m:mr>
+                        <m:e>
+                          <m:r>
+                            <a:rPr lang="en-US" sz="2200" b="0" i="1" smtClean="0">
+                              <a:latin typeface="Cambria Math" panose="02040503050406030204" pitchFamily="18" charset="0"/>
+                              <a:ea typeface="Cambria Math" panose="02040503050406030204" pitchFamily="18" charset="0"/>
+                            </a:rPr>
+                            <m:t>0</m:t>
+                          </m:r>
+                        </m:e>
+                        <m:e>
+                          <m:r>
+                            <a:rPr lang="en-US" sz="2200" b="0" i="1" smtClean="0">
+                              <a:latin typeface="Cambria Math" panose="02040503050406030204" pitchFamily="18" charset="0"/>
+                              <a:ea typeface="Cambria Math" panose="02040503050406030204" pitchFamily="18" charset="0"/>
+                            </a:rPr>
+                            <m:t>1</m:t>
+                          </m:r>
+                        </m:e>
+                        <m:e>
+                          <m:r>
+                            <a:rPr lang="en-US" sz="2200" b="0" i="1" smtClean="0">
+                              <a:latin typeface="Cambria Math" panose="02040503050406030204" pitchFamily="18" charset="0"/>
+                              <a:ea typeface="Cambria Math" panose="02040503050406030204" pitchFamily="18" charset="0"/>
+                            </a:rPr>
+                            <m:t>0.4</m:t>
+                          </m:r>
+                        </m:e>
+                      </m:mr>
+                      <m:mr>
+                        <m:e>
+                          <m:r>
+                            <a:rPr lang="en-US" sz="2200" b="0" i="1" smtClean="0">
+                              <a:latin typeface="Cambria Math" panose="02040503050406030204" pitchFamily="18" charset="0"/>
+                              <a:ea typeface="Cambria Math" panose="02040503050406030204" pitchFamily="18" charset="0"/>
+                            </a:rPr>
+                            <m:t>0.6</m:t>
+                          </m:r>
+                        </m:e>
+                        <m:e>
+                          <m:r>
+                            <a:rPr lang="en-US" sz="2200" b="0" i="1" smtClean="0">
+                              <a:latin typeface="Cambria Math" panose="02040503050406030204" pitchFamily="18" charset="0"/>
+                              <a:ea typeface="Cambria Math" panose="02040503050406030204" pitchFamily="18" charset="0"/>
+                            </a:rPr>
+                            <m:t>0.4</m:t>
+                          </m:r>
+                        </m:e>
+                        <m:e>
+                          <m:r>
+                            <a:rPr lang="en-US" sz="2200" b="0" i="1" smtClean="0">
+                              <a:latin typeface="Cambria Math" panose="02040503050406030204" pitchFamily="18" charset="0"/>
+                              <a:ea typeface="Cambria Math" panose="02040503050406030204" pitchFamily="18" charset="0"/>
+                            </a:rPr>
+                            <m:t>0.52</m:t>
+                          </m:r>
+                        </m:e>
+                      </m:mr>
+                    </m:m>
+                  </m:oMath>
+                </a14:m>
+                <a:endParaRPr lang="en-US" sz="2200" dirty="0">
+                  <a:latin typeface="Cambria Math" panose="02040503050406030204" pitchFamily="18" charset="0"/>
+                  <a:ea typeface="Cambria Math" panose="02040503050406030204" pitchFamily="18" charset="0"/>
+                </a:endParaRPr>
+              </a:p>
+              <a:p>
+                <a14:m>
+                  <m:oMath xmlns:m="http://schemas.openxmlformats.org/officeDocument/2006/math">
+                    <m:acc>
+                      <m:accPr>
+                        <m:chr m:val="̅"/>
+                        <m:ctrlPr>
+                          <a:rPr lang="en-US" sz="2200" b="1" i="1">
+                            <a:latin typeface="Cambria Math" panose="02040503050406030204" pitchFamily="18" charset="0"/>
+                            <a:ea typeface="Cambria Math" panose="02040503050406030204" pitchFamily="18" charset="0"/>
+                          </a:rPr>
+                        </m:ctrlPr>
+                      </m:accPr>
+                      <m:e>
+                        <m:r>
+                          <a:rPr lang="en-US" sz="2200" b="1" i="1">
+                            <a:latin typeface="Cambria Math" panose="02040503050406030204" pitchFamily="18" charset="0"/>
+                            <a:ea typeface="Cambria Math" panose="02040503050406030204" pitchFamily="18" charset="0"/>
+                          </a:rPr>
+                          <m:t>𝑹</m:t>
+                        </m:r>
+                      </m:e>
+                    </m:acc>
+                  </m:oMath>
+                </a14:m>
+                <a:r>
+                  <a:rPr lang="en-US" sz="2200" dirty="0">
+                    <a:latin typeface="Cambria Math" panose="02040503050406030204" pitchFamily="18" charset="0"/>
+                    <a:ea typeface="Cambria Math" panose="02040503050406030204" pitchFamily="18" charset="0"/>
+                  </a:rPr>
+                  <a:t> </a:t>
+                </a:r>
+                <a:r>
+                  <a:rPr lang="en-US" sz="2200" dirty="0">
+                    <a:ea typeface="Cambria Math" panose="02040503050406030204" pitchFamily="18" charset="0"/>
+                  </a:rPr>
+                  <a:t>is a rank 2 matrix </a:t>
+                </a:r>
+              </a:p>
+              <a:p>
+                <a:r>
+                  <a:rPr lang="en-US" sz="2200" dirty="0">
+                    <a:ea typeface="Cambria Math" panose="02040503050406030204" pitchFamily="18" charset="0"/>
+                  </a:rPr>
+                  <a:t>Also we can obtain the following result, </a:t>
+                </a:r>
+              </a:p>
+            </p:txBody>
+          </p:sp>
+        </mc:Choice>
+        <mc:Fallback>
+          <p:sp>
+            <p:nvSpPr>
+              <p:cNvPr id="3" name="Content Placeholder 2">
+                <a:extLst>
+                  <a:ext uri="{FF2B5EF4-FFF2-40B4-BE49-F238E27FC236}">
+                    <a16:creationId xmlns:a16="http://schemas.microsoft.com/office/drawing/2014/main" id="{5E409650-3DF8-D64F-81EC-A2B739B28F23}"/>
+                  </a:ext>
+                </a:extLst>
+              </p:cNvPr>
+              <p:cNvSpPr>
+                <a:spLocks noGrp="1" noRot="1" noChangeAspect="1" noMove="1" noResize="1" noEditPoints="1" noAdjustHandles="1" noChangeArrowheads="1" noChangeShapeType="1" noTextEdit="1"/>
+              </p:cNvSpPr>
+              <p:nvPr>
+                <p:ph idx="1"/>
+              </p:nvPr>
+            </p:nvSpPr>
+            <p:spPr>
+              <a:blipFill>
+                <a:blip r:embed="rId2"/>
+                <a:stretch>
+                  <a:fillRect l="-987" t="-978"/>
+                </a:stretch>
+              </a:blipFill>
+            </p:spPr>
+            <p:txBody>
+              <a:bodyPr/>
+              <a:lstStyle/>
+              <a:p>
+                <a:r>
+                  <a:rPr lang="en-US">
+                    <a:noFill/>
+                  </a:rPr>
+                  <a:t> </a:t>
+                </a:r>
+              </a:p>
+            </p:txBody>
+          </p:sp>
+        </mc:Fallback>
+      </mc:AlternateContent>
+      <p:sp>
+        <p:nvSpPr>
+          <p:cNvPr id="4" name="Slide Number Placeholder 3">
+            <a:extLst>
+              <a:ext uri="{FF2B5EF4-FFF2-40B4-BE49-F238E27FC236}">
+                <a16:creationId xmlns:a16="http://schemas.microsoft.com/office/drawing/2014/main" id="{F8A43E25-B0AD-6B41-A53C-4E8C6A7B37AD}"/>
+              </a:ext>
+            </a:extLst>
+          </p:cNvPr>
+          <p:cNvSpPr>
+            <a:spLocks noGrp="1"/>
+          </p:cNvSpPr>
+          <p:nvPr>
+            <p:ph type="sldNum" sz="quarter" idx="12"/>
+          </p:nvPr>
+        </p:nvSpPr>
+        <p:spPr/>
+        <p:txBody>
+          <a:bodyPr/>
+          <a:lstStyle/>
+          <a:p>
+            <a:pPr algn="ctr"/>
+            <a:fld id="{90156F56-D5AE-4C6F-B826-C69D1BC521BB}" type="slidenum">
+              <a:rPr lang="en-US" smtClean="0"/>
+              <a:pPr algn="ctr"/>
+              <a:t>7</a:t>
+            </a:fld>
+            <a:endParaRPr lang="en-US" dirty="0"/>
+          </a:p>
+        </p:txBody>
+      </p:sp>
+      <p:pic>
+        <p:nvPicPr>
+          <p:cNvPr id="6" name="Picture 5">
+            <a:extLst>
+              <a:ext uri="{FF2B5EF4-FFF2-40B4-BE49-F238E27FC236}">
+                <a16:creationId xmlns:a16="http://schemas.microsoft.com/office/drawing/2014/main" id="{9C9AD09B-8E85-824F-8EAA-3CC37A6DBB10}"/>
+              </a:ext>
+            </a:extLst>
+          </p:cNvPr>
+          <p:cNvPicPr>
+            <a:picLocks noChangeAspect="1"/>
+          </p:cNvPicPr>
+          <p:nvPr/>
+        </p:nvPicPr>
+        <p:blipFill>
+          <a:blip r:embed="rId3"/>
+          <a:stretch>
+            <a:fillRect/>
+          </a:stretch>
+        </p:blipFill>
+        <p:spPr>
+          <a:xfrm>
+            <a:off x="980410" y="5206181"/>
+            <a:ext cx="8388143" cy="1118419"/>
+          </a:xfrm>
+          <a:prstGeom prst="rect">
+            <a:avLst/>
+          </a:prstGeom>
+          <a:solidFill>
+            <a:srgbClr val="00B050"/>
+          </a:solidFill>
+          <a:ln w="38100">
+            <a:solidFill>
+              <a:srgbClr val="FF0000"/>
+            </a:solidFill>
+          </a:ln>
+        </p:spPr>
+      </p:pic>
+    </p:spTree>
+    <p:extLst>
+      <p:ext uri="{BB962C8B-B14F-4D97-AF65-F5344CB8AC3E}">
+        <p14:creationId xmlns:p14="http://schemas.microsoft.com/office/powerpoint/2010/main" val="900708667"/>
+      </p:ext>
+    </p:extLst>
+  </p:cSld>
+  <p:clrMapOvr>
+    <a:masterClrMapping/>
+  </p:clrMapOvr>
+</p:sld>
+</file>
+
+<file path=ppt/slides/slide8.xml><?xml version="1.0" encoding="utf-8"?>
 <p:sld xmlns:a="http://schemas.openxmlformats.org/drawingml/2006/main" xmlns:r="http://schemas.openxmlformats.org/officeDocument/2006/relationships" xmlns:p="http://schemas.openxmlformats.org/presentationml/2006/main">
   <p:cSld>
     <p:spTree>
@@ -5151,7 +13791,7 @@
             <a:fld id="{90156F56-D5AE-4C6F-B826-C69D1BC521BB}" type="slidenum">
               <a:rPr lang="en-US" smtClean="0"/>
               <a:pPr algn="ctr"/>
-              <a:t>5</a:t>
+              <a:t>8</a:t>
             </a:fld>
             <a:endParaRPr lang="en-US" dirty="0"/>
           </a:p>
@@ -5170,7 +13810,7 @@
 </p:sld>
 </file>
 
-<file path=ppt/slides/slide6.xml><?xml version="1.0" encoding="utf-8"?>
+<file path=ppt/slides/slide9.xml><?xml version="1.0" encoding="utf-8"?>
 <p:sld xmlns:a="http://schemas.openxmlformats.org/drawingml/2006/main" xmlns:r="http://schemas.openxmlformats.org/officeDocument/2006/relationships" xmlns:p="http://schemas.openxmlformats.org/presentationml/2006/main">
   <p:cSld>
     <p:spTree>
@@ -5398,7 +14038,7 @@
             </a:pPr>
             <a:r>
               <a:rPr lang="en-US" dirty="0"/>
-              <a:t> Experiments with other state-of-the-art algorithms</a:t>
+              <a:t>Experiments with other state-of-the-art algorithms</a:t>
             </a:r>
           </a:p>
           <a:p>
@@ -5469,7 +14109,7 @@
             <a:fld id="{90156F56-D5AE-4C6F-B826-C69D1BC521BB}" type="slidenum">
               <a:rPr lang="en-US" smtClean="0"/>
               <a:pPr algn="ctr"/>
-              <a:t>6</a:t>
+              <a:t>9</a:t>
             </a:fld>
             <a:endParaRPr lang="en-US" dirty="0"/>
           </a:p>
@@ -5479,36 +14119,6 @@
     <p:extLst>
       <p:ext uri="{BB962C8B-B14F-4D97-AF65-F5344CB8AC3E}">
         <p14:creationId xmlns:p14="http://schemas.microsoft.com/office/powerpoint/2010/main" val="2323903610"/>
-      </p:ext>
-    </p:extLst>
-  </p:cSld>
-  <p:clrMapOvr>
-    <a:masterClrMapping/>
-  </p:clrMapOvr>
-</p:sld>
-</file>
-
-<file path=ppt/slides/slide7.xml><?xml version="1.0" encoding="utf-8"?>
-<p:sld xmlns:a="http://schemas.openxmlformats.org/drawingml/2006/main" xmlns:r="http://schemas.openxmlformats.org/officeDocument/2006/relationships" xmlns:p="http://schemas.openxmlformats.org/presentationml/2006/main">
-  <p:cSld>
-    <p:spTree>
-      <p:nvGrpSpPr>
-        <p:cNvPr id="1" name=""/>
-        <p:cNvGrpSpPr/>
-        <p:nvPr/>
-      </p:nvGrpSpPr>
-      <p:grpSpPr>
-        <a:xfrm>
-          <a:off x="0" y="0"/>
-          <a:ext cx="0" cy="0"/>
-          <a:chOff x="0" y="0"/>
-          <a:chExt cx="0" cy="0"/>
-        </a:xfrm>
-      </p:grpSpPr>
-    </p:spTree>
-    <p:extLst>
-      <p:ext uri="{BB962C8B-B14F-4D97-AF65-F5344CB8AC3E}">
-        <p14:creationId xmlns:p14="http://schemas.microsoft.com/office/powerpoint/2010/main" val="819899853"/>
       </p:ext>
     </p:extLst>
   </p:cSld>

--- a/Adobe PPT/Subho_Inception_talk.pptx
+++ b/Adobe PPT/Subho_Inception_talk.pptx
@@ -5,10 +5,10 @@
     <p:sldMasterId id="2147483656" r:id="rId1"/>
   </p:sldMasterIdLst>
   <p:notesMasterIdLst>
-    <p:notesMasterId r:id="rId13"/>
+    <p:notesMasterId r:id="rId14"/>
   </p:notesMasterIdLst>
   <p:handoutMasterIdLst>
-    <p:handoutMasterId r:id="rId14"/>
+    <p:handoutMasterId r:id="rId15"/>
   </p:handoutMasterIdLst>
   <p:sldIdLst>
     <p:sldId id="308" r:id="rId2"/>
@@ -19,14 +19,15 @@
     <p:sldId id="312" r:id="rId7"/>
     <p:sldId id="320" r:id="rId8"/>
     <p:sldId id="314" r:id="rId9"/>
-    <p:sldId id="309" r:id="rId10"/>
-    <p:sldId id="298" r:id="rId11"/>
-    <p:sldId id="283" r:id="rId12"/>
+    <p:sldId id="321" r:id="rId10"/>
+    <p:sldId id="309" r:id="rId11"/>
+    <p:sldId id="298" r:id="rId12"/>
+    <p:sldId id="283" r:id="rId13"/>
   </p:sldIdLst>
   <p:sldSz cx="12188825" cy="6858000"/>
   <p:notesSz cx="6858000" cy="9144000"/>
   <p:custDataLst>
-    <p:tags r:id="rId15"/>
+    <p:tags r:id="rId16"/>
   </p:custDataLst>
   <p:defaultTextStyle>
     <a:defPPr>
@@ -10008,7 +10009,7 @@
             <a:fld id="{3EF2277D-4E65-471B-8FDC-312617F5EA89}" type="slidenum">
               <a:rPr lang="en-US" smtClean="0"/>
               <a:pPr/>
-              <a:t>9</a:t>
+              <a:t>10</a:t>
             </a:fld>
             <a:endParaRPr lang="en-US"/>
           </a:p>
@@ -10093,7 +10094,7 @@
             <a:fld id="{3EF2277D-4E65-471B-8FDC-312617F5EA89}" type="slidenum">
               <a:rPr lang="en-US" smtClean="0"/>
               <a:pPr/>
-              <a:t>10</a:t>
+              <a:t>11</a:t>
             </a:fld>
             <a:endParaRPr lang="en-US"/>
           </a:p>
@@ -13238,6 +13239,260 @@
         </p:nvSpPr>
         <p:spPr/>
         <p:txBody>
+          <a:bodyPr>
+            <a:normAutofit fontScale="90000"/>
+          </a:bodyPr>
+          <a:lstStyle/>
+          <a:p>
+            <a:r>
+              <a:rPr lang="en-US" dirty="0"/>
+              <a:t>Academic &amp; Industrial - Related Work</a:t>
+            </a:r>
+          </a:p>
+        </p:txBody>
+      </p:sp>
+      <p:sp>
+        <p:nvSpPr>
+          <p:cNvPr id="3" name="Content Placeholder 2"/>
+          <p:cNvSpPr>
+            <a:spLocks noGrp="1"/>
+          </p:cNvSpPr>
+          <p:nvPr>
+            <p:ph idx="1"/>
+          </p:nvPr>
+        </p:nvSpPr>
+        <p:spPr>
+          <a:xfrm>
+            <a:off x="304721" y="906858"/>
+            <a:ext cx="11579384" cy="5181600"/>
+          </a:xfrm>
+        </p:spPr>
+        <p:txBody>
+          <a:bodyPr>
+            <a:normAutofit/>
+          </a:bodyPr>
+          <a:lstStyle/>
+          <a:p>
+            <a:pPr marL="187699" indent="-231775" defTabSz="914400">
+              <a:spcBef>
+                <a:spcPts val="1200"/>
+              </a:spcBef>
+              <a:buClr>
+                <a:srgbClr val="0070C0"/>
+              </a:buClr>
+            </a:pPr>
+            <a:r>
+              <a:rPr lang="en-US" sz="2800" dirty="0"/>
+              <a:t>Relevant academic publications</a:t>
+            </a:r>
+            <a:endParaRPr lang="en-US" dirty="0"/>
+          </a:p>
+          <a:p>
+            <a:r>
+              <a:rPr lang="en-US" sz="2200" dirty="0" err="1"/>
+              <a:t>Maillard</a:t>
+            </a:r>
+            <a:r>
+              <a:rPr lang="en-US" sz="2200" dirty="0"/>
+              <a:t> O., </a:t>
+            </a:r>
+            <a:r>
+              <a:rPr lang="en-US" sz="2200" dirty="0" err="1"/>
+              <a:t>Mannor</a:t>
+            </a:r>
+            <a:r>
+              <a:rPr lang="en-US" sz="2200" dirty="0"/>
+              <a:t> S., (2014). Latent Bandits </a:t>
+            </a:r>
+          </a:p>
+          <a:p>
+            <a:r>
+              <a:rPr lang="en-US" sz="2200" dirty="0" err="1"/>
+              <a:t>Katariya</a:t>
+            </a:r>
+            <a:r>
+              <a:rPr lang="en-US" sz="2200" dirty="0"/>
+              <a:t>, S., </a:t>
+            </a:r>
+            <a:r>
+              <a:rPr lang="en-US" sz="2200" dirty="0" err="1"/>
+              <a:t>Kveton</a:t>
+            </a:r>
+            <a:r>
+              <a:rPr lang="en-US" sz="2200" dirty="0"/>
+              <a:t>, B., </a:t>
+            </a:r>
+            <a:r>
+              <a:rPr lang="en-US" sz="2200" dirty="0" err="1"/>
+              <a:t>Szepesvari</a:t>
+            </a:r>
+            <a:r>
+              <a:rPr lang="en-US" sz="2200" dirty="0"/>
+              <a:t>, C., </a:t>
+            </a:r>
+            <a:r>
+              <a:rPr lang="en-US" sz="2200" dirty="0" err="1"/>
+              <a:t>Vernade</a:t>
+            </a:r>
+            <a:r>
+              <a:rPr lang="en-US" sz="2200" dirty="0"/>
+              <a:t>, </a:t>
+            </a:r>
+            <a:r>
+              <a:rPr lang="en-US" sz="2200" dirty="0" err="1"/>
+              <a:t>C.,&amp;Wen</a:t>
+            </a:r>
+            <a:r>
+              <a:rPr lang="en-US" sz="2200" dirty="0"/>
+              <a:t>, Z. (2016). Stochastic Rank-1 Bandits. AISTATS 2017.</a:t>
+            </a:r>
+          </a:p>
+          <a:p>
+            <a:r>
+              <a:rPr lang="en-US" sz="2200" dirty="0" err="1"/>
+              <a:t>Katariya</a:t>
+            </a:r>
+            <a:r>
+              <a:rPr lang="en-US" sz="2200" dirty="0"/>
+              <a:t>, S., </a:t>
+            </a:r>
+            <a:r>
+              <a:rPr lang="en-US" sz="2200" dirty="0" err="1"/>
+              <a:t>Kveton</a:t>
+            </a:r>
+            <a:r>
+              <a:rPr lang="en-US" sz="2200" dirty="0"/>
+              <a:t>, B., </a:t>
+            </a:r>
+            <a:r>
+              <a:rPr lang="en-US" sz="2200" dirty="0" err="1"/>
+              <a:t>Szepesvari</a:t>
+            </a:r>
+            <a:r>
+              <a:rPr lang="en-US" sz="2200" dirty="0"/>
+              <a:t>, C., </a:t>
+            </a:r>
+            <a:r>
+              <a:rPr lang="en-US" sz="2200" dirty="0" err="1"/>
+              <a:t>Vernade</a:t>
+            </a:r>
+            <a:r>
+              <a:rPr lang="en-US" sz="2200" dirty="0"/>
+              <a:t>, </a:t>
+            </a:r>
+            <a:r>
+              <a:rPr lang="en-US" sz="2200" dirty="0" err="1"/>
+              <a:t>C.,&amp;Wen</a:t>
+            </a:r>
+            <a:r>
+              <a:rPr lang="en-US" sz="2200" dirty="0"/>
+              <a:t>, Z. (2016). Bernoulli Rank-1 Bandits for Click Data. IJCAI 2017.</a:t>
+            </a:r>
+          </a:p>
+          <a:p>
+            <a:r>
+              <a:rPr lang="en-US" sz="2200" dirty="0"/>
+              <a:t>Auer P., </a:t>
+            </a:r>
+            <a:r>
+              <a:rPr lang="en-US" sz="2200" dirty="0" err="1"/>
+              <a:t>Ortner</a:t>
+            </a:r>
+            <a:r>
+              <a:rPr lang="en-US" sz="2200" dirty="0"/>
+              <a:t>,&amp; R. (2010). UCB Revisited: Improved Regret Bounds For The Stochastic Multi-Armed Bandit Problem. </a:t>
+            </a:r>
+            <a:r>
+              <a:rPr lang="en-US" sz="2200" dirty="0" err="1"/>
+              <a:t>Periodica</a:t>
+            </a:r>
+            <a:r>
+              <a:rPr lang="en-US" sz="2200" dirty="0"/>
+              <a:t> </a:t>
+            </a:r>
+            <a:r>
+              <a:rPr lang="en-US" sz="2200" dirty="0" err="1"/>
+              <a:t>M.athematica</a:t>
+            </a:r>
+            <a:r>
+              <a:rPr lang="en-US" sz="2200" dirty="0"/>
+              <a:t> </a:t>
+            </a:r>
+            <a:r>
+              <a:rPr lang="en-US" sz="2200" dirty="0" err="1"/>
+              <a:t>Hungarica</a:t>
+            </a:r>
+            <a:endParaRPr lang="en-US" sz="2200" dirty="0"/>
+          </a:p>
+        </p:txBody>
+      </p:sp>
+      <p:sp>
+        <p:nvSpPr>
+          <p:cNvPr id="4" name="Slide Number Placeholder 3"/>
+          <p:cNvSpPr>
+            <a:spLocks noGrp="1"/>
+          </p:cNvSpPr>
+          <p:nvPr>
+            <p:ph type="sldNum" sz="quarter" idx="12"/>
+          </p:nvPr>
+        </p:nvSpPr>
+        <p:spPr/>
+        <p:txBody>
+          <a:bodyPr/>
+          <a:lstStyle/>
+          <a:p>
+            <a:pPr algn="ctr"/>
+            <a:fld id="{90156F56-D5AE-4C6F-B826-C69D1BC521BB}" type="slidenum">
+              <a:rPr lang="en-US" smtClean="0"/>
+              <a:pPr algn="ctr"/>
+              <a:t>10</a:t>
+            </a:fld>
+            <a:endParaRPr lang="en-US" dirty="0"/>
+          </a:p>
+        </p:txBody>
+      </p:sp>
+    </p:spTree>
+    <p:extLst>
+      <p:ext uri="{BB962C8B-B14F-4D97-AF65-F5344CB8AC3E}">
+        <p14:creationId xmlns:p14="http://schemas.microsoft.com/office/powerpoint/2010/main" val="1332362399"/>
+      </p:ext>
+    </p:extLst>
+  </p:cSld>
+  <p:clrMapOvr>
+    <a:masterClrMapping/>
+  </p:clrMapOvr>
+</p:sld>
+</file>
+
+<file path=ppt/slides/slide11.xml><?xml version="1.0" encoding="utf-8"?>
+<p:sld xmlns:a="http://schemas.openxmlformats.org/drawingml/2006/main" xmlns:r="http://schemas.openxmlformats.org/officeDocument/2006/relationships" xmlns:p="http://schemas.openxmlformats.org/presentationml/2006/main">
+  <p:cSld>
+    <p:spTree>
+      <p:nvGrpSpPr>
+        <p:cNvPr id="1" name=""/>
+        <p:cNvGrpSpPr/>
+        <p:nvPr/>
+      </p:nvGrpSpPr>
+      <p:grpSpPr>
+        <a:xfrm>
+          <a:off x="0" y="0"/>
+          <a:ext cx="0" cy="0"/>
+          <a:chOff x="0" y="0"/>
+          <a:chExt cx="0" cy="0"/>
+        </a:xfrm>
+      </p:grpSpPr>
+      <p:sp>
+        <p:nvSpPr>
+          <p:cNvPr id="2" name="Title 1"/>
+          <p:cNvSpPr>
+            <a:spLocks noGrp="1"/>
+          </p:cNvSpPr>
+          <p:nvPr>
+            <p:ph type="title"/>
+          </p:nvPr>
+        </p:nvSpPr>
+        <p:spPr/>
+        <p:txBody>
           <a:bodyPr/>
           <a:lstStyle/>
           <a:p>
@@ -13508,7 +13763,7 @@
             <a:fld id="{90156F56-D5AE-4C6F-B826-C69D1BC521BB}" type="slidenum">
               <a:rPr lang="en-US" smtClean="0"/>
               <a:pPr algn="ctr"/>
-              <a:t>10</a:t>
+              <a:t>11</a:t>
             </a:fld>
             <a:endParaRPr lang="en-US" dirty="0"/>
           </a:p>
@@ -13527,7 +13782,7 @@
 </p:sld>
 </file>
 
-<file path=ppt/slides/slide11.xml><?xml version="1.0" encoding="utf-8"?>
+<file path=ppt/slides/slide12.xml><?xml version="1.0" encoding="utf-8"?>
 <p:sld xmlns:a="http://schemas.openxmlformats.org/drawingml/2006/main" xmlns:r="http://schemas.openxmlformats.org/officeDocument/2006/relationships" xmlns:p="http://schemas.openxmlformats.org/presentationml/2006/main">
   <p:cSld>
     <p:spTree>
@@ -15874,13 +16129,16 @@
               <a:p>
                 <a:r>
                   <a:rPr lang="en-US" sz="2200" dirty="0"/>
-                  <a:t>No inherent grouping amongst </a:t>
+                  <a:t>No inherent </a:t>
                 </a:r>
                 <a:r>
                   <a:rPr lang="en-US" sz="2200"/>
+                  <a:t>grouping exist amongst </a:t>
+                </a:r>
+                <a:r>
+                  <a:rPr lang="en-US" sz="2200" dirty="0"/>
                   <a:t>the users.</a:t>
                 </a:r>
-                <a:endParaRPr lang="en-US" sz="2200" dirty="0"/>
               </a:p>
               <a:p>
                 <a:pPr marL="0" indent="0">
@@ -16739,7 +16997,13 @@
       </p:grpSpPr>
       <p:sp>
         <p:nvSpPr>
-          <p:cNvPr id="2" name="Title 1"/>
+          <p:cNvPr id="2" name="Title 1">
+            <a:extLst>
+              <a:ext uri="{FF2B5EF4-FFF2-40B4-BE49-F238E27FC236}">
+                <a16:creationId xmlns:a16="http://schemas.microsoft.com/office/drawing/2014/main" id="{2112CBC0-7A80-9C42-AFF2-DD78E79FAA80}"/>
+              </a:ext>
+            </a:extLst>
+          </p:cNvPr>
           <p:cNvSpPr>
             <a:spLocks noGrp="1"/>
           </p:cNvSpPr>
@@ -16749,196 +17013,25 @@
         </p:nvSpPr>
         <p:spPr/>
         <p:txBody>
-          <a:bodyPr>
-            <a:normAutofit fontScale="90000"/>
-          </a:bodyPr>
+          <a:bodyPr/>
           <a:lstStyle/>
           <a:p>
             <a:r>
               <a:rPr lang="en-US" dirty="0"/>
-              <a:t>Academic &amp; Industrial - Related Work</a:t>
+              <a:t>A Simple Example	</a:t>
             </a:r>
           </a:p>
         </p:txBody>
       </p:sp>
       <p:sp>
         <p:nvSpPr>
-          <p:cNvPr id="3" name="Content Placeholder 2"/>
-          <p:cNvSpPr>
-            <a:spLocks noGrp="1"/>
-          </p:cNvSpPr>
-          <p:nvPr>
-            <p:ph idx="1"/>
-          </p:nvPr>
-        </p:nvSpPr>
-        <p:spPr>
-          <a:xfrm>
-            <a:off x="304721" y="906858"/>
-            <a:ext cx="11579384" cy="5181600"/>
-          </a:xfrm>
-        </p:spPr>
-        <p:txBody>
-          <a:bodyPr>
-            <a:normAutofit/>
-          </a:bodyPr>
-          <a:lstStyle/>
-          <a:p>
-            <a:pPr marL="187699" indent="-231775" defTabSz="914400">
-              <a:spcBef>
-                <a:spcPts val="1200"/>
-              </a:spcBef>
-              <a:buClr>
-                <a:srgbClr val="0070C0"/>
-              </a:buClr>
-            </a:pPr>
-            <a:r>
-              <a:rPr lang="en-US" sz="2800" dirty="0"/>
-              <a:t>Relevant academic publications</a:t>
-            </a:r>
-            <a:endParaRPr lang="en-US" dirty="0"/>
-          </a:p>
-          <a:p>
-            <a:r>
-              <a:rPr lang="en-US" sz="2200" dirty="0" err="1"/>
-              <a:t>Maillard</a:t>
-            </a:r>
-            <a:r>
-              <a:rPr lang="en-US" sz="2200" dirty="0"/>
-              <a:t> O., </a:t>
-            </a:r>
-            <a:r>
-              <a:rPr lang="en-US" sz="2200" dirty="0" err="1"/>
-              <a:t>Mannor</a:t>
-            </a:r>
-            <a:r>
-              <a:rPr lang="en-US" sz="2200" dirty="0"/>
-              <a:t> S., (2014). Latent Bandits </a:t>
-            </a:r>
-          </a:p>
-          <a:p>
-            <a:r>
-              <a:rPr lang="en-US" sz="2200" dirty="0" err="1"/>
-              <a:t>Katariya</a:t>
-            </a:r>
-            <a:r>
-              <a:rPr lang="en-US" sz="2200" dirty="0"/>
-              <a:t>, S., </a:t>
-            </a:r>
-            <a:r>
-              <a:rPr lang="en-US" sz="2200" dirty="0" err="1"/>
-              <a:t>Kveton</a:t>
-            </a:r>
-            <a:r>
-              <a:rPr lang="en-US" sz="2200" dirty="0"/>
-              <a:t>, B., </a:t>
-            </a:r>
-            <a:r>
-              <a:rPr lang="en-US" sz="2200" dirty="0" err="1"/>
-              <a:t>Szepesvari</a:t>
-            </a:r>
-            <a:r>
-              <a:rPr lang="en-US" sz="2200" dirty="0"/>
-              <a:t>, C., </a:t>
-            </a:r>
-            <a:r>
-              <a:rPr lang="en-US" sz="2200" dirty="0" err="1"/>
-              <a:t>Vernade</a:t>
-            </a:r>
-            <a:r>
-              <a:rPr lang="en-US" sz="2200" dirty="0"/>
-              <a:t>, </a:t>
-            </a:r>
-            <a:r>
-              <a:rPr lang="en-US" sz="2200" dirty="0" err="1"/>
-              <a:t>C.,&amp;Wen</a:t>
-            </a:r>
-            <a:r>
-              <a:rPr lang="en-US" sz="2200" dirty="0"/>
-              <a:t>, Z. (2016). Stochastic Rank-1 Bandits. AISTATS 2017.</a:t>
-            </a:r>
-          </a:p>
-          <a:p>
-            <a:r>
-              <a:rPr lang="en-US" sz="2200" dirty="0" err="1"/>
-              <a:t>Katariya</a:t>
-            </a:r>
-            <a:r>
-              <a:rPr lang="en-US" sz="2200" dirty="0"/>
-              <a:t>, S., </a:t>
-            </a:r>
-            <a:r>
-              <a:rPr lang="en-US" sz="2200" dirty="0" err="1"/>
-              <a:t>Kveton</a:t>
-            </a:r>
-            <a:r>
-              <a:rPr lang="en-US" sz="2200" dirty="0"/>
-              <a:t>, B., </a:t>
-            </a:r>
-            <a:r>
-              <a:rPr lang="en-US" sz="2200" dirty="0" err="1"/>
-              <a:t>Szepesvari</a:t>
-            </a:r>
-            <a:r>
-              <a:rPr lang="en-US" sz="2200" dirty="0"/>
-              <a:t>, C., </a:t>
-            </a:r>
-            <a:r>
-              <a:rPr lang="en-US" sz="2200" dirty="0" err="1"/>
-              <a:t>Vernade</a:t>
-            </a:r>
-            <a:r>
-              <a:rPr lang="en-US" sz="2200" dirty="0"/>
-              <a:t>, </a:t>
-            </a:r>
-            <a:r>
-              <a:rPr lang="en-US" sz="2200" dirty="0" err="1"/>
-              <a:t>C.,&amp;Wen</a:t>
-            </a:r>
-            <a:r>
-              <a:rPr lang="en-US" sz="2200" dirty="0"/>
-              <a:t>, Z. (2016). Bernoulli Rank-1 Bandits for Click Data. IJCAI 2017.</a:t>
-            </a:r>
-          </a:p>
-          <a:p>
-            <a:r>
-              <a:rPr lang="en-US" sz="2200" dirty="0"/>
-              <a:t>Auer P., </a:t>
-            </a:r>
-            <a:r>
-              <a:rPr lang="en-US" sz="2200" dirty="0" err="1"/>
-              <a:t>Ortner</a:t>
-            </a:r>
-            <a:r>
-              <a:rPr lang="en-US" sz="2200" dirty="0"/>
-              <a:t>,&amp; R. (2010). UCB Revisited: Improved Regret Bounds For The Stochastic Multi-Armed Bandit Problem. </a:t>
-            </a:r>
-            <a:r>
-              <a:rPr lang="en-US" sz="2200" dirty="0" err="1"/>
-              <a:t>Periodica</a:t>
-            </a:r>
-            <a:r>
-              <a:rPr lang="en-US" sz="2200" dirty="0"/>
-              <a:t> </a:t>
-            </a:r>
-            <a:r>
-              <a:rPr lang="en-US" sz="2200" dirty="0" err="1"/>
-              <a:t>M.athematica</a:t>
-            </a:r>
-            <a:r>
-              <a:rPr lang="en-US" sz="2200" dirty="0"/>
-              <a:t> </a:t>
-            </a:r>
-            <a:r>
-              <a:rPr lang="en-US" sz="2200" dirty="0" err="1"/>
-              <a:t>Hungarica</a:t>
-            </a:r>
-            <a:endParaRPr lang="en-US" sz="2200" dirty="0"/>
-          </a:p>
-        </p:txBody>
-      </p:sp>
-      <p:sp>
-        <p:nvSpPr>
-          <p:cNvPr id="4" name="Slide Number Placeholder 3"/>
+          <p:cNvPr id="4" name="Slide Number Placeholder 3">
+            <a:extLst>
+              <a:ext uri="{FF2B5EF4-FFF2-40B4-BE49-F238E27FC236}">
+                <a16:creationId xmlns:a16="http://schemas.microsoft.com/office/drawing/2014/main" id="{16D7D531-1A4A-BE42-88DE-7523F2A2ED2E}"/>
+              </a:ext>
+            </a:extLst>
+          </p:cNvPr>
           <p:cNvSpPr>
             <a:spLocks noGrp="1"/>
           </p:cNvSpPr>
@@ -16961,10 +17054,185 @@
           </a:p>
         </p:txBody>
       </p:sp>
+      <mc:AlternateContent xmlns:mc="http://schemas.openxmlformats.org/markup-compatibility/2006">
+        <mc:Choice xmlns:a14="http://schemas.microsoft.com/office/drawing/2010/main" Requires="a14">
+          <p:sp>
+            <p:nvSpPr>
+              <p:cNvPr id="8" name="Content Placeholder 7">
+                <a:extLst>
+                  <a:ext uri="{FF2B5EF4-FFF2-40B4-BE49-F238E27FC236}">
+                    <a16:creationId xmlns:a16="http://schemas.microsoft.com/office/drawing/2014/main" id="{67CFA206-EEFD-764C-B8B7-A2791D10EC34}"/>
+                  </a:ext>
+                </a:extLst>
+              </p:cNvPr>
+              <p:cNvSpPr>
+                <a:spLocks noGrp="1"/>
+              </p:cNvSpPr>
+              <p:nvPr>
+                <p:ph idx="1"/>
+              </p:nvPr>
+            </p:nvSpPr>
+            <p:spPr/>
+            <p:txBody>
+              <a:bodyPr/>
+              <a:lstStyle/>
+              <a:p>
+                <a:endParaRPr lang="en-US" dirty="0"/>
+              </a:p>
+              <a:p>
+                <a:endParaRPr lang="en-US" dirty="0"/>
+              </a:p>
+              <a:p>
+                <a:endParaRPr lang="en-US" dirty="0"/>
+              </a:p>
+              <a:p>
+                <a:endParaRPr lang="en-US" dirty="0"/>
+              </a:p>
+              <a:p>
+                <a:endParaRPr lang="en-US" dirty="0"/>
+              </a:p>
+              <a:p>
+                <a:endParaRPr lang="en-US" dirty="0"/>
+              </a:p>
+              <a:p>
+                <a:endParaRPr lang="en-US" dirty="0"/>
+              </a:p>
+              <a:p>
+                <a:endParaRPr lang="en-US" dirty="0"/>
+              </a:p>
+              <a:p>
+                <a14:m>
+                  <m:oMath xmlns:m="http://schemas.openxmlformats.org/officeDocument/2006/math">
+                    <m:acc>
+                      <m:accPr>
+                        <m:chr m:val="̅"/>
+                        <m:ctrlPr>
+                          <a:rPr lang="en-US" b="1" i="1">
+                            <a:solidFill>
+                              <a:srgbClr val="00B050"/>
+                            </a:solidFill>
+                            <a:latin typeface="Cambria Math" panose="02040503050406030204" pitchFamily="18" charset="0"/>
+                            <a:ea typeface="Cambria Math" panose="02040503050406030204" pitchFamily="18" charset="0"/>
+                          </a:rPr>
+                        </m:ctrlPr>
+                      </m:accPr>
+                      <m:e>
+                        <m:r>
+                          <a:rPr lang="en-US" b="1" i="1">
+                            <a:solidFill>
+                              <a:srgbClr val="00B050"/>
+                            </a:solidFill>
+                            <a:latin typeface="Cambria Math" panose="02040503050406030204" pitchFamily="18" charset="0"/>
+                            <a:ea typeface="Cambria Math" panose="02040503050406030204" pitchFamily="18" charset="0"/>
+                          </a:rPr>
+                          <m:t>𝑹</m:t>
+                        </m:r>
+                      </m:e>
+                    </m:acc>
+                  </m:oMath>
+                </a14:m>
+                <a:r>
+                  <a:rPr lang="en-US" dirty="0"/>
+                  <a:t> is a </a:t>
+                </a:r>
+                <a:r>
+                  <a:rPr lang="en-US" dirty="0" err="1"/>
+                  <a:t>hott</a:t>
+                </a:r>
+                <a:r>
+                  <a:rPr lang="en-US" dirty="0"/>
+                  <a:t> topics matrix.</a:t>
+                </a:r>
+              </a:p>
+              <a:p>
+                <a:r>
+                  <a:rPr lang="en-US" dirty="0"/>
+                  <a:t>The red vectors signifies the basis vectors.</a:t>
+                </a:r>
+              </a:p>
+              <a:p>
+                <a:r>
+                  <a:rPr lang="en-US" dirty="0"/>
+                  <a:t>The green vectors signifies other user vectors.</a:t>
+                </a:r>
+              </a:p>
+            </p:txBody>
+          </p:sp>
+        </mc:Choice>
+        <mc:Fallback>
+          <p:sp>
+            <p:nvSpPr>
+              <p:cNvPr id="8" name="Content Placeholder 7">
+                <a:extLst>
+                  <a:ext uri="{FF2B5EF4-FFF2-40B4-BE49-F238E27FC236}">
+                    <a16:creationId xmlns:a16="http://schemas.microsoft.com/office/drawing/2014/main" id="{67CFA206-EEFD-764C-B8B7-A2791D10EC34}"/>
+                  </a:ext>
+                </a:extLst>
+              </p:cNvPr>
+              <p:cNvSpPr>
+                <a:spLocks noGrp="1" noRot="1" noChangeAspect="1" noMove="1" noResize="1" noEditPoints="1" noAdjustHandles="1" noChangeArrowheads="1" noChangeShapeType="1" noTextEdit="1"/>
+              </p:cNvSpPr>
+              <p:nvPr>
+                <p:ph idx="1"/>
+              </p:nvPr>
+            </p:nvSpPr>
+            <p:spPr>
+              <a:blipFill>
+                <a:blip r:embed="rId2"/>
+                <a:stretch>
+                  <a:fillRect/>
+                </a:stretch>
+              </a:blipFill>
+            </p:spPr>
+            <p:txBody>
+              <a:bodyPr/>
+              <a:lstStyle/>
+              <a:p>
+                <a:r>
+                  <a:rPr lang="en-US">
+                    <a:noFill/>
+                  </a:rPr>
+                  <a:t> </a:t>
+                </a:r>
+              </a:p>
+            </p:txBody>
+          </p:sp>
+        </mc:Fallback>
+      </mc:AlternateContent>
+      <p:pic>
+        <p:nvPicPr>
+          <p:cNvPr id="10" name="Picture 9">
+            <a:extLst>
+              <a:ext uri="{FF2B5EF4-FFF2-40B4-BE49-F238E27FC236}">
+                <a16:creationId xmlns:a16="http://schemas.microsoft.com/office/drawing/2014/main" id="{CA0BC563-BAF1-2D41-A243-996DE5F4B2DE}"/>
+              </a:ext>
+            </a:extLst>
+          </p:cNvPr>
+          <p:cNvPicPr>
+            <a:picLocks noChangeAspect="1"/>
+          </p:cNvPicPr>
+          <p:nvPr/>
+        </p:nvPicPr>
+        <p:blipFill>
+          <a:blip r:embed="rId3"/>
+          <a:stretch>
+            <a:fillRect/>
+          </a:stretch>
+        </p:blipFill>
+        <p:spPr>
+          <a:xfrm>
+            <a:off x="404993" y="990600"/>
+            <a:ext cx="4246770" cy="3078661"/>
+          </a:xfrm>
+          <a:prstGeom prst="rect">
+            <a:avLst/>
+          </a:prstGeom>
+        </p:spPr>
+      </p:pic>
     </p:spTree>
     <p:extLst>
       <p:ext uri="{BB962C8B-B14F-4D97-AF65-F5344CB8AC3E}">
-        <p14:creationId xmlns:p14="http://schemas.microsoft.com/office/powerpoint/2010/main" val="1332362399"/>
+        <p14:creationId xmlns:p14="http://schemas.microsoft.com/office/powerpoint/2010/main" val="560619241"/>
       </p:ext>
     </p:extLst>
   </p:cSld>

--- a/Adobe PPT/Subho_Inception_talk.pptx
+++ b/Adobe PPT/Subho_Inception_talk.pptx
@@ -17,9 +17,9 @@
     <p:sldId id="319" r:id="rId5"/>
     <p:sldId id="318" r:id="rId6"/>
     <p:sldId id="312" r:id="rId7"/>
-    <p:sldId id="320" r:id="rId8"/>
-    <p:sldId id="314" r:id="rId9"/>
-    <p:sldId id="321" r:id="rId10"/>
+    <p:sldId id="321" r:id="rId8"/>
+    <p:sldId id="320" r:id="rId9"/>
+    <p:sldId id="314" r:id="rId10"/>
     <p:sldId id="309" r:id="rId11"/>
     <p:sldId id="298" r:id="rId12"/>
     <p:sldId id="283" r:id="rId13"/>
@@ -1844,20 +1844,10 @@
           <a:r>
             <a:rPr lang="en-US" sz="1400" dirty="0">
               <a:solidFill>
-                <a:srgbClr val="FF0000"/>
-              </a:solidFill>
-              <a:latin typeface="Cambria Math" panose="02040503050406030204" pitchFamily="18" charset="0"/>
-              <a:ea typeface="Cambria Math" panose="02040503050406030204" pitchFamily="18" charset="0"/>
-            </a:rPr>
-            <a:t> </a:t>
-          </a:r>
-          <a:r>
-            <a:rPr lang="en-US" sz="1400" dirty="0">
-              <a:solidFill>
                 <a:srgbClr val="0070C0"/>
               </a:solidFill>
             </a:rPr>
-            <a:t>(row).</a:t>
+            <a:t>.</a:t>
           </a:r>
         </a:p>
       </dgm:t>
@@ -1907,20 +1897,10 @@
               <a:latin typeface="Cambria Math" panose="02040503050406030204" pitchFamily="18" charset="0"/>
               <a:ea typeface="Cambria Math" panose="02040503050406030204" pitchFamily="18" charset="0"/>
             </a:rPr>
-            <a:t>arm </a:t>
+            <a:t>arm j</a:t>
           </a:r>
           <a:r>
-            <a:rPr lang="en-US" sz="1500" dirty="0" err="1">
-              <a:solidFill>
-                <a:srgbClr val="FF0000"/>
-              </a:solidFill>
-              <a:latin typeface="Cambria Math" panose="02040503050406030204" pitchFamily="18" charset="0"/>
-              <a:ea typeface="Cambria Math" panose="02040503050406030204" pitchFamily="18" charset="0"/>
-            </a:rPr>
-            <a:t>j</a:t>
-          </a:r>
-          <a:r>
-            <a:rPr lang="en-US" sz="1500" baseline="-25000" dirty="0" err="1">
+            <a:rPr lang="en-US" sz="1500" baseline="-25000" dirty="0">
               <a:solidFill>
                 <a:srgbClr val="FF0000"/>
               </a:solidFill>
@@ -1932,18 +1912,10 @@
           <a:r>
             <a:rPr lang="en-US" sz="1500" dirty="0">
               <a:solidFill>
-                <a:srgbClr val="FF0000"/>
-              </a:solidFill>
-            </a:rPr>
-            <a:t> </a:t>
-          </a:r>
-          <a:r>
-            <a:rPr lang="en-US" sz="1500" dirty="0">
-              <a:solidFill>
                 <a:srgbClr val="0070C0"/>
               </a:solidFill>
             </a:rPr>
-            <a:t>(column).</a:t>
+            <a:t>.</a:t>
           </a:r>
         </a:p>
       </dgm:t>
@@ -2365,30 +2337,12 @@
             <a:t>t</a:t>
           </a:r>
           <a:r>
-            <a:rPr lang="en-US" sz="1400" dirty="0">
-              <a:solidFill>
-                <a:srgbClr val="FF0000"/>
-              </a:solidFill>
-              <a:latin typeface="Cambria Math" panose="02040503050406030204" pitchFamily="18" charset="0"/>
-              <a:ea typeface="Cambria Math" panose="02040503050406030204" pitchFamily="18" charset="0"/>
-            </a:rPr>
-            <a:t> </a:t>
-          </a:r>
-          <a:r>
-            <a:rPr lang="en-US" sz="1400" dirty="0">
-              <a:solidFill>
-                <a:srgbClr val="0070C0"/>
-              </a:solidFill>
-            </a:rPr>
-            <a:t>(row</a:t>
-          </a:r>
-          <a:r>
             <a:rPr lang="en-US" sz="1600" dirty="0">
               <a:solidFill>
                 <a:srgbClr val="0070C0"/>
               </a:solidFill>
             </a:rPr>
-            <a:t>).</a:t>
+            <a:t>.</a:t>
           </a:r>
         </a:p>
       </dgm:t>
@@ -3164,20 +3118,10 @@
           <a:r>
             <a:rPr lang="en-US" sz="1400" kern="1200" dirty="0">
               <a:solidFill>
-                <a:srgbClr val="FF0000"/>
-              </a:solidFill>
-              <a:latin typeface="Cambria Math" panose="02040503050406030204" pitchFamily="18" charset="0"/>
-              <a:ea typeface="Cambria Math" panose="02040503050406030204" pitchFamily="18" charset="0"/>
-            </a:rPr>
-            <a:t> </a:t>
-          </a:r>
-          <a:r>
-            <a:rPr lang="en-US" sz="1400" kern="1200" dirty="0">
-              <a:solidFill>
                 <a:srgbClr val="0070C0"/>
               </a:solidFill>
             </a:rPr>
-            <a:t>(row).</a:t>
+            <a:t>.</a:t>
           </a:r>
         </a:p>
       </dsp:txBody>
@@ -3489,20 +3433,10 @@
               <a:latin typeface="Cambria Math" panose="02040503050406030204" pitchFamily="18" charset="0"/>
               <a:ea typeface="Cambria Math" panose="02040503050406030204" pitchFamily="18" charset="0"/>
             </a:rPr>
-            <a:t>arm </a:t>
+            <a:t>arm j</a:t>
           </a:r>
           <a:r>
-            <a:rPr lang="en-US" sz="1500" kern="1200" dirty="0" err="1">
-              <a:solidFill>
-                <a:srgbClr val="FF0000"/>
-              </a:solidFill>
-              <a:latin typeface="Cambria Math" panose="02040503050406030204" pitchFamily="18" charset="0"/>
-              <a:ea typeface="Cambria Math" panose="02040503050406030204" pitchFamily="18" charset="0"/>
-            </a:rPr>
-            <a:t>j</a:t>
-          </a:r>
-          <a:r>
-            <a:rPr lang="en-US" sz="1500" kern="1200" baseline="-25000" dirty="0" err="1">
+            <a:rPr lang="en-US" sz="1500" kern="1200" baseline="-25000" dirty="0">
               <a:solidFill>
                 <a:srgbClr val="FF0000"/>
               </a:solidFill>
@@ -3514,18 +3448,10 @@
           <a:r>
             <a:rPr lang="en-US" sz="1500" kern="1200" dirty="0">
               <a:solidFill>
-                <a:srgbClr val="FF0000"/>
-              </a:solidFill>
-            </a:rPr>
-            <a:t> </a:t>
-          </a:r>
-          <a:r>
-            <a:rPr lang="en-US" sz="1500" kern="1200" dirty="0">
-              <a:solidFill>
                 <a:srgbClr val="0070C0"/>
               </a:solidFill>
             </a:rPr>
-            <a:t>(column).</a:t>
+            <a:t>.</a:t>
           </a:r>
         </a:p>
       </dsp:txBody>
@@ -4616,30 +4542,12 @@
             <a:t>t</a:t>
           </a:r>
           <a:r>
-            <a:rPr lang="en-US" sz="1400" kern="1200" dirty="0">
-              <a:solidFill>
-                <a:srgbClr val="FF0000"/>
-              </a:solidFill>
-              <a:latin typeface="Cambria Math" panose="02040503050406030204" pitchFamily="18" charset="0"/>
-              <a:ea typeface="Cambria Math" panose="02040503050406030204" pitchFamily="18" charset="0"/>
-            </a:rPr>
-            <a:t> </a:t>
-          </a:r>
-          <a:r>
-            <a:rPr lang="en-US" sz="1400" kern="1200" dirty="0">
-              <a:solidFill>
-                <a:srgbClr val="0070C0"/>
-              </a:solidFill>
-            </a:rPr>
-            <a:t>(row</a:t>
-          </a:r>
-          <a:r>
             <a:rPr lang="en-US" sz="1600" kern="1200" dirty="0">
               <a:solidFill>
                 <a:srgbClr val="0070C0"/>
               </a:solidFill>
             </a:rPr>
-            <a:t>).</a:t>
+            <a:t>.</a:t>
           </a:r>
         </a:p>
       </dsp:txBody>
@@ -9982,6 +9890,91 @@
         </p:nvSpPr>
         <p:spPr/>
         <p:txBody>
+          <a:bodyPr/>
+          <a:lstStyle/>
+          <a:p>
+            <a:endParaRPr lang="en-US" dirty="0"/>
+          </a:p>
+        </p:txBody>
+      </p:sp>
+      <p:sp>
+        <p:nvSpPr>
+          <p:cNvPr id="4" name="Slide Number Placeholder 3"/>
+          <p:cNvSpPr>
+            <a:spLocks noGrp="1"/>
+          </p:cNvSpPr>
+          <p:nvPr>
+            <p:ph type="sldNum" sz="quarter" idx="10"/>
+          </p:nvPr>
+        </p:nvSpPr>
+        <p:spPr/>
+        <p:txBody>
+          <a:bodyPr/>
+          <a:lstStyle/>
+          <a:p>
+            <a:fld id="{3EF2277D-4E65-471B-8FDC-312617F5EA89}" type="slidenum">
+              <a:rPr lang="en-US" smtClean="0"/>
+              <a:pPr/>
+              <a:t>6</a:t>
+            </a:fld>
+            <a:endParaRPr lang="en-US"/>
+          </a:p>
+        </p:txBody>
+      </p:sp>
+    </p:spTree>
+    <p:extLst>
+      <p:ext uri="{BB962C8B-B14F-4D97-AF65-F5344CB8AC3E}">
+        <p14:creationId xmlns:p14="http://schemas.microsoft.com/office/powerpoint/2010/main" val="306189377"/>
+      </p:ext>
+    </p:extLst>
+  </p:cSld>
+  <p:clrMapOvr>
+    <a:masterClrMapping/>
+  </p:clrMapOvr>
+</p:notes>
+</file>
+
+<file path=ppt/notesSlides/notesSlide5.xml><?xml version="1.0" encoding="utf-8"?>
+<p:notes xmlns:a="http://schemas.openxmlformats.org/drawingml/2006/main" xmlns:r="http://schemas.openxmlformats.org/officeDocument/2006/relationships" xmlns:p="http://schemas.openxmlformats.org/presentationml/2006/main">
+  <p:cSld>
+    <p:spTree>
+      <p:nvGrpSpPr>
+        <p:cNvPr id="1" name=""/>
+        <p:cNvGrpSpPr/>
+        <p:nvPr/>
+      </p:nvGrpSpPr>
+      <p:grpSpPr>
+        <a:xfrm>
+          <a:off x="0" y="0"/>
+          <a:ext cx="0" cy="0"/>
+          <a:chOff x="0" y="0"/>
+          <a:chExt cx="0" cy="0"/>
+        </a:xfrm>
+      </p:grpSpPr>
+      <p:sp>
+        <p:nvSpPr>
+          <p:cNvPr id="2" name="Slide Image Placeholder 1"/>
+          <p:cNvSpPr>
+            <a:spLocks noGrp="1" noRot="1" noChangeAspect="1"/>
+          </p:cNvSpPr>
+          <p:nvPr>
+            <p:ph type="sldImg"/>
+          </p:nvPr>
+        </p:nvSpPr>
+        <p:spPr/>
+      </p:sp>
+      <p:sp>
+        <p:nvSpPr>
+          <p:cNvPr id="3" name="Notes Placeholder 2"/>
+          <p:cNvSpPr>
+            <a:spLocks noGrp="1"/>
+          </p:cNvSpPr>
+          <p:nvPr>
+            <p:ph type="body" idx="1"/>
+          </p:nvPr>
+        </p:nvSpPr>
+        <p:spPr/>
+        <p:txBody>
           <a:bodyPr>
             <a:normAutofit/>
           </a:bodyPr>
@@ -10028,7 +10021,7 @@
 </p:notes>
 </file>
 
-<file path=ppt/notesSlides/notesSlide5.xml><?xml version="1.0" encoding="utf-8"?>
+<file path=ppt/notesSlides/notesSlide6.xml><?xml version="1.0" encoding="utf-8"?>
 <p:notes xmlns:a="http://schemas.openxmlformats.org/drawingml/2006/main" xmlns:r="http://schemas.openxmlformats.org/officeDocument/2006/relationships" xmlns:p="http://schemas.openxmlformats.org/presentationml/2006/main">
   <p:cSld>
     <p:spTree>
@@ -13211,7 +13204,7 @@
 </file>
 
 <file path=ppt/slides/slide10.xml><?xml version="1.0" encoding="utf-8"?>
-<p:sld xmlns:a="http://schemas.openxmlformats.org/drawingml/2006/main" xmlns:r="http://schemas.openxmlformats.org/officeDocument/2006/relationships" xmlns:p="http://schemas.openxmlformats.org/presentationml/2006/main">
+<p:sld xmlns:a="http://schemas.openxmlformats.org/drawingml/2006/main" xmlns:r="http://schemas.openxmlformats.org/officeDocument/2006/relationships" xmlns:p="http://schemas.openxmlformats.org/presentationml/2006/main" show="0">
   <p:cSld>
     <p:spTree>
       <p:nvGrpSpPr>
@@ -13288,13 +13281,56 @@
             <a:endParaRPr lang="en-US" dirty="0"/>
           </a:p>
           <a:p>
+            <a:pPr marL="457200" indent="-457200">
+              <a:buFont typeface="+mj-lt"/>
+              <a:buAutoNum type="arabicPeriod"/>
+            </a:pPr>
+            <a:r>
+              <a:rPr lang="en-US" sz="2200" dirty="0"/>
+              <a:t>Auer P., </a:t>
+            </a:r>
+            <a:r>
+              <a:rPr lang="en-US" sz="2200" dirty="0" err="1"/>
+              <a:t>Ortner</a:t>
+            </a:r>
+            <a:r>
+              <a:rPr lang="en-US" sz="2200" dirty="0"/>
+              <a:t>,&amp; R., (2010). UCB Revisited: Improved Regret Bounds For The Stochastic Multi-Armed Bandit Problem. </a:t>
+            </a:r>
+            <a:r>
+              <a:rPr lang="en-US" sz="2200" dirty="0" err="1"/>
+              <a:t>Periodica</a:t>
+            </a:r>
+            <a:r>
+              <a:rPr lang="en-US" sz="2200" dirty="0"/>
+              <a:t> </a:t>
+            </a:r>
+            <a:r>
+              <a:rPr lang="en-US" sz="2200" dirty="0" err="1"/>
+              <a:t>M.athematica</a:t>
+            </a:r>
+            <a:r>
+              <a:rPr lang="en-US" sz="2200" dirty="0"/>
+              <a:t> </a:t>
+            </a:r>
+            <a:r>
+              <a:rPr lang="en-US" sz="2200" dirty="0" err="1"/>
+              <a:t>Hungarica</a:t>
+            </a:r>
+            <a:endParaRPr lang="en-US" sz="2200" dirty="0"/>
+          </a:p>
+          <a:p>
+            <a:pPr marL="457200" indent="-457200">
+              <a:buFont typeface="+mj-lt"/>
+              <a:buAutoNum type="arabicPeriod"/>
+            </a:pPr>
             <a:r>
               <a:rPr lang="en-US" sz="2200" dirty="0" err="1"/>
               <a:t>Maillard</a:t>
             </a:r>
             <a:r>
               <a:rPr lang="en-US" sz="2200" dirty="0"/>
-              <a:t> O., </a:t>
+              <a:t> O.,&amp; </a:t>
             </a:r>
             <a:r>
               <a:rPr lang="en-US" sz="2200" dirty="0" err="1"/>
@@ -13306,6 +13342,70 @@
             </a:r>
           </a:p>
           <a:p>
+            <a:pPr marL="457200" indent="-457200">
+              <a:buFont typeface="+mj-lt"/>
+              <a:buAutoNum type="arabicPeriod"/>
+            </a:pPr>
+            <a:r>
+              <a:rPr lang="en-US" sz="2200" dirty="0"/>
+              <a:t>Zhou L., &amp; </a:t>
+            </a:r>
+            <a:r>
+              <a:rPr lang="en-US" sz="2200" dirty="0" err="1"/>
+              <a:t>Brunskill</a:t>
+            </a:r>
+            <a:r>
+              <a:rPr lang="en-US" sz="2200" dirty="0"/>
+              <a:t> E., (2016). Latent Contextual Bandits and their Application to Personalized Recommendations for New Users.</a:t>
+            </a:r>
+          </a:p>
+          <a:p>
+            <a:pPr marL="457200" indent="-457200">
+              <a:buFont typeface="+mj-lt"/>
+              <a:buAutoNum type="arabicPeriod"/>
+            </a:pPr>
+            <a:r>
+              <a:rPr lang="en-US" sz="2200" dirty="0"/>
+              <a:t>Sen R., </a:t>
+            </a:r>
+            <a:r>
+              <a:rPr lang="en-US" sz="2200" dirty="0" err="1"/>
+              <a:t>Shanmugam</a:t>
+            </a:r>
+            <a:r>
+              <a:rPr lang="en-US" sz="2200" dirty="0"/>
+              <a:t> K., </a:t>
+            </a:r>
+            <a:r>
+              <a:rPr lang="en-US" sz="2200" dirty="0" err="1"/>
+              <a:t>Kocaoglu</a:t>
+            </a:r>
+            <a:r>
+              <a:rPr lang="en-US" sz="2200" dirty="0"/>
+              <a:t> M., </a:t>
+            </a:r>
+            <a:r>
+              <a:rPr lang="en-US" sz="2200" dirty="0" err="1"/>
+              <a:t>Dimakis</a:t>
+            </a:r>
+            <a:r>
+              <a:rPr lang="en-US" sz="2200" dirty="0"/>
+              <a:t> A.,&amp; </a:t>
+            </a:r>
+            <a:r>
+              <a:rPr lang="en-US" sz="2200" dirty="0" err="1"/>
+              <a:t>Shakkottai</a:t>
+            </a:r>
+            <a:r>
+              <a:rPr lang="en-US" sz="2200" dirty="0"/>
+              <a:t> S., (2016). Contextual Bandits with Latent Confounders: An NMF Approach.</a:t>
+            </a:r>
+          </a:p>
+          <a:p>
+            <a:pPr marL="457200" indent="-457200">
+              <a:buFont typeface="+mj-lt"/>
+              <a:buAutoNum type="arabicPeriod"/>
+            </a:pPr>
             <a:r>
               <a:rPr lang="en-US" sz="2200" dirty="0" err="1"/>
               <a:t>Katariya</a:t>
@@ -13336,18 +13436,14 @@
             </a:r>
             <a:r>
               <a:rPr lang="en-US" sz="2200" dirty="0"/>
-              <a:t>, </a:t>
-            </a:r>
-            <a:r>
-              <a:rPr lang="en-US" sz="2200" dirty="0" err="1"/>
-              <a:t>C.,&amp;Wen</a:t>
-            </a:r>
-            <a:r>
-              <a:rPr lang="en-US" sz="2200" dirty="0"/>
-              <a:t>, Z. (2016). Stochastic Rank-1 Bandits. AISTATS 2017.</a:t>
+              <a:t>, C.,&amp; Wen, Z. (2016). Stochastic Rank-1 Bandits. AISTATS 2017.</a:t>
             </a:r>
           </a:p>
           <a:p>
+            <a:pPr marL="457200" indent="-457200">
+              <a:buFont typeface="+mj-lt"/>
+              <a:buAutoNum type="arabicPeriod"/>
+            </a:pPr>
             <a:r>
               <a:rPr lang="en-US" sz="2200" dirty="0" err="1"/>
               <a:t>Katariya</a:t>
@@ -13378,51 +13474,8 @@
             </a:r>
             <a:r>
               <a:rPr lang="en-US" sz="2200" dirty="0"/>
-              <a:t>, </a:t>
+              <a:t>, C.,&amp; Wen, Z. (2016). Bernoulli Rank-1 Bandits for Click Data. IJCAI 2017.</a:t>
             </a:r>
-            <a:r>
-              <a:rPr lang="en-US" sz="2200" dirty="0" err="1"/>
-              <a:t>C.,&amp;Wen</a:t>
-            </a:r>
-            <a:r>
-              <a:rPr lang="en-US" sz="2200" dirty="0"/>
-              <a:t>, Z. (2016). Bernoulli Rank-1 Bandits for Click Data. IJCAI 2017.</a:t>
-            </a:r>
-          </a:p>
-          <a:p>
-            <a:r>
-              <a:rPr lang="en-US" sz="2200" dirty="0"/>
-              <a:t>Auer P., </a:t>
-            </a:r>
-            <a:r>
-              <a:rPr lang="en-US" sz="2200" dirty="0" err="1"/>
-              <a:t>Ortner</a:t>
-            </a:r>
-            <a:r>
-              <a:rPr lang="en-US" sz="2200" dirty="0"/>
-              <a:t>,&amp; R. (2010). UCB Revisited: Improved Regret Bounds For The Stochastic Multi-Armed Bandit Problem. </a:t>
-            </a:r>
-            <a:r>
-              <a:rPr lang="en-US" sz="2200" dirty="0" err="1"/>
-              <a:t>Periodica</a:t>
-            </a:r>
-            <a:r>
-              <a:rPr lang="en-US" sz="2200" dirty="0"/>
-              <a:t> </a:t>
-            </a:r>
-            <a:r>
-              <a:rPr lang="en-US" sz="2200" dirty="0" err="1"/>
-              <a:t>M.athematica</a:t>
-            </a:r>
-            <a:r>
-              <a:rPr lang="en-US" sz="2200" dirty="0"/>
-              <a:t> </a:t>
-            </a:r>
-            <a:r>
-              <a:rPr lang="en-US" sz="2200" dirty="0" err="1"/>
-              <a:t>Hungarica</a:t>
-            </a:r>
-            <a:endParaRPr lang="en-US" sz="2200" dirty="0"/>
           </a:p>
         </p:txBody>
       </p:sp>
@@ -13572,7 +13625,7 @@
             </a:pPr>
             <a:r>
               <a:rPr lang="en-US" dirty="0"/>
-              <a:t>Present Inception Talk</a:t>
+              <a:t>Present inception talk</a:t>
             </a:r>
           </a:p>
           <a:p>
@@ -13625,7 +13678,7 @@
             </a:pPr>
             <a:r>
               <a:rPr lang="en-US" dirty="0"/>
-              <a:t>Regret Upper Bound for the noise-free setting</a:t>
+              <a:t>Regret upper bound for the noise-free setting</a:t>
             </a:r>
           </a:p>
           <a:p>
@@ -13678,7 +13731,7 @@
             </a:pPr>
             <a:r>
               <a:rPr lang="en-US" dirty="0"/>
-              <a:t>Regret upper Bound for the noisy setting</a:t>
+              <a:t>Regret upper bound for the noisy setting</a:t>
             </a:r>
           </a:p>
           <a:p>
@@ -13731,7 +13784,7 @@
             </a:pPr>
             <a:r>
               <a:rPr lang="en-US" dirty="0"/>
-              <a:t>Prepare paper for submission (probably NIPS)</a:t>
+              <a:t>Prepare paper for submission (NIPS)</a:t>
             </a:r>
           </a:p>
           <a:p>
@@ -14086,7 +14139,7 @@
             <p:ph idx="1"/>
             <p:extLst>
               <p:ext uri="{D42A27DB-BD31-4B8C-83A1-F6EECF244321}">
-                <p14:modId xmlns:p14="http://schemas.microsoft.com/office/powerpoint/2010/main" val="384911218"/>
+                <p14:modId xmlns:p14="http://schemas.microsoft.com/office/powerpoint/2010/main" val="285080615"/>
               </p:ext>
             </p:extLst>
           </p:nvPr>
@@ -14296,7 +14349,7 @@
             <p:ph idx="1"/>
             <p:extLst>
               <p:ext uri="{D42A27DB-BD31-4B8C-83A1-F6EECF244321}">
-                <p14:modId xmlns:p14="http://schemas.microsoft.com/office/powerpoint/2010/main" val="2889116209"/>
+                <p14:modId xmlns:p14="http://schemas.microsoft.com/office/powerpoint/2010/main" val="3985791915"/>
               </p:ext>
             </p:extLst>
           </p:nvPr>
@@ -14587,8 +14640,8 @@
                 <a:r>
                   <a:rPr lang="en-US" sz="2200" dirty="0">
                     <a:solidFill>
-                      <a:schemeClr val="accent5">
-                        <a:lumMod val="75000"/>
+                      <a:schemeClr val="accent4">
+                        <a:lumMod val="50000"/>
                       </a:schemeClr>
                     </a:solidFill>
                   </a:rPr>
@@ -14610,8 +14663,8 @@
                 <a:r>
                   <a:rPr lang="en-US" sz="2200" dirty="0">
                     <a:solidFill>
-                      <a:schemeClr val="accent5">
-                        <a:lumMod val="75000"/>
+                      <a:schemeClr val="accent4">
+                        <a:lumMod val="50000"/>
                       </a:schemeClr>
                     </a:solidFill>
                   </a:rPr>
@@ -14637,8 +14690,8 @@
                 <a:r>
                   <a:rPr lang="en-US" sz="2200" b="1" i="1" dirty="0">
                     <a:solidFill>
-                      <a:schemeClr val="accent5">
-                        <a:lumMod val="75000"/>
+                      <a:schemeClr val="accent4">
+                        <a:lumMod val="50000"/>
                       </a:schemeClr>
                     </a:solidFill>
                     <a:latin typeface="Cambria Math" panose="02040503050406030204" pitchFamily="18" charset="0"/>
@@ -14649,8 +14702,8 @@
                 <a:r>
                   <a:rPr lang="en-US" sz="2200" dirty="0">
                     <a:solidFill>
-                      <a:schemeClr val="accent5">
-                        <a:lumMod val="75000"/>
+                      <a:schemeClr val="accent4">
+                        <a:lumMod val="50000"/>
                       </a:schemeClr>
                     </a:solidFill>
                     <a:latin typeface="Cambria Math" panose="02040503050406030204" pitchFamily="18" charset="0"/>
@@ -14663,8 +14716,8 @@
                     <m:r>
                       <a:rPr lang="en-US" sz="2200" i="1" smtClean="0">
                         <a:solidFill>
-                          <a:schemeClr val="accent5">
-                            <a:lumMod val="75000"/>
+                          <a:schemeClr val="accent4">
+                            <a:lumMod val="50000"/>
                           </a:schemeClr>
                         </a:solidFill>
                         <a:latin typeface="Cambria Math" panose="02040503050406030204" pitchFamily="18" charset="0"/>
@@ -14677,8 +14730,8 @@
                 <a:r>
                   <a:rPr lang="en-US" sz="2200" dirty="0">
                     <a:solidFill>
-                      <a:schemeClr val="accent5">
-                        <a:lumMod val="75000"/>
+                      <a:schemeClr val="accent4">
+                        <a:lumMod val="50000"/>
                       </a:schemeClr>
                     </a:solidFill>
                     <a:latin typeface="Cambria Math" panose="02040503050406030204" pitchFamily="18" charset="0"/>
@@ -14689,8 +14742,8 @@
                 <a:r>
                   <a:rPr lang="en-US" sz="2200" dirty="0" err="1">
                     <a:solidFill>
-                      <a:schemeClr val="accent5">
-                        <a:lumMod val="75000"/>
+                      <a:schemeClr val="accent4">
+                        <a:lumMod val="50000"/>
                       </a:schemeClr>
                     </a:solidFill>
                     <a:latin typeface="Cambria Math" panose="02040503050406030204" pitchFamily="18" charset="0"/>
@@ -14701,8 +14754,8 @@
                 <a:r>
                   <a:rPr lang="en-US" sz="2200" baseline="30000" dirty="0">
                     <a:solidFill>
-                      <a:schemeClr val="accent5">
-                        <a:lumMod val="75000"/>
+                      <a:schemeClr val="accent4">
+                        <a:lumMod val="50000"/>
                       </a:schemeClr>
                     </a:solidFill>
                     <a:latin typeface="Cambria Math" panose="02040503050406030204" pitchFamily="18" charset="0"/>
@@ -14713,8 +14766,8 @@
                 <a:r>
                   <a:rPr lang="en-US" sz="2200" dirty="0">
                     <a:solidFill>
-                      <a:schemeClr val="accent5">
-                        <a:lumMod val="75000"/>
+                      <a:schemeClr val="accent4">
+                        <a:lumMod val="50000"/>
                       </a:schemeClr>
                     </a:solidFill>
                     <a:latin typeface="Cambria Math" panose="02040503050406030204" pitchFamily="18" charset="0"/>
@@ -14725,8 +14778,8 @@
                 <a:r>
                   <a:rPr lang="en-US" sz="2200" baseline="30000" dirty="0">
                     <a:solidFill>
-                      <a:schemeClr val="accent5">
-                        <a:lumMod val="75000"/>
+                      <a:schemeClr val="accent4">
+                        <a:lumMod val="50000"/>
                       </a:schemeClr>
                     </a:solidFill>
                     <a:latin typeface="Cambria Math" panose="02040503050406030204" pitchFamily="18" charset="0"/>
@@ -14737,8 +14790,8 @@
                 <a:r>
                   <a:rPr lang="en-US" sz="2200" dirty="0">
                     <a:solidFill>
-                      <a:schemeClr val="accent5">
-                        <a:lumMod val="75000"/>
+                      <a:schemeClr val="accent4">
+                        <a:lumMod val="50000"/>
                       </a:schemeClr>
                     </a:solidFill>
                   </a:rPr>
@@ -14752,8 +14805,8 @@
                 <a:r>
                   <a:rPr lang="en-US" sz="2200" dirty="0">
                     <a:solidFill>
-                      <a:schemeClr val="accent5">
-                        <a:lumMod val="75000"/>
+                      <a:schemeClr val="accent4">
+                        <a:lumMod val="50000"/>
                       </a:schemeClr>
                     </a:solidFill>
                   </a:rPr>
@@ -14762,8 +14815,8 @@
                 <a:r>
                   <a:rPr lang="en-US" sz="2200" b="1" i="1" dirty="0">
                     <a:solidFill>
-                      <a:schemeClr val="accent5">
-                        <a:lumMod val="75000"/>
+                      <a:schemeClr val="accent4">
+                        <a:lumMod val="50000"/>
                       </a:schemeClr>
                     </a:solidFill>
                     <a:latin typeface="Cambria Math" panose="02040503050406030204" pitchFamily="18" charset="0"/>
@@ -14774,8 +14827,8 @@
                 <a:r>
                   <a:rPr lang="en-US" sz="2200" dirty="0">
                     <a:solidFill>
-                      <a:schemeClr val="accent5">
-                        <a:lumMod val="75000"/>
+                      <a:schemeClr val="accent4">
+                        <a:lumMod val="50000"/>
                       </a:schemeClr>
                     </a:solidFill>
                     <a:latin typeface="Cambria Math" panose="02040503050406030204" pitchFamily="18" charset="0"/>
@@ -14788,8 +14841,8 @@
                     <m:r>
                       <a:rPr lang="en-US" sz="2200" i="1" smtClean="0">
                         <a:solidFill>
-                          <a:schemeClr val="accent5">
-                            <a:lumMod val="75000"/>
+                          <a:schemeClr val="accent4">
+                            <a:lumMod val="50000"/>
                           </a:schemeClr>
                         </a:solidFill>
                         <a:latin typeface="Cambria Math" panose="02040503050406030204" pitchFamily="18" charset="0"/>
@@ -14802,8 +14855,8 @@
                 <a:r>
                   <a:rPr lang="en-US" sz="2200" dirty="0">
                     <a:solidFill>
-                      <a:schemeClr val="accent5">
-                        <a:lumMod val="75000"/>
+                      <a:schemeClr val="accent4">
+                        <a:lumMod val="50000"/>
                       </a:schemeClr>
                     </a:solidFill>
                     <a:latin typeface="Cambria Math" panose="02040503050406030204" pitchFamily="18" charset="0"/>
@@ -14814,8 +14867,8 @@
                 <a:r>
                   <a:rPr lang="en-US" sz="2200" baseline="30000" dirty="0">
                     <a:solidFill>
-                      <a:schemeClr val="accent5">
-                        <a:lumMod val="75000"/>
+                      <a:schemeClr val="accent4">
+                        <a:lumMod val="50000"/>
                       </a:schemeClr>
                     </a:solidFill>
                     <a:latin typeface="Cambria Math" panose="02040503050406030204" pitchFamily="18" charset="0"/>
@@ -14826,8 +14879,8 @@
                 <a:r>
                   <a:rPr lang="en-US" sz="2200" dirty="0">
                     <a:solidFill>
-                      <a:schemeClr val="accent5">
-                        <a:lumMod val="75000"/>
+                      <a:schemeClr val="accent4">
+                        <a:lumMod val="50000"/>
                       </a:schemeClr>
                     </a:solidFill>
                     <a:latin typeface="Cambria Math" panose="02040503050406030204" pitchFamily="18" charset="0"/>
@@ -14838,8 +14891,8 @@
                 <a:r>
                   <a:rPr lang="en-US" sz="2200" dirty="0">
                     <a:solidFill>
-                      <a:schemeClr val="accent5">
-                        <a:lumMod val="75000"/>
+                      <a:schemeClr val="accent4">
+                        <a:lumMod val="50000"/>
                       </a:schemeClr>
                     </a:solidFill>
                   </a:rPr>
@@ -14850,8 +14903,8 @@
                     <m:r>
                       <a:rPr lang="en-US" sz="2200" b="1" i="1">
                         <a:solidFill>
-                          <a:schemeClr val="accent5">
-                            <a:lumMod val="75000"/>
+                          <a:schemeClr val="accent4">
+                            <a:lumMod val="50000"/>
                           </a:schemeClr>
                         </a:solidFill>
                         <a:latin typeface="Cambria Math" panose="02040503050406030204" pitchFamily="18" charset="0"/>
@@ -14864,8 +14917,8 @@
                         <m:ctrlPr>
                           <a:rPr lang="en-US" sz="2200" i="1">
                             <a:solidFill>
-                              <a:schemeClr val="accent5">
-                                <a:lumMod val="75000"/>
+                              <a:schemeClr val="accent4">
+                                <a:lumMod val="50000"/>
                               </a:schemeClr>
                             </a:solidFill>
                             <a:latin typeface="Cambria Math" panose="02040503050406030204" pitchFamily="18" charset="0"/>
@@ -14877,8 +14930,8 @@
                         <m:r>
                           <a:rPr lang="en-US" sz="2200" i="1">
                             <a:solidFill>
-                              <a:schemeClr val="accent5">
-                                <a:lumMod val="75000"/>
+                              <a:schemeClr val="accent4">
+                                <a:lumMod val="50000"/>
                               </a:schemeClr>
                             </a:solidFill>
                             <a:latin typeface="Cambria Math" panose="02040503050406030204" pitchFamily="18" charset="0"/>
@@ -14889,8 +14942,8 @@
                         <m:r>
                           <a:rPr lang="en-US" sz="2200" i="1">
                             <a:solidFill>
-                              <a:schemeClr val="accent5">
-                                <a:lumMod val="75000"/>
+                              <a:schemeClr val="accent4">
+                                <a:lumMod val="50000"/>
                               </a:schemeClr>
                             </a:solidFill>
                             <a:latin typeface="Cambria Math" panose="02040503050406030204" pitchFamily="18" charset="0"/>
@@ -14903,8 +14956,8 @@
                     <m:r>
                       <a:rPr lang="en-US" sz="2200" i="1">
                         <a:solidFill>
-                          <a:schemeClr val="accent5">
-                            <a:lumMod val="75000"/>
+                          <a:schemeClr val="accent4">
+                            <a:lumMod val="50000"/>
                           </a:schemeClr>
                         </a:solidFill>
                         <a:latin typeface="Cambria Math" panose="02040503050406030204" pitchFamily="18" charset="0"/>
@@ -14917,8 +14970,8 @@
                 <a:r>
                   <a:rPr lang="en-US" sz="2200" dirty="0">
                     <a:solidFill>
-                      <a:schemeClr val="accent5">
-                        <a:lumMod val="75000"/>
+                      <a:schemeClr val="accent4">
+                        <a:lumMod val="50000"/>
                       </a:schemeClr>
                     </a:solidFill>
                   </a:rPr>
@@ -14927,8 +14980,8 @@
                 <a:r>
                   <a:rPr lang="en-US" sz="2200" baseline="-25000" dirty="0">
                     <a:solidFill>
-                      <a:schemeClr val="accent5">
-                        <a:lumMod val="75000"/>
+                      <a:schemeClr val="accent4">
+                        <a:lumMod val="50000"/>
                       </a:schemeClr>
                     </a:solidFill>
                   </a:rPr>
@@ -14937,8 +14990,8 @@
                 <a:r>
                   <a:rPr lang="en-US" sz="2200" dirty="0">
                     <a:solidFill>
-                      <a:schemeClr val="accent5">
-                        <a:lumMod val="75000"/>
+                      <a:schemeClr val="accent4">
+                        <a:lumMod val="50000"/>
                       </a:schemeClr>
                     </a:solidFill>
                   </a:rPr>
@@ -14949,8 +15002,8 @@
                     <m:r>
                       <a:rPr lang="en-US" sz="2200" i="1" smtClean="0">
                         <a:solidFill>
-                          <a:schemeClr val="accent5">
-                            <a:lumMod val="75000"/>
+                          <a:schemeClr val="accent4">
+                            <a:lumMod val="50000"/>
                           </a:schemeClr>
                         </a:solidFill>
                         <a:latin typeface="Cambria Math" panose="02040503050406030204" pitchFamily="18" charset="0"/>
@@ -14961,8 +15014,8 @@
                     <m:r>
                       <a:rPr lang="en-US" sz="2200" b="0" i="1" smtClean="0">
                         <a:solidFill>
-                          <a:schemeClr val="accent5">
-                            <a:lumMod val="75000"/>
+                          <a:schemeClr val="accent4">
+                            <a:lumMod val="50000"/>
                           </a:schemeClr>
                         </a:solidFill>
                         <a:latin typeface="Cambria Math" panose="02040503050406030204" pitchFamily="18" charset="0"/>
@@ -14973,8 +15026,8 @@
                     <m:r>
                       <a:rPr lang="en-US" sz="2200" i="1">
                         <a:solidFill>
-                          <a:schemeClr val="accent5">
-                            <a:lumMod val="75000"/>
+                          <a:schemeClr val="accent4">
+                            <a:lumMod val="50000"/>
                           </a:schemeClr>
                         </a:solidFill>
                         <a:latin typeface="Cambria Math" panose="02040503050406030204" pitchFamily="18" charset="0"/>
@@ -14985,8 +15038,8 @@
                     <m:r>
                       <a:rPr lang="en-US" sz="2200" b="0" i="1" smtClean="0">
                         <a:solidFill>
-                          <a:schemeClr val="accent5">
-                            <a:lumMod val="75000"/>
+                          <a:schemeClr val="accent4">
+                            <a:lumMod val="50000"/>
                           </a:schemeClr>
                         </a:solidFill>
                         <a:latin typeface="Cambria Math" panose="02040503050406030204" pitchFamily="18" charset="0"/>
@@ -14997,8 +15050,8 @@
                     <m:r>
                       <a:rPr lang="en-US" sz="2200" i="1" smtClean="0">
                         <a:solidFill>
-                          <a:schemeClr val="accent5">
-                            <a:lumMod val="75000"/>
+                          <a:schemeClr val="accent4">
+                            <a:lumMod val="50000"/>
                           </a:schemeClr>
                         </a:solidFill>
                         <a:latin typeface="Cambria Math" panose="02040503050406030204" pitchFamily="18" charset="0"/>
@@ -15009,8 +15062,8 @@
                     <m:r>
                       <a:rPr lang="en-US" sz="2200" b="0" i="1" smtClean="0">
                         <a:solidFill>
-                          <a:schemeClr val="accent5">
-                            <a:lumMod val="75000"/>
+                          <a:schemeClr val="accent4">
+                            <a:lumMod val="50000"/>
                           </a:schemeClr>
                         </a:solidFill>
                         <a:latin typeface="Cambria Math" panose="02040503050406030204" pitchFamily="18" charset="0"/>
@@ -15021,8 +15074,8 @@
                     <m:r>
                       <a:rPr lang="en-US" sz="2200" b="0" i="1" smtClean="0">
                         <a:solidFill>
-                          <a:schemeClr val="accent5">
-                            <a:lumMod val="75000"/>
+                          <a:schemeClr val="accent4">
+                            <a:lumMod val="50000"/>
                           </a:schemeClr>
                         </a:solidFill>
                         <a:latin typeface="Cambria Math" panose="02040503050406030204" pitchFamily="18" charset="0"/>
@@ -15033,8 +15086,8 @@
                     <m:r>
                       <a:rPr lang="en-US" sz="2200" b="0" i="1" smtClean="0">
                         <a:solidFill>
-                          <a:schemeClr val="accent5">
-                            <a:lumMod val="75000"/>
+                          <a:schemeClr val="accent4">
+                            <a:lumMod val="50000"/>
                           </a:schemeClr>
                         </a:solidFill>
                         <a:latin typeface="Cambria Math" panose="02040503050406030204" pitchFamily="18" charset="0"/>
@@ -15045,8 +15098,8 @@
                     <m:r>
                       <a:rPr lang="en-US" sz="2200" b="0" i="1" smtClean="0">
                         <a:solidFill>
-                          <a:schemeClr val="accent5">
-                            <a:lumMod val="75000"/>
+                          <a:schemeClr val="accent4">
+                            <a:lumMod val="50000"/>
                           </a:schemeClr>
                         </a:solidFill>
                         <a:latin typeface="Cambria Math" panose="02040503050406030204" pitchFamily="18" charset="0"/>
@@ -15057,8 +15110,8 @@
                     <m:r>
                       <a:rPr lang="en-US" sz="2200" b="0" i="1" smtClean="0">
                         <a:solidFill>
-                          <a:schemeClr val="accent5">
-                            <a:lumMod val="75000"/>
+                          <a:schemeClr val="accent4">
+                            <a:lumMod val="50000"/>
                           </a:schemeClr>
                         </a:solidFill>
                         <a:latin typeface="Cambria Math" panose="02040503050406030204" pitchFamily="18" charset="0"/>
@@ -15069,7 +15122,13 @@
                   </m:oMath>
                 </a14:m>
                 <a:r>
-                  <a:rPr lang="en-US" sz="2200" dirty="0"/>
+                  <a:rPr lang="en-US" sz="2200" dirty="0">
+                    <a:solidFill>
+                      <a:schemeClr val="accent4">
+                        <a:lumMod val="50000"/>
+                      </a:schemeClr>
+                    </a:solidFill>
+                  </a:rPr>
                   <a:t>.</a:t>
                 </a:r>
               </a:p>
@@ -15081,8 +15140,8 @@
                 <a:r>
                   <a:rPr lang="en-US" sz="2200" b="1" dirty="0">
                     <a:solidFill>
-                      <a:schemeClr val="accent5">
-                        <a:lumMod val="75000"/>
+                      <a:schemeClr val="accent4">
+                        <a:lumMod val="50000"/>
                       </a:schemeClr>
                     </a:solidFill>
                     <a:latin typeface="Cambria Math" panose="02040503050406030204" pitchFamily="18" charset="0"/>
@@ -15186,34 +15245,6 @@
               <a:p>
                 <a:r>
                   <a:rPr lang="en-US" sz="2200" dirty="0"/>
-                  <a:t>K users divided into </a:t>
-                </a:r>
-                <a:r>
-                  <a:rPr lang="en-US" sz="2200" b="1" dirty="0">
-                    <a:solidFill>
-                      <a:schemeClr val="accent5">
-                        <a:lumMod val="75000"/>
-                      </a:schemeClr>
-                    </a:solidFill>
-                  </a:rPr>
-                  <a:t>|B|</a:t>
-                </a:r>
-                <a:r>
-                  <a:rPr lang="en-US" sz="2200" dirty="0"/>
-                  <a:t> clusters such that the </a:t>
-                </a:r>
-                <a:r>
-                  <a:rPr lang="en-US" sz="2200" i="1" dirty="0"/>
-                  <a:t>index of the optimal arm</a:t>
-                </a:r>
-                <a:r>
-                  <a:rPr lang="en-US" sz="2200" dirty="0"/>
-                  <a:t> is same across the users in each such clusters.</a:t>
-                </a:r>
-              </a:p>
-              <a:p>
-                <a:r>
-                  <a:rPr lang="en-US" sz="2200" dirty="0"/>
                   <a:t>Two subcases of the problem:</a:t>
                 </a:r>
               </a:p>
@@ -15270,7 +15301,7 @@
                 </a:r>
                 <a:r>
                   <a:rPr lang="en-US" sz="2200" dirty="0"/>
-                  <a:t>reveals expected mean </a:t>
+                  <a:t>reveals mean </a:t>
                 </a:r>
                 <a14:m>
                   <m:oMath xmlns:m="http://schemas.openxmlformats.org/officeDocument/2006/math">
@@ -15407,7 +15438,7 @@
                 </a:r>
                 <a:r>
                   <a:rPr lang="en-US" sz="2200" dirty="0"/>
-                  <a:t>reveals                                           on selection.</a:t>
+                  <a:t>reveals                                         on selection.</a:t>
                 </a:r>
               </a:p>
               <a:p>
@@ -15440,7 +15471,7 @@
               <a:blipFill>
                 <a:blip r:embed="rId2"/>
                 <a:stretch>
-                  <a:fillRect l="-1096" t="-1222" b="-1956"/>
+                  <a:fillRect l="-1096" t="-1222"/>
                 </a:stretch>
               </a:blipFill>
             </p:spPr>
@@ -15492,10 +15523,10 @@
       </p:sp>
       <p:pic>
         <p:nvPicPr>
-          <p:cNvPr id="6" name="Picture 5">
+          <p:cNvPr id="8" name="Picture 7">
             <a:extLst>
               <a:ext uri="{FF2B5EF4-FFF2-40B4-BE49-F238E27FC236}">
-                <a16:creationId xmlns:a16="http://schemas.microsoft.com/office/drawing/2014/main" id="{7BA26879-0D87-A049-8BD7-9A822DE34ECF}"/>
+                <a16:creationId xmlns:a16="http://schemas.microsoft.com/office/drawing/2014/main" id="{D1D6BB18-64EF-7B4C-BB57-C2F94BD1647E}"/>
               </a:ext>
             </a:extLst>
           </p:cNvPr>
@@ -15512,14 +15543,17 @@
         </p:blipFill>
         <p:spPr>
           <a:xfrm>
-            <a:off x="5385189" y="5769897"/>
-            <a:ext cx="2617061" cy="369802"/>
+            <a:off x="5363145" y="5070566"/>
+            <a:ext cx="2478270" cy="315536"/>
           </a:xfrm>
           <a:prstGeom prst="rect">
             <a:avLst/>
           </a:prstGeom>
           <a:solidFill>
-            <a:srgbClr val="92D050"/>
+            <a:schemeClr val="accent1">
+              <a:lumMod val="60000"/>
+              <a:lumOff val="40000"/>
+            </a:schemeClr>
           </a:solidFill>
         </p:spPr>
       </p:pic>
@@ -15643,7 +15677,7 @@
                 </a:r>
                 <a:r>
                   <a:rPr lang="en-US" sz="2200" dirty="0"/>
-                  <a:t> till </a:t>
+                  <a:t> until </a:t>
                 </a:r>
                 <a:r>
                   <a:rPr lang="en-US" sz="2200" dirty="0" err="1"/>
@@ -15701,6 +15735,18 @@
                 <a:r>
                   <a:rPr lang="en-US" sz="2200" i="1" dirty="0">
                     <a:solidFill>
+                      <a:schemeClr val="accent4">
+                        <a:lumMod val="50000"/>
+                      </a:schemeClr>
+                    </a:solidFill>
+                    <a:latin typeface="Cambria Math" panose="02040503050406030204" pitchFamily="18" charset="0"/>
+                    <a:ea typeface="Cambria Math" panose="02040503050406030204" pitchFamily="18" charset="0"/>
+                  </a:rPr>
+                  <a:t>KL</a:t>
+                </a:r>
+                <a:r>
+                  <a:rPr lang="en-US" sz="2200" i="1" dirty="0">
+                    <a:solidFill>
                       <a:schemeClr val="accent5">
                         <a:lumMod val="75000"/>
                       </a:schemeClr>
@@ -15708,7 +15754,7 @@
                     <a:latin typeface="Cambria Math" panose="02040503050406030204" pitchFamily="18" charset="0"/>
                     <a:ea typeface="Cambria Math" panose="02040503050406030204" pitchFamily="18" charset="0"/>
                   </a:rPr>
-                  <a:t>KL </a:t>
+                  <a:t> </a:t>
                 </a:r>
                 <a:r>
                   <a:rPr lang="en-US" sz="2200" dirty="0">
@@ -15819,8 +15865,8 @@
                 <a:r>
                   <a:rPr lang="en-US" sz="2200" i="1" dirty="0">
                     <a:solidFill>
-                      <a:schemeClr val="accent5">
-                        <a:lumMod val="75000"/>
+                      <a:schemeClr val="accent4">
+                        <a:lumMod val="50000"/>
                       </a:schemeClr>
                     </a:solidFill>
                     <a:latin typeface="Cambria Math" panose="02040503050406030204" pitchFamily="18" charset="0"/>
@@ -15828,7 +15874,13 @@
                   </a:rPr>
                   <a:t>(K+L) poly(d).</a:t>
                 </a:r>
-                <a:endParaRPr lang="en-US" sz="2200" dirty="0"/>
+                <a:endParaRPr lang="en-US" sz="2200" dirty="0">
+                  <a:solidFill>
+                    <a:schemeClr val="accent4">
+                      <a:lumMod val="50000"/>
+                    </a:schemeClr>
+                  </a:solidFill>
+                </a:endParaRPr>
               </a:p>
               <a:p>
                 <a:pPr marL="0" indent="0">
@@ -15868,7 +15920,7 @@
             </p:nvSpPr>
             <p:spPr>
               <a:blipFill>
-                <a:blip r:embed="rId2"/>
+                <a:blip r:embed="rId3"/>
                 <a:stretch>
                   <a:fillRect l="-987" t="-978" r="-329"/>
                 </a:stretch>
@@ -15935,7 +15987,7 @@
           <p:nvPr/>
         </p:nvPicPr>
         <p:blipFill>
-          <a:blip r:embed="rId3"/>
+          <a:blip r:embed="rId4"/>
           <a:stretch>
             <a:fillRect/>
           </a:stretch>
@@ -15991,6 +16043,252 @@
           <p:cNvPr id="2" name="Title 1">
             <a:extLst>
               <a:ext uri="{FF2B5EF4-FFF2-40B4-BE49-F238E27FC236}">
+                <a16:creationId xmlns:a16="http://schemas.microsoft.com/office/drawing/2014/main" id="{2112CBC0-7A80-9C42-AFF2-DD78E79FAA80}"/>
+              </a:ext>
+            </a:extLst>
+          </p:cNvPr>
+          <p:cNvSpPr>
+            <a:spLocks noGrp="1"/>
+          </p:cNvSpPr>
+          <p:nvPr>
+            <p:ph type="title"/>
+          </p:nvPr>
+        </p:nvSpPr>
+        <p:spPr/>
+        <p:txBody>
+          <a:bodyPr/>
+          <a:lstStyle/>
+          <a:p>
+            <a:r>
+              <a:rPr lang="en-US" dirty="0"/>
+              <a:t>A Simple Example	</a:t>
+            </a:r>
+          </a:p>
+        </p:txBody>
+      </p:sp>
+      <p:sp>
+        <p:nvSpPr>
+          <p:cNvPr id="4" name="Slide Number Placeholder 3">
+            <a:extLst>
+              <a:ext uri="{FF2B5EF4-FFF2-40B4-BE49-F238E27FC236}">
+                <a16:creationId xmlns:a16="http://schemas.microsoft.com/office/drawing/2014/main" id="{16D7D531-1A4A-BE42-88DE-7523F2A2ED2E}"/>
+              </a:ext>
+            </a:extLst>
+          </p:cNvPr>
+          <p:cNvSpPr>
+            <a:spLocks noGrp="1"/>
+          </p:cNvSpPr>
+          <p:nvPr>
+            <p:ph type="sldNum" sz="quarter" idx="12"/>
+          </p:nvPr>
+        </p:nvSpPr>
+        <p:spPr/>
+        <p:txBody>
+          <a:bodyPr/>
+          <a:lstStyle/>
+          <a:p>
+            <a:pPr algn="ctr"/>
+            <a:fld id="{90156F56-D5AE-4C6F-B826-C69D1BC521BB}" type="slidenum">
+              <a:rPr lang="en-US" smtClean="0"/>
+              <a:pPr algn="ctr"/>
+              <a:t>7</a:t>
+            </a:fld>
+            <a:endParaRPr lang="en-US" dirty="0"/>
+          </a:p>
+        </p:txBody>
+      </p:sp>
+      <p:sp>
+        <p:nvSpPr>
+          <p:cNvPr id="8" name="Content Placeholder 7">
+            <a:extLst>
+              <a:ext uri="{FF2B5EF4-FFF2-40B4-BE49-F238E27FC236}">
+                <a16:creationId xmlns:a16="http://schemas.microsoft.com/office/drawing/2014/main" id="{67CFA206-EEFD-764C-B8B7-A2791D10EC34}"/>
+              </a:ext>
+            </a:extLst>
+          </p:cNvPr>
+          <p:cNvSpPr>
+            <a:spLocks noGrp="1"/>
+          </p:cNvSpPr>
+          <p:nvPr>
+            <p:ph idx="1"/>
+          </p:nvPr>
+        </p:nvSpPr>
+        <p:spPr/>
+        <p:txBody>
+          <a:bodyPr/>
+          <a:lstStyle/>
+          <a:p>
+            <a:endParaRPr lang="en-US" b="1" i="1" dirty="0">
+              <a:solidFill>
+                <a:schemeClr val="accent5">
+                  <a:lumMod val="75000"/>
+                </a:schemeClr>
+              </a:solidFill>
+            </a:endParaRPr>
+          </a:p>
+          <a:p>
+            <a:endParaRPr lang="en-US" b="1" i="1" dirty="0">
+              <a:solidFill>
+                <a:schemeClr val="accent5">
+                  <a:lumMod val="75000"/>
+                </a:schemeClr>
+              </a:solidFill>
+            </a:endParaRPr>
+          </a:p>
+          <a:p>
+            <a:endParaRPr lang="en-US" b="1" i="1" dirty="0">
+              <a:solidFill>
+                <a:schemeClr val="accent5">
+                  <a:lumMod val="75000"/>
+                </a:schemeClr>
+              </a:solidFill>
+            </a:endParaRPr>
+          </a:p>
+          <a:p>
+            <a:endParaRPr lang="en-US" b="1" i="1" dirty="0">
+              <a:solidFill>
+                <a:schemeClr val="accent5">
+                  <a:lumMod val="75000"/>
+                </a:schemeClr>
+              </a:solidFill>
+            </a:endParaRPr>
+          </a:p>
+          <a:p>
+            <a:endParaRPr lang="en-US" b="1" i="1" dirty="0">
+              <a:solidFill>
+                <a:schemeClr val="accent5">
+                  <a:lumMod val="75000"/>
+                </a:schemeClr>
+              </a:solidFill>
+            </a:endParaRPr>
+          </a:p>
+          <a:p>
+            <a:r>
+              <a:rPr lang="en-US" b="1" i="1" dirty="0">
+                <a:solidFill>
+                  <a:schemeClr val="accent5">
+                    <a:lumMod val="75000"/>
+                  </a:schemeClr>
+                </a:solidFill>
+              </a:rPr>
+              <a:t>V</a:t>
+            </a:r>
+            <a:r>
+              <a:rPr lang="en-US" dirty="0"/>
+              <a:t> is a </a:t>
+            </a:r>
+            <a:r>
+              <a:rPr lang="en-US" dirty="0" err="1"/>
+              <a:t>hott</a:t>
+            </a:r>
+            <a:r>
+              <a:rPr lang="en-US" dirty="0"/>
+              <a:t> topics matrix.</a:t>
+            </a:r>
+          </a:p>
+          <a:p>
+            <a:r>
+              <a:rPr lang="en-US" dirty="0"/>
+              <a:t>The </a:t>
+            </a:r>
+            <a:r>
+              <a:rPr lang="en-US" dirty="0">
+                <a:solidFill>
+                  <a:srgbClr val="FF0000"/>
+                </a:solidFill>
+              </a:rPr>
+              <a:t>red</a:t>
+            </a:r>
+            <a:r>
+              <a:rPr lang="en-US" dirty="0"/>
+              <a:t> vectors signifies the item basis vectors.</a:t>
+            </a:r>
+          </a:p>
+          <a:p>
+            <a:r>
+              <a:rPr lang="en-US" dirty="0"/>
+              <a:t>The </a:t>
+            </a:r>
+            <a:r>
+              <a:rPr lang="en-US" dirty="0">
+                <a:solidFill>
+                  <a:srgbClr val="00B050"/>
+                </a:solidFill>
+              </a:rPr>
+              <a:t>green</a:t>
+            </a:r>
+            <a:r>
+              <a:rPr lang="en-US" dirty="0"/>
+              <a:t> vectors signifies user vectors.</a:t>
+            </a:r>
+          </a:p>
+        </p:txBody>
+      </p:sp>
+      <p:pic>
+        <p:nvPicPr>
+          <p:cNvPr id="10" name="Picture 9">
+            <a:extLst>
+              <a:ext uri="{FF2B5EF4-FFF2-40B4-BE49-F238E27FC236}">
+                <a16:creationId xmlns:a16="http://schemas.microsoft.com/office/drawing/2014/main" id="{CA0BC563-BAF1-2D41-A243-996DE5F4B2DE}"/>
+              </a:ext>
+            </a:extLst>
+          </p:cNvPr>
+          <p:cNvPicPr>
+            <a:picLocks noChangeAspect="1"/>
+          </p:cNvPicPr>
+          <p:nvPr/>
+        </p:nvPicPr>
+        <p:blipFill>
+          <a:blip r:embed="rId2"/>
+          <a:stretch>
+            <a:fillRect/>
+          </a:stretch>
+        </p:blipFill>
+        <p:spPr>
+          <a:xfrm>
+            <a:off x="5451171" y="1082040"/>
+            <a:ext cx="6616043" cy="4796246"/>
+          </a:xfrm>
+          <a:prstGeom prst="rect">
+            <a:avLst/>
+          </a:prstGeom>
+        </p:spPr>
+      </p:pic>
+    </p:spTree>
+    <p:extLst>
+      <p:ext uri="{BB962C8B-B14F-4D97-AF65-F5344CB8AC3E}">
+        <p14:creationId xmlns:p14="http://schemas.microsoft.com/office/powerpoint/2010/main" val="359040241"/>
+      </p:ext>
+    </p:extLst>
+  </p:cSld>
+  <p:clrMapOvr>
+    <a:masterClrMapping/>
+  </p:clrMapOvr>
+</p:sld>
+</file>
+
+<file path=ppt/slides/slide8.xml><?xml version="1.0" encoding="utf-8"?>
+<p:sld xmlns:a="http://schemas.openxmlformats.org/drawingml/2006/main" xmlns:r="http://schemas.openxmlformats.org/officeDocument/2006/relationships" xmlns:p="http://schemas.openxmlformats.org/presentationml/2006/main">
+  <p:cSld>
+    <p:spTree>
+      <p:nvGrpSpPr>
+        <p:cNvPr id="1" name=""/>
+        <p:cNvGrpSpPr/>
+        <p:nvPr/>
+      </p:nvGrpSpPr>
+      <p:grpSpPr>
+        <a:xfrm>
+          <a:off x="0" y="0"/>
+          <a:ext cx="0" cy="0"/>
+          <a:chOff x="0" y="0"/>
+          <a:chExt cx="0" cy="0"/>
+        </a:xfrm>
+      </p:grpSpPr>
+      <p:sp>
+        <p:nvSpPr>
+          <p:cNvPr id="2" name="Title 1">
+            <a:extLst>
+              <a:ext uri="{FF2B5EF4-FFF2-40B4-BE49-F238E27FC236}">
                 <a16:creationId xmlns:a16="http://schemas.microsoft.com/office/drawing/2014/main" id="{00860BFC-5D05-B541-9DB2-F72720B2EA38}"/>
               </a:ext>
             </a:extLst>
@@ -16014,209 +16312,302 @@
           </a:p>
         </p:txBody>
       </p:sp>
-      <mc:AlternateContent xmlns:mc="http://schemas.openxmlformats.org/markup-compatibility/2006">
-        <mc:Choice xmlns:a14="http://schemas.microsoft.com/office/drawing/2010/main" Requires="a14">
-          <p:sp>
-            <p:nvSpPr>
-              <p:cNvPr id="3" name="Content Placeholder 2">
-                <a:extLst>
-                  <a:ext uri="{FF2B5EF4-FFF2-40B4-BE49-F238E27FC236}">
-                    <a16:creationId xmlns:a16="http://schemas.microsoft.com/office/drawing/2014/main" id="{4BC6D8CD-F662-7C40-9A6A-7F69DBF0EA13}"/>
-                  </a:ext>
-                </a:extLst>
-              </p:cNvPr>
-              <p:cNvSpPr>
-                <a:spLocks noGrp="1"/>
-              </p:cNvSpPr>
-              <p:nvPr>
-                <p:ph idx="1"/>
-              </p:nvPr>
-            </p:nvSpPr>
-            <p:spPr/>
-            <p:txBody>
-              <a:bodyPr/>
-              <a:lstStyle/>
-              <a:p>
-                <a:pPr marL="0" indent="0">
-                  <a:buNone/>
-                </a:pPr>
-                <a:r>
-                  <a:rPr lang="en-US" sz="2400" dirty="0"/>
-                  <a:t>Difference with Previous Work of Latent Bandits (</a:t>
-                </a:r>
-                <a:r>
-                  <a:rPr lang="en-US" sz="2400" dirty="0" err="1"/>
-                  <a:t>Maillard</a:t>
-                </a:r>
-                <a:r>
-                  <a:rPr lang="en-US" sz="2400" dirty="0"/>
-                  <a:t> and </a:t>
-                </a:r>
-                <a:r>
-                  <a:rPr lang="en-US" sz="2400" dirty="0" err="1"/>
-                  <a:t>Mannor</a:t>
-                </a:r>
-                <a:r>
-                  <a:rPr lang="en-US" sz="2400" dirty="0"/>
-                  <a:t>, 2014)</a:t>
-                </a:r>
-              </a:p>
-              <a:p>
-                <a:r>
-                  <a:rPr lang="en-US" dirty="0"/>
-                  <a:t>K users divided into |B| clusters such that the reward </a:t>
-                </a:r>
-                <a:r>
-                  <a:rPr lang="en-US" i="1" dirty="0"/>
-                  <a:t>distributions</a:t>
-                </a:r>
-                <a:r>
-                  <a:rPr lang="en-US" dirty="0"/>
-                  <a:t> of all the users in each of the clusters are </a:t>
-                </a:r>
-                <a:r>
-                  <a:rPr lang="en-US" i="1" dirty="0"/>
-                  <a:t>identical</a:t>
-                </a:r>
-                <a:r>
-                  <a:rPr lang="en-US" dirty="0"/>
-                  <a:t>.</a:t>
-                </a:r>
-              </a:p>
-              <a:p>
-                <a:r>
-                  <a:rPr lang="en-US" dirty="0"/>
-                  <a:t>This problem easier to solve and has less practical applications.</a:t>
-                </a:r>
-              </a:p>
-              <a:p>
-                <a:pPr marL="0" indent="0">
-                  <a:buNone/>
-                </a:pPr>
-                <a:endParaRPr lang="en-US" dirty="0"/>
-              </a:p>
-              <a:p>
-                <a:pPr marL="0" indent="0">
-                  <a:buNone/>
-                </a:pPr>
-                <a:r>
-                  <a:rPr lang="en-US" sz="2800" dirty="0"/>
-                  <a:t>Difference with Stochastic Rank-1 Bandits (</a:t>
-                </a:r>
-                <a:r>
-                  <a:rPr lang="en-US" sz="2800" dirty="0" err="1"/>
-                  <a:t>Katariya</a:t>
-                </a:r>
-                <a:r>
-                  <a:rPr lang="en-US" sz="2800" dirty="0"/>
-                  <a:t> et al., 2017)</a:t>
-                </a:r>
-              </a:p>
-              <a:p>
-                <a:r>
-                  <a:rPr lang="en-US" sz="2200" dirty="0"/>
-                  <a:t>In this setting at every </a:t>
-                </a:r>
-                <a:r>
-                  <a:rPr lang="en-US" sz="2200" dirty="0" err="1"/>
-                  <a:t>timestep</a:t>
-                </a:r>
-                <a:r>
-                  <a:rPr lang="en-US" sz="2200" dirty="0"/>
-                  <a:t> the learner chooses a pair of user and arms.</a:t>
-                </a:r>
-              </a:p>
-              <a:p>
-                <a:r>
-                  <a:rPr lang="en-US" sz="2200" dirty="0"/>
-                  <a:t>No inherent </a:t>
-                </a:r>
-                <a:r>
-                  <a:rPr lang="en-US" sz="2200"/>
-                  <a:t>grouping exist amongst </a:t>
-                </a:r>
-                <a:r>
-                  <a:rPr lang="en-US" sz="2200" dirty="0"/>
-                  <a:t>the users.</a:t>
-                </a:r>
-              </a:p>
-              <a:p>
-                <a:pPr marL="0" indent="0">
-                  <a:buNone/>
-                </a:pPr>
-                <a:endParaRPr lang="en-US" sz="2200" dirty="0"/>
-              </a:p>
-              <a:p>
-                <a:pPr marL="0" indent="0">
-                  <a:buNone/>
-                </a:pPr>
-                <a14:m>
-                  <m:oMathPara xmlns:m="http://schemas.openxmlformats.org/officeDocument/2006/math">
-                    <m:oMathParaPr>
-                      <m:jc m:val="centerGroup"/>
-                    </m:oMathParaPr>
-                    <m:oMath xmlns:m="http://schemas.openxmlformats.org/officeDocument/2006/math">
-                      <m:r>
-                        <a:rPr lang="en-US" sz="2200" b="1" i="1">
-                          <a:solidFill>
-                            <a:srgbClr val="00B050"/>
-                          </a:solidFill>
-                          <a:latin typeface="Cambria Math" panose="02040503050406030204" pitchFamily="18" charset="0"/>
-                          <a:ea typeface="Cambria Math" panose="02040503050406030204" pitchFamily="18" charset="0"/>
-                        </a:rPr>
-                        <m:t> </m:t>
-                      </m:r>
-                    </m:oMath>
-                  </m:oMathPara>
-                </a14:m>
-                <a:endParaRPr lang="en-US" sz="2200" dirty="0"/>
-              </a:p>
-              <a:p>
-                <a:endParaRPr lang="en-US" sz="2200" dirty="0"/>
-              </a:p>
-            </p:txBody>
-          </p:sp>
-        </mc:Choice>
-        <mc:Fallback>
-          <p:sp>
-            <p:nvSpPr>
-              <p:cNvPr id="3" name="Content Placeholder 2">
-                <a:extLst>
-                  <a:ext uri="{FF2B5EF4-FFF2-40B4-BE49-F238E27FC236}">
-                    <a16:creationId xmlns:a16="http://schemas.microsoft.com/office/drawing/2014/main" id="{4BC6D8CD-F662-7C40-9A6A-7F69DBF0EA13}"/>
-                  </a:ext>
-                </a:extLst>
-              </p:cNvPr>
-              <p:cNvSpPr>
-                <a:spLocks noGrp="1" noRot="1" noChangeAspect="1" noMove="1" noResize="1" noEditPoints="1" noAdjustHandles="1" noChangeArrowheads="1" noChangeShapeType="1" noTextEdit="1"/>
-              </p:cNvSpPr>
-              <p:nvPr>
-                <p:ph idx="1"/>
-              </p:nvPr>
-            </p:nvSpPr>
-            <p:spPr>
-              <a:blipFill>
-                <a:blip r:embed="rId2"/>
-                <a:stretch>
-                  <a:fillRect l="-987" t="-733"/>
-                </a:stretch>
-              </a:blipFill>
-            </p:spPr>
-            <p:txBody>
-              <a:bodyPr/>
-              <a:lstStyle/>
-              <a:p>
-                <a:r>
-                  <a:rPr lang="en-US">
-                    <a:noFill/>
-                  </a:rPr>
-                  <a:t> </a:t>
-                </a:r>
-              </a:p>
-            </p:txBody>
-          </p:sp>
-        </mc:Fallback>
-      </mc:AlternateContent>
+      <p:sp>
+        <p:nvSpPr>
+          <p:cNvPr id="3" name="Content Placeholder 2">
+            <a:extLst>
+              <a:ext uri="{FF2B5EF4-FFF2-40B4-BE49-F238E27FC236}">
+                <a16:creationId xmlns:a16="http://schemas.microsoft.com/office/drawing/2014/main" id="{4BC6D8CD-F662-7C40-9A6A-7F69DBF0EA13}"/>
+              </a:ext>
+            </a:extLst>
+          </p:cNvPr>
+          <p:cNvSpPr>
+            <a:spLocks noGrp="1"/>
+          </p:cNvSpPr>
+          <p:nvPr>
+            <p:ph idx="1"/>
+          </p:nvPr>
+        </p:nvSpPr>
+        <p:spPr/>
+        <p:txBody>
+          <a:bodyPr>
+            <a:normAutofit lnSpcReduction="10000"/>
+          </a:bodyPr>
+          <a:lstStyle/>
+          <a:p>
+            <a:pPr marL="0" indent="0">
+              <a:buNone/>
+            </a:pPr>
+            <a:r>
+              <a:rPr lang="en-US" sz="2400" dirty="0">
+                <a:solidFill>
+                  <a:schemeClr val="accent4">
+                    <a:lumMod val="50000"/>
+                  </a:schemeClr>
+                </a:solidFill>
+              </a:rPr>
+              <a:t>Difference with Latent Bandits (</a:t>
+            </a:r>
+            <a:r>
+              <a:rPr lang="en-US" sz="2400" dirty="0" err="1">
+                <a:solidFill>
+                  <a:schemeClr val="accent4">
+                    <a:lumMod val="50000"/>
+                  </a:schemeClr>
+                </a:solidFill>
+              </a:rPr>
+              <a:t>Maillard</a:t>
+            </a:r>
+            <a:r>
+              <a:rPr lang="en-US" sz="2400" dirty="0">
+                <a:solidFill>
+                  <a:schemeClr val="accent4">
+                    <a:lumMod val="50000"/>
+                  </a:schemeClr>
+                </a:solidFill>
+              </a:rPr>
+              <a:t> and </a:t>
+            </a:r>
+            <a:r>
+              <a:rPr lang="en-US" sz="2400" dirty="0" err="1">
+                <a:solidFill>
+                  <a:schemeClr val="accent4">
+                    <a:lumMod val="50000"/>
+                  </a:schemeClr>
+                </a:solidFill>
+              </a:rPr>
+              <a:t>Mannor</a:t>
+            </a:r>
+            <a:r>
+              <a:rPr lang="en-US" sz="2400" dirty="0">
+                <a:solidFill>
+                  <a:schemeClr val="accent4">
+                    <a:lumMod val="50000"/>
+                  </a:schemeClr>
+                </a:solidFill>
+              </a:rPr>
+              <a:t>, 2014), </a:t>
+            </a:r>
+            <a:r>
+              <a:rPr lang="en-US" sz="2400" dirty="0">
+                <a:solidFill>
+                  <a:srgbClr val="00B0F0"/>
+                </a:solidFill>
+              </a:rPr>
+              <a:t>[2]</a:t>
+            </a:r>
+          </a:p>
+          <a:p>
+            <a:r>
+              <a:rPr lang="en-US" sz="2200" dirty="0"/>
+              <a:t>K users divided into |B| clusters such that the reward </a:t>
+            </a:r>
+            <a:r>
+              <a:rPr lang="en-US" sz="2200" i="1" dirty="0"/>
+              <a:t>distributions</a:t>
+            </a:r>
+            <a:r>
+              <a:rPr lang="en-US" sz="2200" dirty="0"/>
+              <a:t> of all the users in each of the clusters are </a:t>
+            </a:r>
+            <a:r>
+              <a:rPr lang="en-US" sz="2200" i="1" dirty="0"/>
+              <a:t>identical</a:t>
+            </a:r>
+            <a:r>
+              <a:rPr lang="en-US" sz="2200" dirty="0"/>
+              <a:t>.</a:t>
+            </a:r>
+          </a:p>
+          <a:p>
+            <a:r>
+              <a:rPr lang="en-US" sz="2200" dirty="0"/>
+              <a:t>This problem easier to solve and has less practical applications.</a:t>
+            </a:r>
+          </a:p>
+          <a:p>
+            <a:pPr marL="0" indent="0">
+              <a:buNone/>
+            </a:pPr>
+            <a:endParaRPr lang="en-US" dirty="0"/>
+          </a:p>
+          <a:p>
+            <a:pPr marL="0" indent="0">
+              <a:buNone/>
+            </a:pPr>
+            <a:r>
+              <a:rPr lang="en-US" sz="2400" dirty="0">
+                <a:solidFill>
+                  <a:schemeClr val="accent4">
+                    <a:lumMod val="50000"/>
+                  </a:schemeClr>
+                </a:solidFill>
+              </a:rPr>
+              <a:t>Difference with Stochastic Rank-1 Bandits (</a:t>
+            </a:r>
+            <a:r>
+              <a:rPr lang="en-US" sz="2400" dirty="0" err="1">
+                <a:solidFill>
+                  <a:schemeClr val="accent4">
+                    <a:lumMod val="50000"/>
+                  </a:schemeClr>
+                </a:solidFill>
+              </a:rPr>
+              <a:t>Katariya</a:t>
+            </a:r>
+            <a:r>
+              <a:rPr lang="en-US" sz="2400" dirty="0">
+                <a:solidFill>
+                  <a:schemeClr val="accent4">
+                    <a:lumMod val="50000"/>
+                  </a:schemeClr>
+                </a:solidFill>
+              </a:rPr>
+              <a:t> et al., 2017),</a:t>
+            </a:r>
+            <a:r>
+              <a:rPr lang="en-US" sz="2400" dirty="0"/>
+              <a:t> </a:t>
+            </a:r>
+            <a:r>
+              <a:rPr lang="en-US" sz="2400" dirty="0">
+                <a:solidFill>
+                  <a:srgbClr val="00B0F0"/>
+                </a:solidFill>
+              </a:rPr>
+              <a:t>[5]</a:t>
+            </a:r>
+          </a:p>
+          <a:p>
+            <a:r>
+              <a:rPr lang="en-US" sz="2200" dirty="0"/>
+              <a:t>In this setting at every </a:t>
+            </a:r>
+            <a:r>
+              <a:rPr lang="en-US" sz="2200" dirty="0" err="1"/>
+              <a:t>timestep</a:t>
+            </a:r>
+            <a:r>
+              <a:rPr lang="en-US" sz="2200" dirty="0"/>
+              <a:t> the learner chooses a pair of user and arms.</a:t>
+            </a:r>
+          </a:p>
+          <a:p>
+            <a:r>
+              <a:rPr lang="en-US" sz="2200" dirty="0"/>
+              <a:t>No inherent grouping exist amongst the users.</a:t>
+            </a:r>
+          </a:p>
+          <a:p>
+            <a:pPr marL="0" indent="0">
+              <a:buNone/>
+            </a:pPr>
+            <a:endParaRPr lang="en-US" sz="2200" dirty="0"/>
+          </a:p>
+          <a:p>
+            <a:pPr marL="0" indent="0">
+              <a:buNone/>
+            </a:pPr>
+            <a:r>
+              <a:rPr lang="en-US" sz="2400" dirty="0">
+                <a:solidFill>
+                  <a:schemeClr val="accent4">
+                    <a:lumMod val="50000"/>
+                  </a:schemeClr>
+                </a:solidFill>
+              </a:rPr>
+              <a:t>Difference with Stochastic Low-Rank Bandits (</a:t>
+            </a:r>
+            <a:r>
+              <a:rPr lang="en-US" sz="2400" dirty="0" err="1">
+                <a:solidFill>
+                  <a:schemeClr val="accent4">
+                    <a:lumMod val="50000"/>
+                  </a:schemeClr>
+                </a:solidFill>
+              </a:rPr>
+              <a:t>Kveton</a:t>
+            </a:r>
+            <a:r>
+              <a:rPr lang="en-US" sz="2400" dirty="0">
+                <a:solidFill>
+                  <a:schemeClr val="accent4">
+                    <a:lumMod val="50000"/>
+                  </a:schemeClr>
+                </a:solidFill>
+              </a:rPr>
+              <a:t> et al., 2017),</a:t>
+            </a:r>
+            <a:r>
+              <a:rPr lang="en-US" sz="2400" dirty="0"/>
+              <a:t> </a:t>
+            </a:r>
+            <a:r>
+              <a:rPr lang="en-US" sz="2400" dirty="0">
+                <a:solidFill>
+                  <a:srgbClr val="00B0F0"/>
+                </a:solidFill>
+              </a:rPr>
+              <a:t>[6]</a:t>
+            </a:r>
+          </a:p>
+          <a:p>
+            <a:r>
+              <a:rPr lang="en-US" sz="2200" dirty="0"/>
+              <a:t>In this setting at every </a:t>
+            </a:r>
+            <a:r>
+              <a:rPr lang="en-US" sz="2200" dirty="0" err="1"/>
+              <a:t>timestep</a:t>
+            </a:r>
+            <a:r>
+              <a:rPr lang="en-US" sz="2200" dirty="0"/>
+              <a:t> the learner chooses d-subsets of user and arms.</a:t>
+            </a:r>
+          </a:p>
+          <a:p>
+            <a:r>
+              <a:rPr lang="en-US" sz="2200" dirty="0"/>
+              <a:t>No inherent grouping exist amongst the users.</a:t>
+            </a:r>
+          </a:p>
+          <a:p>
+            <a:r>
+              <a:rPr lang="en-US" sz="2200" dirty="0"/>
+              <a:t>Has the </a:t>
+            </a:r>
+            <a:r>
+              <a:rPr lang="en-US" sz="2200" i="1" dirty="0" err="1">
+                <a:solidFill>
+                  <a:srgbClr val="FF0000"/>
+                </a:solidFill>
+              </a:rPr>
+              <a:t>hott</a:t>
+            </a:r>
+            <a:r>
+              <a:rPr lang="en-US" sz="2200" i="1" dirty="0">
+                <a:solidFill>
+                  <a:srgbClr val="FF0000"/>
+                </a:solidFill>
+              </a:rPr>
+              <a:t>-topics</a:t>
+            </a:r>
+            <a:r>
+              <a:rPr lang="en-US" sz="2200" dirty="0"/>
+              <a:t> assumption on both users and item matrix.</a:t>
+            </a:r>
+          </a:p>
+          <a:p>
+            <a:pPr marL="0" indent="0">
+              <a:buNone/>
+            </a:pPr>
+            <a:endParaRPr lang="en-US" sz="2200" dirty="0"/>
+          </a:p>
+          <a:p>
+            <a:endParaRPr lang="en-US" sz="2200" dirty="0"/>
+          </a:p>
+        </p:txBody>
+      </p:sp>
       <p:sp>
         <p:nvSpPr>
           <p:cNvPr id="4" name="Slide Number Placeholder 3">
@@ -16242,7 +16633,7 @@
             <a:fld id="{90156F56-D5AE-4C6F-B826-C69D1BC521BB}" type="slidenum">
               <a:rPr lang="en-US" smtClean="0"/>
               <a:pPr algn="ctr"/>
-              <a:t>7</a:t>
+              <a:t>8</a:t>
             </a:fld>
             <a:endParaRPr lang="en-US" dirty="0"/>
           </a:p>
@@ -16261,7 +16652,7 @@
 </p:sld>
 </file>
 
-<file path=ppt/slides/slide8.xml><?xml version="1.0" encoding="utf-8"?>
+<file path=ppt/slides/slide9.xml><?xml version="1.0" encoding="utf-8"?>
 <p:sld xmlns:a="http://schemas.openxmlformats.org/drawingml/2006/main" xmlns:r="http://schemas.openxmlformats.org/officeDocument/2006/relationships" xmlns:p="http://schemas.openxmlformats.org/presentationml/2006/main" show="0">
   <p:cSld>
     <p:spTree>
@@ -16921,7 +17312,7 @@
             <a:fld id="{90156F56-D5AE-4C6F-B826-C69D1BC521BB}" type="slidenum">
               <a:rPr lang="en-US" smtClean="0"/>
               <a:pPr algn="ctr"/>
-              <a:t>8</a:t>
+              <a:t>9</a:t>
             </a:fld>
             <a:endParaRPr lang="en-US" dirty="0"/>
           </a:p>
@@ -16969,270 +17360,6 @@
     <p:extLst>
       <p:ext uri="{BB962C8B-B14F-4D97-AF65-F5344CB8AC3E}">
         <p14:creationId xmlns:p14="http://schemas.microsoft.com/office/powerpoint/2010/main" val="900708667"/>
-      </p:ext>
-    </p:extLst>
-  </p:cSld>
-  <p:clrMapOvr>
-    <a:masterClrMapping/>
-  </p:clrMapOvr>
-</p:sld>
-</file>
-
-<file path=ppt/slides/slide9.xml><?xml version="1.0" encoding="utf-8"?>
-<p:sld xmlns:a="http://schemas.openxmlformats.org/drawingml/2006/main" xmlns:r="http://schemas.openxmlformats.org/officeDocument/2006/relationships" xmlns:p="http://schemas.openxmlformats.org/presentationml/2006/main">
-  <p:cSld>
-    <p:spTree>
-      <p:nvGrpSpPr>
-        <p:cNvPr id="1" name=""/>
-        <p:cNvGrpSpPr/>
-        <p:nvPr/>
-      </p:nvGrpSpPr>
-      <p:grpSpPr>
-        <a:xfrm>
-          <a:off x="0" y="0"/>
-          <a:ext cx="0" cy="0"/>
-          <a:chOff x="0" y="0"/>
-          <a:chExt cx="0" cy="0"/>
-        </a:xfrm>
-      </p:grpSpPr>
-      <p:sp>
-        <p:nvSpPr>
-          <p:cNvPr id="2" name="Title 1">
-            <a:extLst>
-              <a:ext uri="{FF2B5EF4-FFF2-40B4-BE49-F238E27FC236}">
-                <a16:creationId xmlns:a16="http://schemas.microsoft.com/office/drawing/2014/main" id="{2112CBC0-7A80-9C42-AFF2-DD78E79FAA80}"/>
-              </a:ext>
-            </a:extLst>
-          </p:cNvPr>
-          <p:cNvSpPr>
-            <a:spLocks noGrp="1"/>
-          </p:cNvSpPr>
-          <p:nvPr>
-            <p:ph type="title"/>
-          </p:nvPr>
-        </p:nvSpPr>
-        <p:spPr/>
-        <p:txBody>
-          <a:bodyPr/>
-          <a:lstStyle/>
-          <a:p>
-            <a:r>
-              <a:rPr lang="en-US" dirty="0"/>
-              <a:t>A Simple Example	</a:t>
-            </a:r>
-          </a:p>
-        </p:txBody>
-      </p:sp>
-      <p:sp>
-        <p:nvSpPr>
-          <p:cNvPr id="4" name="Slide Number Placeholder 3">
-            <a:extLst>
-              <a:ext uri="{FF2B5EF4-FFF2-40B4-BE49-F238E27FC236}">
-                <a16:creationId xmlns:a16="http://schemas.microsoft.com/office/drawing/2014/main" id="{16D7D531-1A4A-BE42-88DE-7523F2A2ED2E}"/>
-              </a:ext>
-            </a:extLst>
-          </p:cNvPr>
-          <p:cNvSpPr>
-            <a:spLocks noGrp="1"/>
-          </p:cNvSpPr>
-          <p:nvPr>
-            <p:ph type="sldNum" sz="quarter" idx="12"/>
-          </p:nvPr>
-        </p:nvSpPr>
-        <p:spPr/>
-        <p:txBody>
-          <a:bodyPr/>
-          <a:lstStyle/>
-          <a:p>
-            <a:pPr algn="ctr"/>
-            <a:fld id="{90156F56-D5AE-4C6F-B826-C69D1BC521BB}" type="slidenum">
-              <a:rPr lang="en-US" smtClean="0"/>
-              <a:pPr algn="ctr"/>
-              <a:t>9</a:t>
-            </a:fld>
-            <a:endParaRPr lang="en-US" dirty="0"/>
-          </a:p>
-        </p:txBody>
-      </p:sp>
-      <mc:AlternateContent xmlns:mc="http://schemas.openxmlformats.org/markup-compatibility/2006">
-        <mc:Choice xmlns:a14="http://schemas.microsoft.com/office/drawing/2010/main" Requires="a14">
-          <p:sp>
-            <p:nvSpPr>
-              <p:cNvPr id="8" name="Content Placeholder 7">
-                <a:extLst>
-                  <a:ext uri="{FF2B5EF4-FFF2-40B4-BE49-F238E27FC236}">
-                    <a16:creationId xmlns:a16="http://schemas.microsoft.com/office/drawing/2014/main" id="{67CFA206-EEFD-764C-B8B7-A2791D10EC34}"/>
-                  </a:ext>
-                </a:extLst>
-              </p:cNvPr>
-              <p:cNvSpPr>
-                <a:spLocks noGrp="1"/>
-              </p:cNvSpPr>
-              <p:nvPr>
-                <p:ph idx="1"/>
-              </p:nvPr>
-            </p:nvSpPr>
-            <p:spPr/>
-            <p:txBody>
-              <a:bodyPr/>
-              <a:lstStyle/>
-              <a:p>
-                <a:endParaRPr lang="en-US" dirty="0"/>
-              </a:p>
-              <a:p>
-                <a:endParaRPr lang="en-US" dirty="0"/>
-              </a:p>
-              <a:p>
-                <a:endParaRPr lang="en-US" dirty="0"/>
-              </a:p>
-              <a:p>
-                <a:endParaRPr lang="en-US" dirty="0"/>
-              </a:p>
-              <a:p>
-                <a:endParaRPr lang="en-US" dirty="0"/>
-              </a:p>
-              <a:p>
-                <a:endParaRPr lang="en-US" dirty="0"/>
-              </a:p>
-              <a:p>
-                <a:endParaRPr lang="en-US" dirty="0"/>
-              </a:p>
-              <a:p>
-                <a:endParaRPr lang="en-US" dirty="0"/>
-              </a:p>
-              <a:p>
-                <a14:m>
-                  <m:oMath xmlns:m="http://schemas.openxmlformats.org/officeDocument/2006/math">
-                    <m:acc>
-                      <m:accPr>
-                        <m:chr m:val="̅"/>
-                        <m:ctrlPr>
-                          <a:rPr lang="en-US" b="1" i="1">
-                            <a:solidFill>
-                              <a:srgbClr val="00B050"/>
-                            </a:solidFill>
-                            <a:latin typeface="Cambria Math" panose="02040503050406030204" pitchFamily="18" charset="0"/>
-                            <a:ea typeface="Cambria Math" panose="02040503050406030204" pitchFamily="18" charset="0"/>
-                          </a:rPr>
-                        </m:ctrlPr>
-                      </m:accPr>
-                      <m:e>
-                        <m:r>
-                          <a:rPr lang="en-US" b="1" i="1">
-                            <a:solidFill>
-                              <a:srgbClr val="00B050"/>
-                            </a:solidFill>
-                            <a:latin typeface="Cambria Math" panose="02040503050406030204" pitchFamily="18" charset="0"/>
-                            <a:ea typeface="Cambria Math" panose="02040503050406030204" pitchFamily="18" charset="0"/>
-                          </a:rPr>
-                          <m:t>𝑹</m:t>
-                        </m:r>
-                      </m:e>
-                    </m:acc>
-                  </m:oMath>
-                </a14:m>
-                <a:r>
-                  <a:rPr lang="en-US" dirty="0"/>
-                  <a:t> is a </a:t>
-                </a:r>
-                <a:r>
-                  <a:rPr lang="en-US" dirty="0" err="1"/>
-                  <a:t>hott</a:t>
-                </a:r>
-                <a:r>
-                  <a:rPr lang="en-US" dirty="0"/>
-                  <a:t> topics matrix.</a:t>
-                </a:r>
-              </a:p>
-              <a:p>
-                <a:r>
-                  <a:rPr lang="en-US" dirty="0"/>
-                  <a:t>The red vectors signifies the basis vectors.</a:t>
-                </a:r>
-              </a:p>
-              <a:p>
-                <a:r>
-                  <a:rPr lang="en-US" dirty="0"/>
-                  <a:t>The green vectors signifies other user vectors.</a:t>
-                </a:r>
-              </a:p>
-            </p:txBody>
-          </p:sp>
-        </mc:Choice>
-        <mc:Fallback>
-          <p:sp>
-            <p:nvSpPr>
-              <p:cNvPr id="8" name="Content Placeholder 7">
-                <a:extLst>
-                  <a:ext uri="{FF2B5EF4-FFF2-40B4-BE49-F238E27FC236}">
-                    <a16:creationId xmlns:a16="http://schemas.microsoft.com/office/drawing/2014/main" id="{67CFA206-EEFD-764C-B8B7-A2791D10EC34}"/>
-                  </a:ext>
-                </a:extLst>
-              </p:cNvPr>
-              <p:cNvSpPr>
-                <a:spLocks noGrp="1" noRot="1" noChangeAspect="1" noMove="1" noResize="1" noEditPoints="1" noAdjustHandles="1" noChangeArrowheads="1" noChangeShapeType="1" noTextEdit="1"/>
-              </p:cNvSpPr>
-              <p:nvPr>
-                <p:ph idx="1"/>
-              </p:nvPr>
-            </p:nvSpPr>
-            <p:spPr>
-              <a:blipFill>
-                <a:blip r:embed="rId2"/>
-                <a:stretch>
-                  <a:fillRect/>
-                </a:stretch>
-              </a:blipFill>
-            </p:spPr>
-            <p:txBody>
-              <a:bodyPr/>
-              <a:lstStyle/>
-              <a:p>
-                <a:r>
-                  <a:rPr lang="en-US">
-                    <a:noFill/>
-                  </a:rPr>
-                  <a:t> </a:t>
-                </a:r>
-              </a:p>
-            </p:txBody>
-          </p:sp>
-        </mc:Fallback>
-      </mc:AlternateContent>
-      <p:pic>
-        <p:nvPicPr>
-          <p:cNvPr id="10" name="Picture 9">
-            <a:extLst>
-              <a:ext uri="{FF2B5EF4-FFF2-40B4-BE49-F238E27FC236}">
-                <a16:creationId xmlns:a16="http://schemas.microsoft.com/office/drawing/2014/main" id="{CA0BC563-BAF1-2D41-A243-996DE5F4B2DE}"/>
-              </a:ext>
-            </a:extLst>
-          </p:cNvPr>
-          <p:cNvPicPr>
-            <a:picLocks noChangeAspect="1"/>
-          </p:cNvPicPr>
-          <p:nvPr/>
-        </p:nvPicPr>
-        <p:blipFill>
-          <a:blip r:embed="rId3"/>
-          <a:stretch>
-            <a:fillRect/>
-          </a:stretch>
-        </p:blipFill>
-        <p:spPr>
-          <a:xfrm>
-            <a:off x="404993" y="990600"/>
-            <a:ext cx="4246770" cy="3078661"/>
-          </a:xfrm>
-          <a:prstGeom prst="rect">
-            <a:avLst/>
-          </a:prstGeom>
-        </p:spPr>
-      </p:pic>
-    </p:spTree>
-    <p:extLst>
-      <p:ext uri="{BB962C8B-B14F-4D97-AF65-F5344CB8AC3E}">
-        <p14:creationId xmlns:p14="http://schemas.microsoft.com/office/powerpoint/2010/main" val="560619241"/>
       </p:ext>
     </p:extLst>
   </p:cSld>

--- a/Adobe PPT/Subho_Inception_talk.pptx
+++ b/Adobe PPT/Subho_Inception_talk.pptx
@@ -5,29 +5,31 @@
     <p:sldMasterId id="2147483656" r:id="rId1"/>
   </p:sldMasterIdLst>
   <p:notesMasterIdLst>
-    <p:notesMasterId r:id="rId14"/>
+    <p:notesMasterId r:id="rId16"/>
   </p:notesMasterIdLst>
   <p:handoutMasterIdLst>
-    <p:handoutMasterId r:id="rId15"/>
+    <p:handoutMasterId r:id="rId17"/>
   </p:handoutMasterIdLst>
   <p:sldIdLst>
     <p:sldId id="308" r:id="rId2"/>
     <p:sldId id="287" r:id="rId3"/>
-    <p:sldId id="315" r:id="rId4"/>
-    <p:sldId id="319" r:id="rId5"/>
-    <p:sldId id="318" r:id="rId6"/>
-    <p:sldId id="312" r:id="rId7"/>
-    <p:sldId id="321" r:id="rId8"/>
-    <p:sldId id="320" r:id="rId9"/>
-    <p:sldId id="314" r:id="rId10"/>
-    <p:sldId id="309" r:id="rId11"/>
-    <p:sldId id="298" r:id="rId12"/>
-    <p:sldId id="283" r:id="rId13"/>
+    <p:sldId id="322" r:id="rId4"/>
+    <p:sldId id="323" r:id="rId5"/>
+    <p:sldId id="315" r:id="rId6"/>
+    <p:sldId id="319" r:id="rId7"/>
+    <p:sldId id="318" r:id="rId8"/>
+    <p:sldId id="312" r:id="rId9"/>
+    <p:sldId id="321" r:id="rId10"/>
+    <p:sldId id="320" r:id="rId11"/>
+    <p:sldId id="314" r:id="rId12"/>
+    <p:sldId id="309" r:id="rId13"/>
+    <p:sldId id="298" r:id="rId14"/>
+    <p:sldId id="283" r:id="rId15"/>
   </p:sldIdLst>
   <p:sldSz cx="12188825" cy="6858000"/>
   <p:notesSz cx="6858000" cy="9144000"/>
   <p:custDataLst>
-    <p:tags r:id="rId16"/>
+    <p:tags r:id="rId18"/>
   </p:custDataLst>
   <p:defaultTextStyle>
     <a:defPPr>
@@ -2385,27 +2387,17 @@
             <a:t>The learner chooses an </a:t>
           </a:r>
           <a:r>
-            <a:rPr lang="en-US" sz="1400" dirty="0">
+            <a:rPr lang="en-US" sz="1400">
               <a:solidFill>
                 <a:srgbClr val="FF0000"/>
               </a:solidFill>
               <a:latin typeface="Cambria Math" panose="02040503050406030204" pitchFamily="18" charset="0"/>
               <a:ea typeface="Cambria Math" panose="02040503050406030204" pitchFamily="18" charset="0"/>
             </a:rPr>
-            <a:t>arm </a:t>
+            <a:t>arm j</a:t>
           </a:r>
           <a:r>
-            <a:rPr lang="en-US" sz="1400" dirty="0" err="1">
-              <a:solidFill>
-                <a:srgbClr val="FF0000"/>
-              </a:solidFill>
-              <a:latin typeface="Cambria Math" panose="02040503050406030204" pitchFamily="18" charset="0"/>
-              <a:ea typeface="Cambria Math" panose="02040503050406030204" pitchFamily="18" charset="0"/>
-            </a:rPr>
-            <a:t>j</a:t>
-          </a:r>
-          <a:r>
-            <a:rPr lang="en-US" sz="1400" baseline="-25000" dirty="0" err="1">
+            <a:rPr lang="en-US" sz="1400" baseline="-25000">
               <a:solidFill>
                 <a:srgbClr val="FF0000"/>
               </a:solidFill>
@@ -2415,21 +2407,18 @@
             <a:t>t</a:t>
           </a:r>
           <a:r>
-            <a:rPr lang="en-US" sz="1400" dirty="0">
-              <a:solidFill>
-                <a:srgbClr val="FF0000"/>
-              </a:solidFill>
-            </a:rPr>
-            <a:t> </a:t>
-          </a:r>
-          <a:r>
-            <a:rPr lang="en-US" sz="1400" dirty="0">
+            <a:rPr lang="en-US" sz="1400">
               <a:solidFill>
                 <a:srgbClr val="0070C0"/>
               </a:solidFill>
             </a:rPr>
-            <a:t>(column).</a:t>
+            <a:t>.</a:t>
           </a:r>
+          <a:endParaRPr lang="en-US" sz="1400" dirty="0">
+            <a:solidFill>
+              <a:srgbClr val="0070C0"/>
+            </a:solidFill>
+          </a:endParaRPr>
         </a:p>
       </dgm:t>
     </dgm:pt>
@@ -5170,27 +5159,17 @@
             <a:t>The learner chooses an </a:t>
           </a:r>
           <a:r>
-            <a:rPr lang="en-US" sz="1400" kern="1200" dirty="0">
+            <a:rPr lang="en-US" sz="1400" kern="1200">
               <a:solidFill>
                 <a:srgbClr val="FF0000"/>
               </a:solidFill>
               <a:latin typeface="Cambria Math" panose="02040503050406030204" pitchFamily="18" charset="0"/>
               <a:ea typeface="Cambria Math" panose="02040503050406030204" pitchFamily="18" charset="0"/>
             </a:rPr>
-            <a:t>arm </a:t>
+            <a:t>arm j</a:t>
           </a:r>
           <a:r>
-            <a:rPr lang="en-US" sz="1400" kern="1200" dirty="0" err="1">
-              <a:solidFill>
-                <a:srgbClr val="FF0000"/>
-              </a:solidFill>
-              <a:latin typeface="Cambria Math" panose="02040503050406030204" pitchFamily="18" charset="0"/>
-              <a:ea typeface="Cambria Math" panose="02040503050406030204" pitchFamily="18" charset="0"/>
-            </a:rPr>
-            <a:t>j</a:t>
-          </a:r>
-          <a:r>
-            <a:rPr lang="en-US" sz="1400" kern="1200" baseline="-25000" dirty="0" err="1">
+            <a:rPr lang="en-US" sz="1400" kern="1200" baseline="-25000">
               <a:solidFill>
                 <a:srgbClr val="FF0000"/>
               </a:solidFill>
@@ -5200,21 +5179,18 @@
             <a:t>t</a:t>
           </a:r>
           <a:r>
-            <a:rPr lang="en-US" sz="1400" kern="1200" dirty="0">
-              <a:solidFill>
-                <a:srgbClr val="FF0000"/>
-              </a:solidFill>
-            </a:rPr>
-            <a:t> </a:t>
-          </a:r>
-          <a:r>
-            <a:rPr lang="en-US" sz="1400" kern="1200" dirty="0">
+            <a:rPr lang="en-US" sz="1400" kern="1200">
               <a:solidFill>
                 <a:srgbClr val="0070C0"/>
               </a:solidFill>
             </a:rPr>
-            <a:t>(column).</a:t>
+            <a:t>.</a:t>
           </a:r>
+          <a:endParaRPr lang="en-US" sz="1400" kern="1200" dirty="0">
+            <a:solidFill>
+              <a:srgbClr val="0070C0"/>
+            </a:solidFill>
+          </a:endParaRPr>
         </a:p>
       </dsp:txBody>
       <dsp:txXfrm>
@@ -9745,7 +9721,7 @@
             <a:fld id="{3EF2277D-4E65-471B-8FDC-312617F5EA89}" type="slidenum">
               <a:rPr lang="en-US" smtClean="0"/>
               <a:pPr/>
-              <a:t>3</a:t>
+              <a:t>5</a:t>
             </a:fld>
             <a:endParaRPr lang="en-US"/>
           </a:p>
@@ -9830,7 +9806,7 @@
             <a:fld id="{3EF2277D-4E65-471B-8FDC-312617F5EA89}" type="slidenum">
               <a:rPr lang="en-US" smtClean="0"/>
               <a:pPr/>
-              <a:t>4</a:t>
+              <a:t>6</a:t>
             </a:fld>
             <a:endParaRPr lang="en-US"/>
           </a:p>
@@ -9915,7 +9891,7 @@
             <a:fld id="{3EF2277D-4E65-471B-8FDC-312617F5EA89}" type="slidenum">
               <a:rPr lang="en-US" smtClean="0"/>
               <a:pPr/>
-              <a:t>6</a:t>
+              <a:t>8</a:t>
             </a:fld>
             <a:endParaRPr lang="en-US"/>
           </a:p>
@@ -10002,7 +9978,7 @@
             <a:fld id="{3EF2277D-4E65-471B-8FDC-312617F5EA89}" type="slidenum">
               <a:rPr lang="en-US" smtClean="0"/>
               <a:pPr/>
-              <a:t>10</a:t>
+              <a:t>12</a:t>
             </a:fld>
             <a:endParaRPr lang="en-US"/>
           </a:p>
@@ -10087,7 +10063,7 @@
             <a:fld id="{3EF2277D-4E65-471B-8FDC-312617F5EA89}" type="slidenum">
               <a:rPr lang="en-US" smtClean="0"/>
               <a:pPr/>
-              <a:t>11</a:t>
+              <a:t>13</a:t>
             </a:fld>
             <a:endParaRPr lang="en-US"/>
           </a:p>
@@ -13204,6 +13180,1108 @@
 </file>
 
 <file path=ppt/slides/slide10.xml><?xml version="1.0" encoding="utf-8"?>
+<p:sld xmlns:a="http://schemas.openxmlformats.org/drawingml/2006/main" xmlns:r="http://schemas.openxmlformats.org/officeDocument/2006/relationships" xmlns:p="http://schemas.openxmlformats.org/presentationml/2006/main">
+  <p:cSld>
+    <p:spTree>
+      <p:nvGrpSpPr>
+        <p:cNvPr id="1" name=""/>
+        <p:cNvGrpSpPr/>
+        <p:nvPr/>
+      </p:nvGrpSpPr>
+      <p:grpSpPr>
+        <a:xfrm>
+          <a:off x="0" y="0"/>
+          <a:ext cx="0" cy="0"/>
+          <a:chOff x="0" y="0"/>
+          <a:chExt cx="0" cy="0"/>
+        </a:xfrm>
+      </p:grpSpPr>
+      <p:sp>
+        <p:nvSpPr>
+          <p:cNvPr id="2" name="Title 1">
+            <a:extLst>
+              <a:ext uri="{FF2B5EF4-FFF2-40B4-BE49-F238E27FC236}">
+                <a16:creationId xmlns:a16="http://schemas.microsoft.com/office/drawing/2014/main" id="{00860BFC-5D05-B541-9DB2-F72720B2EA38}"/>
+              </a:ext>
+            </a:extLst>
+          </p:cNvPr>
+          <p:cNvSpPr>
+            <a:spLocks noGrp="1"/>
+          </p:cNvSpPr>
+          <p:nvPr>
+            <p:ph type="title"/>
+          </p:nvPr>
+        </p:nvSpPr>
+        <p:spPr/>
+        <p:txBody>
+          <a:bodyPr/>
+          <a:lstStyle/>
+          <a:p>
+            <a:r>
+              <a:rPr lang="en-US" dirty="0"/>
+              <a:t>Related Works</a:t>
+            </a:r>
+          </a:p>
+        </p:txBody>
+      </p:sp>
+      <p:sp>
+        <p:nvSpPr>
+          <p:cNvPr id="3" name="Content Placeholder 2">
+            <a:extLst>
+              <a:ext uri="{FF2B5EF4-FFF2-40B4-BE49-F238E27FC236}">
+                <a16:creationId xmlns:a16="http://schemas.microsoft.com/office/drawing/2014/main" id="{4BC6D8CD-F662-7C40-9A6A-7F69DBF0EA13}"/>
+              </a:ext>
+            </a:extLst>
+          </p:cNvPr>
+          <p:cNvSpPr>
+            <a:spLocks noGrp="1"/>
+          </p:cNvSpPr>
+          <p:nvPr>
+            <p:ph idx="1"/>
+          </p:nvPr>
+        </p:nvSpPr>
+        <p:spPr/>
+        <p:txBody>
+          <a:bodyPr>
+            <a:normAutofit lnSpcReduction="10000"/>
+          </a:bodyPr>
+          <a:lstStyle/>
+          <a:p>
+            <a:pPr marL="0" indent="0">
+              <a:buNone/>
+            </a:pPr>
+            <a:r>
+              <a:rPr lang="en-US" sz="2400" dirty="0">
+                <a:solidFill>
+                  <a:schemeClr val="accent4">
+                    <a:lumMod val="50000"/>
+                  </a:schemeClr>
+                </a:solidFill>
+              </a:rPr>
+              <a:t>Difference with Latent Bandits (</a:t>
+            </a:r>
+            <a:r>
+              <a:rPr lang="en-US" sz="2400" dirty="0" err="1">
+                <a:solidFill>
+                  <a:schemeClr val="accent4">
+                    <a:lumMod val="50000"/>
+                  </a:schemeClr>
+                </a:solidFill>
+              </a:rPr>
+              <a:t>Maillard</a:t>
+            </a:r>
+            <a:r>
+              <a:rPr lang="en-US" sz="2400" dirty="0">
+                <a:solidFill>
+                  <a:schemeClr val="accent4">
+                    <a:lumMod val="50000"/>
+                  </a:schemeClr>
+                </a:solidFill>
+              </a:rPr>
+              <a:t> and </a:t>
+            </a:r>
+            <a:r>
+              <a:rPr lang="en-US" sz="2400" dirty="0" err="1">
+                <a:solidFill>
+                  <a:schemeClr val="accent4">
+                    <a:lumMod val="50000"/>
+                  </a:schemeClr>
+                </a:solidFill>
+              </a:rPr>
+              <a:t>Mannor</a:t>
+            </a:r>
+            <a:r>
+              <a:rPr lang="en-US" sz="2400" dirty="0">
+                <a:solidFill>
+                  <a:schemeClr val="accent4">
+                    <a:lumMod val="50000"/>
+                  </a:schemeClr>
+                </a:solidFill>
+              </a:rPr>
+              <a:t>, 2014), </a:t>
+            </a:r>
+            <a:r>
+              <a:rPr lang="en-US" sz="2400" dirty="0">
+                <a:solidFill>
+                  <a:srgbClr val="00B0F0"/>
+                </a:solidFill>
+              </a:rPr>
+              <a:t>[2]</a:t>
+            </a:r>
+          </a:p>
+          <a:p>
+            <a:r>
+              <a:rPr lang="en-US" sz="2200" dirty="0"/>
+              <a:t>K users divided into |B| clusters such that the reward </a:t>
+            </a:r>
+            <a:r>
+              <a:rPr lang="en-US" sz="2200" i="1" dirty="0"/>
+              <a:t>distributions</a:t>
+            </a:r>
+            <a:r>
+              <a:rPr lang="en-US" sz="2200" dirty="0"/>
+              <a:t> of all the users in each of the clusters are </a:t>
+            </a:r>
+            <a:r>
+              <a:rPr lang="en-US" sz="2200" i="1" dirty="0"/>
+              <a:t>identical</a:t>
+            </a:r>
+            <a:r>
+              <a:rPr lang="en-US" sz="2200" dirty="0"/>
+              <a:t>.</a:t>
+            </a:r>
+          </a:p>
+          <a:p>
+            <a:r>
+              <a:rPr lang="en-US" sz="2200" dirty="0"/>
+              <a:t>This problem easier to solve and has less practical applications.</a:t>
+            </a:r>
+          </a:p>
+          <a:p>
+            <a:pPr marL="0" indent="0">
+              <a:buNone/>
+            </a:pPr>
+            <a:endParaRPr lang="en-US" dirty="0"/>
+          </a:p>
+          <a:p>
+            <a:pPr marL="0" indent="0">
+              <a:buNone/>
+            </a:pPr>
+            <a:r>
+              <a:rPr lang="en-US" sz="2400" dirty="0">
+                <a:solidFill>
+                  <a:schemeClr val="accent4">
+                    <a:lumMod val="50000"/>
+                  </a:schemeClr>
+                </a:solidFill>
+              </a:rPr>
+              <a:t>Difference with Stochastic Rank-1 Bandits (</a:t>
+            </a:r>
+            <a:r>
+              <a:rPr lang="en-US" sz="2400" dirty="0" err="1">
+                <a:solidFill>
+                  <a:schemeClr val="accent4">
+                    <a:lumMod val="50000"/>
+                  </a:schemeClr>
+                </a:solidFill>
+              </a:rPr>
+              <a:t>Katariya</a:t>
+            </a:r>
+            <a:r>
+              <a:rPr lang="en-US" sz="2400" dirty="0">
+                <a:solidFill>
+                  <a:schemeClr val="accent4">
+                    <a:lumMod val="50000"/>
+                  </a:schemeClr>
+                </a:solidFill>
+              </a:rPr>
+              <a:t> et al., 2017),</a:t>
+            </a:r>
+            <a:r>
+              <a:rPr lang="en-US" sz="2400" dirty="0"/>
+              <a:t> </a:t>
+            </a:r>
+            <a:r>
+              <a:rPr lang="en-US" sz="2400" dirty="0">
+                <a:solidFill>
+                  <a:srgbClr val="00B0F0"/>
+                </a:solidFill>
+              </a:rPr>
+              <a:t>[5]</a:t>
+            </a:r>
+          </a:p>
+          <a:p>
+            <a:r>
+              <a:rPr lang="en-US" sz="2200" dirty="0"/>
+              <a:t>In this setting at every </a:t>
+            </a:r>
+            <a:r>
+              <a:rPr lang="en-US" sz="2200" dirty="0" err="1"/>
+              <a:t>timestep</a:t>
+            </a:r>
+            <a:r>
+              <a:rPr lang="en-US" sz="2200" dirty="0"/>
+              <a:t> the learner chooses a pair of user and arms.</a:t>
+            </a:r>
+          </a:p>
+          <a:p>
+            <a:r>
+              <a:rPr lang="en-US" sz="2200" dirty="0"/>
+              <a:t>No inherent grouping exist amongst the users.</a:t>
+            </a:r>
+          </a:p>
+          <a:p>
+            <a:pPr marL="0" indent="0">
+              <a:buNone/>
+            </a:pPr>
+            <a:endParaRPr lang="en-US" sz="2200" dirty="0"/>
+          </a:p>
+          <a:p>
+            <a:pPr marL="0" indent="0">
+              <a:buNone/>
+            </a:pPr>
+            <a:r>
+              <a:rPr lang="en-US" sz="2400" dirty="0">
+                <a:solidFill>
+                  <a:schemeClr val="accent4">
+                    <a:lumMod val="50000"/>
+                  </a:schemeClr>
+                </a:solidFill>
+              </a:rPr>
+              <a:t>Difference with Stochastic Low-Rank Bandits (</a:t>
+            </a:r>
+            <a:r>
+              <a:rPr lang="en-US" sz="2400" dirty="0" err="1">
+                <a:solidFill>
+                  <a:schemeClr val="accent4">
+                    <a:lumMod val="50000"/>
+                  </a:schemeClr>
+                </a:solidFill>
+              </a:rPr>
+              <a:t>Kveton</a:t>
+            </a:r>
+            <a:r>
+              <a:rPr lang="en-US" sz="2400" dirty="0">
+                <a:solidFill>
+                  <a:schemeClr val="accent4">
+                    <a:lumMod val="50000"/>
+                  </a:schemeClr>
+                </a:solidFill>
+              </a:rPr>
+              <a:t> et al., 2017),</a:t>
+            </a:r>
+            <a:r>
+              <a:rPr lang="en-US" sz="2400" dirty="0"/>
+              <a:t> </a:t>
+            </a:r>
+            <a:r>
+              <a:rPr lang="en-US" sz="2400" dirty="0">
+                <a:solidFill>
+                  <a:srgbClr val="00B0F0"/>
+                </a:solidFill>
+              </a:rPr>
+              <a:t>[6]</a:t>
+            </a:r>
+          </a:p>
+          <a:p>
+            <a:r>
+              <a:rPr lang="en-US" sz="2200" dirty="0"/>
+              <a:t>In this setting at every </a:t>
+            </a:r>
+            <a:r>
+              <a:rPr lang="en-US" sz="2200" dirty="0" err="1"/>
+              <a:t>timestep</a:t>
+            </a:r>
+            <a:r>
+              <a:rPr lang="en-US" sz="2200" dirty="0"/>
+              <a:t> the learner chooses d-subsets of user and arms.</a:t>
+            </a:r>
+          </a:p>
+          <a:p>
+            <a:r>
+              <a:rPr lang="en-US" sz="2200" dirty="0"/>
+              <a:t>No inherent grouping exist amongst the users.</a:t>
+            </a:r>
+          </a:p>
+          <a:p>
+            <a:r>
+              <a:rPr lang="en-US" sz="2200" dirty="0"/>
+              <a:t>Has the </a:t>
+            </a:r>
+            <a:r>
+              <a:rPr lang="en-US" sz="2200" i="1" dirty="0" err="1">
+                <a:solidFill>
+                  <a:srgbClr val="FF0000"/>
+                </a:solidFill>
+              </a:rPr>
+              <a:t>hott</a:t>
+            </a:r>
+            <a:r>
+              <a:rPr lang="en-US" sz="2200" i="1" dirty="0">
+                <a:solidFill>
+                  <a:srgbClr val="FF0000"/>
+                </a:solidFill>
+              </a:rPr>
+              <a:t>-topics</a:t>
+            </a:r>
+            <a:r>
+              <a:rPr lang="en-US" sz="2200" dirty="0"/>
+              <a:t> assumption on both users and item matrix.</a:t>
+            </a:r>
+          </a:p>
+          <a:p>
+            <a:pPr marL="0" indent="0">
+              <a:buNone/>
+            </a:pPr>
+            <a:endParaRPr lang="en-US" sz="2200" dirty="0"/>
+          </a:p>
+          <a:p>
+            <a:endParaRPr lang="en-US" sz="2200" dirty="0"/>
+          </a:p>
+        </p:txBody>
+      </p:sp>
+      <p:sp>
+        <p:nvSpPr>
+          <p:cNvPr id="4" name="Slide Number Placeholder 3">
+            <a:extLst>
+              <a:ext uri="{FF2B5EF4-FFF2-40B4-BE49-F238E27FC236}">
+                <a16:creationId xmlns:a16="http://schemas.microsoft.com/office/drawing/2014/main" id="{17FDE558-59B2-7846-83B0-D36F03F5143F}"/>
+              </a:ext>
+            </a:extLst>
+          </p:cNvPr>
+          <p:cNvSpPr>
+            <a:spLocks noGrp="1"/>
+          </p:cNvSpPr>
+          <p:nvPr>
+            <p:ph type="sldNum" sz="quarter" idx="12"/>
+          </p:nvPr>
+        </p:nvSpPr>
+        <p:spPr/>
+        <p:txBody>
+          <a:bodyPr/>
+          <a:lstStyle/>
+          <a:p>
+            <a:pPr algn="ctr"/>
+            <a:fld id="{90156F56-D5AE-4C6F-B826-C69D1BC521BB}" type="slidenum">
+              <a:rPr lang="en-US" smtClean="0"/>
+              <a:pPr algn="ctr"/>
+              <a:t>10</a:t>
+            </a:fld>
+            <a:endParaRPr lang="en-US" dirty="0"/>
+          </a:p>
+        </p:txBody>
+      </p:sp>
+    </p:spTree>
+    <p:extLst>
+      <p:ext uri="{BB962C8B-B14F-4D97-AF65-F5344CB8AC3E}">
+        <p14:creationId xmlns:p14="http://schemas.microsoft.com/office/powerpoint/2010/main" val="2207622426"/>
+      </p:ext>
+    </p:extLst>
+  </p:cSld>
+  <p:clrMapOvr>
+    <a:masterClrMapping/>
+  </p:clrMapOvr>
+</p:sld>
+</file>
+
+<file path=ppt/slides/slide11.xml><?xml version="1.0" encoding="utf-8"?>
+<p:sld xmlns:a="http://schemas.openxmlformats.org/drawingml/2006/main" xmlns:r="http://schemas.openxmlformats.org/officeDocument/2006/relationships" xmlns:p="http://schemas.openxmlformats.org/presentationml/2006/main" show="0">
+  <p:cSld>
+    <p:spTree>
+      <p:nvGrpSpPr>
+        <p:cNvPr id="1" name=""/>
+        <p:cNvGrpSpPr/>
+        <p:nvPr/>
+      </p:nvGrpSpPr>
+      <p:grpSpPr>
+        <a:xfrm>
+          <a:off x="0" y="0"/>
+          <a:ext cx="0" cy="0"/>
+          <a:chOff x="0" y="0"/>
+          <a:chExt cx="0" cy="0"/>
+        </a:xfrm>
+      </p:grpSpPr>
+      <p:sp>
+        <p:nvSpPr>
+          <p:cNvPr id="2" name="Title 1">
+            <a:extLst>
+              <a:ext uri="{FF2B5EF4-FFF2-40B4-BE49-F238E27FC236}">
+                <a16:creationId xmlns:a16="http://schemas.microsoft.com/office/drawing/2014/main" id="{432574C9-2022-C143-A498-D8BFA47A0A04}"/>
+              </a:ext>
+            </a:extLst>
+          </p:cNvPr>
+          <p:cNvSpPr>
+            <a:spLocks noGrp="1"/>
+          </p:cNvSpPr>
+          <p:nvPr>
+            <p:ph type="title"/>
+          </p:nvPr>
+        </p:nvSpPr>
+        <p:spPr/>
+        <p:txBody>
+          <a:bodyPr/>
+          <a:lstStyle/>
+          <a:p>
+            <a:r>
+              <a:rPr lang="en-US" dirty="0"/>
+              <a:t>Assumption and Example</a:t>
+            </a:r>
+          </a:p>
+        </p:txBody>
+      </p:sp>
+      <mc:AlternateContent xmlns:mc="http://schemas.openxmlformats.org/markup-compatibility/2006">
+        <mc:Choice xmlns:a14="http://schemas.microsoft.com/office/drawing/2010/main" Requires="a14">
+          <p:sp>
+            <p:nvSpPr>
+              <p:cNvPr id="3" name="Content Placeholder 2">
+                <a:extLst>
+                  <a:ext uri="{FF2B5EF4-FFF2-40B4-BE49-F238E27FC236}">
+                    <a16:creationId xmlns:a16="http://schemas.microsoft.com/office/drawing/2014/main" id="{5E409650-3DF8-D64F-81EC-A2B739B28F23}"/>
+                  </a:ext>
+                </a:extLst>
+              </p:cNvPr>
+              <p:cNvSpPr>
+                <a:spLocks noGrp="1"/>
+              </p:cNvSpPr>
+              <p:nvPr>
+                <p:ph idx="1"/>
+              </p:nvPr>
+            </p:nvSpPr>
+            <p:spPr/>
+            <p:txBody>
+              <a:bodyPr/>
+              <a:lstStyle/>
+              <a:p>
+                <a:pPr marL="0" indent="0">
+                  <a:buNone/>
+                </a:pPr>
+                <a:r>
+                  <a:rPr lang="en-US" sz="2800" dirty="0"/>
+                  <a:t>Further Assumptions</a:t>
+                </a:r>
+              </a:p>
+              <a:p>
+                <a:r>
+                  <a:rPr lang="en-US" dirty="0"/>
+                  <a:t>The time horizon </a:t>
+                </a:r>
+                <a:r>
+                  <a:rPr lang="en-US" sz="2200" b="1" dirty="0">
+                    <a:solidFill>
+                      <a:srgbClr val="00B050"/>
+                    </a:solidFill>
+                  </a:rPr>
+                  <a:t>n</a:t>
+                </a:r>
+                <a:r>
+                  <a:rPr lang="en-US" dirty="0"/>
+                  <a:t> may or may not be known to the learner.</a:t>
+                </a:r>
+              </a:p>
+              <a:p>
+                <a:r>
+                  <a:rPr lang="en-US" dirty="0"/>
+                  <a:t>The reward distributions are </a:t>
+                </a:r>
+                <a:r>
+                  <a:rPr lang="en-US" dirty="0">
+                    <a:solidFill>
+                      <a:schemeClr val="accent5">
+                        <a:lumMod val="75000"/>
+                      </a:schemeClr>
+                    </a:solidFill>
+                  </a:rPr>
+                  <a:t>sub-Gaussians</a:t>
+                </a:r>
+                <a:r>
+                  <a:rPr lang="en-US" dirty="0"/>
+                  <a:t> and rewards bounded in </a:t>
+                </a:r>
+                <a:r>
+                  <a:rPr lang="en-US" dirty="0">
+                    <a:solidFill>
+                      <a:schemeClr val="accent5">
+                        <a:lumMod val="75000"/>
+                      </a:schemeClr>
+                    </a:solidFill>
+                  </a:rPr>
+                  <a:t>[0,1]</a:t>
+                </a:r>
+                <a:r>
+                  <a:rPr lang="en-US" dirty="0"/>
+                  <a:t> with high probability.</a:t>
+                </a:r>
+              </a:p>
+              <a:p>
+                <a:pPr marL="0" indent="0">
+                  <a:buNone/>
+                </a:pPr>
+                <a:endParaRPr lang="en-US" dirty="0"/>
+              </a:p>
+              <a:p>
+                <a:pPr marL="0" indent="0">
+                  <a:buNone/>
+                </a:pPr>
+                <a:r>
+                  <a:rPr lang="en-US" sz="2800" dirty="0"/>
+                  <a:t>A Simple Example</a:t>
+                </a:r>
+              </a:p>
+              <a:p>
+                <a:pPr marL="0" indent="0">
+                  <a:buNone/>
+                </a:pPr>
+                <a:r>
+                  <a:rPr lang="en-US" sz="2200" b="1" i="1" dirty="0">
+                    <a:latin typeface="Cambria Math" panose="02040503050406030204" pitchFamily="18" charset="0"/>
+                    <a:ea typeface="Cambria Math" panose="02040503050406030204" pitchFamily="18" charset="0"/>
+                  </a:rPr>
+                  <a:t>U </a:t>
+                </a:r>
+                <a:r>
+                  <a:rPr lang="en-US" sz="2200" dirty="0">
+                    <a:latin typeface="Cambria Math" panose="02040503050406030204" pitchFamily="18" charset="0"/>
+                    <a:ea typeface="Cambria Math" panose="02040503050406030204" pitchFamily="18" charset="0"/>
+                  </a:rPr>
+                  <a:t>= </a:t>
+                </a:r>
+                <a14:m>
+                  <m:oMath xmlns:m="http://schemas.openxmlformats.org/officeDocument/2006/math">
+                    <m:m>
+                      <m:mPr>
+                        <m:mcs>
+                          <m:mc>
+                            <m:mcPr>
+                              <m:count m:val="2"/>
+                              <m:mcJc m:val="center"/>
+                            </m:mcPr>
+                          </m:mc>
+                        </m:mcs>
+                        <m:ctrlPr>
+                          <a:rPr lang="en-US" sz="2200" i="1" smtClean="0">
+                            <a:latin typeface="Cambria Math" panose="02040503050406030204" pitchFamily="18" charset="0"/>
+                            <a:ea typeface="Cambria Math" panose="02040503050406030204" pitchFamily="18" charset="0"/>
+                          </a:rPr>
+                        </m:ctrlPr>
+                      </m:mPr>
+                      <m:mr>
+                        <m:e>
+                          <m:r>
+                            <m:rPr>
+                              <m:brk m:alnAt="7"/>
+                            </m:rPr>
+                            <a:rPr lang="en-US" sz="2200" b="0" i="1" smtClean="0">
+                              <a:latin typeface="Cambria Math" panose="02040503050406030204" pitchFamily="18" charset="0"/>
+                              <a:ea typeface="Cambria Math" panose="02040503050406030204" pitchFamily="18" charset="0"/>
+                            </a:rPr>
+                            <m:t>1</m:t>
+                          </m:r>
+                        </m:e>
+                        <m:e>
+                          <m:r>
+                            <a:rPr lang="en-US" sz="2200" b="0" i="1" smtClean="0">
+                              <a:latin typeface="Cambria Math" panose="02040503050406030204" pitchFamily="18" charset="0"/>
+                              <a:ea typeface="Cambria Math" panose="02040503050406030204" pitchFamily="18" charset="0"/>
+                            </a:rPr>
+                            <m:t>0</m:t>
+                          </m:r>
+                        </m:e>
+                      </m:mr>
+                      <m:mr>
+                        <m:e>
+                          <m:r>
+                            <a:rPr lang="en-US" sz="2200" b="0" i="1" smtClean="0">
+                              <a:latin typeface="Cambria Math" panose="02040503050406030204" pitchFamily="18" charset="0"/>
+                              <a:ea typeface="Cambria Math" panose="02040503050406030204" pitchFamily="18" charset="0"/>
+                            </a:rPr>
+                            <m:t>0</m:t>
+                          </m:r>
+                        </m:e>
+                        <m:e>
+                          <m:r>
+                            <a:rPr lang="en-US" sz="2200" b="0" i="1" smtClean="0">
+                              <a:latin typeface="Cambria Math" panose="02040503050406030204" pitchFamily="18" charset="0"/>
+                              <a:ea typeface="Cambria Math" panose="02040503050406030204" pitchFamily="18" charset="0"/>
+                            </a:rPr>
+                            <m:t>1</m:t>
+                          </m:r>
+                        </m:e>
+                      </m:mr>
+                      <m:mr>
+                        <m:e>
+                          <m:r>
+                            <a:rPr lang="en-US" sz="2200" b="0" i="1" smtClean="0">
+                              <a:latin typeface="Cambria Math" panose="02040503050406030204" pitchFamily="18" charset="0"/>
+                              <a:ea typeface="Cambria Math" panose="02040503050406030204" pitchFamily="18" charset="0"/>
+                            </a:rPr>
+                            <m:t>0.6</m:t>
+                          </m:r>
+                        </m:e>
+                        <m:e>
+                          <m:r>
+                            <a:rPr lang="en-US" sz="2200" b="0" i="1" smtClean="0">
+                              <a:latin typeface="Cambria Math" panose="02040503050406030204" pitchFamily="18" charset="0"/>
+                              <a:ea typeface="Cambria Math" panose="02040503050406030204" pitchFamily="18" charset="0"/>
+                            </a:rPr>
+                            <m:t>0.4</m:t>
+                          </m:r>
+                        </m:e>
+                      </m:mr>
+                    </m:m>
+                  </m:oMath>
+                </a14:m>
+                <a:r>
+                  <a:rPr lang="en-US" sz="2200" dirty="0">
+                    <a:latin typeface="Cambria Math" panose="02040503050406030204" pitchFamily="18" charset="0"/>
+                    <a:ea typeface="Cambria Math" panose="02040503050406030204" pitchFamily="18" charset="0"/>
+                  </a:rPr>
+                  <a:t>		 </a:t>
+                </a:r>
+                <a:r>
+                  <a:rPr lang="en-US" sz="2200" b="1" i="1" dirty="0">
+                    <a:latin typeface="Cambria Math" panose="02040503050406030204" pitchFamily="18" charset="0"/>
+                    <a:ea typeface="Cambria Math" panose="02040503050406030204" pitchFamily="18" charset="0"/>
+                  </a:rPr>
+                  <a:t>V </a:t>
+                </a:r>
+                <a:r>
+                  <a:rPr lang="en-US" sz="2200" dirty="0">
+                    <a:latin typeface="Cambria Math" panose="02040503050406030204" pitchFamily="18" charset="0"/>
+                    <a:ea typeface="Cambria Math" panose="02040503050406030204" pitchFamily="18" charset="0"/>
+                  </a:rPr>
+                  <a:t>= </a:t>
+                </a:r>
+                <a14:m>
+                  <m:oMath xmlns:m="http://schemas.openxmlformats.org/officeDocument/2006/math">
+                    <m:m>
+                      <m:mPr>
+                        <m:mcs>
+                          <m:mc>
+                            <m:mcPr>
+                              <m:count m:val="2"/>
+                              <m:mcJc m:val="center"/>
+                            </m:mcPr>
+                          </m:mc>
+                        </m:mcs>
+                        <m:ctrlPr>
+                          <a:rPr lang="en-US" sz="2200" i="1" smtClean="0">
+                            <a:latin typeface="Cambria Math" panose="02040503050406030204" pitchFamily="18" charset="0"/>
+                            <a:ea typeface="Cambria Math" panose="02040503050406030204" pitchFamily="18" charset="0"/>
+                          </a:rPr>
+                        </m:ctrlPr>
+                      </m:mPr>
+                      <m:mr>
+                        <m:e>
+                          <m:r>
+                            <m:rPr>
+                              <m:brk m:alnAt="7"/>
+                            </m:rPr>
+                            <a:rPr lang="en-US" sz="2200" b="0" i="1" smtClean="0">
+                              <a:latin typeface="Cambria Math" panose="02040503050406030204" pitchFamily="18" charset="0"/>
+                              <a:ea typeface="Cambria Math" panose="02040503050406030204" pitchFamily="18" charset="0"/>
+                            </a:rPr>
+                            <m:t>1</m:t>
+                          </m:r>
+                        </m:e>
+                        <m:e>
+                          <m:r>
+                            <a:rPr lang="en-US" sz="2200" b="0" i="1" smtClean="0">
+                              <a:latin typeface="Cambria Math" panose="02040503050406030204" pitchFamily="18" charset="0"/>
+                              <a:ea typeface="Cambria Math" panose="02040503050406030204" pitchFamily="18" charset="0"/>
+                            </a:rPr>
+                            <m:t>0</m:t>
+                          </m:r>
+                        </m:e>
+                      </m:mr>
+                      <m:mr>
+                        <m:e>
+                          <m:r>
+                            <a:rPr lang="en-US" sz="2200" b="0" i="1" smtClean="0">
+                              <a:latin typeface="Cambria Math" panose="02040503050406030204" pitchFamily="18" charset="0"/>
+                              <a:ea typeface="Cambria Math" panose="02040503050406030204" pitchFamily="18" charset="0"/>
+                            </a:rPr>
+                            <m:t>0</m:t>
+                          </m:r>
+                        </m:e>
+                        <m:e>
+                          <m:r>
+                            <a:rPr lang="en-US" sz="2200" b="0" i="1" smtClean="0">
+                              <a:latin typeface="Cambria Math" panose="02040503050406030204" pitchFamily="18" charset="0"/>
+                              <a:ea typeface="Cambria Math" panose="02040503050406030204" pitchFamily="18" charset="0"/>
+                            </a:rPr>
+                            <m:t>1</m:t>
+                          </m:r>
+                        </m:e>
+                      </m:mr>
+                      <m:mr>
+                        <m:e>
+                          <m:r>
+                            <a:rPr lang="en-US" sz="2200" b="0" i="1" smtClean="0">
+                              <a:latin typeface="Cambria Math" panose="02040503050406030204" pitchFamily="18" charset="0"/>
+                              <a:ea typeface="Cambria Math" panose="02040503050406030204" pitchFamily="18" charset="0"/>
+                            </a:rPr>
+                            <m:t>0.6</m:t>
+                          </m:r>
+                        </m:e>
+                        <m:e>
+                          <m:r>
+                            <a:rPr lang="en-US" sz="2200" b="0" i="1" smtClean="0">
+                              <a:latin typeface="Cambria Math" panose="02040503050406030204" pitchFamily="18" charset="0"/>
+                              <a:ea typeface="Cambria Math" panose="02040503050406030204" pitchFamily="18" charset="0"/>
+                            </a:rPr>
+                            <m:t>0.4</m:t>
+                          </m:r>
+                        </m:e>
+                      </m:mr>
+                    </m:m>
+                  </m:oMath>
+                </a14:m>
+                <a:r>
+                  <a:rPr lang="en-US" sz="2200" dirty="0">
+                    <a:latin typeface="Cambria Math" panose="02040503050406030204" pitchFamily="18" charset="0"/>
+                    <a:ea typeface="Cambria Math" panose="02040503050406030204" pitchFamily="18" charset="0"/>
+                  </a:rPr>
+                  <a:t>  		</a:t>
+                </a:r>
+                <a:r>
+                  <a:rPr lang="en-US" sz="2200" b="1" dirty="0">
+                    <a:ea typeface="Cambria Math" panose="02040503050406030204" pitchFamily="18" charset="0"/>
+                  </a:rPr>
+                  <a:t> </a:t>
+                </a:r>
+                <a14:m>
+                  <m:oMath xmlns:m="http://schemas.openxmlformats.org/officeDocument/2006/math">
+                    <m:acc>
+                      <m:accPr>
+                        <m:chr m:val="̅"/>
+                        <m:ctrlPr>
+                          <a:rPr lang="en-US" sz="2200" b="1" i="1">
+                            <a:latin typeface="Cambria Math" panose="02040503050406030204" pitchFamily="18" charset="0"/>
+                            <a:ea typeface="Cambria Math" panose="02040503050406030204" pitchFamily="18" charset="0"/>
+                          </a:rPr>
+                        </m:ctrlPr>
+                      </m:accPr>
+                      <m:e>
+                        <m:r>
+                          <a:rPr lang="en-US" sz="2200" b="1" i="1">
+                            <a:latin typeface="Cambria Math" panose="02040503050406030204" pitchFamily="18" charset="0"/>
+                            <a:ea typeface="Cambria Math" panose="02040503050406030204" pitchFamily="18" charset="0"/>
+                          </a:rPr>
+                          <m:t>𝑹</m:t>
+                        </m:r>
+                      </m:e>
+                    </m:acc>
+                  </m:oMath>
+                </a14:m>
+                <a:r>
+                  <a:rPr lang="en-US" sz="2200" dirty="0"/>
+                  <a:t> </a:t>
+                </a:r>
+                <a:r>
+                  <a:rPr lang="en-US" sz="2200" dirty="0">
+                    <a:latin typeface="Cambria Math" panose="02040503050406030204" pitchFamily="18" charset="0"/>
+                    <a:ea typeface="Cambria Math" panose="02040503050406030204" pitchFamily="18" charset="0"/>
+                  </a:rPr>
+                  <a:t>= </a:t>
+                </a:r>
+                <a:r>
+                  <a:rPr lang="en-US" sz="2200" b="1" i="1" dirty="0">
+                    <a:latin typeface="Cambria Math" panose="02040503050406030204" pitchFamily="18" charset="0"/>
+                    <a:ea typeface="Cambria Math" panose="02040503050406030204" pitchFamily="18" charset="0"/>
+                  </a:rPr>
+                  <a:t>UV</a:t>
+                </a:r>
+                <a:r>
+                  <a:rPr lang="en-US" sz="2200" b="1" i="1" baseline="30000" dirty="0">
+                    <a:latin typeface="Cambria Math" panose="02040503050406030204" pitchFamily="18" charset="0"/>
+                    <a:ea typeface="Cambria Math" panose="02040503050406030204" pitchFamily="18" charset="0"/>
+                  </a:rPr>
+                  <a:t>T</a:t>
+                </a:r>
+                <a:r>
+                  <a:rPr lang="en-US" sz="2200" baseline="30000" dirty="0">
+                    <a:latin typeface="Cambria Math" panose="02040503050406030204" pitchFamily="18" charset="0"/>
+                    <a:ea typeface="Cambria Math" panose="02040503050406030204" pitchFamily="18" charset="0"/>
+                  </a:rPr>
+                  <a:t>  =</a:t>
+                </a:r>
+                <a:r>
+                  <a:rPr lang="en-US" sz="2200" dirty="0">
+                    <a:latin typeface="Cambria Math" panose="02040503050406030204" pitchFamily="18" charset="0"/>
+                    <a:ea typeface="Cambria Math" panose="02040503050406030204" pitchFamily="18" charset="0"/>
+                  </a:rPr>
+                  <a:t> </a:t>
+                </a:r>
+                <a14:m>
+                  <m:oMath xmlns:m="http://schemas.openxmlformats.org/officeDocument/2006/math">
+                    <m:m>
+                      <m:mPr>
+                        <m:mcs>
+                          <m:mc>
+                            <m:mcPr>
+                              <m:count m:val="3"/>
+                              <m:mcJc m:val="center"/>
+                            </m:mcPr>
+                          </m:mc>
+                        </m:mcs>
+                        <m:ctrlPr>
+                          <a:rPr lang="en-US" sz="2200" i="1" smtClean="0">
+                            <a:latin typeface="Cambria Math" panose="02040503050406030204" pitchFamily="18" charset="0"/>
+                            <a:ea typeface="Cambria Math" panose="02040503050406030204" pitchFamily="18" charset="0"/>
+                          </a:rPr>
+                        </m:ctrlPr>
+                      </m:mPr>
+                      <m:mr>
+                        <m:e>
+                          <m:r>
+                            <m:rPr>
+                              <m:brk m:alnAt="7"/>
+                            </m:rPr>
+                            <a:rPr lang="en-US" sz="2200" b="0" i="1" smtClean="0">
+                              <a:latin typeface="Cambria Math" panose="02040503050406030204" pitchFamily="18" charset="0"/>
+                              <a:ea typeface="Cambria Math" panose="02040503050406030204" pitchFamily="18" charset="0"/>
+                            </a:rPr>
+                            <m:t>1</m:t>
+                          </m:r>
+                        </m:e>
+                        <m:e>
+                          <m:r>
+                            <a:rPr lang="en-US" sz="2200" b="0" i="1" smtClean="0">
+                              <a:latin typeface="Cambria Math" panose="02040503050406030204" pitchFamily="18" charset="0"/>
+                              <a:ea typeface="Cambria Math" panose="02040503050406030204" pitchFamily="18" charset="0"/>
+                            </a:rPr>
+                            <m:t>0</m:t>
+                          </m:r>
+                        </m:e>
+                        <m:e>
+                          <m:r>
+                            <a:rPr lang="en-US" sz="2200" b="0" i="1" smtClean="0">
+                              <a:latin typeface="Cambria Math" panose="02040503050406030204" pitchFamily="18" charset="0"/>
+                              <a:ea typeface="Cambria Math" panose="02040503050406030204" pitchFamily="18" charset="0"/>
+                            </a:rPr>
+                            <m:t>0.6</m:t>
+                          </m:r>
+                        </m:e>
+                      </m:mr>
+                      <m:mr>
+                        <m:e>
+                          <m:r>
+                            <a:rPr lang="en-US" sz="2200" b="0" i="1" smtClean="0">
+                              <a:latin typeface="Cambria Math" panose="02040503050406030204" pitchFamily="18" charset="0"/>
+                              <a:ea typeface="Cambria Math" panose="02040503050406030204" pitchFamily="18" charset="0"/>
+                            </a:rPr>
+                            <m:t>0</m:t>
+                          </m:r>
+                        </m:e>
+                        <m:e>
+                          <m:r>
+                            <a:rPr lang="en-US" sz="2200" b="0" i="1" smtClean="0">
+                              <a:latin typeface="Cambria Math" panose="02040503050406030204" pitchFamily="18" charset="0"/>
+                              <a:ea typeface="Cambria Math" panose="02040503050406030204" pitchFamily="18" charset="0"/>
+                            </a:rPr>
+                            <m:t>1</m:t>
+                          </m:r>
+                        </m:e>
+                        <m:e>
+                          <m:r>
+                            <a:rPr lang="en-US" sz="2200" b="0" i="1" smtClean="0">
+                              <a:latin typeface="Cambria Math" panose="02040503050406030204" pitchFamily="18" charset="0"/>
+                              <a:ea typeface="Cambria Math" panose="02040503050406030204" pitchFamily="18" charset="0"/>
+                            </a:rPr>
+                            <m:t>0.4</m:t>
+                          </m:r>
+                        </m:e>
+                      </m:mr>
+                      <m:mr>
+                        <m:e>
+                          <m:r>
+                            <a:rPr lang="en-US" sz="2200" b="0" i="1" smtClean="0">
+                              <a:latin typeface="Cambria Math" panose="02040503050406030204" pitchFamily="18" charset="0"/>
+                              <a:ea typeface="Cambria Math" panose="02040503050406030204" pitchFamily="18" charset="0"/>
+                            </a:rPr>
+                            <m:t>0.6</m:t>
+                          </m:r>
+                        </m:e>
+                        <m:e>
+                          <m:r>
+                            <a:rPr lang="en-US" sz="2200" b="0" i="1" smtClean="0">
+                              <a:latin typeface="Cambria Math" panose="02040503050406030204" pitchFamily="18" charset="0"/>
+                              <a:ea typeface="Cambria Math" panose="02040503050406030204" pitchFamily="18" charset="0"/>
+                            </a:rPr>
+                            <m:t>0.4</m:t>
+                          </m:r>
+                        </m:e>
+                        <m:e>
+                          <m:r>
+                            <a:rPr lang="en-US" sz="2200" b="0" i="1" smtClean="0">
+                              <a:latin typeface="Cambria Math" panose="02040503050406030204" pitchFamily="18" charset="0"/>
+                              <a:ea typeface="Cambria Math" panose="02040503050406030204" pitchFamily="18" charset="0"/>
+                            </a:rPr>
+                            <m:t>0.52</m:t>
+                          </m:r>
+                        </m:e>
+                      </m:mr>
+                    </m:m>
+                  </m:oMath>
+                </a14:m>
+                <a:endParaRPr lang="en-US" sz="2200" dirty="0">
+                  <a:latin typeface="Cambria Math" panose="02040503050406030204" pitchFamily="18" charset="0"/>
+                  <a:ea typeface="Cambria Math" panose="02040503050406030204" pitchFamily="18" charset="0"/>
+                </a:endParaRPr>
+              </a:p>
+              <a:p>
+                <a14:m>
+                  <m:oMath xmlns:m="http://schemas.openxmlformats.org/officeDocument/2006/math">
+                    <m:acc>
+                      <m:accPr>
+                        <m:chr m:val="̅"/>
+                        <m:ctrlPr>
+                          <a:rPr lang="en-US" sz="2200" b="1" i="1">
+                            <a:latin typeface="Cambria Math" panose="02040503050406030204" pitchFamily="18" charset="0"/>
+                            <a:ea typeface="Cambria Math" panose="02040503050406030204" pitchFamily="18" charset="0"/>
+                          </a:rPr>
+                        </m:ctrlPr>
+                      </m:accPr>
+                      <m:e>
+                        <m:r>
+                          <a:rPr lang="en-US" sz="2200" b="1" i="1">
+                            <a:latin typeface="Cambria Math" panose="02040503050406030204" pitchFamily="18" charset="0"/>
+                            <a:ea typeface="Cambria Math" panose="02040503050406030204" pitchFamily="18" charset="0"/>
+                          </a:rPr>
+                          <m:t>𝑹</m:t>
+                        </m:r>
+                      </m:e>
+                    </m:acc>
+                  </m:oMath>
+                </a14:m>
+                <a:r>
+                  <a:rPr lang="en-US" sz="2200" dirty="0">
+                    <a:latin typeface="Cambria Math" panose="02040503050406030204" pitchFamily="18" charset="0"/>
+                    <a:ea typeface="Cambria Math" panose="02040503050406030204" pitchFamily="18" charset="0"/>
+                  </a:rPr>
+                  <a:t> </a:t>
+                </a:r>
+                <a:r>
+                  <a:rPr lang="en-US" sz="2200" dirty="0">
+                    <a:ea typeface="Cambria Math" panose="02040503050406030204" pitchFamily="18" charset="0"/>
+                  </a:rPr>
+                  <a:t>is a rank 2 matrix </a:t>
+                </a:r>
+              </a:p>
+              <a:p>
+                <a:r>
+                  <a:rPr lang="en-US" sz="2200" dirty="0">
+                    <a:ea typeface="Cambria Math" panose="02040503050406030204" pitchFamily="18" charset="0"/>
+                  </a:rPr>
+                  <a:t>Also we can obtain the following result, </a:t>
+                </a:r>
+              </a:p>
+            </p:txBody>
+          </p:sp>
+        </mc:Choice>
+        <mc:Fallback>
+          <p:sp>
+            <p:nvSpPr>
+              <p:cNvPr id="3" name="Content Placeholder 2">
+                <a:extLst>
+                  <a:ext uri="{FF2B5EF4-FFF2-40B4-BE49-F238E27FC236}">
+                    <a16:creationId xmlns:a16="http://schemas.microsoft.com/office/drawing/2014/main" id="{5E409650-3DF8-D64F-81EC-A2B739B28F23}"/>
+                  </a:ext>
+                </a:extLst>
+              </p:cNvPr>
+              <p:cNvSpPr>
+                <a:spLocks noGrp="1" noRot="1" noChangeAspect="1" noMove="1" noResize="1" noEditPoints="1" noAdjustHandles="1" noChangeArrowheads="1" noChangeShapeType="1" noTextEdit="1"/>
+              </p:cNvSpPr>
+              <p:nvPr>
+                <p:ph idx="1"/>
+              </p:nvPr>
+            </p:nvSpPr>
+            <p:spPr>
+              <a:blipFill>
+                <a:blip r:embed="rId2"/>
+                <a:stretch>
+                  <a:fillRect l="-987" t="-978"/>
+                </a:stretch>
+              </a:blipFill>
+            </p:spPr>
+            <p:txBody>
+              <a:bodyPr/>
+              <a:lstStyle/>
+              <a:p>
+                <a:r>
+                  <a:rPr lang="en-US">
+                    <a:noFill/>
+                  </a:rPr>
+                  <a:t> </a:t>
+                </a:r>
+              </a:p>
+            </p:txBody>
+          </p:sp>
+        </mc:Fallback>
+      </mc:AlternateContent>
+      <p:sp>
+        <p:nvSpPr>
+          <p:cNvPr id="4" name="Slide Number Placeholder 3">
+            <a:extLst>
+              <a:ext uri="{FF2B5EF4-FFF2-40B4-BE49-F238E27FC236}">
+                <a16:creationId xmlns:a16="http://schemas.microsoft.com/office/drawing/2014/main" id="{F8A43E25-B0AD-6B41-A53C-4E8C6A7B37AD}"/>
+              </a:ext>
+            </a:extLst>
+          </p:cNvPr>
+          <p:cNvSpPr>
+            <a:spLocks noGrp="1"/>
+          </p:cNvSpPr>
+          <p:nvPr>
+            <p:ph type="sldNum" sz="quarter" idx="12"/>
+          </p:nvPr>
+        </p:nvSpPr>
+        <p:spPr/>
+        <p:txBody>
+          <a:bodyPr/>
+          <a:lstStyle/>
+          <a:p>
+            <a:pPr algn="ctr"/>
+            <a:fld id="{90156F56-D5AE-4C6F-B826-C69D1BC521BB}" type="slidenum">
+              <a:rPr lang="en-US" smtClean="0"/>
+              <a:pPr algn="ctr"/>
+              <a:t>11</a:t>
+            </a:fld>
+            <a:endParaRPr lang="en-US" dirty="0"/>
+          </a:p>
+        </p:txBody>
+      </p:sp>
+      <p:pic>
+        <p:nvPicPr>
+          <p:cNvPr id="6" name="Picture 5">
+            <a:extLst>
+              <a:ext uri="{FF2B5EF4-FFF2-40B4-BE49-F238E27FC236}">
+                <a16:creationId xmlns:a16="http://schemas.microsoft.com/office/drawing/2014/main" id="{9C9AD09B-8E85-824F-8EAA-3CC37A6DBB10}"/>
+              </a:ext>
+            </a:extLst>
+          </p:cNvPr>
+          <p:cNvPicPr>
+            <a:picLocks noChangeAspect="1"/>
+          </p:cNvPicPr>
+          <p:nvPr/>
+        </p:nvPicPr>
+        <p:blipFill>
+          <a:blip r:embed="rId3"/>
+          <a:stretch>
+            <a:fillRect/>
+          </a:stretch>
+        </p:blipFill>
+        <p:spPr>
+          <a:xfrm>
+            <a:off x="980410" y="5206181"/>
+            <a:ext cx="8388143" cy="1118419"/>
+          </a:xfrm>
+          <a:prstGeom prst="rect">
+            <a:avLst/>
+          </a:prstGeom>
+          <a:solidFill>
+            <a:srgbClr val="00B050"/>
+          </a:solidFill>
+          <a:ln w="38100">
+            <a:solidFill>
+              <a:srgbClr val="FF0000"/>
+            </a:solidFill>
+          </a:ln>
+        </p:spPr>
+      </p:pic>
+    </p:spTree>
+    <p:extLst>
+      <p:ext uri="{BB962C8B-B14F-4D97-AF65-F5344CB8AC3E}">
+        <p14:creationId xmlns:p14="http://schemas.microsoft.com/office/powerpoint/2010/main" val="900708667"/>
+      </p:ext>
+    </p:extLst>
+  </p:cSld>
+  <p:clrMapOvr>
+    <a:masterClrMapping/>
+  </p:clrMapOvr>
+</p:sld>
+</file>
+
+<file path=ppt/slides/slide12.xml><?xml version="1.0" encoding="utf-8"?>
 <p:sld xmlns:a="http://schemas.openxmlformats.org/drawingml/2006/main" xmlns:r="http://schemas.openxmlformats.org/officeDocument/2006/relationships" xmlns:p="http://schemas.openxmlformats.org/presentationml/2006/main" show="0">
   <p:cSld>
     <p:spTree>
@@ -13498,7 +14576,7 @@
             <a:fld id="{90156F56-D5AE-4C6F-B826-C69D1BC521BB}" type="slidenum">
               <a:rPr lang="en-US" smtClean="0"/>
               <a:pPr algn="ctr"/>
-              <a:t>10</a:t>
+              <a:t>12</a:t>
             </a:fld>
             <a:endParaRPr lang="en-US" dirty="0"/>
           </a:p>
@@ -13517,7 +14595,7 @@
 </p:sld>
 </file>
 
-<file path=ppt/slides/slide11.xml><?xml version="1.0" encoding="utf-8"?>
+<file path=ppt/slides/slide13.xml><?xml version="1.0" encoding="utf-8"?>
 <p:sld xmlns:a="http://schemas.openxmlformats.org/drawingml/2006/main" xmlns:r="http://schemas.openxmlformats.org/officeDocument/2006/relationships" xmlns:p="http://schemas.openxmlformats.org/presentationml/2006/main">
   <p:cSld>
     <p:spTree>
@@ -13816,7 +14894,7 @@
             <a:fld id="{90156F56-D5AE-4C6F-B826-C69D1BC521BB}" type="slidenum">
               <a:rPr lang="en-US" smtClean="0"/>
               <a:pPr algn="ctr"/>
-              <a:t>11</a:t>
+              <a:t>13</a:t>
             </a:fld>
             <a:endParaRPr lang="en-US" dirty="0"/>
           </a:p>
@@ -13835,7 +14913,7 @@
 </p:sld>
 </file>
 
-<file path=ppt/slides/slide12.xml><?xml version="1.0" encoding="utf-8"?>
+<file path=ppt/slides/slide14.xml><?xml version="1.0" encoding="utf-8"?>
 <p:sld xmlns:a="http://schemas.openxmlformats.org/drawingml/2006/main" xmlns:r="http://schemas.openxmlformats.org/officeDocument/2006/relationships" xmlns:p="http://schemas.openxmlformats.org/presentationml/2006/main">
   <p:cSld>
     <p:spTree>
@@ -14100,6 +15178,492 @@
           <p:cNvPr id="2" name="Title 1">
             <a:extLst>
               <a:ext uri="{FF2B5EF4-FFF2-40B4-BE49-F238E27FC236}">
+                <a16:creationId xmlns:a16="http://schemas.microsoft.com/office/drawing/2014/main" id="{EA8AD6C2-6B98-8D4B-BDD6-618DF51FA82F}"/>
+              </a:ext>
+            </a:extLst>
+          </p:cNvPr>
+          <p:cNvSpPr>
+            <a:spLocks noGrp="1"/>
+          </p:cNvSpPr>
+          <p:nvPr>
+            <p:ph type="title"/>
+          </p:nvPr>
+        </p:nvSpPr>
+        <p:spPr/>
+        <p:txBody>
+          <a:bodyPr/>
+          <a:lstStyle/>
+          <a:p>
+            <a:r>
+              <a:rPr lang="en-US" dirty="0"/>
+              <a:t>Online Learning</a:t>
+            </a:r>
+          </a:p>
+        </p:txBody>
+      </p:sp>
+      <p:sp>
+        <p:nvSpPr>
+          <p:cNvPr id="3" name="Content Placeholder 2">
+            <a:extLst>
+              <a:ext uri="{FF2B5EF4-FFF2-40B4-BE49-F238E27FC236}">
+                <a16:creationId xmlns:a16="http://schemas.microsoft.com/office/drawing/2014/main" id="{2B44F7AC-17B9-3D4F-A297-2A44CB6CF4E7}"/>
+              </a:ext>
+            </a:extLst>
+          </p:cNvPr>
+          <p:cNvSpPr>
+            <a:spLocks noGrp="1"/>
+          </p:cNvSpPr>
+          <p:nvPr>
+            <p:ph idx="1"/>
+          </p:nvPr>
+        </p:nvSpPr>
+        <p:spPr/>
+        <p:txBody>
+          <a:bodyPr>
+            <a:normAutofit/>
+          </a:bodyPr>
+          <a:lstStyle/>
+          <a:p>
+            <a:pPr marL="0" indent="0">
+              <a:buNone/>
+            </a:pPr>
+            <a:r>
+              <a:rPr lang="en-US" sz="3200" dirty="0"/>
+              <a:t>Why Online Learning?</a:t>
+            </a:r>
+          </a:p>
+          <a:p>
+            <a:r>
+              <a:rPr lang="en-US" sz="2400" dirty="0"/>
+              <a:t>No previous data about the users </a:t>
+            </a:r>
+            <a:r>
+              <a:rPr lang="en-US" sz="2400" dirty="0">
+                <a:solidFill>
+                  <a:schemeClr val="accent4">
+                    <a:lumMod val="50000"/>
+                  </a:schemeClr>
+                </a:solidFill>
+              </a:rPr>
+              <a:t>(cold-start problem).</a:t>
+            </a:r>
+          </a:p>
+          <a:p>
+            <a:r>
+              <a:rPr lang="en-US" sz="2400" dirty="0"/>
+              <a:t>Adapting to changing preferences of </a:t>
+            </a:r>
+            <a:r>
+              <a:rPr lang="en-US" sz="2400" dirty="0">
+                <a:solidFill>
+                  <a:srgbClr val="00B050"/>
+                </a:solidFill>
+              </a:rPr>
+              <a:t>users</a:t>
+            </a:r>
+            <a:r>
+              <a:rPr lang="en-US" sz="2400" dirty="0"/>
+              <a:t>.</a:t>
+            </a:r>
+          </a:p>
+          <a:p>
+            <a:r>
+              <a:rPr lang="en-US" sz="2400" dirty="0"/>
+              <a:t>Changing context of the </a:t>
+            </a:r>
+            <a:r>
+              <a:rPr lang="en-US" sz="2400" dirty="0">
+                <a:solidFill>
+                  <a:srgbClr val="FF0000"/>
+                </a:solidFill>
+              </a:rPr>
+              <a:t>items</a:t>
+            </a:r>
+            <a:r>
+              <a:rPr lang="en-US" sz="2400" dirty="0"/>
+              <a:t>.</a:t>
+            </a:r>
+          </a:p>
+          <a:p>
+            <a:endParaRPr lang="en-US" sz="2400" dirty="0"/>
+          </a:p>
+          <a:p>
+            <a:pPr marL="0" indent="0">
+              <a:buNone/>
+            </a:pPr>
+            <a:r>
+              <a:rPr lang="en-US" sz="3200" dirty="0"/>
+              <a:t>To solve this complex problem we need a learner which is :</a:t>
+            </a:r>
+          </a:p>
+          <a:p>
+            <a:pPr marL="457200" indent="-457200">
+              <a:buFont typeface="+mj-lt"/>
+              <a:buAutoNum type="arabicPeriod"/>
+            </a:pPr>
+            <a:r>
+              <a:rPr lang="en-US" sz="2400" dirty="0">
+                <a:solidFill>
+                  <a:schemeClr val="accent3">
+                    <a:lumMod val="75000"/>
+                  </a:schemeClr>
+                </a:solidFill>
+              </a:rPr>
+              <a:t>Adaptive</a:t>
+            </a:r>
+          </a:p>
+          <a:p>
+            <a:pPr marL="457200" indent="-457200">
+              <a:buFont typeface="+mj-lt"/>
+              <a:buAutoNum type="arabicPeriod"/>
+            </a:pPr>
+            <a:r>
+              <a:rPr lang="en-US" sz="2400" dirty="0">
+                <a:solidFill>
+                  <a:schemeClr val="accent3">
+                    <a:lumMod val="75000"/>
+                  </a:schemeClr>
+                </a:solidFill>
+              </a:rPr>
+              <a:t>Fast</a:t>
+            </a:r>
+          </a:p>
+          <a:p>
+            <a:pPr marL="457200" indent="-457200">
+              <a:buFont typeface="+mj-lt"/>
+              <a:buAutoNum type="arabicPeriod"/>
+            </a:pPr>
+            <a:r>
+              <a:rPr lang="en-US" sz="2400" dirty="0">
+                <a:solidFill>
+                  <a:schemeClr val="accent3">
+                    <a:lumMod val="75000"/>
+                  </a:schemeClr>
+                </a:solidFill>
+              </a:rPr>
+              <a:t>Intelligent</a:t>
+            </a:r>
+          </a:p>
+        </p:txBody>
+      </p:sp>
+      <p:sp>
+        <p:nvSpPr>
+          <p:cNvPr id="4" name="Slide Number Placeholder 3">
+            <a:extLst>
+              <a:ext uri="{FF2B5EF4-FFF2-40B4-BE49-F238E27FC236}">
+                <a16:creationId xmlns:a16="http://schemas.microsoft.com/office/drawing/2014/main" id="{01F49D9D-F6CF-2540-8DF4-2A1595BD6E55}"/>
+              </a:ext>
+            </a:extLst>
+          </p:cNvPr>
+          <p:cNvSpPr>
+            <a:spLocks noGrp="1"/>
+          </p:cNvSpPr>
+          <p:nvPr>
+            <p:ph type="sldNum" sz="quarter" idx="12"/>
+          </p:nvPr>
+        </p:nvSpPr>
+        <p:spPr/>
+        <p:txBody>
+          <a:bodyPr/>
+          <a:lstStyle/>
+          <a:p>
+            <a:pPr algn="ctr"/>
+            <a:fld id="{90156F56-D5AE-4C6F-B826-C69D1BC521BB}" type="slidenum">
+              <a:rPr lang="en-US" smtClean="0"/>
+              <a:pPr algn="ctr"/>
+              <a:t>3</a:t>
+            </a:fld>
+            <a:endParaRPr lang="en-US" dirty="0"/>
+          </a:p>
+        </p:txBody>
+      </p:sp>
+    </p:spTree>
+    <p:extLst>
+      <p:ext uri="{BB962C8B-B14F-4D97-AF65-F5344CB8AC3E}">
+        <p14:creationId xmlns:p14="http://schemas.microsoft.com/office/powerpoint/2010/main" val="2094111875"/>
+      </p:ext>
+    </p:extLst>
+  </p:cSld>
+  <p:clrMapOvr>
+    <a:masterClrMapping/>
+  </p:clrMapOvr>
+</p:sld>
+</file>
+
+<file path=ppt/slides/slide4.xml><?xml version="1.0" encoding="utf-8"?>
+<p:sld xmlns:a="http://schemas.openxmlformats.org/drawingml/2006/main" xmlns:r="http://schemas.openxmlformats.org/officeDocument/2006/relationships" xmlns:p="http://schemas.openxmlformats.org/presentationml/2006/main">
+  <p:cSld>
+    <p:spTree>
+      <p:nvGrpSpPr>
+        <p:cNvPr id="1" name=""/>
+        <p:cNvGrpSpPr/>
+        <p:nvPr/>
+      </p:nvGrpSpPr>
+      <p:grpSpPr>
+        <a:xfrm>
+          <a:off x="0" y="0"/>
+          <a:ext cx="0" cy="0"/>
+          <a:chOff x="0" y="0"/>
+          <a:chExt cx="0" cy="0"/>
+        </a:xfrm>
+      </p:grpSpPr>
+      <p:sp>
+        <p:nvSpPr>
+          <p:cNvPr id="2" name="Title 1">
+            <a:extLst>
+              <a:ext uri="{FF2B5EF4-FFF2-40B4-BE49-F238E27FC236}">
+                <a16:creationId xmlns:a16="http://schemas.microsoft.com/office/drawing/2014/main" id="{2191A0B0-98DF-CC45-9CD3-1CD7C66257DD}"/>
+              </a:ext>
+            </a:extLst>
+          </p:cNvPr>
+          <p:cNvSpPr>
+            <a:spLocks noGrp="1"/>
+          </p:cNvSpPr>
+          <p:nvPr>
+            <p:ph type="title"/>
+          </p:nvPr>
+        </p:nvSpPr>
+        <p:spPr/>
+        <p:txBody>
+          <a:bodyPr/>
+          <a:lstStyle/>
+          <a:p>
+            <a:r>
+              <a:rPr lang="en-US" dirty="0"/>
+              <a:t>Online Learning Setting</a:t>
+            </a:r>
+          </a:p>
+        </p:txBody>
+      </p:sp>
+      <p:sp>
+        <p:nvSpPr>
+          <p:cNvPr id="3" name="Content Placeholder 2">
+            <a:extLst>
+              <a:ext uri="{FF2B5EF4-FFF2-40B4-BE49-F238E27FC236}">
+                <a16:creationId xmlns:a16="http://schemas.microsoft.com/office/drawing/2014/main" id="{7278CB48-8A4D-804F-A20C-0E95B184B161}"/>
+              </a:ext>
+            </a:extLst>
+          </p:cNvPr>
+          <p:cNvSpPr>
+            <a:spLocks noGrp="1"/>
+          </p:cNvSpPr>
+          <p:nvPr>
+            <p:ph idx="1"/>
+          </p:nvPr>
+        </p:nvSpPr>
+        <p:spPr/>
+        <p:txBody>
+          <a:bodyPr/>
+          <a:lstStyle/>
+          <a:p>
+            <a:endParaRPr lang="en-US" dirty="0"/>
+          </a:p>
+          <a:p>
+            <a:pPr marL="0" indent="0">
+              <a:buNone/>
+            </a:pPr>
+            <a:endParaRPr lang="en-US" sz="2800" dirty="0"/>
+          </a:p>
+          <a:p>
+            <a:r>
+              <a:rPr lang="en-US" sz="2800" dirty="0"/>
+              <a:t>A pool of users     </a:t>
+            </a:r>
+          </a:p>
+          <a:p>
+            <a:pPr marL="0" indent="0">
+              <a:buNone/>
+            </a:pPr>
+            <a:endParaRPr lang="en-US" sz="2800" dirty="0"/>
+          </a:p>
+          <a:p>
+            <a:pPr marL="0" indent="0">
+              <a:buNone/>
+            </a:pPr>
+            <a:endParaRPr lang="en-US" sz="2800" dirty="0"/>
+          </a:p>
+          <a:p>
+            <a:r>
+              <a:rPr lang="en-US" sz="2800" dirty="0"/>
+              <a:t>A list of items (arms) 	</a:t>
+            </a:r>
+          </a:p>
+          <a:p>
+            <a:pPr marL="0" indent="0">
+              <a:buNone/>
+            </a:pPr>
+            <a:endParaRPr lang="en-US" sz="2800" dirty="0"/>
+          </a:p>
+          <a:p>
+            <a:endParaRPr lang="en-US" sz="2800" dirty="0"/>
+          </a:p>
+          <a:p>
+            <a:r>
+              <a:rPr lang="en-US" sz="2800" dirty="0"/>
+              <a:t>The learner</a:t>
+            </a:r>
+          </a:p>
+          <a:p>
+            <a:endParaRPr lang="en-US" dirty="0"/>
+          </a:p>
+        </p:txBody>
+      </p:sp>
+      <p:sp>
+        <p:nvSpPr>
+          <p:cNvPr id="4" name="Slide Number Placeholder 3">
+            <a:extLst>
+              <a:ext uri="{FF2B5EF4-FFF2-40B4-BE49-F238E27FC236}">
+                <a16:creationId xmlns:a16="http://schemas.microsoft.com/office/drawing/2014/main" id="{FB28D328-527B-BF4B-BEC2-56B6AABECDB6}"/>
+              </a:ext>
+            </a:extLst>
+          </p:cNvPr>
+          <p:cNvSpPr>
+            <a:spLocks noGrp="1"/>
+          </p:cNvSpPr>
+          <p:nvPr>
+            <p:ph type="sldNum" sz="quarter" idx="12"/>
+          </p:nvPr>
+        </p:nvSpPr>
+        <p:spPr/>
+        <p:txBody>
+          <a:bodyPr/>
+          <a:lstStyle/>
+          <a:p>
+            <a:pPr algn="ctr"/>
+            <a:fld id="{90156F56-D5AE-4C6F-B826-C69D1BC521BB}" type="slidenum">
+              <a:rPr lang="en-US" smtClean="0"/>
+              <a:pPr algn="ctr"/>
+              <a:t>4</a:t>
+            </a:fld>
+            <a:endParaRPr lang="en-US" dirty="0"/>
+          </a:p>
+        </p:txBody>
+      </p:sp>
+      <p:pic>
+        <p:nvPicPr>
+          <p:cNvPr id="6" name="Picture 5">
+            <a:extLst>
+              <a:ext uri="{FF2B5EF4-FFF2-40B4-BE49-F238E27FC236}">
+                <a16:creationId xmlns:a16="http://schemas.microsoft.com/office/drawing/2014/main" id="{61883E3C-7B10-A842-B4D9-6750E7B640A9}"/>
+              </a:ext>
+            </a:extLst>
+          </p:cNvPr>
+          <p:cNvPicPr>
+            <a:picLocks noChangeAspect="1"/>
+          </p:cNvPicPr>
+          <p:nvPr/>
+        </p:nvPicPr>
+        <p:blipFill>
+          <a:blip r:embed="rId2"/>
+          <a:stretch>
+            <a:fillRect/>
+          </a:stretch>
+        </p:blipFill>
+        <p:spPr>
+          <a:xfrm>
+            <a:off x="4479856" y="1402003"/>
+            <a:ext cx="1751829" cy="1248335"/>
+          </a:xfrm>
+          <a:prstGeom prst="rect">
+            <a:avLst/>
+          </a:prstGeom>
+        </p:spPr>
+      </p:pic>
+      <p:pic>
+        <p:nvPicPr>
+          <p:cNvPr id="7" name="Picture 6">
+            <a:extLst>
+              <a:ext uri="{FF2B5EF4-FFF2-40B4-BE49-F238E27FC236}">
+                <a16:creationId xmlns:a16="http://schemas.microsoft.com/office/drawing/2014/main" id="{AF0F9E17-5F2F-544E-BB64-8A3AFD323F53}"/>
+              </a:ext>
+            </a:extLst>
+          </p:cNvPr>
+          <p:cNvPicPr>
+            <a:picLocks noChangeAspect="1"/>
+          </p:cNvPicPr>
+          <p:nvPr/>
+        </p:nvPicPr>
+        <p:blipFill>
+          <a:blip r:embed="rId3"/>
+          <a:stretch>
+            <a:fillRect/>
+          </a:stretch>
+        </p:blipFill>
+        <p:spPr>
+          <a:xfrm>
+            <a:off x="4458752" y="3061741"/>
+            <a:ext cx="2143528" cy="1120166"/>
+          </a:xfrm>
+          <a:prstGeom prst="rect">
+            <a:avLst/>
+          </a:prstGeom>
+        </p:spPr>
+      </p:pic>
+      <p:pic>
+        <p:nvPicPr>
+          <p:cNvPr id="8" name="Picture 7">
+            <a:extLst>
+              <a:ext uri="{FF2B5EF4-FFF2-40B4-BE49-F238E27FC236}">
+                <a16:creationId xmlns:a16="http://schemas.microsoft.com/office/drawing/2014/main" id="{61CB9796-AA95-FB44-84D1-E01306F3F9B0}"/>
+              </a:ext>
+            </a:extLst>
+          </p:cNvPr>
+          <p:cNvPicPr>
+            <a:picLocks noChangeAspect="1"/>
+          </p:cNvPicPr>
+          <p:nvPr/>
+        </p:nvPicPr>
+        <p:blipFill>
+          <a:blip r:embed="rId4"/>
+          <a:stretch>
+            <a:fillRect/>
+          </a:stretch>
+        </p:blipFill>
+        <p:spPr>
+          <a:xfrm>
+            <a:off x="4479856" y="4447124"/>
+            <a:ext cx="1751829" cy="1459858"/>
+          </a:xfrm>
+          <a:prstGeom prst="rect">
+            <a:avLst/>
+          </a:prstGeom>
+        </p:spPr>
+      </p:pic>
+    </p:spTree>
+    <p:extLst>
+      <p:ext uri="{BB962C8B-B14F-4D97-AF65-F5344CB8AC3E}">
+        <p14:creationId xmlns:p14="http://schemas.microsoft.com/office/powerpoint/2010/main" val="2749662322"/>
+      </p:ext>
+    </p:extLst>
+  </p:cSld>
+  <p:clrMapOvr>
+    <a:masterClrMapping/>
+  </p:clrMapOvr>
+</p:sld>
+</file>
+
+<file path=ppt/slides/slide5.xml><?xml version="1.0" encoding="utf-8"?>
+<p:sld xmlns:a="http://schemas.openxmlformats.org/drawingml/2006/main" xmlns:r="http://schemas.openxmlformats.org/officeDocument/2006/relationships" xmlns:p="http://schemas.openxmlformats.org/presentationml/2006/main">
+  <p:cSld>
+    <p:spTree>
+      <p:nvGrpSpPr>
+        <p:cNvPr id="1" name=""/>
+        <p:cNvGrpSpPr/>
+        <p:nvPr/>
+      </p:nvGrpSpPr>
+      <p:grpSpPr>
+        <a:xfrm>
+          <a:off x="0" y="0"/>
+          <a:ext cx="0" cy="0"/>
+          <a:chOff x="0" y="0"/>
+          <a:chExt cx="0" cy="0"/>
+        </a:xfrm>
+      </p:grpSpPr>
+      <p:sp>
+        <p:nvSpPr>
+          <p:cNvPr id="2" name="Title 1">
+            <a:extLst>
+              <a:ext uri="{FF2B5EF4-FFF2-40B4-BE49-F238E27FC236}">
                 <a16:creationId xmlns:a16="http://schemas.microsoft.com/office/drawing/2014/main" id="{1651CC78-4E52-E545-BD06-2EE30BB47E04}"/>
               </a:ext>
             </a:extLst>
@@ -14179,7 +15743,7 @@
             <a:fld id="{90156F56-D5AE-4C6F-B826-C69D1BC521BB}" type="slidenum">
               <a:rPr lang="en-US" smtClean="0"/>
               <a:pPr algn="ctr"/>
-              <a:t>3</a:t>
+              <a:t>5</a:t>
             </a:fld>
             <a:endParaRPr lang="en-US" dirty="0"/>
           </a:p>
@@ -14288,7 +15852,7 @@
 </p:sld>
 </file>
 
-<file path=ppt/slides/slide4.xml><?xml version="1.0" encoding="utf-8"?>
+<file path=ppt/slides/slide6.xml><?xml version="1.0" encoding="utf-8"?>
 <p:sld xmlns:a="http://schemas.openxmlformats.org/drawingml/2006/main" xmlns:r="http://schemas.openxmlformats.org/officeDocument/2006/relationships" xmlns:p="http://schemas.openxmlformats.org/presentationml/2006/main">
   <p:cSld>
     <p:spTree>
@@ -14349,7 +15913,7 @@
             <p:ph idx="1"/>
             <p:extLst>
               <p:ext uri="{D42A27DB-BD31-4B8C-83A1-F6EECF244321}">
-                <p14:modId xmlns:p14="http://schemas.microsoft.com/office/powerpoint/2010/main" val="3985791915"/>
+                <p14:modId xmlns:p14="http://schemas.microsoft.com/office/powerpoint/2010/main" val="2476981655"/>
               </p:ext>
             </p:extLst>
           </p:nvPr>
@@ -14389,7 +15953,7 @@
             <a:fld id="{90156F56-D5AE-4C6F-B826-C69D1BC521BB}" type="slidenum">
               <a:rPr lang="en-US" smtClean="0"/>
               <a:pPr algn="ctr"/>
-              <a:t>4</a:t>
+              <a:t>6</a:t>
             </a:fld>
             <a:endParaRPr lang="en-US" dirty="0"/>
           </a:p>
@@ -14558,7 +16122,7 @@
 </p:sld>
 </file>
 
-<file path=ppt/slides/slide5.xml><?xml version="1.0" encoding="utf-8"?>
+<file path=ppt/slides/slide7.xml><?xml version="1.0" encoding="utf-8"?>
 <p:sld xmlns:a="http://schemas.openxmlformats.org/drawingml/2006/main" xmlns:r="http://schemas.openxmlformats.org/officeDocument/2006/relationships" xmlns:p="http://schemas.openxmlformats.org/presentationml/2006/main">
   <p:cSld>
     <p:spTree>
@@ -15515,7 +17079,7 @@
             <a:fld id="{90156F56-D5AE-4C6F-B826-C69D1BC521BB}" type="slidenum">
               <a:rPr lang="en-US" smtClean="0"/>
               <a:pPr algn="ctr"/>
-              <a:t>5</a:t>
+              <a:t>7</a:t>
             </a:fld>
             <a:endParaRPr lang="en-US" dirty="0"/>
           </a:p>
@@ -15570,7 +17134,7 @@
 </p:sld>
 </file>
 
-<file path=ppt/slides/slide6.xml><?xml version="1.0" encoding="utf-8"?>
+<file path=ppt/slides/slide8.xml><?xml version="1.0" encoding="utf-8"?>
 <p:sld xmlns:a="http://schemas.openxmlformats.org/drawingml/2006/main" xmlns:r="http://schemas.openxmlformats.org/officeDocument/2006/relationships" xmlns:p="http://schemas.openxmlformats.org/presentationml/2006/main">
   <p:cSld>
     <p:spTree>
@@ -15966,7 +17530,7 @@
             <a:fld id="{90156F56-D5AE-4C6F-B826-C69D1BC521BB}" type="slidenum">
               <a:rPr lang="en-US" smtClean="0"/>
               <a:pPr algn="ctr"/>
-              <a:t>6</a:t>
+              <a:t>8</a:t>
             </a:fld>
             <a:endParaRPr lang="en-US" dirty="0"/>
           </a:p>
@@ -16021,7 +17585,7 @@
 </p:sld>
 </file>
 
-<file path=ppt/slides/slide7.xml><?xml version="1.0" encoding="utf-8"?>
+<file path=ppt/slides/slide9.xml><?xml version="1.0" encoding="utf-8"?>
 <p:sld xmlns:a="http://schemas.openxmlformats.org/drawingml/2006/main" xmlns:r="http://schemas.openxmlformats.org/officeDocument/2006/relationships" xmlns:p="http://schemas.openxmlformats.org/presentationml/2006/main">
   <p:cSld>
     <p:spTree>
@@ -16091,7 +17655,7 @@
             <a:fld id="{90156F56-D5AE-4C6F-B826-C69D1BC521BB}" type="slidenum">
               <a:rPr lang="en-US" smtClean="0"/>
               <a:pPr algn="ctr"/>
-              <a:t>7</a:t>
+              <a:t>9</a:t>
             </a:fld>
             <a:endParaRPr lang="en-US" dirty="0"/>
           </a:p>
@@ -16246,8 +17810,8 @@
         </p:blipFill>
         <p:spPr>
           <a:xfrm>
-            <a:off x="5451171" y="1082040"/>
-            <a:ext cx="6616043" cy="4796246"/>
+            <a:off x="5456898" y="1297577"/>
+            <a:ext cx="6454912" cy="4750526"/>
           </a:xfrm>
           <a:prstGeom prst="rect">
             <a:avLst/>
@@ -16258,1108 +17822,6 @@
     <p:extLst>
       <p:ext uri="{BB962C8B-B14F-4D97-AF65-F5344CB8AC3E}">
         <p14:creationId xmlns:p14="http://schemas.microsoft.com/office/powerpoint/2010/main" val="359040241"/>
-      </p:ext>
-    </p:extLst>
-  </p:cSld>
-  <p:clrMapOvr>
-    <a:masterClrMapping/>
-  </p:clrMapOvr>
-</p:sld>
-</file>
-
-<file path=ppt/slides/slide8.xml><?xml version="1.0" encoding="utf-8"?>
-<p:sld xmlns:a="http://schemas.openxmlformats.org/drawingml/2006/main" xmlns:r="http://schemas.openxmlformats.org/officeDocument/2006/relationships" xmlns:p="http://schemas.openxmlformats.org/presentationml/2006/main">
-  <p:cSld>
-    <p:spTree>
-      <p:nvGrpSpPr>
-        <p:cNvPr id="1" name=""/>
-        <p:cNvGrpSpPr/>
-        <p:nvPr/>
-      </p:nvGrpSpPr>
-      <p:grpSpPr>
-        <a:xfrm>
-          <a:off x="0" y="0"/>
-          <a:ext cx="0" cy="0"/>
-          <a:chOff x="0" y="0"/>
-          <a:chExt cx="0" cy="0"/>
-        </a:xfrm>
-      </p:grpSpPr>
-      <p:sp>
-        <p:nvSpPr>
-          <p:cNvPr id="2" name="Title 1">
-            <a:extLst>
-              <a:ext uri="{FF2B5EF4-FFF2-40B4-BE49-F238E27FC236}">
-                <a16:creationId xmlns:a16="http://schemas.microsoft.com/office/drawing/2014/main" id="{00860BFC-5D05-B541-9DB2-F72720B2EA38}"/>
-              </a:ext>
-            </a:extLst>
-          </p:cNvPr>
-          <p:cNvSpPr>
-            <a:spLocks noGrp="1"/>
-          </p:cNvSpPr>
-          <p:nvPr>
-            <p:ph type="title"/>
-          </p:nvPr>
-        </p:nvSpPr>
-        <p:spPr/>
-        <p:txBody>
-          <a:bodyPr/>
-          <a:lstStyle/>
-          <a:p>
-            <a:r>
-              <a:rPr lang="en-US" dirty="0"/>
-              <a:t>Related Works</a:t>
-            </a:r>
-          </a:p>
-        </p:txBody>
-      </p:sp>
-      <p:sp>
-        <p:nvSpPr>
-          <p:cNvPr id="3" name="Content Placeholder 2">
-            <a:extLst>
-              <a:ext uri="{FF2B5EF4-FFF2-40B4-BE49-F238E27FC236}">
-                <a16:creationId xmlns:a16="http://schemas.microsoft.com/office/drawing/2014/main" id="{4BC6D8CD-F662-7C40-9A6A-7F69DBF0EA13}"/>
-              </a:ext>
-            </a:extLst>
-          </p:cNvPr>
-          <p:cNvSpPr>
-            <a:spLocks noGrp="1"/>
-          </p:cNvSpPr>
-          <p:nvPr>
-            <p:ph idx="1"/>
-          </p:nvPr>
-        </p:nvSpPr>
-        <p:spPr/>
-        <p:txBody>
-          <a:bodyPr>
-            <a:normAutofit lnSpcReduction="10000"/>
-          </a:bodyPr>
-          <a:lstStyle/>
-          <a:p>
-            <a:pPr marL="0" indent="0">
-              <a:buNone/>
-            </a:pPr>
-            <a:r>
-              <a:rPr lang="en-US" sz="2400" dirty="0">
-                <a:solidFill>
-                  <a:schemeClr val="accent4">
-                    <a:lumMod val="50000"/>
-                  </a:schemeClr>
-                </a:solidFill>
-              </a:rPr>
-              <a:t>Difference with Latent Bandits (</a:t>
-            </a:r>
-            <a:r>
-              <a:rPr lang="en-US" sz="2400" dirty="0" err="1">
-                <a:solidFill>
-                  <a:schemeClr val="accent4">
-                    <a:lumMod val="50000"/>
-                  </a:schemeClr>
-                </a:solidFill>
-              </a:rPr>
-              <a:t>Maillard</a:t>
-            </a:r>
-            <a:r>
-              <a:rPr lang="en-US" sz="2400" dirty="0">
-                <a:solidFill>
-                  <a:schemeClr val="accent4">
-                    <a:lumMod val="50000"/>
-                  </a:schemeClr>
-                </a:solidFill>
-              </a:rPr>
-              <a:t> and </a:t>
-            </a:r>
-            <a:r>
-              <a:rPr lang="en-US" sz="2400" dirty="0" err="1">
-                <a:solidFill>
-                  <a:schemeClr val="accent4">
-                    <a:lumMod val="50000"/>
-                  </a:schemeClr>
-                </a:solidFill>
-              </a:rPr>
-              <a:t>Mannor</a:t>
-            </a:r>
-            <a:r>
-              <a:rPr lang="en-US" sz="2400" dirty="0">
-                <a:solidFill>
-                  <a:schemeClr val="accent4">
-                    <a:lumMod val="50000"/>
-                  </a:schemeClr>
-                </a:solidFill>
-              </a:rPr>
-              <a:t>, 2014), </a:t>
-            </a:r>
-            <a:r>
-              <a:rPr lang="en-US" sz="2400" dirty="0">
-                <a:solidFill>
-                  <a:srgbClr val="00B0F0"/>
-                </a:solidFill>
-              </a:rPr>
-              <a:t>[2]</a:t>
-            </a:r>
-          </a:p>
-          <a:p>
-            <a:r>
-              <a:rPr lang="en-US" sz="2200" dirty="0"/>
-              <a:t>K users divided into |B| clusters such that the reward </a:t>
-            </a:r>
-            <a:r>
-              <a:rPr lang="en-US" sz="2200" i="1" dirty="0"/>
-              <a:t>distributions</a:t>
-            </a:r>
-            <a:r>
-              <a:rPr lang="en-US" sz="2200" dirty="0"/>
-              <a:t> of all the users in each of the clusters are </a:t>
-            </a:r>
-            <a:r>
-              <a:rPr lang="en-US" sz="2200" i="1" dirty="0"/>
-              <a:t>identical</a:t>
-            </a:r>
-            <a:r>
-              <a:rPr lang="en-US" sz="2200" dirty="0"/>
-              <a:t>.</a:t>
-            </a:r>
-          </a:p>
-          <a:p>
-            <a:r>
-              <a:rPr lang="en-US" sz="2200" dirty="0"/>
-              <a:t>This problem easier to solve and has less practical applications.</a:t>
-            </a:r>
-          </a:p>
-          <a:p>
-            <a:pPr marL="0" indent="0">
-              <a:buNone/>
-            </a:pPr>
-            <a:endParaRPr lang="en-US" dirty="0"/>
-          </a:p>
-          <a:p>
-            <a:pPr marL="0" indent="0">
-              <a:buNone/>
-            </a:pPr>
-            <a:r>
-              <a:rPr lang="en-US" sz="2400" dirty="0">
-                <a:solidFill>
-                  <a:schemeClr val="accent4">
-                    <a:lumMod val="50000"/>
-                  </a:schemeClr>
-                </a:solidFill>
-              </a:rPr>
-              <a:t>Difference with Stochastic Rank-1 Bandits (</a:t>
-            </a:r>
-            <a:r>
-              <a:rPr lang="en-US" sz="2400" dirty="0" err="1">
-                <a:solidFill>
-                  <a:schemeClr val="accent4">
-                    <a:lumMod val="50000"/>
-                  </a:schemeClr>
-                </a:solidFill>
-              </a:rPr>
-              <a:t>Katariya</a:t>
-            </a:r>
-            <a:r>
-              <a:rPr lang="en-US" sz="2400" dirty="0">
-                <a:solidFill>
-                  <a:schemeClr val="accent4">
-                    <a:lumMod val="50000"/>
-                  </a:schemeClr>
-                </a:solidFill>
-              </a:rPr>
-              <a:t> et al., 2017),</a:t>
-            </a:r>
-            <a:r>
-              <a:rPr lang="en-US" sz="2400" dirty="0"/>
-              <a:t> </a:t>
-            </a:r>
-            <a:r>
-              <a:rPr lang="en-US" sz="2400" dirty="0">
-                <a:solidFill>
-                  <a:srgbClr val="00B0F0"/>
-                </a:solidFill>
-              </a:rPr>
-              <a:t>[5]</a:t>
-            </a:r>
-          </a:p>
-          <a:p>
-            <a:r>
-              <a:rPr lang="en-US" sz="2200" dirty="0"/>
-              <a:t>In this setting at every </a:t>
-            </a:r>
-            <a:r>
-              <a:rPr lang="en-US" sz="2200" dirty="0" err="1"/>
-              <a:t>timestep</a:t>
-            </a:r>
-            <a:r>
-              <a:rPr lang="en-US" sz="2200" dirty="0"/>
-              <a:t> the learner chooses a pair of user and arms.</a:t>
-            </a:r>
-          </a:p>
-          <a:p>
-            <a:r>
-              <a:rPr lang="en-US" sz="2200" dirty="0"/>
-              <a:t>No inherent grouping exist amongst the users.</a:t>
-            </a:r>
-          </a:p>
-          <a:p>
-            <a:pPr marL="0" indent="0">
-              <a:buNone/>
-            </a:pPr>
-            <a:endParaRPr lang="en-US" sz="2200" dirty="0"/>
-          </a:p>
-          <a:p>
-            <a:pPr marL="0" indent="0">
-              <a:buNone/>
-            </a:pPr>
-            <a:r>
-              <a:rPr lang="en-US" sz="2400" dirty="0">
-                <a:solidFill>
-                  <a:schemeClr val="accent4">
-                    <a:lumMod val="50000"/>
-                  </a:schemeClr>
-                </a:solidFill>
-              </a:rPr>
-              <a:t>Difference with Stochastic Low-Rank Bandits (</a:t>
-            </a:r>
-            <a:r>
-              <a:rPr lang="en-US" sz="2400" dirty="0" err="1">
-                <a:solidFill>
-                  <a:schemeClr val="accent4">
-                    <a:lumMod val="50000"/>
-                  </a:schemeClr>
-                </a:solidFill>
-              </a:rPr>
-              <a:t>Kveton</a:t>
-            </a:r>
-            <a:r>
-              <a:rPr lang="en-US" sz="2400" dirty="0">
-                <a:solidFill>
-                  <a:schemeClr val="accent4">
-                    <a:lumMod val="50000"/>
-                  </a:schemeClr>
-                </a:solidFill>
-              </a:rPr>
-              <a:t> et al., 2017),</a:t>
-            </a:r>
-            <a:r>
-              <a:rPr lang="en-US" sz="2400" dirty="0"/>
-              <a:t> </a:t>
-            </a:r>
-            <a:r>
-              <a:rPr lang="en-US" sz="2400" dirty="0">
-                <a:solidFill>
-                  <a:srgbClr val="00B0F0"/>
-                </a:solidFill>
-              </a:rPr>
-              <a:t>[6]</a:t>
-            </a:r>
-          </a:p>
-          <a:p>
-            <a:r>
-              <a:rPr lang="en-US" sz="2200" dirty="0"/>
-              <a:t>In this setting at every </a:t>
-            </a:r>
-            <a:r>
-              <a:rPr lang="en-US" sz="2200" dirty="0" err="1"/>
-              <a:t>timestep</a:t>
-            </a:r>
-            <a:r>
-              <a:rPr lang="en-US" sz="2200" dirty="0"/>
-              <a:t> the learner chooses d-subsets of user and arms.</a:t>
-            </a:r>
-          </a:p>
-          <a:p>
-            <a:r>
-              <a:rPr lang="en-US" sz="2200" dirty="0"/>
-              <a:t>No inherent grouping exist amongst the users.</a:t>
-            </a:r>
-          </a:p>
-          <a:p>
-            <a:r>
-              <a:rPr lang="en-US" sz="2200" dirty="0"/>
-              <a:t>Has the </a:t>
-            </a:r>
-            <a:r>
-              <a:rPr lang="en-US" sz="2200" i="1" dirty="0" err="1">
-                <a:solidFill>
-                  <a:srgbClr val="FF0000"/>
-                </a:solidFill>
-              </a:rPr>
-              <a:t>hott</a:t>
-            </a:r>
-            <a:r>
-              <a:rPr lang="en-US" sz="2200" i="1" dirty="0">
-                <a:solidFill>
-                  <a:srgbClr val="FF0000"/>
-                </a:solidFill>
-              </a:rPr>
-              <a:t>-topics</a:t>
-            </a:r>
-            <a:r>
-              <a:rPr lang="en-US" sz="2200" dirty="0"/>
-              <a:t> assumption on both users and item matrix.</a:t>
-            </a:r>
-          </a:p>
-          <a:p>
-            <a:pPr marL="0" indent="0">
-              <a:buNone/>
-            </a:pPr>
-            <a:endParaRPr lang="en-US" sz="2200" dirty="0"/>
-          </a:p>
-          <a:p>
-            <a:endParaRPr lang="en-US" sz="2200" dirty="0"/>
-          </a:p>
-        </p:txBody>
-      </p:sp>
-      <p:sp>
-        <p:nvSpPr>
-          <p:cNvPr id="4" name="Slide Number Placeholder 3">
-            <a:extLst>
-              <a:ext uri="{FF2B5EF4-FFF2-40B4-BE49-F238E27FC236}">
-                <a16:creationId xmlns:a16="http://schemas.microsoft.com/office/drawing/2014/main" id="{17FDE558-59B2-7846-83B0-D36F03F5143F}"/>
-              </a:ext>
-            </a:extLst>
-          </p:cNvPr>
-          <p:cNvSpPr>
-            <a:spLocks noGrp="1"/>
-          </p:cNvSpPr>
-          <p:nvPr>
-            <p:ph type="sldNum" sz="quarter" idx="12"/>
-          </p:nvPr>
-        </p:nvSpPr>
-        <p:spPr/>
-        <p:txBody>
-          <a:bodyPr/>
-          <a:lstStyle/>
-          <a:p>
-            <a:pPr algn="ctr"/>
-            <a:fld id="{90156F56-D5AE-4C6F-B826-C69D1BC521BB}" type="slidenum">
-              <a:rPr lang="en-US" smtClean="0"/>
-              <a:pPr algn="ctr"/>
-              <a:t>8</a:t>
-            </a:fld>
-            <a:endParaRPr lang="en-US" dirty="0"/>
-          </a:p>
-        </p:txBody>
-      </p:sp>
-    </p:spTree>
-    <p:extLst>
-      <p:ext uri="{BB962C8B-B14F-4D97-AF65-F5344CB8AC3E}">
-        <p14:creationId xmlns:p14="http://schemas.microsoft.com/office/powerpoint/2010/main" val="2207622426"/>
-      </p:ext>
-    </p:extLst>
-  </p:cSld>
-  <p:clrMapOvr>
-    <a:masterClrMapping/>
-  </p:clrMapOvr>
-</p:sld>
-</file>
-
-<file path=ppt/slides/slide9.xml><?xml version="1.0" encoding="utf-8"?>
-<p:sld xmlns:a="http://schemas.openxmlformats.org/drawingml/2006/main" xmlns:r="http://schemas.openxmlformats.org/officeDocument/2006/relationships" xmlns:p="http://schemas.openxmlformats.org/presentationml/2006/main" show="0">
-  <p:cSld>
-    <p:spTree>
-      <p:nvGrpSpPr>
-        <p:cNvPr id="1" name=""/>
-        <p:cNvGrpSpPr/>
-        <p:nvPr/>
-      </p:nvGrpSpPr>
-      <p:grpSpPr>
-        <a:xfrm>
-          <a:off x="0" y="0"/>
-          <a:ext cx="0" cy="0"/>
-          <a:chOff x="0" y="0"/>
-          <a:chExt cx="0" cy="0"/>
-        </a:xfrm>
-      </p:grpSpPr>
-      <p:sp>
-        <p:nvSpPr>
-          <p:cNvPr id="2" name="Title 1">
-            <a:extLst>
-              <a:ext uri="{FF2B5EF4-FFF2-40B4-BE49-F238E27FC236}">
-                <a16:creationId xmlns:a16="http://schemas.microsoft.com/office/drawing/2014/main" id="{432574C9-2022-C143-A498-D8BFA47A0A04}"/>
-              </a:ext>
-            </a:extLst>
-          </p:cNvPr>
-          <p:cNvSpPr>
-            <a:spLocks noGrp="1"/>
-          </p:cNvSpPr>
-          <p:nvPr>
-            <p:ph type="title"/>
-          </p:nvPr>
-        </p:nvSpPr>
-        <p:spPr/>
-        <p:txBody>
-          <a:bodyPr/>
-          <a:lstStyle/>
-          <a:p>
-            <a:r>
-              <a:rPr lang="en-US" dirty="0"/>
-              <a:t>Assumption and Example</a:t>
-            </a:r>
-          </a:p>
-        </p:txBody>
-      </p:sp>
-      <mc:AlternateContent xmlns:mc="http://schemas.openxmlformats.org/markup-compatibility/2006">
-        <mc:Choice xmlns:a14="http://schemas.microsoft.com/office/drawing/2010/main" Requires="a14">
-          <p:sp>
-            <p:nvSpPr>
-              <p:cNvPr id="3" name="Content Placeholder 2">
-                <a:extLst>
-                  <a:ext uri="{FF2B5EF4-FFF2-40B4-BE49-F238E27FC236}">
-                    <a16:creationId xmlns:a16="http://schemas.microsoft.com/office/drawing/2014/main" id="{5E409650-3DF8-D64F-81EC-A2B739B28F23}"/>
-                  </a:ext>
-                </a:extLst>
-              </p:cNvPr>
-              <p:cNvSpPr>
-                <a:spLocks noGrp="1"/>
-              </p:cNvSpPr>
-              <p:nvPr>
-                <p:ph idx="1"/>
-              </p:nvPr>
-            </p:nvSpPr>
-            <p:spPr/>
-            <p:txBody>
-              <a:bodyPr/>
-              <a:lstStyle/>
-              <a:p>
-                <a:pPr marL="0" indent="0">
-                  <a:buNone/>
-                </a:pPr>
-                <a:r>
-                  <a:rPr lang="en-US" sz="2800" dirty="0"/>
-                  <a:t>Further Assumptions</a:t>
-                </a:r>
-              </a:p>
-              <a:p>
-                <a:r>
-                  <a:rPr lang="en-US" dirty="0"/>
-                  <a:t>The time horizon </a:t>
-                </a:r>
-                <a:r>
-                  <a:rPr lang="en-US" sz="2200" b="1" dirty="0">
-                    <a:solidFill>
-                      <a:srgbClr val="00B050"/>
-                    </a:solidFill>
-                  </a:rPr>
-                  <a:t>n</a:t>
-                </a:r>
-                <a:r>
-                  <a:rPr lang="en-US" dirty="0"/>
-                  <a:t> may or may not be known to the learner.</a:t>
-                </a:r>
-              </a:p>
-              <a:p>
-                <a:r>
-                  <a:rPr lang="en-US" dirty="0"/>
-                  <a:t>The reward distributions are </a:t>
-                </a:r>
-                <a:r>
-                  <a:rPr lang="en-US" dirty="0">
-                    <a:solidFill>
-                      <a:schemeClr val="accent5">
-                        <a:lumMod val="75000"/>
-                      </a:schemeClr>
-                    </a:solidFill>
-                  </a:rPr>
-                  <a:t>sub-Gaussians</a:t>
-                </a:r>
-                <a:r>
-                  <a:rPr lang="en-US" dirty="0"/>
-                  <a:t> and rewards bounded in </a:t>
-                </a:r>
-                <a:r>
-                  <a:rPr lang="en-US" dirty="0">
-                    <a:solidFill>
-                      <a:schemeClr val="accent5">
-                        <a:lumMod val="75000"/>
-                      </a:schemeClr>
-                    </a:solidFill>
-                  </a:rPr>
-                  <a:t>[0,1]</a:t>
-                </a:r>
-                <a:r>
-                  <a:rPr lang="en-US" dirty="0"/>
-                  <a:t> with high probability.</a:t>
-                </a:r>
-              </a:p>
-              <a:p>
-                <a:pPr marL="0" indent="0">
-                  <a:buNone/>
-                </a:pPr>
-                <a:endParaRPr lang="en-US" dirty="0"/>
-              </a:p>
-              <a:p>
-                <a:pPr marL="0" indent="0">
-                  <a:buNone/>
-                </a:pPr>
-                <a:r>
-                  <a:rPr lang="en-US" sz="2800" dirty="0"/>
-                  <a:t>A Simple Example</a:t>
-                </a:r>
-              </a:p>
-              <a:p>
-                <a:pPr marL="0" indent="0">
-                  <a:buNone/>
-                </a:pPr>
-                <a:r>
-                  <a:rPr lang="en-US" sz="2200" b="1" i="1" dirty="0">
-                    <a:latin typeface="Cambria Math" panose="02040503050406030204" pitchFamily="18" charset="0"/>
-                    <a:ea typeface="Cambria Math" panose="02040503050406030204" pitchFamily="18" charset="0"/>
-                  </a:rPr>
-                  <a:t>U </a:t>
-                </a:r>
-                <a:r>
-                  <a:rPr lang="en-US" sz="2200" dirty="0">
-                    <a:latin typeface="Cambria Math" panose="02040503050406030204" pitchFamily="18" charset="0"/>
-                    <a:ea typeface="Cambria Math" panose="02040503050406030204" pitchFamily="18" charset="0"/>
-                  </a:rPr>
-                  <a:t>= </a:t>
-                </a:r>
-                <a14:m>
-                  <m:oMath xmlns:m="http://schemas.openxmlformats.org/officeDocument/2006/math">
-                    <m:m>
-                      <m:mPr>
-                        <m:mcs>
-                          <m:mc>
-                            <m:mcPr>
-                              <m:count m:val="2"/>
-                              <m:mcJc m:val="center"/>
-                            </m:mcPr>
-                          </m:mc>
-                        </m:mcs>
-                        <m:ctrlPr>
-                          <a:rPr lang="en-US" sz="2200" i="1" smtClean="0">
-                            <a:latin typeface="Cambria Math" panose="02040503050406030204" pitchFamily="18" charset="0"/>
-                            <a:ea typeface="Cambria Math" panose="02040503050406030204" pitchFamily="18" charset="0"/>
-                          </a:rPr>
-                        </m:ctrlPr>
-                      </m:mPr>
-                      <m:mr>
-                        <m:e>
-                          <m:r>
-                            <m:rPr>
-                              <m:brk m:alnAt="7"/>
-                            </m:rPr>
-                            <a:rPr lang="en-US" sz="2200" b="0" i="1" smtClean="0">
-                              <a:latin typeface="Cambria Math" panose="02040503050406030204" pitchFamily="18" charset="0"/>
-                              <a:ea typeface="Cambria Math" panose="02040503050406030204" pitchFamily="18" charset="0"/>
-                            </a:rPr>
-                            <m:t>1</m:t>
-                          </m:r>
-                        </m:e>
-                        <m:e>
-                          <m:r>
-                            <a:rPr lang="en-US" sz="2200" b="0" i="1" smtClean="0">
-                              <a:latin typeface="Cambria Math" panose="02040503050406030204" pitchFamily="18" charset="0"/>
-                              <a:ea typeface="Cambria Math" panose="02040503050406030204" pitchFamily="18" charset="0"/>
-                            </a:rPr>
-                            <m:t>0</m:t>
-                          </m:r>
-                        </m:e>
-                      </m:mr>
-                      <m:mr>
-                        <m:e>
-                          <m:r>
-                            <a:rPr lang="en-US" sz="2200" b="0" i="1" smtClean="0">
-                              <a:latin typeface="Cambria Math" panose="02040503050406030204" pitchFamily="18" charset="0"/>
-                              <a:ea typeface="Cambria Math" panose="02040503050406030204" pitchFamily="18" charset="0"/>
-                            </a:rPr>
-                            <m:t>0</m:t>
-                          </m:r>
-                        </m:e>
-                        <m:e>
-                          <m:r>
-                            <a:rPr lang="en-US" sz="2200" b="0" i="1" smtClean="0">
-                              <a:latin typeface="Cambria Math" panose="02040503050406030204" pitchFamily="18" charset="0"/>
-                              <a:ea typeface="Cambria Math" panose="02040503050406030204" pitchFamily="18" charset="0"/>
-                            </a:rPr>
-                            <m:t>1</m:t>
-                          </m:r>
-                        </m:e>
-                      </m:mr>
-                      <m:mr>
-                        <m:e>
-                          <m:r>
-                            <a:rPr lang="en-US" sz="2200" b="0" i="1" smtClean="0">
-                              <a:latin typeface="Cambria Math" panose="02040503050406030204" pitchFamily="18" charset="0"/>
-                              <a:ea typeface="Cambria Math" panose="02040503050406030204" pitchFamily="18" charset="0"/>
-                            </a:rPr>
-                            <m:t>0.6</m:t>
-                          </m:r>
-                        </m:e>
-                        <m:e>
-                          <m:r>
-                            <a:rPr lang="en-US" sz="2200" b="0" i="1" smtClean="0">
-                              <a:latin typeface="Cambria Math" panose="02040503050406030204" pitchFamily="18" charset="0"/>
-                              <a:ea typeface="Cambria Math" panose="02040503050406030204" pitchFamily="18" charset="0"/>
-                            </a:rPr>
-                            <m:t>0.4</m:t>
-                          </m:r>
-                        </m:e>
-                      </m:mr>
-                    </m:m>
-                  </m:oMath>
-                </a14:m>
-                <a:r>
-                  <a:rPr lang="en-US" sz="2200" dirty="0">
-                    <a:latin typeface="Cambria Math" panose="02040503050406030204" pitchFamily="18" charset="0"/>
-                    <a:ea typeface="Cambria Math" panose="02040503050406030204" pitchFamily="18" charset="0"/>
-                  </a:rPr>
-                  <a:t>		 </a:t>
-                </a:r>
-                <a:r>
-                  <a:rPr lang="en-US" sz="2200" b="1" i="1" dirty="0">
-                    <a:latin typeface="Cambria Math" panose="02040503050406030204" pitchFamily="18" charset="0"/>
-                    <a:ea typeface="Cambria Math" panose="02040503050406030204" pitchFamily="18" charset="0"/>
-                  </a:rPr>
-                  <a:t>V </a:t>
-                </a:r>
-                <a:r>
-                  <a:rPr lang="en-US" sz="2200" dirty="0">
-                    <a:latin typeface="Cambria Math" panose="02040503050406030204" pitchFamily="18" charset="0"/>
-                    <a:ea typeface="Cambria Math" panose="02040503050406030204" pitchFamily="18" charset="0"/>
-                  </a:rPr>
-                  <a:t>= </a:t>
-                </a:r>
-                <a14:m>
-                  <m:oMath xmlns:m="http://schemas.openxmlformats.org/officeDocument/2006/math">
-                    <m:m>
-                      <m:mPr>
-                        <m:mcs>
-                          <m:mc>
-                            <m:mcPr>
-                              <m:count m:val="2"/>
-                              <m:mcJc m:val="center"/>
-                            </m:mcPr>
-                          </m:mc>
-                        </m:mcs>
-                        <m:ctrlPr>
-                          <a:rPr lang="en-US" sz="2200" i="1" smtClean="0">
-                            <a:latin typeface="Cambria Math" panose="02040503050406030204" pitchFamily="18" charset="0"/>
-                            <a:ea typeface="Cambria Math" panose="02040503050406030204" pitchFamily="18" charset="0"/>
-                          </a:rPr>
-                        </m:ctrlPr>
-                      </m:mPr>
-                      <m:mr>
-                        <m:e>
-                          <m:r>
-                            <m:rPr>
-                              <m:brk m:alnAt="7"/>
-                            </m:rPr>
-                            <a:rPr lang="en-US" sz="2200" b="0" i="1" smtClean="0">
-                              <a:latin typeface="Cambria Math" panose="02040503050406030204" pitchFamily="18" charset="0"/>
-                              <a:ea typeface="Cambria Math" panose="02040503050406030204" pitchFamily="18" charset="0"/>
-                            </a:rPr>
-                            <m:t>1</m:t>
-                          </m:r>
-                        </m:e>
-                        <m:e>
-                          <m:r>
-                            <a:rPr lang="en-US" sz="2200" b="0" i="1" smtClean="0">
-                              <a:latin typeface="Cambria Math" panose="02040503050406030204" pitchFamily="18" charset="0"/>
-                              <a:ea typeface="Cambria Math" panose="02040503050406030204" pitchFamily="18" charset="0"/>
-                            </a:rPr>
-                            <m:t>0</m:t>
-                          </m:r>
-                        </m:e>
-                      </m:mr>
-                      <m:mr>
-                        <m:e>
-                          <m:r>
-                            <a:rPr lang="en-US" sz="2200" b="0" i="1" smtClean="0">
-                              <a:latin typeface="Cambria Math" panose="02040503050406030204" pitchFamily="18" charset="0"/>
-                              <a:ea typeface="Cambria Math" panose="02040503050406030204" pitchFamily="18" charset="0"/>
-                            </a:rPr>
-                            <m:t>0</m:t>
-                          </m:r>
-                        </m:e>
-                        <m:e>
-                          <m:r>
-                            <a:rPr lang="en-US" sz="2200" b="0" i="1" smtClean="0">
-                              <a:latin typeface="Cambria Math" panose="02040503050406030204" pitchFamily="18" charset="0"/>
-                              <a:ea typeface="Cambria Math" panose="02040503050406030204" pitchFamily="18" charset="0"/>
-                            </a:rPr>
-                            <m:t>1</m:t>
-                          </m:r>
-                        </m:e>
-                      </m:mr>
-                      <m:mr>
-                        <m:e>
-                          <m:r>
-                            <a:rPr lang="en-US" sz="2200" b="0" i="1" smtClean="0">
-                              <a:latin typeface="Cambria Math" panose="02040503050406030204" pitchFamily="18" charset="0"/>
-                              <a:ea typeface="Cambria Math" panose="02040503050406030204" pitchFamily="18" charset="0"/>
-                            </a:rPr>
-                            <m:t>0.6</m:t>
-                          </m:r>
-                        </m:e>
-                        <m:e>
-                          <m:r>
-                            <a:rPr lang="en-US" sz="2200" b="0" i="1" smtClean="0">
-                              <a:latin typeface="Cambria Math" panose="02040503050406030204" pitchFamily="18" charset="0"/>
-                              <a:ea typeface="Cambria Math" panose="02040503050406030204" pitchFamily="18" charset="0"/>
-                            </a:rPr>
-                            <m:t>0.4</m:t>
-                          </m:r>
-                        </m:e>
-                      </m:mr>
-                    </m:m>
-                  </m:oMath>
-                </a14:m>
-                <a:r>
-                  <a:rPr lang="en-US" sz="2200" dirty="0">
-                    <a:latin typeface="Cambria Math" panose="02040503050406030204" pitchFamily="18" charset="0"/>
-                    <a:ea typeface="Cambria Math" panose="02040503050406030204" pitchFamily="18" charset="0"/>
-                  </a:rPr>
-                  <a:t>  		</a:t>
-                </a:r>
-                <a:r>
-                  <a:rPr lang="en-US" sz="2200" b="1" dirty="0">
-                    <a:ea typeface="Cambria Math" panose="02040503050406030204" pitchFamily="18" charset="0"/>
-                  </a:rPr>
-                  <a:t> </a:t>
-                </a:r>
-                <a14:m>
-                  <m:oMath xmlns:m="http://schemas.openxmlformats.org/officeDocument/2006/math">
-                    <m:acc>
-                      <m:accPr>
-                        <m:chr m:val="̅"/>
-                        <m:ctrlPr>
-                          <a:rPr lang="en-US" sz="2200" b="1" i="1">
-                            <a:latin typeface="Cambria Math" panose="02040503050406030204" pitchFamily="18" charset="0"/>
-                            <a:ea typeface="Cambria Math" panose="02040503050406030204" pitchFamily="18" charset="0"/>
-                          </a:rPr>
-                        </m:ctrlPr>
-                      </m:accPr>
-                      <m:e>
-                        <m:r>
-                          <a:rPr lang="en-US" sz="2200" b="1" i="1">
-                            <a:latin typeface="Cambria Math" panose="02040503050406030204" pitchFamily="18" charset="0"/>
-                            <a:ea typeface="Cambria Math" panose="02040503050406030204" pitchFamily="18" charset="0"/>
-                          </a:rPr>
-                          <m:t>𝑹</m:t>
-                        </m:r>
-                      </m:e>
-                    </m:acc>
-                  </m:oMath>
-                </a14:m>
-                <a:r>
-                  <a:rPr lang="en-US" sz="2200" dirty="0"/>
-                  <a:t> </a:t>
-                </a:r>
-                <a:r>
-                  <a:rPr lang="en-US" sz="2200" dirty="0">
-                    <a:latin typeface="Cambria Math" panose="02040503050406030204" pitchFamily="18" charset="0"/>
-                    <a:ea typeface="Cambria Math" panose="02040503050406030204" pitchFamily="18" charset="0"/>
-                  </a:rPr>
-                  <a:t>= </a:t>
-                </a:r>
-                <a:r>
-                  <a:rPr lang="en-US" sz="2200" b="1" i="1" dirty="0">
-                    <a:latin typeface="Cambria Math" panose="02040503050406030204" pitchFamily="18" charset="0"/>
-                    <a:ea typeface="Cambria Math" panose="02040503050406030204" pitchFamily="18" charset="0"/>
-                  </a:rPr>
-                  <a:t>UV</a:t>
-                </a:r>
-                <a:r>
-                  <a:rPr lang="en-US" sz="2200" b="1" i="1" baseline="30000" dirty="0">
-                    <a:latin typeface="Cambria Math" panose="02040503050406030204" pitchFamily="18" charset="0"/>
-                    <a:ea typeface="Cambria Math" panose="02040503050406030204" pitchFamily="18" charset="0"/>
-                  </a:rPr>
-                  <a:t>T</a:t>
-                </a:r>
-                <a:r>
-                  <a:rPr lang="en-US" sz="2200" baseline="30000" dirty="0">
-                    <a:latin typeface="Cambria Math" panose="02040503050406030204" pitchFamily="18" charset="0"/>
-                    <a:ea typeface="Cambria Math" panose="02040503050406030204" pitchFamily="18" charset="0"/>
-                  </a:rPr>
-                  <a:t>  =</a:t>
-                </a:r>
-                <a:r>
-                  <a:rPr lang="en-US" sz="2200" dirty="0">
-                    <a:latin typeface="Cambria Math" panose="02040503050406030204" pitchFamily="18" charset="0"/>
-                    <a:ea typeface="Cambria Math" panose="02040503050406030204" pitchFamily="18" charset="0"/>
-                  </a:rPr>
-                  <a:t> </a:t>
-                </a:r>
-                <a14:m>
-                  <m:oMath xmlns:m="http://schemas.openxmlformats.org/officeDocument/2006/math">
-                    <m:m>
-                      <m:mPr>
-                        <m:mcs>
-                          <m:mc>
-                            <m:mcPr>
-                              <m:count m:val="3"/>
-                              <m:mcJc m:val="center"/>
-                            </m:mcPr>
-                          </m:mc>
-                        </m:mcs>
-                        <m:ctrlPr>
-                          <a:rPr lang="en-US" sz="2200" i="1" smtClean="0">
-                            <a:latin typeface="Cambria Math" panose="02040503050406030204" pitchFamily="18" charset="0"/>
-                            <a:ea typeface="Cambria Math" panose="02040503050406030204" pitchFamily="18" charset="0"/>
-                          </a:rPr>
-                        </m:ctrlPr>
-                      </m:mPr>
-                      <m:mr>
-                        <m:e>
-                          <m:r>
-                            <m:rPr>
-                              <m:brk m:alnAt="7"/>
-                            </m:rPr>
-                            <a:rPr lang="en-US" sz="2200" b="0" i="1" smtClean="0">
-                              <a:latin typeface="Cambria Math" panose="02040503050406030204" pitchFamily="18" charset="0"/>
-                              <a:ea typeface="Cambria Math" panose="02040503050406030204" pitchFamily="18" charset="0"/>
-                            </a:rPr>
-                            <m:t>1</m:t>
-                          </m:r>
-                        </m:e>
-                        <m:e>
-                          <m:r>
-                            <a:rPr lang="en-US" sz="2200" b="0" i="1" smtClean="0">
-                              <a:latin typeface="Cambria Math" panose="02040503050406030204" pitchFamily="18" charset="0"/>
-                              <a:ea typeface="Cambria Math" panose="02040503050406030204" pitchFamily="18" charset="0"/>
-                            </a:rPr>
-                            <m:t>0</m:t>
-                          </m:r>
-                        </m:e>
-                        <m:e>
-                          <m:r>
-                            <a:rPr lang="en-US" sz="2200" b="0" i="1" smtClean="0">
-                              <a:latin typeface="Cambria Math" panose="02040503050406030204" pitchFamily="18" charset="0"/>
-                              <a:ea typeface="Cambria Math" panose="02040503050406030204" pitchFamily="18" charset="0"/>
-                            </a:rPr>
-                            <m:t>0.6</m:t>
-                          </m:r>
-                        </m:e>
-                      </m:mr>
-                      <m:mr>
-                        <m:e>
-                          <m:r>
-                            <a:rPr lang="en-US" sz="2200" b="0" i="1" smtClean="0">
-                              <a:latin typeface="Cambria Math" panose="02040503050406030204" pitchFamily="18" charset="0"/>
-                              <a:ea typeface="Cambria Math" panose="02040503050406030204" pitchFamily="18" charset="0"/>
-                            </a:rPr>
-                            <m:t>0</m:t>
-                          </m:r>
-                        </m:e>
-                        <m:e>
-                          <m:r>
-                            <a:rPr lang="en-US" sz="2200" b="0" i="1" smtClean="0">
-                              <a:latin typeface="Cambria Math" panose="02040503050406030204" pitchFamily="18" charset="0"/>
-                              <a:ea typeface="Cambria Math" panose="02040503050406030204" pitchFamily="18" charset="0"/>
-                            </a:rPr>
-                            <m:t>1</m:t>
-                          </m:r>
-                        </m:e>
-                        <m:e>
-                          <m:r>
-                            <a:rPr lang="en-US" sz="2200" b="0" i="1" smtClean="0">
-                              <a:latin typeface="Cambria Math" panose="02040503050406030204" pitchFamily="18" charset="0"/>
-                              <a:ea typeface="Cambria Math" panose="02040503050406030204" pitchFamily="18" charset="0"/>
-                            </a:rPr>
-                            <m:t>0.4</m:t>
-                          </m:r>
-                        </m:e>
-                      </m:mr>
-                      <m:mr>
-                        <m:e>
-                          <m:r>
-                            <a:rPr lang="en-US" sz="2200" b="0" i="1" smtClean="0">
-                              <a:latin typeface="Cambria Math" panose="02040503050406030204" pitchFamily="18" charset="0"/>
-                              <a:ea typeface="Cambria Math" panose="02040503050406030204" pitchFamily="18" charset="0"/>
-                            </a:rPr>
-                            <m:t>0.6</m:t>
-                          </m:r>
-                        </m:e>
-                        <m:e>
-                          <m:r>
-                            <a:rPr lang="en-US" sz="2200" b="0" i="1" smtClean="0">
-                              <a:latin typeface="Cambria Math" panose="02040503050406030204" pitchFamily="18" charset="0"/>
-                              <a:ea typeface="Cambria Math" panose="02040503050406030204" pitchFamily="18" charset="0"/>
-                            </a:rPr>
-                            <m:t>0.4</m:t>
-                          </m:r>
-                        </m:e>
-                        <m:e>
-                          <m:r>
-                            <a:rPr lang="en-US" sz="2200" b="0" i="1" smtClean="0">
-                              <a:latin typeface="Cambria Math" panose="02040503050406030204" pitchFamily="18" charset="0"/>
-                              <a:ea typeface="Cambria Math" panose="02040503050406030204" pitchFamily="18" charset="0"/>
-                            </a:rPr>
-                            <m:t>0.52</m:t>
-                          </m:r>
-                        </m:e>
-                      </m:mr>
-                    </m:m>
-                  </m:oMath>
-                </a14:m>
-                <a:endParaRPr lang="en-US" sz="2200" dirty="0">
-                  <a:latin typeface="Cambria Math" panose="02040503050406030204" pitchFamily="18" charset="0"/>
-                  <a:ea typeface="Cambria Math" panose="02040503050406030204" pitchFamily="18" charset="0"/>
-                </a:endParaRPr>
-              </a:p>
-              <a:p>
-                <a14:m>
-                  <m:oMath xmlns:m="http://schemas.openxmlformats.org/officeDocument/2006/math">
-                    <m:acc>
-                      <m:accPr>
-                        <m:chr m:val="̅"/>
-                        <m:ctrlPr>
-                          <a:rPr lang="en-US" sz="2200" b="1" i="1">
-                            <a:latin typeface="Cambria Math" panose="02040503050406030204" pitchFamily="18" charset="0"/>
-                            <a:ea typeface="Cambria Math" panose="02040503050406030204" pitchFamily="18" charset="0"/>
-                          </a:rPr>
-                        </m:ctrlPr>
-                      </m:accPr>
-                      <m:e>
-                        <m:r>
-                          <a:rPr lang="en-US" sz="2200" b="1" i="1">
-                            <a:latin typeface="Cambria Math" panose="02040503050406030204" pitchFamily="18" charset="0"/>
-                            <a:ea typeface="Cambria Math" panose="02040503050406030204" pitchFamily="18" charset="0"/>
-                          </a:rPr>
-                          <m:t>𝑹</m:t>
-                        </m:r>
-                      </m:e>
-                    </m:acc>
-                  </m:oMath>
-                </a14:m>
-                <a:r>
-                  <a:rPr lang="en-US" sz="2200" dirty="0">
-                    <a:latin typeface="Cambria Math" panose="02040503050406030204" pitchFamily="18" charset="0"/>
-                    <a:ea typeface="Cambria Math" panose="02040503050406030204" pitchFamily="18" charset="0"/>
-                  </a:rPr>
-                  <a:t> </a:t>
-                </a:r>
-                <a:r>
-                  <a:rPr lang="en-US" sz="2200" dirty="0">
-                    <a:ea typeface="Cambria Math" panose="02040503050406030204" pitchFamily="18" charset="0"/>
-                  </a:rPr>
-                  <a:t>is a rank 2 matrix </a:t>
-                </a:r>
-              </a:p>
-              <a:p>
-                <a:r>
-                  <a:rPr lang="en-US" sz="2200" dirty="0">
-                    <a:ea typeface="Cambria Math" panose="02040503050406030204" pitchFamily="18" charset="0"/>
-                  </a:rPr>
-                  <a:t>Also we can obtain the following result, </a:t>
-                </a:r>
-              </a:p>
-            </p:txBody>
-          </p:sp>
-        </mc:Choice>
-        <mc:Fallback>
-          <p:sp>
-            <p:nvSpPr>
-              <p:cNvPr id="3" name="Content Placeholder 2">
-                <a:extLst>
-                  <a:ext uri="{FF2B5EF4-FFF2-40B4-BE49-F238E27FC236}">
-                    <a16:creationId xmlns:a16="http://schemas.microsoft.com/office/drawing/2014/main" id="{5E409650-3DF8-D64F-81EC-A2B739B28F23}"/>
-                  </a:ext>
-                </a:extLst>
-              </p:cNvPr>
-              <p:cNvSpPr>
-                <a:spLocks noGrp="1" noRot="1" noChangeAspect="1" noMove="1" noResize="1" noEditPoints="1" noAdjustHandles="1" noChangeArrowheads="1" noChangeShapeType="1" noTextEdit="1"/>
-              </p:cNvSpPr>
-              <p:nvPr>
-                <p:ph idx="1"/>
-              </p:nvPr>
-            </p:nvSpPr>
-            <p:spPr>
-              <a:blipFill>
-                <a:blip r:embed="rId2"/>
-                <a:stretch>
-                  <a:fillRect l="-987" t="-978"/>
-                </a:stretch>
-              </a:blipFill>
-            </p:spPr>
-            <p:txBody>
-              <a:bodyPr/>
-              <a:lstStyle/>
-              <a:p>
-                <a:r>
-                  <a:rPr lang="en-US">
-                    <a:noFill/>
-                  </a:rPr>
-                  <a:t> </a:t>
-                </a:r>
-              </a:p>
-            </p:txBody>
-          </p:sp>
-        </mc:Fallback>
-      </mc:AlternateContent>
-      <p:sp>
-        <p:nvSpPr>
-          <p:cNvPr id="4" name="Slide Number Placeholder 3">
-            <a:extLst>
-              <a:ext uri="{FF2B5EF4-FFF2-40B4-BE49-F238E27FC236}">
-                <a16:creationId xmlns:a16="http://schemas.microsoft.com/office/drawing/2014/main" id="{F8A43E25-B0AD-6B41-A53C-4E8C6A7B37AD}"/>
-              </a:ext>
-            </a:extLst>
-          </p:cNvPr>
-          <p:cNvSpPr>
-            <a:spLocks noGrp="1"/>
-          </p:cNvSpPr>
-          <p:nvPr>
-            <p:ph type="sldNum" sz="quarter" idx="12"/>
-          </p:nvPr>
-        </p:nvSpPr>
-        <p:spPr/>
-        <p:txBody>
-          <a:bodyPr/>
-          <a:lstStyle/>
-          <a:p>
-            <a:pPr algn="ctr"/>
-            <a:fld id="{90156F56-D5AE-4C6F-B826-C69D1BC521BB}" type="slidenum">
-              <a:rPr lang="en-US" smtClean="0"/>
-              <a:pPr algn="ctr"/>
-              <a:t>9</a:t>
-            </a:fld>
-            <a:endParaRPr lang="en-US" dirty="0"/>
-          </a:p>
-        </p:txBody>
-      </p:sp>
-      <p:pic>
-        <p:nvPicPr>
-          <p:cNvPr id="6" name="Picture 5">
-            <a:extLst>
-              <a:ext uri="{FF2B5EF4-FFF2-40B4-BE49-F238E27FC236}">
-                <a16:creationId xmlns:a16="http://schemas.microsoft.com/office/drawing/2014/main" id="{9C9AD09B-8E85-824F-8EAA-3CC37A6DBB10}"/>
-              </a:ext>
-            </a:extLst>
-          </p:cNvPr>
-          <p:cNvPicPr>
-            <a:picLocks noChangeAspect="1"/>
-          </p:cNvPicPr>
-          <p:nvPr/>
-        </p:nvPicPr>
-        <p:blipFill>
-          <a:blip r:embed="rId3"/>
-          <a:stretch>
-            <a:fillRect/>
-          </a:stretch>
-        </p:blipFill>
-        <p:spPr>
-          <a:xfrm>
-            <a:off x="980410" y="5206181"/>
-            <a:ext cx="8388143" cy="1118419"/>
-          </a:xfrm>
-          <a:prstGeom prst="rect">
-            <a:avLst/>
-          </a:prstGeom>
-          <a:solidFill>
-            <a:srgbClr val="00B050"/>
-          </a:solidFill>
-          <a:ln w="38100">
-            <a:solidFill>
-              <a:srgbClr val="FF0000"/>
-            </a:solidFill>
-          </a:ln>
-        </p:spPr>
-      </p:pic>
-    </p:spTree>
-    <p:extLst>
-      <p:ext uri="{BB962C8B-B14F-4D97-AF65-F5344CB8AC3E}">
-        <p14:creationId xmlns:p14="http://schemas.microsoft.com/office/powerpoint/2010/main" val="900708667"/>
       </p:ext>
     </p:extLst>
   </p:cSld>

--- a/Adobe PPT/Subho_Inception_talk.pptx
+++ b/Adobe PPT/Subho_Inception_talk.pptx
@@ -2387,7 +2387,7 @@
             <a:t>The learner chooses an </a:t>
           </a:r>
           <a:r>
-            <a:rPr lang="en-US" sz="1400">
+            <a:rPr lang="en-US" sz="1400" dirty="0">
               <a:solidFill>
                 <a:srgbClr val="FF0000"/>
               </a:solidFill>
@@ -2397,7 +2397,7 @@
             <a:t>arm j</a:t>
           </a:r>
           <a:r>
-            <a:rPr lang="en-US" sz="1400" baseline="-25000">
+            <a:rPr lang="en-US" sz="1400" baseline="-25000" dirty="0">
               <a:solidFill>
                 <a:srgbClr val="FF0000"/>
               </a:solidFill>
@@ -2407,18 +2407,13 @@
             <a:t>t</a:t>
           </a:r>
           <a:r>
-            <a:rPr lang="en-US" sz="1400">
+            <a:rPr lang="en-US" sz="1400" dirty="0">
               <a:solidFill>
                 <a:srgbClr val="0070C0"/>
               </a:solidFill>
             </a:rPr>
             <a:t>.</a:t>
           </a:r>
-          <a:endParaRPr lang="en-US" sz="1400" dirty="0">
-            <a:solidFill>
-              <a:srgbClr val="0070C0"/>
-            </a:solidFill>
-          </a:endParaRPr>
         </a:p>
       </dgm:t>
     </dgm:pt>
@@ -5159,7 +5154,7 @@
             <a:t>The learner chooses an </a:t>
           </a:r>
           <a:r>
-            <a:rPr lang="en-US" sz="1400" kern="1200">
+            <a:rPr lang="en-US" sz="1400" kern="1200" dirty="0">
               <a:solidFill>
                 <a:srgbClr val="FF0000"/>
               </a:solidFill>
@@ -5169,7 +5164,7 @@
             <a:t>arm j</a:t>
           </a:r>
           <a:r>
-            <a:rPr lang="en-US" sz="1400" kern="1200" baseline="-25000">
+            <a:rPr lang="en-US" sz="1400" kern="1200" baseline="-25000" dirty="0">
               <a:solidFill>
                 <a:srgbClr val="FF0000"/>
               </a:solidFill>
@@ -5179,18 +5174,13 @@
             <a:t>t</a:t>
           </a:r>
           <a:r>
-            <a:rPr lang="en-US" sz="1400" kern="1200">
+            <a:rPr lang="en-US" sz="1400" kern="1200" dirty="0">
               <a:solidFill>
                 <a:srgbClr val="0070C0"/>
               </a:solidFill>
             </a:rPr>
             <a:t>.</a:t>
           </a:r>
-          <a:endParaRPr lang="en-US" sz="1400" kern="1200" dirty="0">
-            <a:solidFill>
-              <a:srgbClr val="0070C0"/>
-            </a:solidFill>
-          </a:endParaRPr>
         </a:p>
       </dsp:txBody>
       <dsp:txXfrm>
@@ -13300,14 +13290,11 @@
               </a:rPr>
               <a:t>, 2014), </a:t>
             </a:r>
-            <a:r>
-              <a:rPr lang="en-US" sz="2400" dirty="0">
-                <a:solidFill>
-                  <a:srgbClr val="00B0F0"/>
-                </a:solidFill>
-              </a:rPr>
-              <a:t>[2]</a:t>
-            </a:r>
+            <a:endParaRPr lang="en-US" sz="2400" dirty="0">
+              <a:solidFill>
+                <a:srgbClr val="00B0F0"/>
+              </a:solidFill>
+            </a:endParaRPr>
           </a:p>
           <a:p>
             <a:r>
@@ -13381,14 +13368,11 @@
               <a:rPr lang="en-US" sz="2400" dirty="0"/>
               <a:t> </a:t>
             </a:r>
-            <a:r>
-              <a:rPr lang="en-US" sz="2400" dirty="0">
-                <a:solidFill>
-                  <a:srgbClr val="00B0F0"/>
-                </a:solidFill>
-              </a:rPr>
-              <a:t>[5]</a:t>
-            </a:r>
+            <a:endParaRPr lang="en-US" sz="2400" dirty="0">
+              <a:solidFill>
+                <a:srgbClr val="00B0F0"/>
+              </a:solidFill>
+            </a:endParaRPr>
           </a:p>
           <a:p>
             <a:r>
@@ -13454,14 +13438,11 @@
               <a:rPr lang="en-US" sz="2400" dirty="0"/>
               <a:t> </a:t>
             </a:r>
-            <a:r>
-              <a:rPr lang="en-US" sz="2400" dirty="0">
-                <a:solidFill>
-                  <a:srgbClr val="00B0F0"/>
-                </a:solidFill>
-              </a:rPr>
-              <a:t>[6]</a:t>
-            </a:r>
+            <a:endParaRPr lang="en-US" sz="2400" dirty="0">
+              <a:solidFill>
+                <a:srgbClr val="00B0F0"/>
+              </a:solidFill>
+            </a:endParaRPr>
           </a:p>
           <a:p>
             <a:r>
@@ -15235,7 +15216,7 @@
           <a:p>
             <a:r>
               <a:rPr lang="en-US" sz="2400" dirty="0"/>
-              <a:t>No previous data about the users </a:t>
+              <a:t>Limited previous data about the users </a:t>
             </a:r>
             <a:r>
               <a:rPr lang="en-US" sz="2400" dirty="0">
@@ -15297,10 +15278,6 @@
             </a:r>
           </a:p>
           <a:p>
-            <a:pPr marL="457200" indent="-457200">
-              <a:buFont typeface="+mj-lt"/>
-              <a:buAutoNum type="arabicPeriod"/>
-            </a:pPr>
             <a:r>
               <a:rPr lang="en-US" sz="2400" dirty="0">
                 <a:solidFill>
@@ -15313,10 +15290,6 @@
             </a:r>
           </a:p>
           <a:p>
-            <a:pPr marL="457200" indent="-457200">
-              <a:buFont typeface="+mj-lt"/>
-              <a:buAutoNum type="arabicPeriod"/>
-            </a:pPr>
             <a:r>
               <a:rPr lang="en-US" sz="2400" dirty="0">
                 <a:solidFill>
@@ -15329,10 +15302,6 @@
             </a:r>
           </a:p>
           <a:p>
-            <a:pPr marL="457200" indent="-457200">
-              <a:buFont typeface="+mj-lt"/>
-              <a:buAutoNum type="arabicPeriod"/>
-            </a:pPr>
             <a:r>
               <a:rPr lang="en-US" sz="2400" dirty="0">
                 <a:solidFill>
@@ -16865,88 +16834,7 @@
                 </a:r>
                 <a:r>
                   <a:rPr lang="en-US" sz="2200" dirty="0"/>
-                  <a:t>reveals mean </a:t>
-                </a:r>
-                <a14:m>
-                  <m:oMath xmlns:m="http://schemas.openxmlformats.org/officeDocument/2006/math">
-                    <m:sSub>
-                      <m:sSubPr>
-                        <m:ctrlPr>
-                          <a:rPr lang="en-US" sz="2200" b="1" i="1">
-                            <a:solidFill>
-                              <a:srgbClr val="00B050"/>
-                            </a:solidFill>
-                            <a:latin typeface="Cambria Math" panose="02040503050406030204" pitchFamily="18" charset="0"/>
-                            <a:ea typeface="Cambria Math" panose="02040503050406030204" pitchFamily="18" charset="0"/>
-                          </a:rPr>
-                        </m:ctrlPr>
-                      </m:sSubPr>
-                      <m:e>
-                        <m:acc>
-                          <m:accPr>
-                            <m:chr m:val="̅"/>
-                            <m:ctrlPr>
-                              <a:rPr lang="en-US" sz="2200" b="1" i="1">
-                                <a:solidFill>
-                                  <a:srgbClr val="00B050"/>
-                                </a:solidFill>
-                                <a:latin typeface="Cambria Math" panose="02040503050406030204" pitchFamily="18" charset="0"/>
-                                <a:ea typeface="Cambria Math" panose="02040503050406030204" pitchFamily="18" charset="0"/>
-                              </a:rPr>
-                            </m:ctrlPr>
-                          </m:accPr>
-                          <m:e>
-                            <m:r>
-                              <a:rPr lang="en-US" sz="2200" b="1" i="1">
-                                <a:solidFill>
-                                  <a:srgbClr val="00B050"/>
-                                </a:solidFill>
-                                <a:latin typeface="Cambria Math" panose="02040503050406030204" pitchFamily="18" charset="0"/>
-                                <a:ea typeface="Cambria Math" panose="02040503050406030204" pitchFamily="18" charset="0"/>
-                              </a:rPr>
-                              <m:t>𝑹</m:t>
-                            </m:r>
-                          </m:e>
-                        </m:acc>
-                      </m:e>
-                      <m:sub>
-                        <m:r>
-                          <a:rPr lang="en-US" sz="2200" b="1" i="1">
-                            <a:solidFill>
-                              <a:srgbClr val="00B050"/>
-                            </a:solidFill>
-                            <a:latin typeface="Cambria Math" panose="02040503050406030204" pitchFamily="18" charset="0"/>
-                            <a:ea typeface="Cambria Math" panose="02040503050406030204" pitchFamily="18" charset="0"/>
-                          </a:rPr>
-                          <m:t>𝒊</m:t>
-                        </m:r>
-                        <m:r>
-                          <a:rPr lang="en-US" sz="2200" b="1" i="1">
-                            <a:solidFill>
-                              <a:srgbClr val="00B050"/>
-                            </a:solidFill>
-                            <a:latin typeface="Cambria Math" panose="02040503050406030204" pitchFamily="18" charset="0"/>
-                            <a:ea typeface="Cambria Math" panose="02040503050406030204" pitchFamily="18" charset="0"/>
-                          </a:rPr>
-                          <m:t>,</m:t>
-                        </m:r>
-                        <m:r>
-                          <a:rPr lang="en-US" sz="2200" b="1" i="1">
-                            <a:solidFill>
-                              <a:srgbClr val="00B050"/>
-                            </a:solidFill>
-                            <a:latin typeface="Cambria Math" panose="02040503050406030204" pitchFamily="18" charset="0"/>
-                            <a:ea typeface="Cambria Math" panose="02040503050406030204" pitchFamily="18" charset="0"/>
-                          </a:rPr>
-                          <m:t>𝒋</m:t>
-                        </m:r>
-                      </m:sub>
-                    </m:sSub>
-                  </m:oMath>
-                </a14:m>
-                <a:r>
-                  <a:rPr lang="en-US" sz="2200" dirty="0"/>
-                  <a:t> on selection.</a:t>
+                  <a:t>reveals mean           on selection.</a:t>
                 </a:r>
               </a:p>
               <a:p>
@@ -17109,6 +16997,42 @@
           <a:xfrm>
             <a:off x="5363145" y="5070566"/>
             <a:ext cx="2478270" cy="315536"/>
+          </a:xfrm>
+          <a:prstGeom prst="rect">
+            <a:avLst/>
+          </a:prstGeom>
+          <a:solidFill>
+            <a:schemeClr val="accent1">
+              <a:lumMod val="60000"/>
+              <a:lumOff val="40000"/>
+            </a:schemeClr>
+          </a:solidFill>
+        </p:spPr>
+      </p:pic>
+      <p:pic>
+        <p:nvPicPr>
+          <p:cNvPr id="10" name="Picture 9">
+            <a:extLst>
+              <a:ext uri="{FF2B5EF4-FFF2-40B4-BE49-F238E27FC236}">
+                <a16:creationId xmlns:a16="http://schemas.microsoft.com/office/drawing/2014/main" id="{EE5A8DB9-3D8E-9747-846F-137FE6E804D1}"/>
+              </a:ext>
+            </a:extLst>
+          </p:cNvPr>
+          <p:cNvPicPr>
+            <a:picLocks noChangeAspect="1"/>
+          </p:cNvPicPr>
+          <p:nvPr/>
+        </p:nvPicPr>
+        <p:blipFill>
+          <a:blip r:embed="rId4"/>
+          <a:stretch>
+            <a:fillRect/>
+          </a:stretch>
+        </p:blipFill>
+        <p:spPr>
+          <a:xfrm>
+            <a:off x="6430600" y="4600122"/>
+            <a:ext cx="602254" cy="318044"/>
           </a:xfrm>
           <a:prstGeom prst="rect">
             <a:avLst/>

--- a/Adobe PPT/Subho_Inception_talk.pptx
+++ b/Adobe PPT/Subho_Inception_talk.pptx
@@ -2316,7 +2316,25 @@
                 <a:srgbClr val="0070C0"/>
               </a:solidFill>
             </a:rPr>
-            <a:t> t, Nature chooses a </a:t>
+            <a:t>, Nature chooses a </a:t>
+          </a:r>
+          <a:r>
+            <a:rPr lang="en-US" sz="1400" dirty="0" err="1">
+              <a:solidFill>
+                <a:srgbClr val="FF0000"/>
+              </a:solidFill>
+              <a:latin typeface="Cambria Math" panose="02040503050406030204" pitchFamily="18" charset="0"/>
+              <a:ea typeface="Cambria Math" panose="02040503050406030204" pitchFamily="18" charset="0"/>
+            </a:rPr>
+            <a:t>user</a:t>
+          </a:r>
+          <a:r>
+            <a:rPr lang="en-US" sz="1400" dirty="0" err="1">
+              <a:solidFill>
+                <a:schemeClr val="accent6"/>
+              </a:solidFill>
+            </a:rPr>
+            <a:t>t</a:t>
           </a:r>
           <a:r>
             <a:rPr lang="en-US" sz="1400" dirty="0">
@@ -2326,7 +2344,7 @@
               <a:latin typeface="Cambria Math" panose="02040503050406030204" pitchFamily="18" charset="0"/>
               <a:ea typeface="Cambria Math" panose="02040503050406030204" pitchFamily="18" charset="0"/>
             </a:rPr>
-            <a:t>user i</a:t>
+            <a:t> i</a:t>
           </a:r>
           <a:r>
             <a:rPr lang="en-US" sz="1400" baseline="-25000" dirty="0">
@@ -4503,7 +4521,25 @@
                 <a:srgbClr val="0070C0"/>
               </a:solidFill>
             </a:rPr>
-            <a:t> t, Nature chooses a </a:t>
+            <a:t>, Nature chooses a </a:t>
+          </a:r>
+          <a:r>
+            <a:rPr lang="en-US" sz="1400" kern="1200" dirty="0" err="1">
+              <a:solidFill>
+                <a:srgbClr val="FF0000"/>
+              </a:solidFill>
+              <a:latin typeface="Cambria Math" panose="02040503050406030204" pitchFamily="18" charset="0"/>
+              <a:ea typeface="Cambria Math" panose="02040503050406030204" pitchFamily="18" charset="0"/>
+            </a:rPr>
+            <a:t>user</a:t>
+          </a:r>
+          <a:r>
+            <a:rPr lang="en-US" sz="1400" kern="1200" dirty="0" err="1">
+              <a:solidFill>
+                <a:schemeClr val="accent6"/>
+              </a:solidFill>
+            </a:rPr>
+            <a:t>t</a:t>
           </a:r>
           <a:r>
             <a:rPr lang="en-US" sz="1400" kern="1200" dirty="0">
@@ -4513,7 +4549,7 @@
               <a:latin typeface="Cambria Math" panose="02040503050406030204" pitchFamily="18" charset="0"/>
               <a:ea typeface="Cambria Math" panose="02040503050406030204" pitchFamily="18" charset="0"/>
             </a:rPr>
-            <a:t>user i</a:t>
+            <a:t> i</a:t>
           </a:r>
           <a:r>
             <a:rPr lang="en-US" sz="1400" kern="1200" baseline="-25000" dirty="0">
@@ -15882,7 +15918,7 @@
             <p:ph idx="1"/>
             <p:extLst>
               <p:ext uri="{D42A27DB-BD31-4B8C-83A1-F6EECF244321}">
-                <p14:modId xmlns:p14="http://schemas.microsoft.com/office/powerpoint/2010/main" val="2476981655"/>
+                <p14:modId xmlns:p14="http://schemas.microsoft.com/office/powerpoint/2010/main" val="718724643"/>
               </p:ext>
             </p:extLst>
           </p:nvPr>

--- a/Adobe PPT/Subho_Inception_talk.pptx
+++ b/Adobe PPT/Subho_Inception_talk.pptx
@@ -1821,7 +1821,23 @@
                 <a:srgbClr val="0070C0"/>
               </a:solidFill>
             </a:rPr>
-            <a:t> t, Nature chooses a </a:t>
+            <a:t> </a:t>
+          </a:r>
+          <a:r>
+            <a:rPr lang="en-US" sz="1400" dirty="0">
+              <a:solidFill>
+                <a:schemeClr val="accent6"/>
+              </a:solidFill>
+            </a:rPr>
+            <a:t>t</a:t>
+          </a:r>
+          <a:r>
+            <a:rPr lang="en-US" sz="1400" dirty="0">
+              <a:solidFill>
+                <a:srgbClr val="0070C0"/>
+              </a:solidFill>
+            </a:rPr>
+            <a:t>, Nature chooses a </a:t>
           </a:r>
           <a:r>
             <a:rPr lang="en-US" sz="1400" dirty="0">
@@ -2309,6 +2325,22 @@
               </a:solidFill>
             </a:rPr>
             <a:t>timestep</a:t>
+          </a:r>
+          <a:r>
+            <a:rPr lang="en-US" sz="1400" dirty="0">
+              <a:solidFill>
+                <a:srgbClr val="0070C0"/>
+              </a:solidFill>
+            </a:rPr>
+            <a:t> </a:t>
+          </a:r>
+          <a:r>
+            <a:rPr lang="en-US" sz="1400" dirty="0">
+              <a:solidFill>
+                <a:schemeClr val="accent6"/>
+              </a:solidFill>
+            </a:rPr>
+            <a:t>t</a:t>
           </a:r>
           <a:r>
             <a:rPr lang="en-US" sz="1400" dirty="0">
@@ -3095,7 +3127,23 @@
                 <a:srgbClr val="0070C0"/>
               </a:solidFill>
             </a:rPr>
-            <a:t> t, Nature chooses a </a:t>
+            <a:t> </a:t>
+          </a:r>
+          <a:r>
+            <a:rPr lang="en-US" sz="1400" kern="1200" dirty="0">
+              <a:solidFill>
+                <a:schemeClr val="accent6"/>
+              </a:solidFill>
+            </a:rPr>
+            <a:t>t</a:t>
+          </a:r>
+          <a:r>
+            <a:rPr lang="en-US" sz="1400" kern="1200" dirty="0">
+              <a:solidFill>
+                <a:srgbClr val="0070C0"/>
+              </a:solidFill>
+            </a:rPr>
+            <a:t>, Nature chooses a </a:t>
           </a:r>
           <a:r>
             <a:rPr lang="en-US" sz="1400" kern="1200" dirty="0">
@@ -4514,6 +4562,22 @@
               </a:solidFill>
             </a:rPr>
             <a:t>timestep</a:t>
+          </a:r>
+          <a:r>
+            <a:rPr lang="en-US" sz="1400" kern="1200" dirty="0">
+              <a:solidFill>
+                <a:srgbClr val="0070C0"/>
+              </a:solidFill>
+            </a:rPr>
+            <a:t> </a:t>
+          </a:r>
+          <a:r>
+            <a:rPr lang="en-US" sz="1400" kern="1200" dirty="0">
+              <a:solidFill>
+                <a:schemeClr val="accent6"/>
+              </a:solidFill>
+            </a:rPr>
+            <a:t>t</a:t>
           </a:r>
           <a:r>
             <a:rPr lang="en-US" sz="1400" kern="1200" dirty="0">
@@ -13324,7 +13388,7 @@
                   </a:schemeClr>
                 </a:solidFill>
               </a:rPr>
-              <a:t>, 2014), </a:t>
+              <a:t>, 2014) </a:t>
             </a:r>
             <a:endParaRPr lang="en-US" sz="2400" dirty="0">
               <a:solidFill>
@@ -13398,11 +13462,7 @@
                   </a:schemeClr>
                 </a:solidFill>
               </a:rPr>
-              <a:t> et al., 2017),</a:t>
-            </a:r>
-            <a:r>
-              <a:rPr lang="en-US" sz="2400" dirty="0"/>
-              <a:t> </a:t>
+              <a:t> et al., 2017)</a:t>
             </a:r>
             <a:endParaRPr lang="en-US" sz="2400" dirty="0">
               <a:solidFill>
@@ -13468,11 +13528,7 @@
                   </a:schemeClr>
                 </a:solidFill>
               </a:rPr>
-              <a:t> et al., 2017),</a:t>
-            </a:r>
-            <a:r>
-              <a:rPr lang="en-US" sz="2400" dirty="0"/>
-              <a:t> </a:t>
+              <a:t> et al., 2017)</a:t>
             </a:r>
             <a:endParaRPr lang="en-US" sz="2400" dirty="0">
               <a:solidFill>
@@ -15708,7 +15764,7 @@
             <p:ph idx="1"/>
             <p:extLst>
               <p:ext uri="{D42A27DB-BD31-4B8C-83A1-F6EECF244321}">
-                <p14:modId xmlns:p14="http://schemas.microsoft.com/office/powerpoint/2010/main" val="285080615"/>
+                <p14:modId xmlns:p14="http://schemas.microsoft.com/office/powerpoint/2010/main" val="552420472"/>
               </p:ext>
             </p:extLst>
           </p:nvPr>
@@ -15918,7 +15974,7 @@
             <p:ph idx="1"/>
             <p:extLst>
               <p:ext uri="{D42A27DB-BD31-4B8C-83A1-F6EECF244321}">
-                <p14:modId xmlns:p14="http://schemas.microsoft.com/office/powerpoint/2010/main" val="718724643"/>
+                <p14:modId xmlns:p14="http://schemas.microsoft.com/office/powerpoint/2010/main" val="1270980358"/>
               </p:ext>
             </p:extLst>
           </p:nvPr>
@@ -17031,7 +17087,7 @@
         </p:blipFill>
         <p:spPr>
           <a:xfrm>
-            <a:off x="5363145" y="5070566"/>
+            <a:off x="5363145" y="4997918"/>
             <a:ext cx="2478270" cy="315536"/>
           </a:xfrm>
           <a:prstGeom prst="rect">

--- a/Adobe PPT/Subho_Inception_talk.pptx
+++ b/Adobe PPT/Subho_Inception_talk.pptx
@@ -17746,24 +17746,42 @@
             <a:r>
               <a:rPr lang="en-US" b="1" i="1" dirty="0">
                 <a:solidFill>
-                  <a:schemeClr val="accent5">
-                    <a:lumMod val="75000"/>
+                  <a:schemeClr val="accent4">
+                    <a:lumMod val="50000"/>
                   </a:schemeClr>
                 </a:solidFill>
+                <a:latin typeface="Cambria Math" panose="02040503050406030204" pitchFamily="18" charset="0"/>
+                <a:ea typeface="Cambria Math" panose="02040503050406030204" pitchFamily="18" charset="0"/>
               </a:rPr>
               <a:t>V</a:t>
             </a:r>
             <a:r>
               <a:rPr lang="en-US" dirty="0"/>
-              <a:t> is a </a:t>
+              <a:t>  is a </a:t>
             </a:r>
             <a:r>
-              <a:rPr lang="en-US" dirty="0" err="1"/>
+              <a:rPr lang="en-US" dirty="0" err="1">
+                <a:solidFill>
+                  <a:schemeClr val="accent4">
+                    <a:lumMod val="50000"/>
+                  </a:schemeClr>
+                </a:solidFill>
+              </a:rPr>
               <a:t>hott</a:t>
             </a:r>
             <a:r>
+              <a:rPr lang="en-US" dirty="0">
+                <a:solidFill>
+                  <a:schemeClr val="accent4">
+                    <a:lumMod val="50000"/>
+                  </a:schemeClr>
+                </a:solidFill>
+              </a:rPr>
+              <a:t>-topics</a:t>
+            </a:r>
+            <a:r>
               <a:rPr lang="en-US" dirty="0"/>
-              <a:t> topics matrix.</a:t>
+              <a:t> matrix.</a:t>
             </a:r>
           </a:p>
           <a:p>
